--- a/Error Handling presentation.pptx
+++ b/Error Handling presentation.pptx
@@ -5,10 +5,10 @@
     <p:sldMasterId id="2147483648" r:id="rId1"/>
   </p:sldMasterIdLst>
   <p:notesMasterIdLst>
-    <p:notesMasterId r:id="rId36"/>
+    <p:notesMasterId r:id="rId39"/>
   </p:notesMasterIdLst>
   <p:handoutMasterIdLst>
-    <p:handoutMasterId r:id="rId37"/>
+    <p:handoutMasterId r:id="rId40"/>
   </p:handoutMasterIdLst>
   <p:sldIdLst>
     <p:sldId id="256" r:id="rId2"/>
@@ -26,25 +26,28 @@
     <p:sldId id="292" r:id="rId14"/>
     <p:sldId id="293" r:id="rId15"/>
     <p:sldId id="294" r:id="rId16"/>
-    <p:sldId id="270" r:id="rId17"/>
-    <p:sldId id="312" r:id="rId18"/>
+    <p:sldId id="312" r:id="rId17"/>
+    <p:sldId id="270" r:id="rId18"/>
     <p:sldId id="271" r:id="rId19"/>
-    <p:sldId id="272" r:id="rId20"/>
-    <p:sldId id="314" r:id="rId21"/>
-    <p:sldId id="313" r:id="rId22"/>
-    <p:sldId id="299" r:id="rId23"/>
-    <p:sldId id="300" r:id="rId24"/>
-    <p:sldId id="301" r:id="rId25"/>
-    <p:sldId id="302" r:id="rId26"/>
-    <p:sldId id="303" r:id="rId27"/>
-    <p:sldId id="304" r:id="rId28"/>
-    <p:sldId id="305" r:id="rId29"/>
-    <p:sldId id="306" r:id="rId30"/>
-    <p:sldId id="295" r:id="rId31"/>
-    <p:sldId id="296" r:id="rId32"/>
-    <p:sldId id="297" r:id="rId33"/>
-    <p:sldId id="298" r:id="rId34"/>
-    <p:sldId id="310" r:id="rId35"/>
+    <p:sldId id="315" r:id="rId20"/>
+    <p:sldId id="316" r:id="rId21"/>
+    <p:sldId id="272" r:id="rId22"/>
+    <p:sldId id="314" r:id="rId23"/>
+    <p:sldId id="313" r:id="rId24"/>
+    <p:sldId id="299" r:id="rId25"/>
+    <p:sldId id="300" r:id="rId26"/>
+    <p:sldId id="301" r:id="rId27"/>
+    <p:sldId id="302" r:id="rId28"/>
+    <p:sldId id="303" r:id="rId29"/>
+    <p:sldId id="304" r:id="rId30"/>
+    <p:sldId id="305" r:id="rId31"/>
+    <p:sldId id="318" r:id="rId32"/>
+    <p:sldId id="295" r:id="rId33"/>
+    <p:sldId id="296" r:id="rId34"/>
+    <p:sldId id="297" r:id="rId35"/>
+    <p:sldId id="298" r:id="rId36"/>
+    <p:sldId id="310" r:id="rId37"/>
+    <p:sldId id="319" r:id="rId38"/>
   </p:sldIdLst>
   <p:sldSz cx="9144000" cy="6858000" type="screen4x3"/>
   <p:notesSz cx="6858000" cy="9144000"/>
@@ -175,9 +178,11 @@
         </p14:section>
         <p14:section name="Setting Up The API : Model &amp; Controller" id="{8A11717A-0837-49E8-8B55-CE34202079A4}">
           <p14:sldIdLst>
+            <p14:sldId id="312"/>
             <p14:sldId id="270"/>
-            <p14:sldId id="312"/>
             <p14:sldId id="271"/>
+            <p14:sldId id="315"/>
+            <p14:sldId id="316"/>
             <p14:sldId id="272"/>
           </p14:sldIdLst>
         </p14:section>
@@ -192,16 +197,17 @@
             <p14:sldId id="303"/>
             <p14:sldId id="304"/>
             <p14:sldId id="305"/>
-            <p14:sldId id="306"/>
           </p14:sldIdLst>
         </p14:section>
         <p14:section name="Focus : Validation Pipeline" id="{110F06E4-9541-41BF-A977-FE000F327D42}">
           <p14:sldIdLst>
+            <p14:sldId id="318"/>
             <p14:sldId id="295"/>
             <p14:sldId id="296"/>
             <p14:sldId id="297"/>
             <p14:sldId id="298"/>
             <p14:sldId id="310"/>
+            <p14:sldId id="319"/>
           </p14:sldIdLst>
         </p14:section>
       </p14:sectionLst>
@@ -306,7 +312,7 @@
           <a:p>
             <a:fld id="{85A73860-D32E-244F-97E2-8B44A1E732EA}" type="datetimeFigureOut">
               <a:rPr lang="en-US" smtClean="0"/>
-              <a:t>9/30/2015</a:t>
+              <a:t>10/1/2015</a:t>
             </a:fld>
             <a:endParaRPr lang="en-US"/>
           </a:p>
@@ -472,7 +478,7 @@
           <a:p>
             <a:fld id="{CFDCE18C-82BF-7049-907F-A04F522C5D10}" type="datetimeFigureOut">
               <a:rPr lang="en-US" smtClean="0"/>
-              <a:t>9/30/2015</a:t>
+              <a:t>10/1/2015</a:t>
             </a:fld>
             <a:endParaRPr lang="en-US"/>
           </a:p>
@@ -946,7 +952,7 @@
           <a:p>
             <a:fld id="{211E60AA-BB90-2D4E-9A05-9F2EA4A5745D}" type="datetime1">
               <a:rPr lang="en-GB" smtClean="0"/>
-              <a:t>30/09/2015</a:t>
+              <a:t>01/10/2015</a:t>
             </a:fld>
             <a:endParaRPr lang="en-US"/>
           </a:p>
@@ -1138,7 +1144,7 @@
           <a:p>
             <a:fld id="{AF7D99CB-36F9-AB44-9935-E8E81BCCE163}" type="datetime1">
               <a:rPr lang="en-GB" smtClean="0"/>
-              <a:t>30/09/2015</a:t>
+              <a:t>01/10/2015</a:t>
             </a:fld>
             <a:endParaRPr lang="en-US"/>
           </a:p>
@@ -1318,7 +1324,7 @@
           <a:p>
             <a:fld id="{40894566-D766-7C44-A74C-F71343F76073}" type="datetime1">
               <a:rPr lang="en-GB" smtClean="0"/>
-              <a:t>30/09/2015</a:t>
+              <a:t>01/10/2015</a:t>
             </a:fld>
             <a:endParaRPr lang="en-US"/>
           </a:p>
@@ -1425,7 +1431,7 @@
           <a:p>
             <a:fld id="{19645601-E4D8-6547-95D6-5833634BAB18}" type="datetime1">
               <a:rPr lang="en-GB" smtClean="0"/>
-              <a:t>30/09/2015</a:t>
+              <a:t>01/10/2015</a:t>
             </a:fld>
             <a:endParaRPr lang="en-US" dirty="0"/>
           </a:p>
@@ -1596,7 +1602,7 @@
           <a:p>
             <a:fld id="{B1DD997D-4F80-2742-BD8E-A81BAF896594}" type="datetime1">
               <a:rPr lang="en-GB" smtClean="0"/>
-              <a:t>30/09/2015</a:t>
+              <a:t>01/10/2015</a:t>
             </a:fld>
             <a:endParaRPr lang="en-US"/>
           </a:p>
@@ -1863,7 +1869,7 @@
             <a:fld id="{09094B57-6F4F-C84F-86E1-73956807D9DF}" type="datetime1">
               <a:rPr lang="en-GB" smtClean="0"/>
               <a:pPr/>
-              <a:t>30/09/2015</a:t>
+              <a:t>01/10/2015</a:t>
             </a:fld>
             <a:endParaRPr lang="en-US"/>
           </a:p>
@@ -2172,7 +2178,7 @@
           <a:p>
             <a:fld id="{8BF8174A-0B94-EF49-B569-F19DD9CB493C}" type="datetime1">
               <a:rPr lang="en-GB" smtClean="0"/>
-              <a:t>30/09/2015</a:t>
+              <a:t>01/10/2015</a:t>
             </a:fld>
             <a:endParaRPr lang="en-US"/>
           </a:p>
@@ -2602,7 +2608,7 @@
           <a:p>
             <a:fld id="{6BF7AF84-2502-9142-B142-8EBE4A2BD6BF}" type="datetime1">
               <a:rPr lang="en-GB" smtClean="0"/>
-              <a:t>30/09/2015</a:t>
+              <a:t>01/10/2015</a:t>
             </a:fld>
             <a:endParaRPr lang="en-US"/>
           </a:p>
@@ -2720,7 +2726,7 @@
           <a:p>
             <a:fld id="{29C625B6-99A9-D24B-948A-1AAA6A59D495}" type="datetime1">
               <a:rPr lang="en-GB" smtClean="0"/>
-              <a:t>30/09/2015</a:t>
+              <a:t>01/10/2015</a:t>
             </a:fld>
             <a:endParaRPr lang="en-US"/>
           </a:p>
@@ -2815,7 +2821,7 @@
           <a:p>
             <a:fld id="{235BD852-90AC-454D-980C-117C9815F7E0}" type="datetime1">
               <a:rPr lang="en-GB" smtClean="0"/>
-              <a:t>30/09/2015</a:t>
+              <a:t>01/10/2015</a:t>
             </a:fld>
             <a:endParaRPr lang="en-US"/>
           </a:p>
@@ -3094,7 +3100,7 @@
           <a:p>
             <a:fld id="{48152422-C06B-104C-AD1B-B033BDE2D553}" type="datetime1">
               <a:rPr lang="en-GB" smtClean="0"/>
-              <a:t>30/09/2015</a:t>
+              <a:t>01/10/2015</a:t>
             </a:fld>
             <a:endParaRPr lang="en-US"/>
           </a:p>
@@ -3351,7 +3357,7 @@
           <a:p>
             <a:fld id="{D0D5B1A1-94F8-094F-B5B1-BB11631897C9}" type="datetime1">
               <a:rPr lang="en-GB" smtClean="0"/>
-              <a:t>30/09/2015</a:t>
+              <a:t>01/10/2015</a:t>
             </a:fld>
             <a:endParaRPr lang="en-US"/>
           </a:p>
@@ -3572,7 +3578,7 @@
           <a:p>
             <a:fld id="{C918891B-6F3F-7A4F-88DD-48D206AC848E}" type="datetime1">
               <a:rPr lang="en-GB" smtClean="0"/>
-              <a:t>30/09/2015</a:t>
+              <a:t>01/10/2015</a:t>
             </a:fld>
             <a:endParaRPr lang="en-US" dirty="0"/>
           </a:p>
@@ -4100,15 +4106,7 @@
             </a:pPr>
             <a:r>
               <a:rPr lang="en-US" sz="2800" dirty="0" smtClean="0"/>
-              <a:t>Front End </a:t>
-            </a:r>
-            <a:r>
-              <a:rPr lang="en-US" sz="2800" dirty="0" smtClean="0"/>
-              <a:t>guys / API clients prefer consistent </a:t>
-            </a:r>
-            <a:r>
-              <a:rPr lang="en-US" sz="2800" dirty="0" smtClean="0"/>
-              <a:t>data</a:t>
+              <a:t>Front End guys / API clients prefer consistent data</a:t>
             </a:r>
           </a:p>
           <a:p>
@@ -4254,7 +4252,6 @@
               <a:rPr lang="en-US" sz="2800" dirty="0" smtClean="0"/>
               <a:t>They probably want some validation details</a:t>
             </a:r>
-            <a:endParaRPr lang="en-US" sz="2800" dirty="0" smtClean="0"/>
           </a:p>
           <a:p>
             <a:pPr marL="0" indent="0">
@@ -4420,15 +4417,7 @@
             </a:pPr>
             <a:r>
               <a:rPr lang="en-US" sz="2800" dirty="0" smtClean="0"/>
-              <a:t>We will set 3 main types of </a:t>
-            </a:r>
-            <a:r>
-              <a:rPr lang="en-US" sz="2800" dirty="0" smtClean="0"/>
-              <a:t>exceptions</a:t>
-            </a:r>
-            <a:r>
-              <a:rPr lang="en-US" sz="2800" dirty="0" smtClean="0"/>
-              <a:t>, based on 3 error scenarios</a:t>
+              <a:t>We will set 3 main types of exceptions, based on 3 error scenarios</a:t>
             </a:r>
           </a:p>
           <a:p>
@@ -4664,8 +4653,9 @@
             </a:pPr>
             <a:r>
               <a:rPr lang="en-US" sz="2800" dirty="0" smtClean="0"/>
-              <a:t>For client errors, there are two cases </a:t>
-            </a:r>
+              <a:t>Client errors :</a:t>
+            </a:r>
+            <a:endParaRPr lang="en-US" sz="2800" dirty="0" smtClean="0"/>
           </a:p>
           <a:p>
             <a:pPr>
@@ -5128,8 +5118,8 @@
               <a:buNone/>
             </a:pPr>
             <a:r>
-              <a:rPr lang="en-US" sz="2800" dirty="0" smtClean="0"/>
-              <a:t>For client errors, there are two cases </a:t>
+              <a:rPr lang="en-US" sz="2800" dirty="0"/>
+              <a:t>Client errors :</a:t>
             </a:r>
           </a:p>
           <a:p>
@@ -5139,7 +5129,11 @@
             </a:pPr>
             <a:r>
               <a:rPr lang="en-US" sz="2800" dirty="0" smtClean="0"/>
-              <a:t>Business errors</a:t>
+              <a:t>Business/Service </a:t>
+            </a:r>
+            <a:r>
+              <a:rPr lang="en-US" sz="2800" dirty="0" smtClean="0"/>
+              <a:t>errors</a:t>
             </a:r>
           </a:p>
         </p:txBody>
@@ -5814,6 +5808,100 @@
           <a:chExt cx="0" cy="0"/>
         </a:xfrm>
       </p:grpSpPr>
+      <p:sp>
+        <p:nvSpPr>
+          <p:cNvPr id="2" name="Title 1"/>
+          <p:cNvSpPr>
+            <a:spLocks noGrp="1"/>
+          </p:cNvSpPr>
+          <p:nvPr>
+            <p:ph type="title"/>
+          </p:nvPr>
+        </p:nvSpPr>
+        <p:spPr>
+          <a:xfrm>
+            <a:off x="778476" y="3264973"/>
+            <a:ext cx="8229600" cy="545544"/>
+          </a:xfrm>
+        </p:spPr>
+        <p:txBody>
+          <a:bodyPr>
+            <a:noAutofit/>
+          </a:bodyPr>
+          <a:lstStyle/>
+          <a:p>
+            <a:pPr algn="ctr"/>
+            <a:r>
+              <a:rPr lang="fr-FR" sz="3600" dirty="0" smtClean="0"/>
+              <a:t>Setting up the API</a:t>
+            </a:r>
+            <a:br>
+              <a:rPr lang="fr-FR" sz="3600" dirty="0" smtClean="0"/>
+            </a:br>
+            <a:r>
+              <a:rPr lang="fr-FR" sz="3600" dirty="0" smtClean="0"/>
+              <a:t>-</a:t>
+            </a:r>
+            <a:r>
+              <a:rPr lang="fr-FR" sz="3600" dirty="0"/>
+              <a:t/>
+            </a:r>
+            <a:br>
+              <a:rPr lang="fr-FR" sz="3600" dirty="0"/>
+            </a:br>
+            <a:r>
+              <a:rPr lang="fr-FR" sz="3600" dirty="0" err="1" smtClean="0"/>
+              <a:t>Models</a:t>
+            </a:r>
+            <a:r>
+              <a:rPr lang="fr-FR" sz="3600" dirty="0" smtClean="0"/>
+              <a:t> &amp; </a:t>
+            </a:r>
+            <a:r>
+              <a:rPr lang="fr-FR" sz="3600" dirty="0" err="1" smtClean="0"/>
+              <a:t>Controllers</a:t>
+            </a:r>
+            <a:endParaRPr lang="fr-FR" sz="3600" dirty="0"/>
+          </a:p>
+        </p:txBody>
+      </p:sp>
+    </p:spTree>
+    <p:extLst>
+      <p:ext uri="{BB962C8B-B14F-4D97-AF65-F5344CB8AC3E}">
+        <p14:creationId xmlns:p14="http://schemas.microsoft.com/office/powerpoint/2010/main" val="4249304921"/>
+      </p:ext>
+    </p:extLst>
+  </p:cSld>
+  <p:clrMapOvr>
+    <a:masterClrMapping/>
+  </p:clrMapOvr>
+  <p:timing>
+    <p:tnLst>
+      <p:par>
+        <p:cTn id="1" dur="indefinite" restart="never" nodeType="tmRoot"/>
+      </p:par>
+    </p:tnLst>
+  </p:timing>
+</p:sld>
+</file>
+
+<file path=ppt/slides/slide17.xml><?xml version="1.0" encoding="utf-8"?>
+<p:sld xmlns:a="http://schemas.openxmlformats.org/drawingml/2006/main" xmlns:r="http://schemas.openxmlformats.org/officeDocument/2006/relationships" xmlns:p="http://schemas.openxmlformats.org/presentationml/2006/main">
+  <p:cSld>
+    <p:spTree>
+      <p:nvGrpSpPr>
+        <p:cNvPr id="1" name=""/>
+        <p:cNvGrpSpPr/>
+        <p:nvPr/>
+      </p:nvGrpSpPr>
+      <p:grpSpPr>
+        <a:xfrm>
+          <a:off x="0" y="0"/>
+          <a:ext cx="0" cy="0"/>
+          <a:chOff x="0" y="0"/>
+          <a:chExt cx="0" cy="0"/>
+        </a:xfrm>
+      </p:grpSpPr>
       <p:pic>
         <p:nvPicPr>
           <p:cNvPr id="7" name="Picture 6"/>
@@ -6057,100 +6145,6 @@
 </p:sld>
 </file>
 
-<file path=ppt/slides/slide17.xml><?xml version="1.0" encoding="utf-8"?>
-<p:sld xmlns:a="http://schemas.openxmlformats.org/drawingml/2006/main" xmlns:r="http://schemas.openxmlformats.org/officeDocument/2006/relationships" xmlns:p="http://schemas.openxmlformats.org/presentationml/2006/main">
-  <p:cSld>
-    <p:spTree>
-      <p:nvGrpSpPr>
-        <p:cNvPr id="1" name=""/>
-        <p:cNvGrpSpPr/>
-        <p:nvPr/>
-      </p:nvGrpSpPr>
-      <p:grpSpPr>
-        <a:xfrm>
-          <a:off x="0" y="0"/>
-          <a:ext cx="0" cy="0"/>
-          <a:chOff x="0" y="0"/>
-          <a:chExt cx="0" cy="0"/>
-        </a:xfrm>
-      </p:grpSpPr>
-      <p:sp>
-        <p:nvSpPr>
-          <p:cNvPr id="2" name="Title 1"/>
-          <p:cNvSpPr>
-            <a:spLocks noGrp="1"/>
-          </p:cNvSpPr>
-          <p:nvPr>
-            <p:ph type="title"/>
-          </p:nvPr>
-        </p:nvSpPr>
-        <p:spPr>
-          <a:xfrm>
-            <a:off x="778476" y="3264973"/>
-            <a:ext cx="8229600" cy="545544"/>
-          </a:xfrm>
-        </p:spPr>
-        <p:txBody>
-          <a:bodyPr>
-            <a:noAutofit/>
-          </a:bodyPr>
-          <a:lstStyle/>
-          <a:p>
-            <a:pPr algn="ctr"/>
-            <a:r>
-              <a:rPr lang="fr-FR" sz="3600" dirty="0" smtClean="0"/>
-              <a:t>Setting up the API</a:t>
-            </a:r>
-            <a:br>
-              <a:rPr lang="fr-FR" sz="3600" dirty="0" smtClean="0"/>
-            </a:br>
-            <a:r>
-              <a:rPr lang="fr-FR" sz="3600" dirty="0" smtClean="0"/>
-              <a:t>-</a:t>
-            </a:r>
-            <a:r>
-              <a:rPr lang="fr-FR" sz="3600" dirty="0"/>
-              <a:t/>
-            </a:r>
-            <a:br>
-              <a:rPr lang="fr-FR" sz="3600" dirty="0"/>
-            </a:br>
-            <a:r>
-              <a:rPr lang="fr-FR" sz="3600" dirty="0" err="1" smtClean="0"/>
-              <a:t>Models</a:t>
-            </a:r>
-            <a:r>
-              <a:rPr lang="fr-FR" sz="3600" dirty="0" smtClean="0"/>
-              <a:t> &amp; </a:t>
-            </a:r>
-            <a:r>
-              <a:rPr lang="fr-FR" sz="3600" dirty="0" err="1" smtClean="0"/>
-              <a:t>Controllers</a:t>
-            </a:r>
-            <a:endParaRPr lang="fr-FR" sz="3600" dirty="0"/>
-          </a:p>
-        </p:txBody>
-      </p:sp>
-    </p:spTree>
-    <p:extLst>
-      <p:ext uri="{BB962C8B-B14F-4D97-AF65-F5344CB8AC3E}">
-        <p14:creationId xmlns:p14="http://schemas.microsoft.com/office/powerpoint/2010/main" val="4249304921"/>
-      </p:ext>
-    </p:extLst>
-  </p:cSld>
-  <p:clrMapOvr>
-    <a:masterClrMapping/>
-  </p:clrMapOvr>
-  <p:timing>
-    <p:tnLst>
-      <p:par>
-        <p:cTn id="1" dur="indefinite" restart="never" nodeType="tmRoot"/>
-      </p:par>
-    </p:tnLst>
-  </p:timing>
-</p:sld>
-</file>
-
 <file path=ppt/slides/slide18.xml><?xml version="1.0" encoding="utf-8"?>
 <p:sld xmlns:a="http://schemas.openxmlformats.org/drawingml/2006/main" xmlns:r="http://schemas.openxmlformats.org/officeDocument/2006/relationships" xmlns:p="http://schemas.openxmlformats.org/presentationml/2006/main">
   <p:cSld>
@@ -6341,6 +6335,479 @@
 </file>
 
 <file path=ppt/slides/slide19.xml><?xml version="1.0" encoding="utf-8"?>
+<p:sld xmlns:a="http://schemas.openxmlformats.org/drawingml/2006/main" xmlns:r="http://schemas.openxmlformats.org/officeDocument/2006/relationships" xmlns:p="http://schemas.openxmlformats.org/presentationml/2006/main">
+  <p:cSld>
+    <p:spTree>
+      <p:nvGrpSpPr>
+        <p:cNvPr id="1" name=""/>
+        <p:cNvGrpSpPr/>
+        <p:nvPr/>
+      </p:nvGrpSpPr>
+      <p:grpSpPr>
+        <a:xfrm>
+          <a:off x="0" y="0"/>
+          <a:ext cx="0" cy="0"/>
+          <a:chOff x="0" y="0"/>
+          <a:chExt cx="0" cy="0"/>
+        </a:xfrm>
+      </p:grpSpPr>
+      <p:sp>
+        <p:nvSpPr>
+          <p:cNvPr id="2" name="Title 1"/>
+          <p:cNvSpPr>
+            <a:spLocks noGrp="1"/>
+          </p:cNvSpPr>
+          <p:nvPr>
+            <p:ph type="title"/>
+          </p:nvPr>
+        </p:nvSpPr>
+        <p:spPr/>
+        <p:txBody>
+          <a:bodyPr/>
+          <a:lstStyle/>
+          <a:p>
+            <a:r>
+              <a:rPr lang="en-US" dirty="0" smtClean="0"/>
+              <a:t>Setting up the API : model attributes</a:t>
+            </a:r>
+            <a:endParaRPr lang="fr-FR" dirty="0"/>
+          </a:p>
+        </p:txBody>
+      </p:sp>
+      <p:pic>
+        <p:nvPicPr>
+          <p:cNvPr id="4" name="Picture 3"/>
+          <p:cNvPicPr>
+            <a:picLocks noChangeAspect="1"/>
+          </p:cNvPicPr>
+          <p:nvPr/>
+        </p:nvPicPr>
+        <p:blipFill>
+          <a:blip r:embed="rId2"/>
+          <a:stretch>
+            <a:fillRect/>
+          </a:stretch>
+        </p:blipFill>
+        <p:spPr>
+          <a:xfrm>
+            <a:off x="457200" y="1369974"/>
+            <a:ext cx="2409825" cy="4695825"/>
+          </a:xfrm>
+          <a:prstGeom prst="rect">
+            <a:avLst/>
+          </a:prstGeom>
+        </p:spPr>
+      </p:pic>
+      <p:sp>
+        <p:nvSpPr>
+          <p:cNvPr id="5" name="Rounded Rectangle 4"/>
+          <p:cNvSpPr/>
+          <p:nvPr/>
+        </p:nvSpPr>
+        <p:spPr>
+          <a:xfrm>
+            <a:off x="663144" y="5097092"/>
+            <a:ext cx="1626975" cy="282227"/>
+          </a:xfrm>
+          <a:prstGeom prst="roundRect">
+            <a:avLst/>
+          </a:prstGeom>
+          <a:noFill/>
+          <a:ln/>
+        </p:spPr>
+        <p:style>
+          <a:lnRef idx="2">
+            <a:schemeClr val="accent6"/>
+          </a:lnRef>
+          <a:fillRef idx="1">
+            <a:schemeClr val="lt1"/>
+          </a:fillRef>
+          <a:effectRef idx="0">
+            <a:schemeClr val="accent6"/>
+          </a:effectRef>
+          <a:fontRef idx="minor">
+            <a:schemeClr val="dk1"/>
+          </a:fontRef>
+        </p:style>
+        <p:txBody>
+          <a:bodyPr rot="0" spcFirstLastPara="0" vertOverflow="overflow" horzOverflow="overflow" vert="horz" wrap="square" lIns="91440" tIns="45720" rIns="91440" bIns="45720" numCol="1" spcCol="0" rtlCol="0" fromWordArt="0" anchor="ctr" anchorCtr="0" forceAA="0" compatLnSpc="1">
+            <a:prstTxWarp prst="textNoShape">
+              <a:avLst/>
+            </a:prstTxWarp>
+            <a:noAutofit/>
+          </a:bodyPr>
+          <a:lstStyle/>
+          <a:p>
+            <a:pPr algn="ctr"/>
+            <a:endParaRPr lang="fr-FR"/>
+          </a:p>
+        </p:txBody>
+      </p:sp>
+      <p:pic>
+        <p:nvPicPr>
+          <p:cNvPr id="6" name="Picture 5"/>
+          <p:cNvPicPr>
+            <a:picLocks noChangeAspect="1"/>
+          </p:cNvPicPr>
+          <p:nvPr/>
+        </p:nvPicPr>
+        <p:blipFill>
+          <a:blip r:embed="rId3"/>
+          <a:stretch>
+            <a:fillRect/>
+          </a:stretch>
+        </p:blipFill>
+        <p:spPr>
+          <a:xfrm>
+            <a:off x="3265016" y="2117686"/>
+            <a:ext cx="5200650" cy="3200400"/>
+          </a:xfrm>
+          <a:prstGeom prst="rect">
+            <a:avLst/>
+          </a:prstGeom>
+        </p:spPr>
+      </p:pic>
+    </p:spTree>
+    <p:extLst>
+      <p:ext uri="{BB962C8B-B14F-4D97-AF65-F5344CB8AC3E}">
+        <p14:creationId xmlns:p14="http://schemas.microsoft.com/office/powerpoint/2010/main" val="1236533095"/>
+      </p:ext>
+    </p:extLst>
+  </p:cSld>
+  <p:clrMapOvr>
+    <a:masterClrMapping/>
+  </p:clrMapOvr>
+</p:sld>
+</file>
+
+<file path=ppt/slides/slide2.xml><?xml version="1.0" encoding="utf-8"?>
+<p:sld xmlns:a="http://schemas.openxmlformats.org/drawingml/2006/main" xmlns:r="http://schemas.openxmlformats.org/officeDocument/2006/relationships" xmlns:p="http://schemas.openxmlformats.org/presentationml/2006/main">
+  <p:cSld>
+    <p:spTree>
+      <p:nvGrpSpPr>
+        <p:cNvPr id="1" name=""/>
+        <p:cNvGrpSpPr/>
+        <p:nvPr/>
+      </p:nvGrpSpPr>
+      <p:grpSpPr>
+        <a:xfrm>
+          <a:off x="0" y="0"/>
+          <a:ext cx="0" cy="0"/>
+          <a:chOff x="0" y="0"/>
+          <a:chExt cx="0" cy="0"/>
+        </a:xfrm>
+      </p:grpSpPr>
+      <p:sp>
+        <p:nvSpPr>
+          <p:cNvPr id="2" name="TextBox 1"/>
+          <p:cNvSpPr txBox="1"/>
+          <p:nvPr/>
+        </p:nvSpPr>
+        <p:spPr>
+          <a:xfrm>
+            <a:off x="533951" y="906162"/>
+            <a:ext cx="8478603" cy="4524315"/>
+          </a:xfrm>
+          <a:prstGeom prst="rect">
+            <a:avLst/>
+          </a:prstGeom>
+          <a:noFill/>
+        </p:spPr>
+        <p:txBody>
+          <a:bodyPr wrap="none" rtlCol="0">
+            <a:spAutoFit/>
+          </a:bodyPr>
+          <a:lstStyle/>
+          <a:p>
+            <a:pPr marL="400050" indent="-400050">
+              <a:buAutoNum type="romanUcPeriod"/>
+            </a:pPr>
+            <a:r>
+              <a:rPr lang="fr-FR" sz="3200" dirty="0" err="1" smtClean="0">
+                <a:latin typeface="Century Gothic"/>
+                <a:cs typeface="Century Gothic"/>
+              </a:rPr>
+              <a:t>Errors</a:t>
+            </a:r>
+            <a:r>
+              <a:rPr lang="fr-FR" sz="3200" dirty="0" smtClean="0">
+                <a:latin typeface="Century Gothic"/>
+                <a:cs typeface="Century Gothic"/>
+              </a:rPr>
+              <a:t> ?</a:t>
+            </a:r>
+          </a:p>
+          <a:p>
+            <a:pPr marL="400050" indent="-400050">
+              <a:buAutoNum type="romanUcPeriod"/>
+            </a:pPr>
+            <a:endParaRPr lang="fr-FR" sz="3200" dirty="0" smtClean="0">
+              <a:latin typeface="Century Gothic"/>
+              <a:cs typeface="Century Gothic"/>
+            </a:endParaRPr>
+          </a:p>
+          <a:p>
+            <a:pPr marL="400050" indent="-400050">
+              <a:buAutoNum type="romanUcPeriod"/>
+            </a:pPr>
+            <a:r>
+              <a:rPr lang="fr-FR" sz="3200" dirty="0" err="1" smtClean="0">
+                <a:latin typeface="Century Gothic"/>
+                <a:cs typeface="Century Gothic"/>
+              </a:rPr>
+              <a:t>Error</a:t>
+            </a:r>
+            <a:r>
+              <a:rPr lang="fr-FR" sz="3200" dirty="0" smtClean="0">
+                <a:latin typeface="Century Gothic"/>
+                <a:cs typeface="Century Gothic"/>
+              </a:rPr>
+              <a:t> </a:t>
+            </a:r>
+            <a:r>
+              <a:rPr lang="fr-FR" sz="3200" dirty="0" err="1" smtClean="0">
+                <a:latin typeface="Century Gothic"/>
+                <a:cs typeface="Century Gothic"/>
+              </a:rPr>
+              <a:t>specification</a:t>
+            </a:r>
+            <a:endParaRPr lang="fr-FR" sz="3200" dirty="0" smtClean="0">
+              <a:latin typeface="Century Gothic"/>
+              <a:cs typeface="Century Gothic"/>
+            </a:endParaRPr>
+          </a:p>
+          <a:p>
+            <a:pPr marL="400050" indent="-400050">
+              <a:buAutoNum type="romanUcPeriod"/>
+            </a:pPr>
+            <a:endParaRPr lang="fr-FR" sz="3200" dirty="0" smtClean="0">
+              <a:latin typeface="Century Gothic"/>
+              <a:cs typeface="Century Gothic"/>
+            </a:endParaRPr>
+          </a:p>
+          <a:p>
+            <a:pPr marL="400050" indent="-400050">
+              <a:buAutoNum type="romanUcPeriod"/>
+            </a:pPr>
+            <a:r>
+              <a:rPr lang="en-US" sz="3200" dirty="0" smtClean="0">
+                <a:latin typeface="Century Gothic"/>
+                <a:cs typeface="Century Gothic"/>
+              </a:rPr>
+              <a:t> Setting up the API : Models &amp; Controller</a:t>
+            </a:r>
+          </a:p>
+          <a:p>
+            <a:pPr marL="400050" indent="-400050">
+              <a:buAutoNum type="romanUcPeriod"/>
+            </a:pPr>
+            <a:endParaRPr lang="en-US" sz="3200" dirty="0" smtClean="0">
+              <a:latin typeface="Century Gothic"/>
+              <a:cs typeface="Century Gothic"/>
+            </a:endParaRPr>
+          </a:p>
+          <a:p>
+            <a:pPr marL="400050" indent="-400050">
+              <a:buAutoNum type="romanUcPeriod"/>
+            </a:pPr>
+            <a:r>
+              <a:rPr lang="en-US" sz="3200" dirty="0" smtClean="0">
+                <a:latin typeface="Century Gothic"/>
+                <a:cs typeface="Century Gothic"/>
+              </a:rPr>
+              <a:t> Throwing and Catching</a:t>
+            </a:r>
+          </a:p>
+          <a:p>
+            <a:pPr marL="400050" indent="-400050">
+              <a:buAutoNum type="romanUcPeriod"/>
+            </a:pPr>
+            <a:endParaRPr lang="fr-FR" sz="3200" dirty="0" smtClean="0">
+              <a:latin typeface="Century Gothic"/>
+              <a:cs typeface="Century Gothic"/>
+            </a:endParaRPr>
+          </a:p>
+          <a:p>
+            <a:pPr marL="400050" indent="-400050">
+              <a:buAutoNum type="romanUcPeriod"/>
+            </a:pPr>
+            <a:r>
+              <a:rPr lang="fr-FR" sz="3200" dirty="0" smtClean="0">
+                <a:latin typeface="Century Gothic"/>
+                <a:cs typeface="Century Gothic"/>
+              </a:rPr>
+              <a:t> Validation Pipeline</a:t>
+            </a:r>
+          </a:p>
+        </p:txBody>
+      </p:sp>
+    </p:spTree>
+    <p:extLst>
+      <p:ext uri="{BB962C8B-B14F-4D97-AF65-F5344CB8AC3E}">
+        <p14:creationId xmlns:p14="http://schemas.microsoft.com/office/powerpoint/2010/main" val="2469234875"/>
+      </p:ext>
+    </p:extLst>
+  </p:cSld>
+  <p:clrMapOvr>
+    <a:masterClrMapping/>
+  </p:clrMapOvr>
+  <p:timing>
+    <p:tnLst>
+      <p:par>
+        <p:cTn id="1" dur="indefinite" restart="never" nodeType="tmRoot"/>
+      </p:par>
+    </p:tnLst>
+  </p:timing>
+</p:sld>
+</file>
+
+<file path=ppt/slides/slide20.xml><?xml version="1.0" encoding="utf-8"?>
+<p:sld xmlns:a="http://schemas.openxmlformats.org/drawingml/2006/main" xmlns:r="http://schemas.openxmlformats.org/officeDocument/2006/relationships" xmlns:p="http://schemas.openxmlformats.org/presentationml/2006/main">
+  <p:cSld>
+    <p:spTree>
+      <p:nvGrpSpPr>
+        <p:cNvPr id="1" name=""/>
+        <p:cNvGrpSpPr/>
+        <p:nvPr/>
+      </p:nvGrpSpPr>
+      <p:grpSpPr>
+        <a:xfrm>
+          <a:off x="0" y="0"/>
+          <a:ext cx="0" cy="0"/>
+          <a:chOff x="0" y="0"/>
+          <a:chExt cx="0" cy="0"/>
+        </a:xfrm>
+      </p:grpSpPr>
+      <p:sp>
+        <p:nvSpPr>
+          <p:cNvPr id="2" name="Title 1"/>
+          <p:cNvSpPr>
+            <a:spLocks noGrp="1"/>
+          </p:cNvSpPr>
+          <p:nvPr>
+            <p:ph type="title"/>
+          </p:nvPr>
+        </p:nvSpPr>
+        <p:spPr/>
+        <p:txBody>
+          <a:bodyPr/>
+          <a:lstStyle/>
+          <a:p>
+            <a:r>
+              <a:rPr lang="en-US" dirty="0" smtClean="0"/>
+              <a:t>Setting up the API : model attributes</a:t>
+            </a:r>
+            <a:endParaRPr lang="fr-FR" dirty="0"/>
+          </a:p>
+        </p:txBody>
+      </p:sp>
+      <p:pic>
+        <p:nvPicPr>
+          <p:cNvPr id="4" name="Picture 3"/>
+          <p:cNvPicPr>
+            <a:picLocks noChangeAspect="1"/>
+          </p:cNvPicPr>
+          <p:nvPr/>
+        </p:nvPicPr>
+        <p:blipFill>
+          <a:blip r:embed="rId2"/>
+          <a:stretch>
+            <a:fillRect/>
+          </a:stretch>
+        </p:blipFill>
+        <p:spPr>
+          <a:xfrm>
+            <a:off x="457200" y="1369974"/>
+            <a:ext cx="2409825" cy="4695825"/>
+          </a:xfrm>
+          <a:prstGeom prst="rect">
+            <a:avLst/>
+          </a:prstGeom>
+        </p:spPr>
+      </p:pic>
+      <p:sp>
+        <p:nvSpPr>
+          <p:cNvPr id="5" name="Rounded Rectangle 4"/>
+          <p:cNvSpPr/>
+          <p:nvPr/>
+        </p:nvSpPr>
+        <p:spPr>
+          <a:xfrm>
+            <a:off x="663144" y="5097092"/>
+            <a:ext cx="1626975" cy="282227"/>
+          </a:xfrm>
+          <a:prstGeom prst="roundRect">
+            <a:avLst/>
+          </a:prstGeom>
+          <a:noFill/>
+          <a:ln/>
+        </p:spPr>
+        <p:style>
+          <a:lnRef idx="2">
+            <a:schemeClr val="accent6"/>
+          </a:lnRef>
+          <a:fillRef idx="1">
+            <a:schemeClr val="lt1"/>
+          </a:fillRef>
+          <a:effectRef idx="0">
+            <a:schemeClr val="accent6"/>
+          </a:effectRef>
+          <a:fontRef idx="minor">
+            <a:schemeClr val="dk1"/>
+          </a:fontRef>
+        </p:style>
+        <p:txBody>
+          <a:bodyPr rot="0" spcFirstLastPara="0" vertOverflow="overflow" horzOverflow="overflow" vert="horz" wrap="square" lIns="91440" tIns="45720" rIns="91440" bIns="45720" numCol="1" spcCol="0" rtlCol="0" fromWordArt="0" anchor="ctr" anchorCtr="0" forceAA="0" compatLnSpc="1">
+            <a:prstTxWarp prst="textNoShape">
+              <a:avLst/>
+            </a:prstTxWarp>
+            <a:noAutofit/>
+          </a:bodyPr>
+          <a:lstStyle/>
+          <a:p>
+            <a:pPr algn="ctr"/>
+            <a:endParaRPr lang="fr-FR"/>
+          </a:p>
+        </p:txBody>
+      </p:sp>
+      <p:pic>
+        <p:nvPicPr>
+          <p:cNvPr id="7" name="Picture 6"/>
+          <p:cNvPicPr>
+            <a:picLocks noChangeAspect="1"/>
+          </p:cNvPicPr>
+          <p:nvPr/>
+        </p:nvPicPr>
+        <p:blipFill>
+          <a:blip r:embed="rId3"/>
+          <a:stretch>
+            <a:fillRect/>
+          </a:stretch>
+        </p:blipFill>
+        <p:spPr>
+          <a:xfrm>
+            <a:off x="2809103" y="2398048"/>
+            <a:ext cx="6334897" cy="2548904"/>
+          </a:xfrm>
+          <a:prstGeom prst="rect">
+            <a:avLst/>
+          </a:prstGeom>
+        </p:spPr>
+      </p:pic>
+    </p:spTree>
+    <p:extLst>
+      <p:ext uri="{BB962C8B-B14F-4D97-AF65-F5344CB8AC3E}">
+        <p14:creationId xmlns:p14="http://schemas.microsoft.com/office/powerpoint/2010/main" val="2742076686"/>
+      </p:ext>
+    </p:extLst>
+  </p:cSld>
+  <p:clrMapOvr>
+    <a:masterClrMapping/>
+  </p:clrMapOvr>
+</p:sld>
+</file>
+
+<file path=ppt/slides/slide21.xml><?xml version="1.0" encoding="utf-8"?>
 <p:sld xmlns:a="http://schemas.openxmlformats.org/drawingml/2006/main" xmlns:r="http://schemas.openxmlformats.org/officeDocument/2006/relationships" xmlns:p="http://schemas.openxmlformats.org/presentationml/2006/main">
   <p:cSld>
     <p:spTree>
@@ -6617,221 +7084,7 @@
 </p:sld>
 </file>
 
-<file path=ppt/slides/slide2.xml><?xml version="1.0" encoding="utf-8"?>
-<p:sld xmlns:a="http://schemas.openxmlformats.org/drawingml/2006/main" xmlns:r="http://schemas.openxmlformats.org/officeDocument/2006/relationships" xmlns:p="http://schemas.openxmlformats.org/presentationml/2006/main">
-  <p:cSld>
-    <p:spTree>
-      <p:nvGrpSpPr>
-        <p:cNvPr id="1" name=""/>
-        <p:cNvGrpSpPr/>
-        <p:nvPr/>
-      </p:nvGrpSpPr>
-      <p:grpSpPr>
-        <a:xfrm>
-          <a:off x="0" y="0"/>
-          <a:ext cx="0" cy="0"/>
-          <a:chOff x="0" y="0"/>
-          <a:chExt cx="0" cy="0"/>
-        </a:xfrm>
-      </p:grpSpPr>
-      <p:sp>
-        <p:nvSpPr>
-          <p:cNvPr id="2" name="TextBox 1"/>
-          <p:cNvSpPr txBox="1"/>
-          <p:nvPr/>
-        </p:nvSpPr>
-        <p:spPr>
-          <a:xfrm>
-            <a:off x="533951" y="906162"/>
-            <a:ext cx="8478603" cy="4524315"/>
-          </a:xfrm>
-          <a:prstGeom prst="rect">
-            <a:avLst/>
-          </a:prstGeom>
-          <a:noFill/>
-        </p:spPr>
-        <p:txBody>
-          <a:bodyPr wrap="none" rtlCol="0">
-            <a:spAutoFit/>
-          </a:bodyPr>
-          <a:lstStyle/>
-          <a:p>
-            <a:pPr marL="400050" indent="-400050">
-              <a:buAutoNum type="romanUcPeriod"/>
-            </a:pPr>
-            <a:r>
-              <a:rPr lang="fr-FR" sz="3200" dirty="0" err="1" smtClean="0">
-                <a:latin typeface="Century Gothic"/>
-                <a:cs typeface="Century Gothic"/>
-              </a:rPr>
-              <a:t>Errors</a:t>
-            </a:r>
-            <a:r>
-              <a:rPr lang="fr-FR" sz="3200" dirty="0" smtClean="0">
-                <a:latin typeface="Century Gothic"/>
-                <a:cs typeface="Century Gothic"/>
-              </a:rPr>
-              <a:t> ?</a:t>
-            </a:r>
-          </a:p>
-          <a:p>
-            <a:pPr marL="400050" indent="-400050">
-              <a:buAutoNum type="romanUcPeriod"/>
-            </a:pPr>
-            <a:endParaRPr lang="fr-FR" sz="3200" dirty="0" smtClean="0">
-              <a:latin typeface="Century Gothic"/>
-              <a:cs typeface="Century Gothic"/>
-            </a:endParaRPr>
-          </a:p>
-          <a:p>
-            <a:pPr marL="400050" indent="-400050">
-              <a:buAutoNum type="romanUcPeriod"/>
-            </a:pPr>
-            <a:r>
-              <a:rPr lang="fr-FR" sz="3200" dirty="0" err="1" smtClean="0">
-                <a:latin typeface="Century Gothic"/>
-                <a:cs typeface="Century Gothic"/>
-              </a:rPr>
-              <a:t>Error</a:t>
-            </a:r>
-            <a:r>
-              <a:rPr lang="fr-FR" sz="3200" dirty="0" smtClean="0">
-                <a:latin typeface="Century Gothic"/>
-                <a:cs typeface="Century Gothic"/>
-              </a:rPr>
-              <a:t> </a:t>
-            </a:r>
-            <a:r>
-              <a:rPr lang="fr-FR" sz="3200" dirty="0" err="1" smtClean="0">
-                <a:latin typeface="Century Gothic"/>
-                <a:cs typeface="Century Gothic"/>
-              </a:rPr>
-              <a:t>specification</a:t>
-            </a:r>
-            <a:endParaRPr lang="fr-FR" sz="3200" dirty="0" smtClean="0">
-              <a:latin typeface="Century Gothic"/>
-              <a:cs typeface="Century Gothic"/>
-            </a:endParaRPr>
-          </a:p>
-          <a:p>
-            <a:pPr marL="400050" indent="-400050">
-              <a:buAutoNum type="romanUcPeriod"/>
-            </a:pPr>
-            <a:endParaRPr lang="fr-FR" sz="3200" dirty="0" smtClean="0">
-              <a:latin typeface="Century Gothic"/>
-              <a:cs typeface="Century Gothic"/>
-            </a:endParaRPr>
-          </a:p>
-          <a:p>
-            <a:pPr marL="400050" indent="-400050">
-              <a:buAutoNum type="romanUcPeriod"/>
-            </a:pPr>
-            <a:r>
-              <a:rPr lang="en-US" sz="3200" dirty="0" smtClean="0">
-                <a:latin typeface="Century Gothic"/>
-                <a:cs typeface="Century Gothic"/>
-              </a:rPr>
-              <a:t> Setting up the API </a:t>
-            </a:r>
-            <a:r>
-              <a:rPr lang="en-US" sz="3200" dirty="0" smtClean="0">
-                <a:latin typeface="Century Gothic"/>
-                <a:cs typeface="Century Gothic"/>
-              </a:rPr>
-              <a:t>: Models &amp; Controller</a:t>
-            </a:r>
-            <a:endParaRPr lang="en-US" sz="3200" dirty="0" smtClean="0">
-              <a:latin typeface="Century Gothic"/>
-              <a:cs typeface="Century Gothic"/>
-            </a:endParaRPr>
-          </a:p>
-          <a:p>
-            <a:pPr marL="400050" indent="-400050">
-              <a:buAutoNum type="romanUcPeriod"/>
-            </a:pPr>
-            <a:endParaRPr lang="en-US" sz="3200" dirty="0" smtClean="0">
-              <a:latin typeface="Century Gothic"/>
-              <a:cs typeface="Century Gothic"/>
-            </a:endParaRPr>
-          </a:p>
-          <a:p>
-            <a:pPr marL="400050" indent="-400050">
-              <a:buAutoNum type="romanUcPeriod"/>
-            </a:pPr>
-            <a:r>
-              <a:rPr lang="en-US" sz="3200" dirty="0" smtClean="0">
-                <a:latin typeface="Century Gothic"/>
-                <a:cs typeface="Century Gothic"/>
-              </a:rPr>
-              <a:t> </a:t>
-            </a:r>
-            <a:r>
-              <a:rPr lang="en-US" sz="3200" dirty="0" smtClean="0">
-                <a:latin typeface="Century Gothic"/>
-                <a:cs typeface="Century Gothic"/>
-              </a:rPr>
-              <a:t>Throwing and Catching</a:t>
-            </a:r>
-            <a:endParaRPr lang="en-US" sz="3200" dirty="0" smtClean="0">
-              <a:latin typeface="Century Gothic"/>
-              <a:cs typeface="Century Gothic"/>
-            </a:endParaRPr>
-          </a:p>
-          <a:p>
-            <a:pPr marL="400050" indent="-400050">
-              <a:buAutoNum type="romanUcPeriod"/>
-            </a:pPr>
-            <a:endParaRPr lang="fr-FR" sz="3200" dirty="0" smtClean="0">
-              <a:latin typeface="Century Gothic"/>
-              <a:cs typeface="Century Gothic"/>
-            </a:endParaRPr>
-          </a:p>
-          <a:p>
-            <a:pPr marL="400050" indent="-400050">
-              <a:buAutoNum type="romanUcPeriod"/>
-            </a:pPr>
-            <a:r>
-              <a:rPr lang="fr-FR" sz="3200" dirty="0" smtClean="0">
-                <a:latin typeface="Century Gothic"/>
-                <a:cs typeface="Century Gothic"/>
-              </a:rPr>
-              <a:t> </a:t>
-            </a:r>
-            <a:r>
-              <a:rPr lang="fr-FR" sz="3200" dirty="0" smtClean="0">
-                <a:latin typeface="Century Gothic"/>
-                <a:cs typeface="Century Gothic"/>
-              </a:rPr>
-              <a:t>Validation Pipeline</a:t>
-            </a:r>
-            <a:endParaRPr lang="fr-FR" sz="3200" dirty="0" smtClean="0">
-              <a:latin typeface="Century Gothic"/>
-              <a:cs typeface="Century Gothic"/>
-            </a:endParaRPr>
-          </a:p>
-        </p:txBody>
-      </p:sp>
-    </p:spTree>
-    <p:extLst>
-      <p:ext uri="{BB962C8B-B14F-4D97-AF65-F5344CB8AC3E}">
-        <p14:creationId xmlns:p14="http://schemas.microsoft.com/office/powerpoint/2010/main" val="2469234875"/>
-      </p:ext>
-    </p:extLst>
-  </p:cSld>
-  <p:clrMapOvr>
-    <a:masterClrMapping/>
-  </p:clrMapOvr>
-  <p:timing>
-    <p:tnLst>
-      <p:par>
-        <p:cTn id="1" dur="indefinite" restart="never" nodeType="tmRoot"/>
-      </p:par>
-    </p:tnLst>
-  </p:timing>
-</p:sld>
-</file>
-
-<file path=ppt/slides/slide20.xml><?xml version="1.0" encoding="utf-8"?>
+<file path=ppt/slides/slide22.xml><?xml version="1.0" encoding="utf-8"?>
 <p:sld xmlns:a="http://schemas.openxmlformats.org/drawingml/2006/main" xmlns:r="http://schemas.openxmlformats.org/officeDocument/2006/relationships" xmlns:p="http://schemas.openxmlformats.org/presentationml/2006/main">
   <p:cSld>
     <p:spTree>
@@ -6934,7 +7187,7 @@
 </p:sld>
 </file>
 
-<file path=ppt/slides/slide21.xml><?xml version="1.0" encoding="utf-8"?>
+<file path=ppt/slides/slide23.xml><?xml version="1.0" encoding="utf-8"?>
 <p:sld xmlns:a="http://schemas.openxmlformats.org/drawingml/2006/main" xmlns:r="http://schemas.openxmlformats.org/officeDocument/2006/relationships" xmlns:p="http://schemas.openxmlformats.org/presentationml/2006/main">
   <p:cSld>
     <p:spTree>
@@ -7235,7 +7488,7 @@
 </p:sld>
 </file>
 
-<file path=ppt/slides/slide22.xml><?xml version="1.0" encoding="utf-8"?>
+<file path=ppt/slides/slide24.xml><?xml version="1.0" encoding="utf-8"?>
 <p:sld xmlns:a="http://schemas.openxmlformats.org/drawingml/2006/main" xmlns:r="http://schemas.openxmlformats.org/officeDocument/2006/relationships" xmlns:p="http://schemas.openxmlformats.org/presentationml/2006/main">
   <p:cSld>
     <p:spTree>
@@ -7293,19 +7546,7 @@
           <a:p>
             <a:r>
               <a:rPr lang="en-US" dirty="0" smtClean="0"/>
-              <a:t>Throwing </a:t>
-            </a:r>
-            <a:r>
-              <a:rPr lang="en-US" dirty="0" smtClean="0"/>
-              <a:t>&amp; Catching : </a:t>
-            </a:r>
-            <a:r>
-              <a:rPr lang="en-US" dirty="0" smtClean="0"/>
-              <a:t>Validation </a:t>
-            </a:r>
-            <a:r>
-              <a:rPr lang="en-US" dirty="0" smtClean="0"/>
-              <a:t>Filter</a:t>
+              <a:t>Throwing &amp; Catching : Validation Filter</a:t>
             </a:r>
             <a:endParaRPr lang="fr-FR" dirty="0"/>
           </a:p>
@@ -7492,7 +7733,7 @@
 </p:sld>
 </file>
 
-<file path=ppt/slides/slide23.xml><?xml version="1.0" encoding="utf-8"?>
+<file path=ppt/slides/slide25.xml><?xml version="1.0" encoding="utf-8"?>
 <p:sld xmlns:a="http://schemas.openxmlformats.org/drawingml/2006/main" xmlns:r="http://schemas.openxmlformats.org/officeDocument/2006/relationships" xmlns:p="http://schemas.openxmlformats.org/presentationml/2006/main">
   <p:cSld>
     <p:spTree>
@@ -7672,7 +7913,7 @@
 </p:sld>
 </file>
 
-<file path=ppt/slides/slide24.xml><?xml version="1.0" encoding="utf-8"?>
+<file path=ppt/slides/slide26.xml><?xml version="1.0" encoding="utf-8"?>
 <p:sld xmlns:a="http://schemas.openxmlformats.org/drawingml/2006/main" xmlns:r="http://schemas.openxmlformats.org/officeDocument/2006/relationships" xmlns:p="http://schemas.openxmlformats.org/presentationml/2006/main">
   <p:cSld>
     <p:spTree>
@@ -7852,7 +8093,7 @@
 </p:sld>
 </file>
 
-<file path=ppt/slides/slide25.xml><?xml version="1.0" encoding="utf-8"?>
+<file path=ppt/slides/slide27.xml><?xml version="1.0" encoding="utf-8"?>
 <p:sld xmlns:a="http://schemas.openxmlformats.org/drawingml/2006/main" xmlns:r="http://schemas.openxmlformats.org/officeDocument/2006/relationships" xmlns:p="http://schemas.openxmlformats.org/presentationml/2006/main">
   <p:cSld>
     <p:spTree>
@@ -8268,7 +8509,7 @@
 </p:sld>
 </file>
 
-<file path=ppt/slides/slide26.xml><?xml version="1.0" encoding="utf-8"?>
+<file path=ppt/slides/slide28.xml><?xml version="1.0" encoding="utf-8"?>
 <p:sld xmlns:a="http://schemas.openxmlformats.org/drawingml/2006/main" xmlns:r="http://schemas.openxmlformats.org/officeDocument/2006/relationships" xmlns:p="http://schemas.openxmlformats.org/presentationml/2006/main">
   <p:cSld>
     <p:spTree>
@@ -8493,7 +8734,7 @@
 </p:sld>
 </file>
 
-<file path=ppt/slides/slide27.xml><?xml version="1.0" encoding="utf-8"?>
+<file path=ppt/slides/slide29.xml><?xml version="1.0" encoding="utf-8"?>
 <p:sld xmlns:a="http://schemas.openxmlformats.org/drawingml/2006/main" xmlns:r="http://schemas.openxmlformats.org/officeDocument/2006/relationships" xmlns:p="http://schemas.openxmlformats.org/presentationml/2006/main">
   <p:cSld>
     <p:spTree>
@@ -8729,10 +8970,6 @@
               </a:rPr>
               <a:t> API</a:t>
             </a:r>
-            <a:endParaRPr lang="fr-FR" sz="2400" dirty="0" smtClean="0">
-              <a:latin typeface="Century Gothic"/>
-              <a:cs typeface="Century Gothic"/>
-            </a:endParaRPr>
           </a:p>
         </p:txBody>
       </p:sp>
@@ -8740,262 +8977,6 @@
     <p:extLst>
       <p:ext uri="{BB962C8B-B14F-4D97-AF65-F5344CB8AC3E}">
         <p14:creationId xmlns:p14="http://schemas.microsoft.com/office/powerpoint/2010/main" val="1626189114"/>
-      </p:ext>
-    </p:extLst>
-  </p:cSld>
-  <p:clrMapOvr>
-    <a:masterClrMapping/>
-  </p:clrMapOvr>
-  <p:timing>
-    <p:tnLst>
-      <p:par>
-        <p:cTn id="1" dur="indefinite" restart="never" nodeType="tmRoot"/>
-      </p:par>
-    </p:tnLst>
-  </p:timing>
-</p:sld>
-</file>
-
-<file path=ppt/slides/slide28.xml><?xml version="1.0" encoding="utf-8"?>
-<p:sld xmlns:a="http://schemas.openxmlformats.org/drawingml/2006/main" xmlns:r="http://schemas.openxmlformats.org/officeDocument/2006/relationships" xmlns:p="http://schemas.openxmlformats.org/presentationml/2006/main">
-  <p:cSld>
-    <p:spTree>
-      <p:nvGrpSpPr>
-        <p:cNvPr id="1" name=""/>
-        <p:cNvGrpSpPr/>
-        <p:nvPr/>
-      </p:nvGrpSpPr>
-      <p:grpSpPr>
-        <a:xfrm>
-          <a:off x="0" y="0"/>
-          <a:ext cx="0" cy="0"/>
-          <a:chOff x="0" y="0"/>
-          <a:chExt cx="0" cy="0"/>
-        </a:xfrm>
-      </p:grpSpPr>
-      <p:pic>
-        <p:nvPicPr>
-          <p:cNvPr id="5" name="Picture 4"/>
-          <p:cNvPicPr>
-            <a:picLocks noChangeAspect="1"/>
-          </p:cNvPicPr>
-          <p:nvPr/>
-        </p:nvPicPr>
-        <p:blipFill>
-          <a:blip r:embed="rId2"/>
-          <a:stretch>
-            <a:fillRect/>
-          </a:stretch>
-        </p:blipFill>
-        <p:spPr>
-          <a:xfrm>
-            <a:off x="457200" y="1073414"/>
-            <a:ext cx="2409825" cy="4695825"/>
-          </a:xfrm>
-          <a:prstGeom prst="rect">
-            <a:avLst/>
-          </a:prstGeom>
-        </p:spPr>
-      </p:pic>
-      <p:sp>
-        <p:nvSpPr>
-          <p:cNvPr id="2" name="Title 1"/>
-          <p:cNvSpPr>
-            <a:spLocks noGrp="1"/>
-          </p:cNvSpPr>
-          <p:nvPr>
-            <p:ph type="title"/>
-          </p:nvPr>
-        </p:nvSpPr>
-        <p:spPr/>
-        <p:txBody>
-          <a:bodyPr/>
-          <a:lstStyle/>
-          <a:p>
-            <a:r>
-              <a:rPr lang="en-US" dirty="0" smtClean="0"/>
-              <a:t>Setting up the </a:t>
-            </a:r>
-            <a:r>
-              <a:rPr lang="en-US" dirty="0" smtClean="0"/>
-              <a:t>API : Exceptions</a:t>
-            </a:r>
-            <a:endParaRPr lang="fr-FR" dirty="0"/>
-          </a:p>
-        </p:txBody>
-      </p:sp>
-      <p:sp>
-        <p:nvSpPr>
-          <p:cNvPr id="6" name="Rounded Rectangle 5"/>
-          <p:cNvSpPr/>
-          <p:nvPr/>
-        </p:nvSpPr>
-        <p:spPr>
-          <a:xfrm>
-            <a:off x="597242" y="2411548"/>
-            <a:ext cx="1849395" cy="397555"/>
-          </a:xfrm>
-          <a:prstGeom prst="roundRect">
-            <a:avLst/>
-          </a:prstGeom>
-          <a:noFill/>
-          <a:ln/>
-        </p:spPr>
-        <p:style>
-          <a:lnRef idx="2">
-            <a:schemeClr val="accent6"/>
-          </a:lnRef>
-          <a:fillRef idx="1">
-            <a:schemeClr val="lt1"/>
-          </a:fillRef>
-          <a:effectRef idx="0">
-            <a:schemeClr val="accent6"/>
-          </a:effectRef>
-          <a:fontRef idx="minor">
-            <a:schemeClr val="dk1"/>
-          </a:fontRef>
-        </p:style>
-        <p:txBody>
-          <a:bodyPr rot="0" spcFirstLastPara="0" vertOverflow="overflow" horzOverflow="overflow" vert="horz" wrap="square" lIns="91440" tIns="45720" rIns="91440" bIns="45720" numCol="1" spcCol="0" rtlCol="0" fromWordArt="0" anchor="ctr" anchorCtr="0" forceAA="0" compatLnSpc="1">
-            <a:prstTxWarp prst="textNoShape">
-              <a:avLst/>
-            </a:prstTxWarp>
-            <a:noAutofit/>
-          </a:bodyPr>
-          <a:lstStyle/>
-          <a:p>
-            <a:pPr algn="ctr"/>
-            <a:endParaRPr lang="fr-FR"/>
-          </a:p>
-        </p:txBody>
-      </p:sp>
-      <p:pic>
-        <p:nvPicPr>
-          <p:cNvPr id="3" name="Picture 2"/>
-          <p:cNvPicPr>
-            <a:picLocks noChangeAspect="1"/>
-          </p:cNvPicPr>
-          <p:nvPr/>
-        </p:nvPicPr>
-        <p:blipFill>
-          <a:blip r:embed="rId3"/>
-          <a:stretch>
-            <a:fillRect/>
-          </a:stretch>
-        </p:blipFill>
-        <p:spPr>
-          <a:xfrm>
-            <a:off x="2842314" y="3402321"/>
-            <a:ext cx="6286500" cy="2381250"/>
-          </a:xfrm>
-          <a:prstGeom prst="rect">
-            <a:avLst/>
-          </a:prstGeom>
-        </p:spPr>
-      </p:pic>
-      <p:pic>
-        <p:nvPicPr>
-          <p:cNvPr id="7" name="Picture 6"/>
-          <p:cNvPicPr>
-            <a:picLocks noChangeAspect="1"/>
-          </p:cNvPicPr>
-          <p:nvPr/>
-        </p:nvPicPr>
-        <p:blipFill>
-          <a:blip r:embed="rId4"/>
-          <a:stretch>
-            <a:fillRect/>
-          </a:stretch>
-        </p:blipFill>
-        <p:spPr>
-          <a:xfrm>
-            <a:off x="2838706" y="1256405"/>
-            <a:ext cx="5762625" cy="2019300"/>
-          </a:xfrm>
-          <a:prstGeom prst="rect">
-            <a:avLst/>
-          </a:prstGeom>
-        </p:spPr>
-      </p:pic>
-    </p:spTree>
-    <p:extLst>
-      <p:ext uri="{BB962C8B-B14F-4D97-AF65-F5344CB8AC3E}">
-        <p14:creationId xmlns:p14="http://schemas.microsoft.com/office/powerpoint/2010/main" val="2656316897"/>
-      </p:ext>
-    </p:extLst>
-  </p:cSld>
-  <p:clrMapOvr>
-    <a:masterClrMapping/>
-  </p:clrMapOvr>
-  <p:timing>
-    <p:tnLst>
-      <p:par>
-        <p:cTn id="1" dur="indefinite" restart="never" nodeType="tmRoot"/>
-      </p:par>
-    </p:tnLst>
-  </p:timing>
-</p:sld>
-</file>
-
-<file path=ppt/slides/slide29.xml><?xml version="1.0" encoding="utf-8"?>
-<p:sld xmlns:a="http://schemas.openxmlformats.org/drawingml/2006/main" xmlns:r="http://schemas.openxmlformats.org/officeDocument/2006/relationships" xmlns:p="http://schemas.openxmlformats.org/presentationml/2006/main">
-  <p:cSld>
-    <p:spTree>
-      <p:nvGrpSpPr>
-        <p:cNvPr id="1" name=""/>
-        <p:cNvGrpSpPr/>
-        <p:nvPr/>
-      </p:nvGrpSpPr>
-      <p:grpSpPr>
-        <a:xfrm>
-          <a:off x="0" y="0"/>
-          <a:ext cx="0" cy="0"/>
-          <a:chOff x="0" y="0"/>
-          <a:chExt cx="0" cy="0"/>
-        </a:xfrm>
-      </p:grpSpPr>
-      <p:sp>
-        <p:nvSpPr>
-          <p:cNvPr id="2" name="Title 1"/>
-          <p:cNvSpPr>
-            <a:spLocks noGrp="1"/>
-          </p:cNvSpPr>
-          <p:nvPr>
-            <p:ph type="title"/>
-          </p:nvPr>
-        </p:nvSpPr>
-        <p:spPr/>
-        <p:txBody>
-          <a:bodyPr/>
-          <a:lstStyle/>
-          <a:p>
-            <a:endParaRPr lang="fr-FR"/>
-          </a:p>
-        </p:txBody>
-      </p:sp>
-      <p:sp>
-        <p:nvSpPr>
-          <p:cNvPr id="3" name="Content Placeholder 2"/>
-          <p:cNvSpPr>
-            <a:spLocks noGrp="1"/>
-          </p:cNvSpPr>
-          <p:nvPr>
-            <p:ph idx="1"/>
-          </p:nvPr>
-        </p:nvSpPr>
-        <p:spPr/>
-        <p:txBody>
-          <a:bodyPr/>
-          <a:lstStyle/>
-          <a:p>
-            <a:endParaRPr lang="fr-FR"/>
-          </a:p>
-        </p:txBody>
-      </p:sp>
-    </p:spTree>
-    <p:extLst>
-      <p:ext uri="{BB962C8B-B14F-4D97-AF65-F5344CB8AC3E}">
-        <p14:creationId xmlns:p14="http://schemas.microsoft.com/office/powerpoint/2010/main" val="4044168673"/>
       </p:ext>
     </p:extLst>
   </p:cSld>
@@ -9094,15 +9075,7 @@
             </a:pPr>
             <a:r>
               <a:rPr lang="en-US" sz="2800" dirty="0" smtClean="0"/>
-              <a:t>Server </a:t>
-            </a:r>
-            <a:r>
-              <a:rPr lang="en-US" sz="2800" dirty="0" smtClean="0"/>
-              <a:t>is responsible    =   </a:t>
-            </a:r>
-            <a:r>
-              <a:rPr lang="en-US" sz="2800" dirty="0" smtClean="0"/>
-              <a:t>unhandled exceptions</a:t>
+              <a:t>Server is responsible    =   unhandled exceptions</a:t>
             </a:r>
           </a:p>
         </p:txBody>
@@ -9277,14 +9250,7 @@
                 <a:latin typeface="Century Gothic"/>
                 <a:cs typeface="Century Gothic"/>
               </a:rPr>
-              <a:t>unhandled </a:t>
-            </a:r>
-            <a:r>
-              <a:rPr lang="en-US" sz="1600" dirty="0" smtClean="0">
-                <a:latin typeface="Century Gothic"/>
-                <a:cs typeface="Century Gothic"/>
-              </a:rPr>
-              <a:t>yet</a:t>
+              <a:t>unhandled yet</a:t>
             </a:r>
             <a:r>
               <a:rPr lang="fr-FR" sz="1600" dirty="0" smtClean="0">
@@ -9759,6 +9725,255 @@
           <a:chExt cx="0" cy="0"/>
         </a:xfrm>
       </p:grpSpPr>
+      <p:pic>
+        <p:nvPicPr>
+          <p:cNvPr id="5" name="Picture 4"/>
+          <p:cNvPicPr>
+            <a:picLocks noChangeAspect="1"/>
+          </p:cNvPicPr>
+          <p:nvPr/>
+        </p:nvPicPr>
+        <p:blipFill>
+          <a:blip r:embed="rId2"/>
+          <a:stretch>
+            <a:fillRect/>
+          </a:stretch>
+        </p:blipFill>
+        <p:spPr>
+          <a:xfrm>
+            <a:off x="457200" y="1073414"/>
+            <a:ext cx="2409825" cy="4695825"/>
+          </a:xfrm>
+          <a:prstGeom prst="rect">
+            <a:avLst/>
+          </a:prstGeom>
+        </p:spPr>
+      </p:pic>
+      <p:sp>
+        <p:nvSpPr>
+          <p:cNvPr id="2" name="Title 1"/>
+          <p:cNvSpPr>
+            <a:spLocks noGrp="1"/>
+          </p:cNvSpPr>
+          <p:nvPr>
+            <p:ph type="title"/>
+          </p:nvPr>
+        </p:nvSpPr>
+        <p:spPr/>
+        <p:txBody>
+          <a:bodyPr/>
+          <a:lstStyle/>
+          <a:p>
+            <a:r>
+              <a:rPr lang="en-US" dirty="0" smtClean="0"/>
+              <a:t>Throwing &amp; Catching: </a:t>
+            </a:r>
+            <a:r>
+              <a:rPr lang="en-US" dirty="0" smtClean="0"/>
+              <a:t>Exceptions</a:t>
+            </a:r>
+            <a:endParaRPr lang="fr-FR" dirty="0"/>
+          </a:p>
+        </p:txBody>
+      </p:sp>
+      <p:sp>
+        <p:nvSpPr>
+          <p:cNvPr id="6" name="Rounded Rectangle 5"/>
+          <p:cNvSpPr/>
+          <p:nvPr/>
+        </p:nvSpPr>
+        <p:spPr>
+          <a:xfrm>
+            <a:off x="597242" y="2411548"/>
+            <a:ext cx="1849395" cy="397555"/>
+          </a:xfrm>
+          <a:prstGeom prst="roundRect">
+            <a:avLst/>
+          </a:prstGeom>
+          <a:noFill/>
+          <a:ln/>
+        </p:spPr>
+        <p:style>
+          <a:lnRef idx="2">
+            <a:schemeClr val="accent6"/>
+          </a:lnRef>
+          <a:fillRef idx="1">
+            <a:schemeClr val="lt1"/>
+          </a:fillRef>
+          <a:effectRef idx="0">
+            <a:schemeClr val="accent6"/>
+          </a:effectRef>
+          <a:fontRef idx="minor">
+            <a:schemeClr val="dk1"/>
+          </a:fontRef>
+        </p:style>
+        <p:txBody>
+          <a:bodyPr rot="0" spcFirstLastPara="0" vertOverflow="overflow" horzOverflow="overflow" vert="horz" wrap="square" lIns="91440" tIns="45720" rIns="91440" bIns="45720" numCol="1" spcCol="0" rtlCol="0" fromWordArt="0" anchor="ctr" anchorCtr="0" forceAA="0" compatLnSpc="1">
+            <a:prstTxWarp prst="textNoShape">
+              <a:avLst/>
+            </a:prstTxWarp>
+            <a:noAutofit/>
+          </a:bodyPr>
+          <a:lstStyle/>
+          <a:p>
+            <a:pPr algn="ctr"/>
+            <a:endParaRPr lang="fr-FR"/>
+          </a:p>
+        </p:txBody>
+      </p:sp>
+      <p:pic>
+        <p:nvPicPr>
+          <p:cNvPr id="3" name="Picture 2"/>
+          <p:cNvPicPr>
+            <a:picLocks noChangeAspect="1"/>
+          </p:cNvPicPr>
+          <p:nvPr/>
+        </p:nvPicPr>
+        <p:blipFill>
+          <a:blip r:embed="rId3"/>
+          <a:stretch>
+            <a:fillRect/>
+          </a:stretch>
+        </p:blipFill>
+        <p:spPr>
+          <a:xfrm>
+            <a:off x="2842314" y="3402321"/>
+            <a:ext cx="6286500" cy="2381250"/>
+          </a:xfrm>
+          <a:prstGeom prst="rect">
+            <a:avLst/>
+          </a:prstGeom>
+        </p:spPr>
+      </p:pic>
+      <p:pic>
+        <p:nvPicPr>
+          <p:cNvPr id="7" name="Picture 6"/>
+          <p:cNvPicPr>
+            <a:picLocks noChangeAspect="1"/>
+          </p:cNvPicPr>
+          <p:nvPr/>
+        </p:nvPicPr>
+        <p:blipFill>
+          <a:blip r:embed="rId4"/>
+          <a:stretch>
+            <a:fillRect/>
+          </a:stretch>
+        </p:blipFill>
+        <p:spPr>
+          <a:xfrm>
+            <a:off x="2838706" y="1256405"/>
+            <a:ext cx="5762625" cy="2019300"/>
+          </a:xfrm>
+          <a:prstGeom prst="rect">
+            <a:avLst/>
+          </a:prstGeom>
+        </p:spPr>
+      </p:pic>
+    </p:spTree>
+    <p:extLst>
+      <p:ext uri="{BB962C8B-B14F-4D97-AF65-F5344CB8AC3E}">
+        <p14:creationId xmlns:p14="http://schemas.microsoft.com/office/powerpoint/2010/main" val="2656316897"/>
+      </p:ext>
+    </p:extLst>
+  </p:cSld>
+  <p:clrMapOvr>
+    <a:masterClrMapping/>
+  </p:clrMapOvr>
+  <p:timing>
+    <p:tnLst>
+      <p:par>
+        <p:cTn id="1" dur="indefinite" restart="never" nodeType="tmRoot"/>
+      </p:par>
+    </p:tnLst>
+  </p:timing>
+</p:sld>
+</file>
+
+<file path=ppt/slides/slide31.xml><?xml version="1.0" encoding="utf-8"?>
+<p:sld xmlns:a="http://schemas.openxmlformats.org/drawingml/2006/main" xmlns:r="http://schemas.openxmlformats.org/officeDocument/2006/relationships" xmlns:p="http://schemas.openxmlformats.org/presentationml/2006/main">
+  <p:cSld>
+    <p:spTree>
+      <p:nvGrpSpPr>
+        <p:cNvPr id="1" name=""/>
+        <p:cNvGrpSpPr/>
+        <p:nvPr/>
+      </p:nvGrpSpPr>
+      <p:grpSpPr>
+        <a:xfrm>
+          <a:off x="0" y="0"/>
+          <a:ext cx="0" cy="0"/>
+          <a:chOff x="0" y="0"/>
+          <a:chExt cx="0" cy="0"/>
+        </a:xfrm>
+      </p:grpSpPr>
+      <p:sp>
+        <p:nvSpPr>
+          <p:cNvPr id="2" name="Title 1"/>
+          <p:cNvSpPr>
+            <a:spLocks noGrp="1"/>
+          </p:cNvSpPr>
+          <p:nvPr>
+            <p:ph type="title"/>
+          </p:nvPr>
+        </p:nvSpPr>
+        <p:spPr>
+          <a:xfrm>
+            <a:off x="778476" y="3264973"/>
+            <a:ext cx="8229600" cy="545544"/>
+          </a:xfrm>
+        </p:spPr>
+        <p:txBody>
+          <a:bodyPr>
+            <a:noAutofit/>
+          </a:bodyPr>
+          <a:lstStyle/>
+          <a:p>
+            <a:pPr algn="ctr"/>
+            <a:r>
+              <a:rPr lang="fr-FR" sz="3600" dirty="0" smtClean="0"/>
+              <a:t>The Validation Pipeline</a:t>
+            </a:r>
+            <a:endParaRPr lang="fr-FR" sz="3600" dirty="0"/>
+          </a:p>
+        </p:txBody>
+      </p:sp>
+    </p:spTree>
+    <p:extLst>
+      <p:ext uri="{BB962C8B-B14F-4D97-AF65-F5344CB8AC3E}">
+        <p14:creationId xmlns:p14="http://schemas.microsoft.com/office/powerpoint/2010/main" val="3530215175"/>
+      </p:ext>
+    </p:extLst>
+  </p:cSld>
+  <p:clrMapOvr>
+    <a:masterClrMapping/>
+  </p:clrMapOvr>
+  <p:timing>
+    <p:tnLst>
+      <p:par>
+        <p:cTn id="1" dur="indefinite" restart="never" nodeType="tmRoot"/>
+      </p:par>
+    </p:tnLst>
+  </p:timing>
+</p:sld>
+</file>
+
+<file path=ppt/slides/slide32.xml><?xml version="1.0" encoding="utf-8"?>
+<p:sld xmlns:a="http://schemas.openxmlformats.org/drawingml/2006/main" xmlns:r="http://schemas.openxmlformats.org/officeDocument/2006/relationships" xmlns:p="http://schemas.openxmlformats.org/presentationml/2006/main">
+  <p:cSld>
+    <p:spTree>
+      <p:nvGrpSpPr>
+        <p:cNvPr id="1" name=""/>
+        <p:cNvGrpSpPr/>
+        <p:nvPr/>
+      </p:nvGrpSpPr>
+      <p:grpSpPr>
+        <a:xfrm>
+          <a:off x="0" y="0"/>
+          <a:ext cx="0" cy="0"/>
+          <a:chOff x="0" y="0"/>
+          <a:chExt cx="0" cy="0"/>
+        </a:xfrm>
+      </p:grpSpPr>
       <p:sp>
         <p:nvSpPr>
           <p:cNvPr id="2" name="Title 1"/>
@@ -10040,7 +10255,7 @@
 </p:sld>
 </file>
 
-<file path=ppt/slides/slide31.xml><?xml version="1.0" encoding="utf-8"?>
+<file path=ppt/slides/slide33.xml><?xml version="1.0" encoding="utf-8"?>
 <p:sld xmlns:a="http://schemas.openxmlformats.org/drawingml/2006/main" xmlns:r="http://schemas.openxmlformats.org/officeDocument/2006/relationships" xmlns:p="http://schemas.openxmlformats.org/presentationml/2006/main">
   <p:cSld>
     <p:spTree>
@@ -10323,7 +10538,7 @@
 </p:sld>
 </file>
 
-<file path=ppt/slides/slide32.xml><?xml version="1.0" encoding="utf-8"?>
+<file path=ppt/slides/slide34.xml><?xml version="1.0" encoding="utf-8"?>
 <p:sld xmlns:a="http://schemas.openxmlformats.org/drawingml/2006/main" xmlns:r="http://schemas.openxmlformats.org/officeDocument/2006/relationships" xmlns:p="http://schemas.openxmlformats.org/presentationml/2006/main">
   <p:cSld>
     <p:spTree>
@@ -10476,7 +10691,7 @@
 </p:sld>
 </file>
 
-<file path=ppt/slides/slide33.xml><?xml version="1.0" encoding="utf-8"?>
+<file path=ppt/slides/slide35.xml><?xml version="1.0" encoding="utf-8"?>
 <p:sld xmlns:a="http://schemas.openxmlformats.org/drawingml/2006/main" xmlns:r="http://schemas.openxmlformats.org/officeDocument/2006/relationships" xmlns:p="http://schemas.openxmlformats.org/presentationml/2006/main">
   <p:cSld>
     <p:spTree>
@@ -10629,7 +10844,7 @@
 </p:sld>
 </file>
 
-<file path=ppt/slides/slide34.xml><?xml version="1.0" encoding="utf-8"?>
+<file path=ppt/slides/slide36.xml><?xml version="1.0" encoding="utf-8"?>
 <p:sld xmlns:a="http://schemas.openxmlformats.org/drawingml/2006/main" xmlns:r="http://schemas.openxmlformats.org/officeDocument/2006/relationships" xmlns:p="http://schemas.openxmlformats.org/presentationml/2006/main">
   <p:cSld>
     <p:spTree>
@@ -10685,8 +10900,8 @@
         </p:nvSpPr>
         <p:spPr>
           <a:xfrm>
-            <a:off x="457200" y="1287598"/>
-            <a:ext cx="8229600" cy="887191"/>
+            <a:off x="533400" y="1287598"/>
+            <a:ext cx="8229600" cy="486389"/>
           </a:xfrm>
         </p:spPr>
         <p:txBody>
@@ -10714,8 +10929,8 @@
         </p:nvSpPr>
         <p:spPr>
           <a:xfrm>
-            <a:off x="457200" y="2375983"/>
-            <a:ext cx="8229600" cy="887191"/>
+            <a:off x="533400" y="2437135"/>
+            <a:ext cx="8229600" cy="457833"/>
           </a:xfrm>
           <a:prstGeom prst="rect">
             <a:avLst/>
@@ -10916,8 +11131,8 @@
         </p:nvSpPr>
         <p:spPr>
           <a:xfrm>
-            <a:off x="609600" y="2977979"/>
-            <a:ext cx="8229600" cy="887191"/>
+            <a:off x="533400" y="2977980"/>
+            <a:ext cx="8229600" cy="539578"/>
           </a:xfrm>
           <a:prstGeom prst="rect">
             <a:avLst/>
@@ -11130,8 +11345,8 @@
         </p:nvSpPr>
         <p:spPr>
           <a:xfrm>
-            <a:off x="533400" y="1744281"/>
-            <a:ext cx="8229600" cy="887191"/>
+            <a:off x="533400" y="1857000"/>
+            <a:ext cx="8229600" cy="497122"/>
           </a:xfrm>
           <a:prstGeom prst="rect">
             <a:avLst/>
@@ -11338,6 +11553,82 @@
     <p:extLst>
       <p:ext uri="{BB962C8B-B14F-4D97-AF65-F5344CB8AC3E}">
         <p14:creationId xmlns:p14="http://schemas.microsoft.com/office/powerpoint/2010/main" val="1269450054"/>
+      </p:ext>
+    </p:extLst>
+  </p:cSld>
+  <p:clrMapOvr>
+    <a:masterClrMapping/>
+  </p:clrMapOvr>
+  <p:timing>
+    <p:tnLst>
+      <p:par>
+        <p:cTn id="1" dur="indefinite" restart="never" nodeType="tmRoot"/>
+      </p:par>
+    </p:tnLst>
+  </p:timing>
+</p:sld>
+</file>
+
+<file path=ppt/slides/slide37.xml><?xml version="1.0" encoding="utf-8"?>
+<p:sld xmlns:a="http://schemas.openxmlformats.org/drawingml/2006/main" xmlns:r="http://schemas.openxmlformats.org/officeDocument/2006/relationships" xmlns:p="http://schemas.openxmlformats.org/presentationml/2006/main">
+  <p:cSld>
+    <p:spTree>
+      <p:nvGrpSpPr>
+        <p:cNvPr id="1" name=""/>
+        <p:cNvGrpSpPr/>
+        <p:nvPr/>
+      </p:nvGrpSpPr>
+      <p:grpSpPr>
+        <a:xfrm>
+          <a:off x="0" y="0"/>
+          <a:ext cx="0" cy="0"/>
+          <a:chOff x="0" y="0"/>
+          <a:chExt cx="0" cy="0"/>
+        </a:xfrm>
+      </p:grpSpPr>
+      <p:sp>
+        <p:nvSpPr>
+          <p:cNvPr id="2" name="Title 1"/>
+          <p:cNvSpPr>
+            <a:spLocks noGrp="1"/>
+          </p:cNvSpPr>
+          <p:nvPr>
+            <p:ph type="title"/>
+          </p:nvPr>
+        </p:nvSpPr>
+        <p:spPr>
+          <a:xfrm>
+            <a:off x="778476" y="3264973"/>
+            <a:ext cx="8229600" cy="545544"/>
+          </a:xfrm>
+        </p:spPr>
+        <p:txBody>
+          <a:bodyPr>
+            <a:noAutofit/>
+          </a:bodyPr>
+          <a:lstStyle/>
+          <a:p>
+            <a:pPr algn="ctr"/>
+            <a:r>
+              <a:rPr lang="fr-FR" sz="3600" dirty="0" smtClean="0"/>
+              <a:t>Do </a:t>
+            </a:r>
+            <a:r>
+              <a:rPr lang="fr-FR" sz="3600" dirty="0" err="1" smtClean="0"/>
+              <a:t>you</a:t>
+            </a:r>
+            <a:r>
+              <a:rPr lang="fr-FR" sz="3600" dirty="0" smtClean="0"/>
+              <a:t> have questions ?</a:t>
+            </a:r>
+            <a:endParaRPr lang="fr-FR" sz="3600" dirty="0"/>
+          </a:p>
+        </p:txBody>
+      </p:sp>
+    </p:spTree>
+    <p:extLst>
+      <p:ext uri="{BB962C8B-B14F-4D97-AF65-F5344CB8AC3E}">
+        <p14:creationId xmlns:p14="http://schemas.microsoft.com/office/powerpoint/2010/main" val="2152946411"/>
       </p:ext>
     </p:extLst>
   </p:cSld>
@@ -12280,15 +12571,7 @@
             </a:pPr>
             <a:r>
               <a:rPr lang="en-US" sz="2800" dirty="0" smtClean="0"/>
-              <a:t>ASP.NET Web </a:t>
-            </a:r>
-            <a:r>
-              <a:rPr lang="en-US" sz="2800" dirty="0" smtClean="0"/>
-              <a:t>API </a:t>
-            </a:r>
-            <a:r>
-              <a:rPr lang="en-US" sz="2800" dirty="0" smtClean="0"/>
-              <a:t>has a default format for unhandled exceptions.</a:t>
+              <a:t>ASP.NET Web API has a default format for unhandled exceptions.</a:t>
             </a:r>
             <a:endParaRPr lang="fr-FR" sz="2800" dirty="0"/>
           </a:p>

--- a/Error Handling presentation.pptx
+++ b/Error Handling presentation.pptx
@@ -5,10 +5,10 @@
     <p:sldMasterId id="2147483648" r:id="rId1"/>
   </p:sldMasterIdLst>
   <p:notesMasterIdLst>
-    <p:notesMasterId r:id="rId57"/>
+    <p:notesMasterId r:id="rId61"/>
   </p:notesMasterIdLst>
   <p:handoutMasterIdLst>
-    <p:handoutMasterId r:id="rId58"/>
+    <p:handoutMasterId r:id="rId62"/>
   </p:handoutMasterIdLst>
   <p:sldIdLst>
     <p:sldId id="256" r:id="rId2"/>
@@ -24,48 +24,52 @@
     <p:sldId id="331" r:id="rId12"/>
     <p:sldId id="324" r:id="rId13"/>
     <p:sldId id="307" r:id="rId14"/>
-    <p:sldId id="289" r:id="rId15"/>
-    <p:sldId id="308" r:id="rId16"/>
-    <p:sldId id="309" r:id="rId17"/>
-    <p:sldId id="340" r:id="rId18"/>
-    <p:sldId id="292" r:id="rId19"/>
-    <p:sldId id="293" r:id="rId20"/>
-    <p:sldId id="294" r:id="rId21"/>
-    <p:sldId id="312" r:id="rId22"/>
-    <p:sldId id="332" r:id="rId23"/>
-    <p:sldId id="270" r:id="rId24"/>
-    <p:sldId id="271" r:id="rId25"/>
-    <p:sldId id="334" r:id="rId26"/>
-    <p:sldId id="315" r:id="rId27"/>
-    <p:sldId id="316" r:id="rId28"/>
-    <p:sldId id="335" r:id="rId29"/>
-    <p:sldId id="272" r:id="rId30"/>
-    <p:sldId id="314" r:id="rId31"/>
-    <p:sldId id="336" r:id="rId32"/>
-    <p:sldId id="313" r:id="rId33"/>
-    <p:sldId id="299" r:id="rId34"/>
-    <p:sldId id="344" r:id="rId35"/>
-    <p:sldId id="300" r:id="rId36"/>
-    <p:sldId id="338" r:id="rId37"/>
-    <p:sldId id="302" r:id="rId38"/>
-    <p:sldId id="337" r:id="rId39"/>
-    <p:sldId id="303" r:id="rId40"/>
-    <p:sldId id="304" r:id="rId41"/>
-    <p:sldId id="339" r:id="rId42"/>
-    <p:sldId id="305" r:id="rId43"/>
-    <p:sldId id="341" r:id="rId44"/>
-    <p:sldId id="342" r:id="rId45"/>
-    <p:sldId id="318" r:id="rId46"/>
-    <p:sldId id="347" r:id="rId47"/>
-    <p:sldId id="343" r:id="rId48"/>
-    <p:sldId id="345" r:id="rId49"/>
-    <p:sldId id="296" r:id="rId50"/>
-    <p:sldId id="346" r:id="rId51"/>
-    <p:sldId id="297" r:id="rId52"/>
-    <p:sldId id="298" r:id="rId53"/>
-    <p:sldId id="310" r:id="rId54"/>
-    <p:sldId id="333" r:id="rId55"/>
-    <p:sldId id="319" r:id="rId56"/>
+    <p:sldId id="348" r:id="rId15"/>
+    <p:sldId id="289" r:id="rId16"/>
+    <p:sldId id="308" r:id="rId17"/>
+    <p:sldId id="309" r:id="rId18"/>
+    <p:sldId id="340" r:id="rId19"/>
+    <p:sldId id="292" r:id="rId20"/>
+    <p:sldId id="293" r:id="rId21"/>
+    <p:sldId id="294" r:id="rId22"/>
+    <p:sldId id="312" r:id="rId23"/>
+    <p:sldId id="349" r:id="rId24"/>
+    <p:sldId id="332" r:id="rId25"/>
+    <p:sldId id="270" r:id="rId26"/>
+    <p:sldId id="271" r:id="rId27"/>
+    <p:sldId id="334" r:id="rId28"/>
+    <p:sldId id="315" r:id="rId29"/>
+    <p:sldId id="316" r:id="rId30"/>
+    <p:sldId id="335" r:id="rId31"/>
+    <p:sldId id="272" r:id="rId32"/>
+    <p:sldId id="314" r:id="rId33"/>
+    <p:sldId id="313" r:id="rId34"/>
+    <p:sldId id="336" r:id="rId35"/>
+    <p:sldId id="351" r:id="rId36"/>
+    <p:sldId id="337" r:id="rId37"/>
+    <p:sldId id="303" r:id="rId38"/>
+    <p:sldId id="350" r:id="rId39"/>
+    <p:sldId id="300" r:id="rId40"/>
+    <p:sldId id="338" r:id="rId41"/>
+    <p:sldId id="302" r:id="rId42"/>
+    <p:sldId id="304" r:id="rId43"/>
+    <p:sldId id="339" r:id="rId44"/>
+    <p:sldId id="305" r:id="rId45"/>
+    <p:sldId id="341" r:id="rId46"/>
+    <p:sldId id="342" r:id="rId47"/>
+    <p:sldId id="318" r:id="rId48"/>
+    <p:sldId id="347" r:id="rId49"/>
+    <p:sldId id="343" r:id="rId50"/>
+    <p:sldId id="354" r:id="rId51"/>
+    <p:sldId id="345" r:id="rId52"/>
+    <p:sldId id="355" r:id="rId53"/>
+    <p:sldId id="296" r:id="rId54"/>
+    <p:sldId id="346" r:id="rId55"/>
+    <p:sldId id="297" r:id="rId56"/>
+    <p:sldId id="298" r:id="rId57"/>
+    <p:sldId id="310" r:id="rId58"/>
+    <p:sldId id="333" r:id="rId59"/>
+    <p:sldId id="319" r:id="rId60"/>
   </p:sldIdLst>
   <p:sldSz cx="9144000" cy="6858000" type="screen4x3"/>
   <p:notesSz cx="6858000" cy="9144000"/>
@@ -190,6 +194,7 @@
         <p14:section name="Error Specification" id="{E2480620-E48D-4BB7-ABEF-58A31F670C90}">
           <p14:sldIdLst>
             <p14:sldId id="307"/>
+            <p14:sldId id="348"/>
             <p14:sldId id="289"/>
             <p14:sldId id="308"/>
             <p14:sldId id="309"/>
@@ -202,6 +207,7 @@
         <p14:section name="Setting Up The API : Model &amp; Controller" id="{8A11717A-0837-49E8-8B55-CE34202079A4}">
           <p14:sldIdLst>
             <p14:sldId id="312"/>
+            <p14:sldId id="349"/>
             <p14:sldId id="332"/>
             <p14:sldId id="270"/>
             <p14:sldId id="271"/>
@@ -215,15 +221,15 @@
         <p14:section name="Throwing &amp; Catching" id="{9F9CE548-A843-4B8E-8075-AE49A76D5601}">
           <p14:sldIdLst>
             <p14:sldId id="314"/>
+            <p14:sldId id="313"/>
             <p14:sldId id="336"/>
-            <p14:sldId id="313"/>
-            <p14:sldId id="299"/>
-            <p14:sldId id="344"/>
+            <p14:sldId id="351"/>
+            <p14:sldId id="337"/>
+            <p14:sldId id="303"/>
+            <p14:sldId id="350"/>
             <p14:sldId id="300"/>
             <p14:sldId id="338"/>
             <p14:sldId id="302"/>
-            <p14:sldId id="337"/>
-            <p14:sldId id="303"/>
             <p14:sldId id="304"/>
             <p14:sldId id="339"/>
             <p14:sldId id="305"/>
@@ -236,7 +242,9 @@
             <p14:sldId id="318"/>
             <p14:sldId id="347"/>
             <p14:sldId id="343"/>
+            <p14:sldId id="354"/>
             <p14:sldId id="345"/>
+            <p14:sldId id="355"/>
             <p14:sldId id="296"/>
             <p14:sldId id="346"/>
             <p14:sldId id="297"/>
@@ -348,7 +356,7 @@
           <a:p>
             <a:fld id="{85A73860-D32E-244F-97E2-8B44A1E732EA}" type="datetimeFigureOut">
               <a:rPr lang="en-US" smtClean="0"/>
-              <a:t>10/3/2015</a:t>
+              <a:t>10/5/2015</a:t>
             </a:fld>
             <a:endParaRPr lang="en-US"/>
           </a:p>
@@ -514,7 +522,7 @@
           <a:p>
             <a:fld id="{CFDCE18C-82BF-7049-907F-A04F522C5D10}" type="datetimeFigureOut">
               <a:rPr lang="en-US" smtClean="0"/>
-              <a:t>10/3/2015</a:t>
+              <a:t>10/5/2015</a:t>
             </a:fld>
             <a:endParaRPr lang="en-US"/>
           </a:p>
@@ -988,7 +996,7 @@
           <a:p>
             <a:fld id="{211E60AA-BB90-2D4E-9A05-9F2EA4A5745D}" type="datetime1">
               <a:rPr lang="en-GB" smtClean="0"/>
-              <a:t>03/10/2015</a:t>
+              <a:t>05/10/2015</a:t>
             </a:fld>
             <a:endParaRPr lang="en-US"/>
           </a:p>
@@ -1180,7 +1188,7 @@
           <a:p>
             <a:fld id="{AF7D99CB-36F9-AB44-9935-E8E81BCCE163}" type="datetime1">
               <a:rPr lang="en-GB" smtClean="0"/>
-              <a:t>03/10/2015</a:t>
+              <a:t>05/10/2015</a:t>
             </a:fld>
             <a:endParaRPr lang="en-US"/>
           </a:p>
@@ -1360,7 +1368,7 @@
           <a:p>
             <a:fld id="{40894566-D766-7C44-A74C-F71343F76073}" type="datetime1">
               <a:rPr lang="en-GB" smtClean="0"/>
-              <a:t>03/10/2015</a:t>
+              <a:t>05/10/2015</a:t>
             </a:fld>
             <a:endParaRPr lang="en-US"/>
           </a:p>
@@ -1467,7 +1475,7 @@
           <a:p>
             <a:fld id="{19645601-E4D8-6547-95D6-5833634BAB18}" type="datetime1">
               <a:rPr lang="en-GB" smtClean="0"/>
-              <a:t>03/10/2015</a:t>
+              <a:t>05/10/2015</a:t>
             </a:fld>
             <a:endParaRPr lang="en-US" dirty="0"/>
           </a:p>
@@ -1638,7 +1646,7 @@
           <a:p>
             <a:fld id="{B1DD997D-4F80-2742-BD8E-A81BAF896594}" type="datetime1">
               <a:rPr lang="en-GB" smtClean="0"/>
-              <a:t>03/10/2015</a:t>
+              <a:t>05/10/2015</a:t>
             </a:fld>
             <a:endParaRPr lang="en-US"/>
           </a:p>
@@ -1905,7 +1913,7 @@
             <a:fld id="{09094B57-6F4F-C84F-86E1-73956807D9DF}" type="datetime1">
               <a:rPr lang="en-GB" smtClean="0"/>
               <a:pPr/>
-              <a:t>03/10/2015</a:t>
+              <a:t>05/10/2015</a:t>
             </a:fld>
             <a:endParaRPr lang="en-US"/>
           </a:p>
@@ -2214,7 +2222,7 @@
           <a:p>
             <a:fld id="{8BF8174A-0B94-EF49-B569-F19DD9CB493C}" type="datetime1">
               <a:rPr lang="en-GB" smtClean="0"/>
-              <a:t>03/10/2015</a:t>
+              <a:t>05/10/2015</a:t>
             </a:fld>
             <a:endParaRPr lang="en-US"/>
           </a:p>
@@ -2644,7 +2652,7 @@
           <a:p>
             <a:fld id="{6BF7AF84-2502-9142-B142-8EBE4A2BD6BF}" type="datetime1">
               <a:rPr lang="en-GB" smtClean="0"/>
-              <a:t>03/10/2015</a:t>
+              <a:t>05/10/2015</a:t>
             </a:fld>
             <a:endParaRPr lang="en-US"/>
           </a:p>
@@ -2762,7 +2770,7 @@
           <a:p>
             <a:fld id="{29C625B6-99A9-D24B-948A-1AAA6A59D495}" type="datetime1">
               <a:rPr lang="en-GB" smtClean="0"/>
-              <a:t>03/10/2015</a:t>
+              <a:t>05/10/2015</a:t>
             </a:fld>
             <a:endParaRPr lang="en-US"/>
           </a:p>
@@ -2857,7 +2865,7 @@
           <a:p>
             <a:fld id="{235BD852-90AC-454D-980C-117C9815F7E0}" type="datetime1">
               <a:rPr lang="en-GB" smtClean="0"/>
-              <a:t>03/10/2015</a:t>
+              <a:t>05/10/2015</a:t>
             </a:fld>
             <a:endParaRPr lang="en-US"/>
           </a:p>
@@ -3136,7 +3144,7 @@
           <a:p>
             <a:fld id="{48152422-C06B-104C-AD1B-B033BDE2D553}" type="datetime1">
               <a:rPr lang="en-GB" smtClean="0"/>
-              <a:t>03/10/2015</a:t>
+              <a:t>05/10/2015</a:t>
             </a:fld>
             <a:endParaRPr lang="en-US"/>
           </a:p>
@@ -3393,7 +3401,7 @@
           <a:p>
             <a:fld id="{D0D5B1A1-94F8-094F-B5B1-BB11631897C9}" type="datetime1">
               <a:rPr lang="en-GB" smtClean="0"/>
-              <a:t>03/10/2015</a:t>
+              <a:t>05/10/2015</a:t>
             </a:fld>
             <a:endParaRPr lang="en-US"/>
           </a:p>
@@ -3614,7 +3622,7 @@
           <a:p>
             <a:fld id="{C918891B-6F3F-7A4F-88DD-48D206AC848E}" type="datetime1">
               <a:rPr lang="en-GB" smtClean="0"/>
-              <a:t>03/10/2015</a:t>
+              <a:t>05/10/2015</a:t>
             </a:fld>
             <a:endParaRPr lang="en-US" dirty="0"/>
           </a:p>
@@ -4026,11 +4034,7 @@
           <a:p>
             <a:r>
               <a:rPr lang="en-US" dirty="0" smtClean="0"/>
-              <a:t>ERROR </a:t>
-            </a:r>
-            <a:r>
-              <a:rPr lang="en-US" dirty="0" smtClean="0"/>
-              <a:t>HANDLING</a:t>
+              <a:t>ERROR HANDLING</a:t>
             </a:r>
             <a:endParaRPr lang="en-US" dirty="0"/>
           </a:p>
@@ -4147,11 +4151,7 @@
             </a:pPr>
             <a:r>
               <a:rPr lang="en-US" sz="2800" dirty="0" smtClean="0"/>
-              <a:t>Client </a:t>
-            </a:r>
-            <a:r>
-              <a:rPr lang="en-US" sz="2800" dirty="0" smtClean="0"/>
-              <a:t>business </a:t>
+              <a:t>Client business </a:t>
             </a:r>
             <a:r>
               <a:rPr lang="en-US" sz="2800" dirty="0"/>
@@ -4181,8 +4181,8 @@
         </p:nvSpPr>
         <p:spPr>
           <a:xfrm>
-            <a:off x="2529017" y="3691997"/>
-            <a:ext cx="1466336" cy="646331"/>
+            <a:off x="1669189" y="3068886"/>
+            <a:ext cx="2161406" cy="369332"/>
           </a:xfrm>
           <a:prstGeom prst="rect">
             <a:avLst/>
@@ -4200,14 +4200,7 @@
                 <a:latin typeface="Century Gothic"/>
                 <a:cs typeface="Century Gothic"/>
               </a:rPr>
-              <a:t>Object not </a:t>
-            </a:r>
-            <a:r>
-              <a:rPr lang="en-US" dirty="0" smtClean="0">
-                <a:latin typeface="Century Gothic"/>
-                <a:cs typeface="Century Gothic"/>
-              </a:rPr>
-              <a:t>found</a:t>
+              <a:t>Object not found</a:t>
             </a:r>
             <a:endParaRPr lang="fr-FR" dirty="0" smtClean="0">
               <a:latin typeface="Century Gothic"/>
@@ -4224,8 +4217,8 @@
         </p:nvSpPr>
         <p:spPr>
           <a:xfrm>
-            <a:off x="5631591" y="3276636"/>
-            <a:ext cx="1822622" cy="646331"/>
+            <a:off x="5326791" y="3421905"/>
+            <a:ext cx="2054312" cy="369332"/>
           </a:xfrm>
           <a:prstGeom prst="rect">
             <a:avLst/>
@@ -4245,10 +4238,6 @@
               </a:rPr>
               <a:t>Price is too high</a:t>
             </a:r>
-            <a:endParaRPr lang="en-US" dirty="0" smtClean="0">
-              <a:latin typeface="Century Gothic"/>
-              <a:cs typeface="Century Gothic"/>
-            </a:endParaRPr>
           </a:p>
         </p:txBody>
       </p:sp>
@@ -4260,7 +4249,7 @@
         </p:nvSpPr>
         <p:spPr>
           <a:xfrm>
-            <a:off x="3901644" y="4989361"/>
+            <a:off x="4321773" y="4718125"/>
             <a:ext cx="1309818" cy="646331"/>
           </a:xfrm>
           <a:prstGeom prst="rect">
@@ -4317,10 +4306,6 @@
               </a:rPr>
               <a:t>Facility not in your tenant</a:t>
             </a:r>
-            <a:endParaRPr lang="en-US" dirty="0" smtClean="0">
-              <a:latin typeface="Century Gothic"/>
-              <a:cs typeface="Century Gothic"/>
-            </a:endParaRPr>
           </a:p>
         </p:txBody>
       </p:sp>
@@ -4628,6 +4613,44 @@
           </a:prstGeom>
         </p:spPr>
       </p:pic>
+      <p:sp>
+        <p:nvSpPr>
+          <p:cNvPr id="3" name="TextBox 2">
+            <a:hlinkClick r:id="rId4"/>
+          </p:cNvPr>
+          <p:cNvSpPr txBox="1"/>
+          <p:nvPr/>
+        </p:nvSpPr>
+        <p:spPr>
+          <a:xfrm>
+            <a:off x="457200" y="6238447"/>
+            <a:ext cx="6796216" cy="369332"/>
+          </a:xfrm>
+          <a:prstGeom prst="rect">
+            <a:avLst/>
+          </a:prstGeom>
+          <a:noFill/>
+        </p:spPr>
+        <p:txBody>
+          <a:bodyPr wrap="square" rtlCol="0">
+            <a:spAutoFit/>
+          </a:bodyPr>
+          <a:lstStyle/>
+          <a:p>
+            <a:r>
+              <a:rPr lang="fr-FR">
+                <a:latin typeface="Century Gothic"/>
+                <a:cs typeface="Century Gothic"/>
+              </a:rPr>
+              <a:t>https://en.wikipedia.org/wiki/List_of_HTTP_status_codes</a:t>
+            </a:r>
+            <a:endParaRPr lang="fr-FR" dirty="0" smtClean="0">
+              <a:latin typeface="Century Gothic"/>
+              <a:cs typeface="Century Gothic"/>
+            </a:endParaRPr>
+          </a:p>
+        </p:txBody>
+      </p:sp>
     </p:spTree>
     <p:extLst>
       <p:ext uri="{BB962C8B-B14F-4D97-AF65-F5344CB8AC3E}">
@@ -4777,12 +4800,12 @@
         <p:spPr>
           <a:xfrm>
             <a:off x="457200" y="1287598"/>
-            <a:ext cx="8229600" cy="656532"/>
+            <a:ext cx="8229600" cy="3959905"/>
           </a:xfrm>
         </p:spPr>
         <p:txBody>
           <a:bodyPr>
-            <a:normAutofit fontScale="85000" lnSpcReduction="10000"/>
+            <a:normAutofit/>
           </a:bodyPr>
           <a:lstStyle/>
           <a:p>
@@ -4791,48 +4814,50 @@
             </a:pPr>
             <a:r>
               <a:rPr lang="en-US" sz="2800" dirty="0" smtClean="0"/>
-              <a:t>Default ASP.NET </a:t>
-            </a:r>
+              <a:t>Back &amp; Front ends need to sync on the error format</a:t>
+            </a:r>
+          </a:p>
+          <a:p>
+            <a:pPr marL="0" indent="0">
+              <a:buNone/>
+            </a:pPr>
+            <a:endParaRPr lang="en-US" sz="2800" dirty="0" smtClean="0"/>
+          </a:p>
+          <a:p>
+            <a:pPr marL="0" indent="0">
+              <a:buNone/>
+            </a:pPr>
             <a:r>
               <a:rPr lang="en-US" sz="2800" dirty="0" smtClean="0"/>
-              <a:t>Web </a:t>
-            </a:r>
+              <a:t>It needs to be</a:t>
+            </a:r>
+            <a:endParaRPr lang="en-US" sz="2800" dirty="0"/>
+          </a:p>
+          <a:p>
             <a:r>
               <a:rPr lang="en-US" sz="2800" dirty="0" smtClean="0"/>
-              <a:t>API errors are not acceptable</a:t>
+              <a:t>Simple</a:t>
+            </a:r>
+          </a:p>
+          <a:p>
+            <a:r>
+              <a:rPr lang="en-US" sz="2800" dirty="0" smtClean="0"/>
+              <a:t>Flexible</a:t>
+            </a:r>
+          </a:p>
+          <a:p>
+            <a:r>
+              <a:rPr lang="en-US" sz="2800" dirty="0" smtClean="0"/>
+              <a:t>Consistent</a:t>
             </a:r>
             <a:endParaRPr lang="fr-FR" sz="2800" dirty="0"/>
           </a:p>
         </p:txBody>
       </p:sp>
-      <p:pic>
-        <p:nvPicPr>
-          <p:cNvPr id="4" name="Picture 3"/>
-          <p:cNvPicPr>
-            <a:picLocks noChangeAspect="1"/>
-          </p:cNvPicPr>
-          <p:nvPr/>
-        </p:nvPicPr>
-        <p:blipFill>
-          <a:blip r:embed="rId2"/>
-          <a:stretch>
-            <a:fillRect/>
-          </a:stretch>
-        </p:blipFill>
-        <p:spPr>
-          <a:xfrm>
-            <a:off x="1814004" y="2438400"/>
-            <a:ext cx="4738295" cy="3881437"/>
-          </a:xfrm>
-          <a:prstGeom prst="rect">
-            <a:avLst/>
-          </a:prstGeom>
-        </p:spPr>
-      </p:pic>
     </p:spTree>
     <p:extLst>
       <p:ext uri="{BB962C8B-B14F-4D97-AF65-F5344CB8AC3E}">
-        <p14:creationId xmlns:p14="http://schemas.microsoft.com/office/powerpoint/2010/main" val="675317304"/>
+        <p14:creationId xmlns:p14="http://schemas.microsoft.com/office/powerpoint/2010/main" val="3730301423"/>
       </p:ext>
     </p:extLst>
   </p:cSld>
@@ -4902,12 +4927,12 @@
         <p:spPr>
           <a:xfrm>
             <a:off x="457200" y="1287598"/>
-            <a:ext cx="8229600" cy="615343"/>
+            <a:ext cx="8229600" cy="656532"/>
           </a:xfrm>
         </p:spPr>
         <p:txBody>
           <a:bodyPr>
-            <a:normAutofit/>
+            <a:normAutofit fontScale="85000" lnSpcReduction="10000"/>
           </a:bodyPr>
           <a:lstStyle/>
           <a:p>
@@ -4916,7 +4941,7 @@
             </a:pPr>
             <a:r>
               <a:rPr lang="en-US" sz="2800" dirty="0" smtClean="0"/>
-              <a:t>A better format is human readable</a:t>
+              <a:t>Default ASP.NET Web API errors are not acceptable</a:t>
             </a:r>
             <a:endParaRPr lang="fr-FR" sz="2800" dirty="0"/>
           </a:p>
@@ -4924,7 +4949,7 @@
       </p:sp>
       <p:pic>
         <p:nvPicPr>
-          <p:cNvPr id="5" name="Picture 4"/>
+          <p:cNvPr id="4" name="Picture 3"/>
           <p:cNvPicPr>
             <a:picLocks noChangeAspect="1"/>
           </p:cNvPicPr>
@@ -4938,8 +4963,8 @@
         </p:blipFill>
         <p:spPr>
           <a:xfrm>
-            <a:off x="1509712" y="2100649"/>
-            <a:ext cx="6124575" cy="3906076"/>
+            <a:off x="1814004" y="1944130"/>
+            <a:ext cx="4738295" cy="3881437"/>
           </a:xfrm>
           <a:prstGeom prst="rect">
             <a:avLst/>
@@ -4949,7 +4974,7 @@
     </p:spTree>
     <p:extLst>
       <p:ext uri="{BB962C8B-B14F-4D97-AF65-F5344CB8AC3E}">
-        <p14:creationId xmlns:p14="http://schemas.microsoft.com/office/powerpoint/2010/main" val="4241584848"/>
+        <p14:creationId xmlns:p14="http://schemas.microsoft.com/office/powerpoint/2010/main" val="675317304"/>
       </p:ext>
     </p:extLst>
   </p:cSld>
@@ -5033,15 +5058,15 @@
             </a:pPr>
             <a:r>
               <a:rPr lang="en-US" sz="2800" dirty="0" smtClean="0"/>
-              <a:t>It is flexible for validation</a:t>
-            </a:r>
-            <a:endParaRPr lang="fr-FR" dirty="0"/>
+              <a:t>A better format is human readable</a:t>
+            </a:r>
+            <a:endParaRPr lang="fr-FR" sz="2800" dirty="0"/>
           </a:p>
         </p:txBody>
       </p:sp>
       <p:pic>
         <p:nvPicPr>
-          <p:cNvPr id="6" name="Picture 5"/>
+          <p:cNvPr id="5" name="Picture 4"/>
           <p:cNvPicPr>
             <a:picLocks noChangeAspect="1"/>
           </p:cNvPicPr>
@@ -5055,68 +5080,18 @@
         </p:blipFill>
         <p:spPr>
           <a:xfrm>
-            <a:off x="773712" y="1902941"/>
-            <a:ext cx="5800725" cy="2486025"/>
+            <a:off x="1509712" y="1985319"/>
+            <a:ext cx="6124575" cy="3906076"/>
           </a:xfrm>
           <a:prstGeom prst="rect">
             <a:avLst/>
           </a:prstGeom>
         </p:spPr>
       </p:pic>
-      <p:sp>
-        <p:nvSpPr>
-          <p:cNvPr id="7" name="Rectangle 6"/>
-          <p:cNvSpPr/>
-          <p:nvPr/>
-        </p:nvSpPr>
-        <p:spPr>
-          <a:xfrm>
-            <a:off x="5132174" y="2529016"/>
-            <a:ext cx="832022" cy="222422"/>
-          </a:xfrm>
-          <a:prstGeom prst="rect">
-            <a:avLst/>
-          </a:prstGeom>
-          <a:solidFill>
-            <a:schemeClr val="bg1"/>
-          </a:solidFill>
-          <a:ln>
-            <a:noFill/>
-          </a:ln>
-          <a:effectLst/>
-        </p:spPr>
-        <p:style>
-          <a:lnRef idx="1">
-            <a:schemeClr val="accent1"/>
-          </a:lnRef>
-          <a:fillRef idx="3">
-            <a:schemeClr val="accent1"/>
-          </a:fillRef>
-          <a:effectRef idx="2">
-            <a:schemeClr val="accent1"/>
-          </a:effectRef>
-          <a:fontRef idx="minor">
-            <a:schemeClr val="lt1"/>
-          </a:fontRef>
-        </p:style>
-        <p:txBody>
-          <a:bodyPr rot="0" spcFirstLastPara="0" vertOverflow="overflow" horzOverflow="overflow" vert="horz" wrap="square" lIns="91440" tIns="45720" rIns="91440" bIns="45720" numCol="1" spcCol="0" rtlCol="0" fromWordArt="0" anchor="ctr" anchorCtr="0" forceAA="0" compatLnSpc="1">
-            <a:prstTxWarp prst="textNoShape">
-              <a:avLst/>
-            </a:prstTxWarp>
-            <a:noAutofit/>
-          </a:bodyPr>
-          <a:lstStyle/>
-          <a:p>
-            <a:pPr algn="ctr"/>
-            <a:endParaRPr lang="fr-FR"/>
-          </a:p>
-        </p:txBody>
-      </p:sp>
     </p:spTree>
     <p:extLst>
       <p:ext uri="{BB962C8B-B14F-4D97-AF65-F5344CB8AC3E}">
-        <p14:creationId xmlns:p14="http://schemas.microsoft.com/office/powerpoint/2010/main" val="487218435"/>
+        <p14:creationId xmlns:p14="http://schemas.microsoft.com/office/powerpoint/2010/main" val="4241584848"/>
       </p:ext>
     </p:extLst>
   </p:cSld>
@@ -5200,12 +5175,36 @@
             </a:pPr>
             <a:r>
               <a:rPr lang="en-US" sz="2800" dirty="0" smtClean="0"/>
-              <a:t>It can handle inner lists or objects</a:t>
+              <a:t>It is flexible for validation</a:t>
             </a:r>
             <a:endParaRPr lang="fr-FR" dirty="0"/>
           </a:p>
         </p:txBody>
       </p:sp>
+      <p:pic>
+        <p:nvPicPr>
+          <p:cNvPr id="6" name="Picture 5"/>
+          <p:cNvPicPr>
+            <a:picLocks noChangeAspect="1"/>
+          </p:cNvPicPr>
+          <p:nvPr/>
+        </p:nvPicPr>
+        <p:blipFill>
+          <a:blip r:embed="rId2"/>
+          <a:stretch>
+            <a:fillRect/>
+          </a:stretch>
+        </p:blipFill>
+        <p:spPr>
+          <a:xfrm>
+            <a:off x="1671637" y="1902941"/>
+            <a:ext cx="5800725" cy="2486025"/>
+          </a:xfrm>
+          <a:prstGeom prst="rect">
+            <a:avLst/>
+          </a:prstGeom>
+        </p:spPr>
+      </p:pic>
       <p:sp>
         <p:nvSpPr>
           <p:cNvPr id="7" name="Rectangle 6"/>
@@ -5256,34 +5255,10 @@
           </a:p>
         </p:txBody>
       </p:sp>
-      <p:pic>
-        <p:nvPicPr>
-          <p:cNvPr id="4" name="Picture 3"/>
-          <p:cNvPicPr>
-            <a:picLocks noChangeAspect="1"/>
-          </p:cNvPicPr>
-          <p:nvPr/>
-        </p:nvPicPr>
-        <p:blipFill>
-          <a:blip r:embed="rId2"/>
-          <a:stretch>
-            <a:fillRect/>
-          </a:stretch>
-        </p:blipFill>
-        <p:spPr>
-          <a:xfrm>
-            <a:off x="457200" y="2122144"/>
-            <a:ext cx="5791200" cy="1933575"/>
-          </a:xfrm>
-          <a:prstGeom prst="rect">
-            <a:avLst/>
-          </a:prstGeom>
-        </p:spPr>
-      </p:pic>
     </p:spTree>
     <p:extLst>
       <p:ext uri="{BB962C8B-B14F-4D97-AF65-F5344CB8AC3E}">
-        <p14:creationId xmlns:p14="http://schemas.microsoft.com/office/powerpoint/2010/main" val="1727149054"/>
+        <p14:creationId xmlns:p14="http://schemas.microsoft.com/office/powerpoint/2010/main" val="487218435"/>
       </p:ext>
     </p:extLst>
   </p:cSld>
@@ -5353,6 +5328,173 @@
         <p:spPr>
           <a:xfrm>
             <a:off x="457200" y="1287598"/>
+            <a:ext cx="8229600" cy="615343"/>
+          </a:xfrm>
+        </p:spPr>
+        <p:txBody>
+          <a:bodyPr>
+            <a:normAutofit/>
+          </a:bodyPr>
+          <a:lstStyle/>
+          <a:p>
+            <a:pPr marL="0" indent="0">
+              <a:buNone/>
+            </a:pPr>
+            <a:r>
+              <a:rPr lang="en-US" sz="2800" dirty="0" smtClean="0"/>
+              <a:t>It can handle inner lists or objects</a:t>
+            </a:r>
+            <a:endParaRPr lang="fr-FR" dirty="0"/>
+          </a:p>
+        </p:txBody>
+      </p:sp>
+      <p:sp>
+        <p:nvSpPr>
+          <p:cNvPr id="7" name="Rectangle 6"/>
+          <p:cNvSpPr/>
+          <p:nvPr/>
+        </p:nvSpPr>
+        <p:spPr>
+          <a:xfrm>
+            <a:off x="5132174" y="2529016"/>
+            <a:ext cx="832022" cy="222422"/>
+          </a:xfrm>
+          <a:prstGeom prst="rect">
+            <a:avLst/>
+          </a:prstGeom>
+          <a:solidFill>
+            <a:schemeClr val="bg1"/>
+          </a:solidFill>
+          <a:ln>
+            <a:noFill/>
+          </a:ln>
+          <a:effectLst/>
+        </p:spPr>
+        <p:style>
+          <a:lnRef idx="1">
+            <a:schemeClr val="accent1"/>
+          </a:lnRef>
+          <a:fillRef idx="3">
+            <a:schemeClr val="accent1"/>
+          </a:fillRef>
+          <a:effectRef idx="2">
+            <a:schemeClr val="accent1"/>
+          </a:effectRef>
+          <a:fontRef idx="minor">
+            <a:schemeClr val="lt1"/>
+          </a:fontRef>
+        </p:style>
+        <p:txBody>
+          <a:bodyPr rot="0" spcFirstLastPara="0" vertOverflow="overflow" horzOverflow="overflow" vert="horz" wrap="square" lIns="91440" tIns="45720" rIns="91440" bIns="45720" numCol="1" spcCol="0" rtlCol="0" fromWordArt="0" anchor="ctr" anchorCtr="0" forceAA="0" compatLnSpc="1">
+            <a:prstTxWarp prst="textNoShape">
+              <a:avLst/>
+            </a:prstTxWarp>
+            <a:noAutofit/>
+          </a:bodyPr>
+          <a:lstStyle/>
+          <a:p>
+            <a:pPr algn="ctr"/>
+            <a:endParaRPr lang="fr-FR"/>
+          </a:p>
+        </p:txBody>
+      </p:sp>
+      <p:pic>
+        <p:nvPicPr>
+          <p:cNvPr id="4" name="Picture 3"/>
+          <p:cNvPicPr>
+            <a:picLocks noChangeAspect="1"/>
+          </p:cNvPicPr>
+          <p:nvPr/>
+        </p:nvPicPr>
+        <p:blipFill>
+          <a:blip r:embed="rId2"/>
+          <a:stretch>
+            <a:fillRect/>
+          </a:stretch>
+        </p:blipFill>
+        <p:spPr>
+          <a:xfrm>
+            <a:off x="1676400" y="2122144"/>
+            <a:ext cx="5791200" cy="1933575"/>
+          </a:xfrm>
+          <a:prstGeom prst="rect">
+            <a:avLst/>
+          </a:prstGeom>
+        </p:spPr>
+      </p:pic>
+    </p:spTree>
+    <p:extLst>
+      <p:ext uri="{BB962C8B-B14F-4D97-AF65-F5344CB8AC3E}">
+        <p14:creationId xmlns:p14="http://schemas.microsoft.com/office/powerpoint/2010/main" val="1727149054"/>
+      </p:ext>
+    </p:extLst>
+  </p:cSld>
+  <p:clrMapOvr>
+    <a:masterClrMapping/>
+  </p:clrMapOvr>
+  <p:timing>
+    <p:tnLst>
+      <p:par>
+        <p:cTn id="1" dur="indefinite" restart="never" nodeType="tmRoot"/>
+      </p:par>
+    </p:tnLst>
+  </p:timing>
+</p:sld>
+</file>
+
+<file path=ppt/slides/slide19.xml><?xml version="1.0" encoding="utf-8"?>
+<p:sld xmlns:a="http://schemas.openxmlformats.org/drawingml/2006/main" xmlns:r="http://schemas.openxmlformats.org/officeDocument/2006/relationships" xmlns:p="http://schemas.openxmlformats.org/presentationml/2006/main">
+  <p:cSld>
+    <p:spTree>
+      <p:nvGrpSpPr>
+        <p:cNvPr id="1" name=""/>
+        <p:cNvGrpSpPr/>
+        <p:nvPr/>
+      </p:nvGrpSpPr>
+      <p:grpSpPr>
+        <a:xfrm>
+          <a:off x="0" y="0"/>
+          <a:ext cx="0" cy="0"/>
+          <a:chOff x="0" y="0"/>
+          <a:chExt cx="0" cy="0"/>
+        </a:xfrm>
+      </p:grpSpPr>
+      <p:sp>
+        <p:nvSpPr>
+          <p:cNvPr id="2" name="Title 1"/>
+          <p:cNvSpPr>
+            <a:spLocks noGrp="1"/>
+          </p:cNvSpPr>
+          <p:nvPr>
+            <p:ph type="title"/>
+          </p:nvPr>
+        </p:nvSpPr>
+        <p:spPr/>
+        <p:txBody>
+          <a:bodyPr/>
+          <a:lstStyle/>
+          <a:p>
+            <a:r>
+              <a:rPr lang="en-US" dirty="0" smtClean="0"/>
+              <a:t>Error Specification</a:t>
+            </a:r>
+            <a:endParaRPr lang="fr-FR" dirty="0"/>
+          </a:p>
+        </p:txBody>
+      </p:sp>
+      <p:sp>
+        <p:nvSpPr>
+          <p:cNvPr id="3" name="Content Placeholder 2"/>
+          <p:cNvSpPr>
+            <a:spLocks noGrp="1"/>
+          </p:cNvSpPr>
+          <p:nvPr>
+            <p:ph idx="1"/>
+          </p:nvPr>
+        </p:nvSpPr>
+        <p:spPr>
+          <a:xfrm>
+            <a:off x="457200" y="934051"/>
             <a:ext cx="8229600" cy="4824878"/>
           </a:xfrm>
         </p:spPr>
@@ -5368,11 +5510,16 @@
             </a:pPr>
             <a:r>
               <a:rPr lang="en-US" sz="2800" dirty="0" smtClean="0"/>
-              <a:t>Server errors </a:t>
-            </a:r>
+              <a:t>Server errors : </a:t>
+            </a:r>
+          </a:p>
+          <a:p>
+            <a:pPr marL="0" indent="0">
+              <a:buNone/>
+            </a:pPr>
             <a:r>
               <a:rPr lang="en-US" sz="2800" dirty="0" smtClean="0"/>
-              <a:t>= minimum info sent to client</a:t>
+              <a:t>return minimum info</a:t>
             </a:r>
             <a:endParaRPr lang="fr-FR" sz="2800" dirty="0"/>
           </a:p>
@@ -5782,7 +5929,7 @@
                             </p:stCondLst>
                             <p:childTnLst>
                               <p:par>
-                                <p:cTn id="5" presetID="1" presetClass="entr" presetSubtype="0" fill="hold" nodeType="clickEffect">
+                                <p:cTn id="5" presetID="1" presetClass="entr" presetSubtype="0" fill="hold" grpId="0" nodeType="clickEffect">
                                   <p:stCondLst>
                                     <p:cond delay="0"/>
                                   </p:stCondLst>
@@ -5795,7 +5942,7 @@
                                           </p:stCondLst>
                                         </p:cTn>
                                         <p:tgtEl>
-                                          <p:spTgt spid="22"/>
+                                          <p:spTgt spid="19"/>
                                         </p:tgtEl>
                                         <p:attrNameLst>
                                           <p:attrName>style.visibility</p:attrName>
@@ -5808,33 +5955,15 @@
                                   </p:childTnLst>
                                 </p:cTn>
                               </p:par>
-                            </p:childTnLst>
-                          </p:cTn>
-                        </p:par>
-                      </p:childTnLst>
-                    </p:cTn>
-                  </p:par>
-                  <p:par>
-                    <p:cTn id="7" fill="hold">
-                      <p:stCondLst>
-                        <p:cond delay="indefinite"/>
-                      </p:stCondLst>
-                      <p:childTnLst>
-                        <p:par>
-                          <p:cTn id="8" fill="hold">
-                            <p:stCondLst>
-                              <p:cond delay="0"/>
-                            </p:stCondLst>
-                            <p:childTnLst>
                               <p:par>
-                                <p:cTn id="9" presetID="1" presetClass="entr" presetSubtype="0" fill="hold" nodeType="clickEffect">
+                                <p:cTn id="7" presetID="1" presetClass="entr" presetSubtype="0" fill="hold" nodeType="withEffect">
                                   <p:stCondLst>
                                     <p:cond delay="0"/>
                                   </p:stCondLst>
                                   <p:childTnLst>
                                     <p:set>
                                       <p:cBhvr>
-                                        <p:cTn id="10" dur="1" fill="hold">
+                                        <p:cTn id="8" dur="1" fill="hold">
                                           <p:stCondLst>
                                             <p:cond delay="0"/>
                                           </p:stCondLst>
@@ -5880,11 +6009,14 @@
         </p:cTn>
       </p:par>
     </p:tnLst>
+    <p:bldLst>
+      <p:bldP spid="19" grpId="0" animBg="1"/>
+    </p:bldLst>
   </p:timing>
 </p:sld>
 </file>
 
-<file path=ppt/slides/slide19.xml><?xml version="1.0" encoding="utf-8"?>
+<file path=ppt/slides/slide2.xml><?xml version="1.0" encoding="utf-8"?>
 <p:sld xmlns:a="http://schemas.openxmlformats.org/drawingml/2006/main" xmlns:r="http://schemas.openxmlformats.org/officeDocument/2006/relationships" xmlns:p="http://schemas.openxmlformats.org/presentationml/2006/main">
   <p:cSld>
     <p:spTree>
@@ -5917,8 +6049,8 @@
           <a:lstStyle/>
           <a:p>
             <a:r>
-              <a:rPr lang="en-US" dirty="0"/>
-              <a:t>Error Specification</a:t>
+              <a:rPr lang="en-US" dirty="0" smtClean="0"/>
+              <a:t>Purpose of this presentation</a:t>
             </a:r>
             <a:endParaRPr lang="fr-FR" dirty="0"/>
           </a:p>
@@ -5934,15 +6066,172 @@
             <p:ph idx="1"/>
           </p:nvPr>
         </p:nvSpPr>
-        <p:spPr>
-          <a:xfrm>
-            <a:off x="457200" y="1287598"/>
-            <a:ext cx="8229600" cy="692953"/>
-          </a:xfrm>
-        </p:spPr>
+        <p:spPr/>
         <p:txBody>
           <a:bodyPr>
             <a:normAutofit/>
+          </a:bodyPr>
+          <a:lstStyle/>
+          <a:p>
+            <a:pPr marL="0" indent="0">
+              <a:buNone/>
+            </a:pPr>
+            <a:r>
+              <a:rPr lang="en-US" sz="2400" dirty="0" smtClean="0"/>
+              <a:t>Error handling is often considered too late</a:t>
+            </a:r>
+          </a:p>
+          <a:p>
+            <a:pPr marL="0" indent="0">
+              <a:buNone/>
+            </a:pPr>
+            <a:endParaRPr lang="en-US" sz="2400" dirty="0"/>
+          </a:p>
+          <a:p>
+            <a:pPr marL="0" indent="0">
+              <a:buNone/>
+            </a:pPr>
+            <a:r>
+              <a:rPr lang="en-US" sz="2400" dirty="0" smtClean="0"/>
+              <a:t>Today, Platform handling </a:t>
+            </a:r>
+            <a:r>
+              <a:rPr lang="fr-FR" sz="2400" dirty="0" smtClean="0"/>
+              <a:t>≠ </a:t>
+            </a:r>
+            <a:r>
+              <a:rPr lang="fr-FR" sz="2400" dirty="0" err="1" smtClean="0"/>
+              <a:t>Transparency</a:t>
+            </a:r>
+            <a:r>
+              <a:rPr lang="fr-FR" sz="2400" dirty="0" smtClean="0"/>
+              <a:t> handling</a:t>
+            </a:r>
+            <a:endParaRPr lang="en-US" sz="2400" dirty="0" smtClean="0"/>
+          </a:p>
+          <a:p>
+            <a:pPr marL="0" indent="0">
+              <a:buNone/>
+            </a:pPr>
+            <a:endParaRPr lang="en-US" sz="2400" dirty="0"/>
+          </a:p>
+          <a:p>
+            <a:pPr marL="0" indent="0">
+              <a:buNone/>
+            </a:pPr>
+            <a:r>
+              <a:rPr lang="en-US" sz="2400" dirty="0" smtClean="0"/>
+              <a:t>Trace One should use only one error handling model</a:t>
+            </a:r>
+          </a:p>
+          <a:p>
+            <a:pPr marL="0" indent="0">
+              <a:buNone/>
+            </a:pPr>
+            <a:r>
+              <a:rPr lang="en-US" sz="2400" dirty="0" smtClean="0"/>
+              <a:t>in order to</a:t>
+            </a:r>
+          </a:p>
+          <a:p>
+            <a:r>
+              <a:rPr lang="en-US" sz="2400" dirty="0" smtClean="0"/>
+              <a:t>Better define exception scenarios</a:t>
+            </a:r>
+          </a:p>
+          <a:p>
+            <a:r>
+              <a:rPr lang="en-US" sz="2400" dirty="0" smtClean="0"/>
+              <a:t>Get a More predictable system</a:t>
+            </a:r>
+          </a:p>
+          <a:p>
+            <a:r>
+              <a:rPr lang="en-US" sz="2400" dirty="0" smtClean="0"/>
+              <a:t>Make debugging easier</a:t>
+            </a:r>
+          </a:p>
+        </p:txBody>
+      </p:sp>
+    </p:spTree>
+    <p:extLst>
+      <p:ext uri="{BB962C8B-B14F-4D97-AF65-F5344CB8AC3E}">
+        <p14:creationId xmlns:p14="http://schemas.microsoft.com/office/powerpoint/2010/main" val="3981034475"/>
+      </p:ext>
+    </p:extLst>
+  </p:cSld>
+  <p:clrMapOvr>
+    <a:masterClrMapping/>
+  </p:clrMapOvr>
+  <p:timing>
+    <p:tnLst>
+      <p:par>
+        <p:cTn id="1" dur="indefinite" restart="never" nodeType="tmRoot"/>
+      </p:par>
+    </p:tnLst>
+  </p:timing>
+</p:sld>
+</file>
+
+<file path=ppt/slides/slide20.xml><?xml version="1.0" encoding="utf-8"?>
+<p:sld xmlns:a="http://schemas.openxmlformats.org/drawingml/2006/main" xmlns:r="http://schemas.openxmlformats.org/officeDocument/2006/relationships" xmlns:p="http://schemas.openxmlformats.org/presentationml/2006/main">
+  <p:cSld>
+    <p:spTree>
+      <p:nvGrpSpPr>
+        <p:cNvPr id="1" name=""/>
+        <p:cNvGrpSpPr/>
+        <p:nvPr/>
+      </p:nvGrpSpPr>
+      <p:grpSpPr>
+        <a:xfrm>
+          <a:off x="0" y="0"/>
+          <a:ext cx="0" cy="0"/>
+          <a:chOff x="0" y="0"/>
+          <a:chExt cx="0" cy="0"/>
+        </a:xfrm>
+      </p:grpSpPr>
+      <p:sp>
+        <p:nvSpPr>
+          <p:cNvPr id="2" name="Title 1"/>
+          <p:cNvSpPr>
+            <a:spLocks noGrp="1"/>
+          </p:cNvSpPr>
+          <p:nvPr>
+            <p:ph type="title"/>
+          </p:nvPr>
+        </p:nvSpPr>
+        <p:spPr/>
+        <p:txBody>
+          <a:bodyPr/>
+          <a:lstStyle/>
+          <a:p>
+            <a:r>
+              <a:rPr lang="en-US" dirty="0"/>
+              <a:t>Error Specification</a:t>
+            </a:r>
+            <a:endParaRPr lang="fr-FR" dirty="0"/>
+          </a:p>
+        </p:txBody>
+      </p:sp>
+      <p:sp>
+        <p:nvSpPr>
+          <p:cNvPr id="3" name="Content Placeholder 2"/>
+          <p:cNvSpPr>
+            <a:spLocks noGrp="1"/>
+          </p:cNvSpPr>
+          <p:nvPr>
+            <p:ph idx="1"/>
+          </p:nvPr>
+        </p:nvSpPr>
+        <p:spPr>
+          <a:xfrm>
+            <a:off x="457200" y="1005645"/>
+            <a:ext cx="8229600" cy="840328"/>
+          </a:xfrm>
+        </p:spPr>
+        <p:txBody>
+          <a:bodyPr>
+            <a:normAutofit fontScale="92500" lnSpcReduction="20000"/>
           </a:bodyPr>
           <a:lstStyle/>
           <a:p>
@@ -5952,13 +6241,17 @@
             </a:pPr>
             <a:r>
               <a:rPr lang="en-US" sz="2800" dirty="0" smtClean="0"/>
-              <a:t>Client errors </a:t>
-            </a:r>
+              <a:t>Client validation error : </a:t>
+            </a:r>
+          </a:p>
+          <a:p>
+            <a:pPr marL="0" indent="0">
+              <a:buNone/>
+            </a:pPr>
             <a:r>
               <a:rPr lang="en-US" sz="2800" dirty="0" smtClean="0"/>
-              <a:t>: Validation error details</a:t>
-            </a:r>
-            <a:endParaRPr lang="en-US" sz="2800" dirty="0" smtClean="0"/>
+              <a:t>return static error Code + error details</a:t>
+            </a:r>
           </a:p>
         </p:txBody>
       </p:sp>
@@ -6094,6 +6387,50 @@
           </a:prstGeom>
         </p:spPr>
       </p:pic>
+      <p:sp>
+        <p:nvSpPr>
+          <p:cNvPr id="11" name="Right Arrow 10"/>
+          <p:cNvSpPr/>
+          <p:nvPr/>
+        </p:nvSpPr>
+        <p:spPr>
+          <a:xfrm flipH="1">
+            <a:off x="1013252" y="4341679"/>
+            <a:ext cx="939115" cy="543697"/>
+          </a:xfrm>
+          <a:prstGeom prst="rightArrow">
+            <a:avLst/>
+          </a:prstGeom>
+          <a:ln/>
+        </p:spPr>
+        <p:style>
+          <a:lnRef idx="2">
+            <a:schemeClr val="accent3"/>
+          </a:lnRef>
+          <a:fillRef idx="1">
+            <a:schemeClr val="lt1"/>
+          </a:fillRef>
+          <a:effectRef idx="0">
+            <a:schemeClr val="accent3"/>
+          </a:effectRef>
+          <a:fontRef idx="minor">
+            <a:schemeClr val="dk1"/>
+          </a:fontRef>
+        </p:style>
+        <p:txBody>
+          <a:bodyPr rot="0" spcFirstLastPara="0" vertOverflow="overflow" horzOverflow="overflow" vert="horz" wrap="square" lIns="91440" tIns="45720" rIns="91440" bIns="45720" numCol="1" spcCol="0" rtlCol="0" fromWordArt="0" anchor="ctr" anchorCtr="0" forceAA="0" compatLnSpc="1">
+            <a:prstTxWarp prst="textNoShape">
+              <a:avLst/>
+            </a:prstTxWarp>
+            <a:noAutofit/>
+          </a:bodyPr>
+          <a:lstStyle/>
+          <a:p>
+            <a:pPr algn="ctr"/>
+            <a:endParaRPr lang="fr-FR"/>
+          </a:p>
+        </p:txBody>
+      </p:sp>
       <p:pic>
         <p:nvPicPr>
           <p:cNvPr id="9" name="Picture 8"/>
@@ -6109,7 +6446,7 @@
         </p:blipFill>
         <p:spPr>
           <a:xfrm>
-            <a:off x="1325262" y="4486917"/>
+            <a:off x="1325262" y="4792394"/>
             <a:ext cx="5867400" cy="1897407"/>
           </a:xfrm>
           <a:prstGeom prst="rect">
@@ -6148,7 +6485,7 @@
                             </p:stCondLst>
                             <p:childTnLst>
                               <p:par>
-                                <p:cTn id="5" presetID="1" presetClass="entr" presetSubtype="0" fill="hold" nodeType="clickEffect">
+                                <p:cTn id="5" presetID="1" presetClass="entr" presetSubtype="0" fill="hold" grpId="0" nodeType="clickEffect">
                                   <p:stCondLst>
                                     <p:cond delay="0"/>
                                   </p:stCondLst>
@@ -6161,7 +6498,7 @@
                                           </p:stCondLst>
                                         </p:cTn>
                                         <p:tgtEl>
-                                          <p:spTgt spid="8"/>
+                                          <p:spTgt spid="11"/>
                                         </p:tgtEl>
                                         <p:attrNameLst>
                                           <p:attrName>style.visibility</p:attrName>
@@ -6174,33 +6511,15 @@
                                   </p:childTnLst>
                                 </p:cTn>
                               </p:par>
-                            </p:childTnLst>
-                          </p:cTn>
-                        </p:par>
-                      </p:childTnLst>
-                    </p:cTn>
-                  </p:par>
-                  <p:par>
-                    <p:cTn id="7" fill="hold">
-                      <p:stCondLst>
-                        <p:cond delay="indefinite"/>
-                      </p:stCondLst>
-                      <p:childTnLst>
-                        <p:par>
-                          <p:cTn id="8" fill="hold">
-                            <p:stCondLst>
-                              <p:cond delay="0"/>
-                            </p:stCondLst>
-                            <p:childTnLst>
                               <p:par>
-                                <p:cTn id="9" presetID="1" presetClass="entr" presetSubtype="0" fill="hold" nodeType="clickEffect">
+                                <p:cTn id="7" presetID="1" presetClass="entr" presetSubtype="0" fill="hold" nodeType="withEffect">
                                   <p:stCondLst>
                                     <p:cond delay="0"/>
                                   </p:stCondLst>
                                   <p:childTnLst>
                                     <p:set>
                                       <p:cBhvr>
-                                        <p:cTn id="10" dur="1" fill="hold">
+                                        <p:cTn id="8" dur="1" fill="hold">
                                           <p:stCondLst>
                                             <p:cond delay="0"/>
                                           </p:stCondLst>
@@ -6246,11 +6565,14 @@
         </p:cTn>
       </p:par>
     </p:tnLst>
+    <p:bldLst>
+      <p:bldP spid="11" grpId="0" animBg="1"/>
+    </p:bldLst>
   </p:timing>
 </p:sld>
 </file>
 
-<file path=ppt/slides/slide2.xml><?xml version="1.0" encoding="utf-8"?>
+<file path=ppt/slides/slide21.xml><?xml version="1.0" encoding="utf-8"?>
 <p:sld xmlns:a="http://schemas.openxmlformats.org/drawingml/2006/main" xmlns:r="http://schemas.openxmlformats.org/officeDocument/2006/relationships" xmlns:p="http://schemas.openxmlformats.org/presentationml/2006/main">
   <p:cSld>
     <p:spTree>
@@ -6283,8 +6605,8 @@
           <a:lstStyle/>
           <a:p>
             <a:r>
-              <a:rPr lang="en-US" dirty="0" smtClean="0"/>
-              <a:t>Purpose of the presentation</a:t>
+              <a:rPr lang="en-US" dirty="0"/>
+              <a:t>Error Specification</a:t>
             </a:r>
             <a:endParaRPr lang="fr-FR" dirty="0"/>
           </a:p>
@@ -6300,180 +6622,15 @@
             <p:ph idx="1"/>
           </p:nvPr>
         </p:nvSpPr>
-        <p:spPr/>
+        <p:spPr>
+          <a:xfrm>
+            <a:off x="457200" y="937490"/>
+            <a:ext cx="8229600" cy="899548"/>
+          </a:xfrm>
+        </p:spPr>
         <p:txBody>
           <a:bodyPr>
-            <a:normAutofit/>
-          </a:bodyPr>
-          <a:lstStyle/>
-          <a:p>
-            <a:pPr marL="0" indent="0">
-              <a:buNone/>
-            </a:pPr>
-            <a:r>
-              <a:rPr lang="en-US" sz="2400" dirty="0" smtClean="0"/>
-              <a:t>Error handling is often considered </a:t>
-            </a:r>
-            <a:r>
-              <a:rPr lang="en-US" sz="2400" i="1" dirty="0" smtClean="0"/>
-              <a:t>a posteriori</a:t>
-            </a:r>
-          </a:p>
-          <a:p>
-            <a:pPr marL="0" indent="0">
-              <a:buNone/>
-            </a:pPr>
-            <a:endParaRPr lang="en-US" sz="2400" dirty="0"/>
-          </a:p>
-          <a:p>
-            <a:pPr marL="0" indent="0">
-              <a:buNone/>
-            </a:pPr>
-            <a:r>
-              <a:rPr lang="en-US" sz="2400" dirty="0" smtClean="0"/>
-              <a:t>Today, Platform handling </a:t>
-            </a:r>
-            <a:r>
-              <a:rPr lang="fr-FR" sz="2400" dirty="0" smtClean="0"/>
-              <a:t>≠ </a:t>
-            </a:r>
-            <a:r>
-              <a:rPr lang="fr-FR" sz="2400" dirty="0" err="1" smtClean="0"/>
-              <a:t>Transparency</a:t>
-            </a:r>
-            <a:r>
-              <a:rPr lang="fr-FR" sz="2400" dirty="0" smtClean="0"/>
-              <a:t> handling</a:t>
-            </a:r>
-            <a:endParaRPr lang="en-US" sz="2400" dirty="0" smtClean="0"/>
-          </a:p>
-          <a:p>
-            <a:pPr marL="0" indent="0">
-              <a:buNone/>
-            </a:pPr>
-            <a:endParaRPr lang="en-US" sz="2400" dirty="0"/>
-          </a:p>
-          <a:p>
-            <a:pPr marL="0" indent="0">
-              <a:buNone/>
-            </a:pPr>
-            <a:r>
-              <a:rPr lang="en-US" sz="2400" dirty="0" smtClean="0"/>
-              <a:t>Trace One should use only one error handling model</a:t>
-            </a:r>
-          </a:p>
-          <a:p>
-            <a:pPr marL="0" indent="0">
-              <a:buNone/>
-            </a:pPr>
-            <a:r>
-              <a:rPr lang="en-US" sz="2400" dirty="0" smtClean="0"/>
-              <a:t>in order to help obtaining</a:t>
-            </a:r>
-          </a:p>
-          <a:p>
-            <a:r>
-              <a:rPr lang="en-US" sz="2400" dirty="0" smtClean="0"/>
-              <a:t>Well defined scenarios</a:t>
-            </a:r>
-          </a:p>
-          <a:p>
-            <a:r>
-              <a:rPr lang="en-US" sz="2400" dirty="0"/>
-              <a:t>M</a:t>
-            </a:r>
-            <a:r>
-              <a:rPr lang="en-US" sz="2400" dirty="0" smtClean="0"/>
-              <a:t>ore predictable system</a:t>
-            </a:r>
-          </a:p>
-          <a:p>
-            <a:r>
-              <a:rPr lang="en-US" sz="2400" dirty="0" smtClean="0"/>
-              <a:t>Easier development </a:t>
-            </a:r>
-          </a:p>
-        </p:txBody>
-      </p:sp>
-    </p:spTree>
-    <p:extLst>
-      <p:ext uri="{BB962C8B-B14F-4D97-AF65-F5344CB8AC3E}">
-        <p14:creationId xmlns:p14="http://schemas.microsoft.com/office/powerpoint/2010/main" val="3981034475"/>
-      </p:ext>
-    </p:extLst>
-  </p:cSld>
-  <p:clrMapOvr>
-    <a:masterClrMapping/>
-  </p:clrMapOvr>
-  <p:timing>
-    <p:tnLst>
-      <p:par>
-        <p:cTn id="1" dur="indefinite" restart="never" nodeType="tmRoot"/>
-      </p:par>
-    </p:tnLst>
-  </p:timing>
-</p:sld>
-</file>
-
-<file path=ppt/slides/slide20.xml><?xml version="1.0" encoding="utf-8"?>
-<p:sld xmlns:a="http://schemas.openxmlformats.org/drawingml/2006/main" xmlns:r="http://schemas.openxmlformats.org/officeDocument/2006/relationships" xmlns:p="http://schemas.openxmlformats.org/presentationml/2006/main">
-  <p:cSld>
-    <p:spTree>
-      <p:nvGrpSpPr>
-        <p:cNvPr id="1" name=""/>
-        <p:cNvGrpSpPr/>
-        <p:nvPr/>
-      </p:nvGrpSpPr>
-      <p:grpSpPr>
-        <a:xfrm>
-          <a:off x="0" y="0"/>
-          <a:ext cx="0" cy="0"/>
-          <a:chOff x="0" y="0"/>
-          <a:chExt cx="0" cy="0"/>
-        </a:xfrm>
-      </p:grpSpPr>
-      <p:sp>
-        <p:nvSpPr>
-          <p:cNvPr id="2" name="Title 1"/>
-          <p:cNvSpPr>
-            <a:spLocks noGrp="1"/>
-          </p:cNvSpPr>
-          <p:nvPr>
-            <p:ph type="title"/>
-          </p:nvPr>
-        </p:nvSpPr>
-        <p:spPr/>
-        <p:txBody>
-          <a:bodyPr/>
-          <a:lstStyle/>
-          <a:p>
-            <a:r>
-              <a:rPr lang="en-US" dirty="0"/>
-              <a:t>Error Specification</a:t>
-            </a:r>
-            <a:endParaRPr lang="fr-FR" dirty="0"/>
-          </a:p>
-        </p:txBody>
-      </p:sp>
-      <p:sp>
-        <p:nvSpPr>
-          <p:cNvPr id="3" name="Content Placeholder 2"/>
-          <p:cNvSpPr>
-            <a:spLocks noGrp="1"/>
-          </p:cNvSpPr>
-          <p:nvPr>
-            <p:ph idx="1"/>
-          </p:nvPr>
-        </p:nvSpPr>
-        <p:spPr>
-          <a:xfrm>
-            <a:off x="457200" y="1287598"/>
-            <a:ext cx="8229600" cy="549440"/>
-          </a:xfrm>
-        </p:spPr>
-        <p:txBody>
-          <a:bodyPr>
-            <a:normAutofit/>
+            <a:normAutofit fontScale="92500" lnSpcReduction="10000"/>
           </a:bodyPr>
           <a:lstStyle/>
           <a:p>
@@ -6487,9 +6644,17 @@
             </a:r>
             <a:r>
               <a:rPr lang="en-US" sz="2800" dirty="0" smtClean="0"/>
-              <a:t>: Business errors</a:t>
-            </a:r>
-            <a:endParaRPr lang="en-US" sz="2800" dirty="0" smtClean="0"/>
+              <a:t>: </a:t>
+            </a:r>
+          </a:p>
+          <a:p>
+            <a:pPr marL="0" indent="0">
+              <a:buNone/>
+            </a:pPr>
+            <a:r>
+              <a:rPr lang="en-US" sz="2800" dirty="0" smtClean="0"/>
+              <a:t>return business error code</a:t>
+            </a:r>
           </a:p>
         </p:txBody>
       </p:sp>
@@ -6759,21 +6924,22 @@
       </p:sp>
       <p:pic>
         <p:nvPicPr>
-          <p:cNvPr id="10" name="Picture 9"/>
+          <p:cNvPr id="13" name="Picture 12"/>
           <p:cNvPicPr>
             <a:picLocks noChangeAspect="1"/>
           </p:cNvPicPr>
           <p:nvPr/>
         </p:nvPicPr>
-        <p:blipFill rotWithShape="1">
+        <p:blipFill>
           <a:blip r:embed="rId5"/>
-          <a:srcRect l="3655" t="7846" b="16841"/>
-          <a:stretch/>
+          <a:stretch>
+            <a:fillRect/>
+          </a:stretch>
         </p:blipFill>
         <p:spPr>
           <a:xfrm>
-            <a:off x="1421575" y="4886396"/>
-            <a:ext cx="4349836" cy="1499288"/>
+            <a:off x="1413341" y="4825146"/>
+            <a:ext cx="3876675" cy="1438275"/>
           </a:xfrm>
           <a:prstGeom prst="rect">
             <a:avLst/>
@@ -6793,103 +6959,107 @@
   <p:timing>
     <p:tnLst>
       <p:par>
-        <p:cTn id="1" dur="indefinite" restart="never" nodeType="tmRoot"/>
+        <p:cTn id="1" dur="indefinite" restart="never" nodeType="tmRoot">
+          <p:childTnLst>
+            <p:seq concurrent="1" nextAc="seek">
+              <p:cTn id="2" dur="indefinite" nodeType="mainSeq">
+                <p:childTnLst>
+                  <p:par>
+                    <p:cTn id="3" fill="hold">
+                      <p:stCondLst>
+                        <p:cond delay="indefinite"/>
+                      </p:stCondLst>
+                      <p:childTnLst>
+                        <p:par>
+                          <p:cTn id="4" fill="hold">
+                            <p:stCondLst>
+                              <p:cond delay="0"/>
+                            </p:stCondLst>
+                            <p:childTnLst>
+                              <p:par>
+                                <p:cTn id="5" presetID="1" presetClass="entr" presetSubtype="0" fill="hold" grpId="0" nodeType="clickEffect">
+                                  <p:stCondLst>
+                                    <p:cond delay="0"/>
+                                  </p:stCondLst>
+                                  <p:childTnLst>
+                                    <p:set>
+                                      <p:cBhvr>
+                                        <p:cTn id="6" dur="1" fill="hold">
+                                          <p:stCondLst>
+                                            <p:cond delay="0"/>
+                                          </p:stCondLst>
+                                        </p:cTn>
+                                        <p:tgtEl>
+                                          <p:spTgt spid="11"/>
+                                        </p:tgtEl>
+                                        <p:attrNameLst>
+                                          <p:attrName>style.visibility</p:attrName>
+                                        </p:attrNameLst>
+                                      </p:cBhvr>
+                                      <p:to>
+                                        <p:strVal val="visible"/>
+                                      </p:to>
+                                    </p:set>
+                                  </p:childTnLst>
+                                </p:cTn>
+                              </p:par>
+                              <p:par>
+                                <p:cTn id="7" presetID="1" presetClass="entr" presetSubtype="0" fill="hold" nodeType="withEffect">
+                                  <p:stCondLst>
+                                    <p:cond delay="0"/>
+                                  </p:stCondLst>
+                                  <p:childTnLst>
+                                    <p:set>
+                                      <p:cBhvr>
+                                        <p:cTn id="8" dur="1" fill="hold">
+                                          <p:stCondLst>
+                                            <p:cond delay="0"/>
+                                          </p:stCondLst>
+                                        </p:cTn>
+                                        <p:tgtEl>
+                                          <p:spTgt spid="13"/>
+                                        </p:tgtEl>
+                                        <p:attrNameLst>
+                                          <p:attrName>style.visibility</p:attrName>
+                                        </p:attrNameLst>
+                                      </p:cBhvr>
+                                      <p:to>
+                                        <p:strVal val="visible"/>
+                                      </p:to>
+                                    </p:set>
+                                  </p:childTnLst>
+                                </p:cTn>
+                              </p:par>
+                            </p:childTnLst>
+                          </p:cTn>
+                        </p:par>
+                      </p:childTnLst>
+                    </p:cTn>
+                  </p:par>
+                </p:childTnLst>
+              </p:cTn>
+              <p:prevCondLst>
+                <p:cond evt="onPrev" delay="0">
+                  <p:tgtEl>
+                    <p:sldTgt/>
+                  </p:tgtEl>
+                </p:cond>
+              </p:prevCondLst>
+              <p:nextCondLst>
+                <p:cond evt="onNext" delay="0">
+                  <p:tgtEl>
+                    <p:sldTgt/>
+                  </p:tgtEl>
+                </p:cond>
+              </p:nextCondLst>
+            </p:seq>
+          </p:childTnLst>
+        </p:cTn>
       </p:par>
     </p:tnLst>
-  </p:timing>
-</p:sld>
-</file>
-
-<file path=ppt/slides/slide21.xml><?xml version="1.0" encoding="utf-8"?>
-<p:sld xmlns:a="http://schemas.openxmlformats.org/drawingml/2006/main" xmlns:r="http://schemas.openxmlformats.org/officeDocument/2006/relationships" xmlns:p="http://schemas.openxmlformats.org/presentationml/2006/main">
-  <p:cSld>
-    <p:spTree>
-      <p:nvGrpSpPr>
-        <p:cNvPr id="1" name=""/>
-        <p:cNvGrpSpPr/>
-        <p:nvPr/>
-      </p:nvGrpSpPr>
-      <p:grpSpPr>
-        <a:xfrm>
-          <a:off x="0" y="0"/>
-          <a:ext cx="0" cy="0"/>
-          <a:chOff x="0" y="0"/>
-          <a:chExt cx="0" cy="0"/>
-        </a:xfrm>
-      </p:grpSpPr>
-      <p:sp>
-        <p:nvSpPr>
-          <p:cNvPr id="2" name="Title 1"/>
-          <p:cNvSpPr>
-            <a:spLocks noGrp="1"/>
-          </p:cNvSpPr>
-          <p:nvPr>
-            <p:ph type="title"/>
-          </p:nvPr>
-        </p:nvSpPr>
-        <p:spPr>
-          <a:xfrm>
-            <a:off x="778476" y="3264973"/>
-            <a:ext cx="8229600" cy="545544"/>
-          </a:xfrm>
-        </p:spPr>
-        <p:txBody>
-          <a:bodyPr>
-            <a:noAutofit/>
-          </a:bodyPr>
-          <a:lstStyle/>
-          <a:p>
-            <a:pPr algn="ctr"/>
-            <a:r>
-              <a:rPr lang="fr-FR" sz="3600" dirty="0" smtClean="0"/>
-              <a:t>Setting up the API</a:t>
-            </a:r>
-            <a:br>
-              <a:rPr lang="fr-FR" sz="3600" dirty="0" smtClean="0"/>
-            </a:br>
-            <a:r>
-              <a:rPr lang="fr-FR" sz="3600" dirty="0" smtClean="0"/>
-              <a:t>-</a:t>
-            </a:r>
-            <a:r>
-              <a:rPr lang="fr-FR" sz="3600" dirty="0"/>
-              <a:t/>
-            </a:r>
-            <a:br>
-              <a:rPr lang="fr-FR" sz="3600" dirty="0"/>
-            </a:br>
-            <a:r>
-              <a:rPr lang="fr-FR" sz="3600" dirty="0" err="1" smtClean="0"/>
-              <a:t>Models</a:t>
-            </a:r>
-            <a:r>
-              <a:rPr lang="fr-FR" sz="3600" dirty="0" smtClean="0"/>
-              <a:t> &amp; </a:t>
-            </a:r>
-            <a:r>
-              <a:rPr lang="fr-FR" sz="3600" dirty="0" err="1" smtClean="0"/>
-              <a:t>Controllers</a:t>
-            </a:r>
-            <a:endParaRPr lang="fr-FR" sz="3600" dirty="0"/>
-          </a:p>
-        </p:txBody>
-      </p:sp>
-    </p:spTree>
-    <p:extLst>
-      <p:ext uri="{BB962C8B-B14F-4D97-AF65-F5344CB8AC3E}">
-        <p14:creationId xmlns:p14="http://schemas.microsoft.com/office/powerpoint/2010/main" val="4249304921"/>
-      </p:ext>
-    </p:extLst>
-  </p:cSld>
-  <p:clrMapOvr>
-    <a:masterClrMapping/>
-  </p:clrMapOvr>
-  <p:timing>
-    <p:tnLst>
-      <p:par>
-        <p:cTn id="1" dur="indefinite" restart="never" nodeType="tmRoot"/>
-      </p:par>
-    </p:tnLst>
+    <p:bldLst>
+      <p:bldP spid="11" grpId="0" animBg="1"/>
+    </p:bldLst>
   </p:timing>
 </p:sld>
 </file>
@@ -6921,6 +7091,226 @@
             <p:ph type="title"/>
           </p:nvPr>
         </p:nvSpPr>
+        <p:spPr>
+          <a:xfrm>
+            <a:off x="778476" y="3264973"/>
+            <a:ext cx="8229600" cy="545544"/>
+          </a:xfrm>
+        </p:spPr>
+        <p:txBody>
+          <a:bodyPr>
+            <a:noAutofit/>
+          </a:bodyPr>
+          <a:lstStyle/>
+          <a:p>
+            <a:pPr algn="ctr"/>
+            <a:r>
+              <a:rPr lang="fr-FR" sz="3600" dirty="0" smtClean="0"/>
+              <a:t>Setting up the API</a:t>
+            </a:r>
+            <a:br>
+              <a:rPr lang="fr-FR" sz="3600" dirty="0" smtClean="0"/>
+            </a:br>
+            <a:endParaRPr lang="fr-FR" sz="3600" dirty="0"/>
+          </a:p>
+        </p:txBody>
+      </p:sp>
+    </p:spTree>
+    <p:extLst>
+      <p:ext uri="{BB962C8B-B14F-4D97-AF65-F5344CB8AC3E}">
+        <p14:creationId xmlns:p14="http://schemas.microsoft.com/office/powerpoint/2010/main" val="4249304921"/>
+      </p:ext>
+    </p:extLst>
+  </p:cSld>
+  <p:clrMapOvr>
+    <a:masterClrMapping/>
+  </p:clrMapOvr>
+  <p:timing>
+    <p:tnLst>
+      <p:par>
+        <p:cTn id="1" dur="indefinite" restart="never" nodeType="tmRoot"/>
+      </p:par>
+    </p:tnLst>
+  </p:timing>
+</p:sld>
+</file>
+
+<file path=ppt/slides/slide23.xml><?xml version="1.0" encoding="utf-8"?>
+<p:sld xmlns:a="http://schemas.openxmlformats.org/drawingml/2006/main" xmlns:r="http://schemas.openxmlformats.org/officeDocument/2006/relationships" xmlns:p="http://schemas.openxmlformats.org/presentationml/2006/main">
+  <p:cSld>
+    <p:spTree>
+      <p:nvGrpSpPr>
+        <p:cNvPr id="1" name=""/>
+        <p:cNvGrpSpPr/>
+        <p:nvPr/>
+      </p:nvGrpSpPr>
+      <p:grpSpPr>
+        <a:xfrm>
+          <a:off x="0" y="0"/>
+          <a:ext cx="0" cy="0"/>
+          <a:chOff x="0" y="0"/>
+          <a:chExt cx="0" cy="0"/>
+        </a:xfrm>
+      </p:grpSpPr>
+      <p:sp>
+        <p:nvSpPr>
+          <p:cNvPr id="2" name="Title 1"/>
+          <p:cNvSpPr>
+            <a:spLocks noGrp="1"/>
+          </p:cNvSpPr>
+          <p:nvPr>
+            <p:ph type="title"/>
+          </p:nvPr>
+        </p:nvSpPr>
+        <p:spPr/>
+        <p:txBody>
+          <a:bodyPr/>
+          <a:lstStyle/>
+          <a:p>
+            <a:r>
+              <a:rPr lang="en-US" dirty="0" smtClean="0"/>
+              <a:t>Setting up the API</a:t>
+            </a:r>
+            <a:endParaRPr lang="fr-FR" dirty="0"/>
+          </a:p>
+        </p:txBody>
+      </p:sp>
+      <p:sp>
+        <p:nvSpPr>
+          <p:cNvPr id="3" name="Content Placeholder 2"/>
+          <p:cNvSpPr>
+            <a:spLocks noGrp="1"/>
+          </p:cNvSpPr>
+          <p:nvPr>
+            <p:ph idx="1"/>
+          </p:nvPr>
+        </p:nvSpPr>
+        <p:spPr>
+          <a:xfrm>
+            <a:off x="457200" y="1287598"/>
+            <a:ext cx="8229600" cy="3828099"/>
+          </a:xfrm>
+        </p:spPr>
+        <p:txBody>
+          <a:bodyPr>
+            <a:normAutofit/>
+          </a:bodyPr>
+          <a:lstStyle/>
+          <a:p>
+            <a:pPr marL="0" indent="0">
+              <a:buNone/>
+            </a:pPr>
+            <a:r>
+              <a:rPr lang="en-US" sz="2800" dirty="0" smtClean="0"/>
+              <a:t>The error handling systems </a:t>
+            </a:r>
+            <a:r>
+              <a:rPr lang="en-US" sz="2800" dirty="0"/>
+              <a:t>essentially </a:t>
+            </a:r>
+            <a:r>
+              <a:rPr lang="en-US" sz="2800" dirty="0" smtClean="0"/>
+              <a:t>relies on usage of </a:t>
+            </a:r>
+            <a:r>
+              <a:rPr lang="en-US" sz="2800" b="1" dirty="0" smtClean="0"/>
+              <a:t>attributes</a:t>
+            </a:r>
+            <a:r>
+              <a:rPr lang="en-US" sz="2800" dirty="0" smtClean="0"/>
+              <a:t> for :</a:t>
+            </a:r>
+          </a:p>
+          <a:p>
+            <a:pPr marL="0" indent="0">
+              <a:buNone/>
+            </a:pPr>
+            <a:endParaRPr lang="en-US" sz="2800" dirty="0" smtClean="0"/>
+          </a:p>
+          <a:p>
+            <a:pPr>
+              <a:buFontTx/>
+              <a:buChar char="-"/>
+            </a:pPr>
+            <a:r>
+              <a:rPr lang="en-US" sz="2800" dirty="0" smtClean="0"/>
+              <a:t>Model validation</a:t>
+            </a:r>
+          </a:p>
+          <a:p>
+            <a:pPr>
+              <a:buFontTx/>
+              <a:buChar char="-"/>
+            </a:pPr>
+            <a:r>
+              <a:rPr lang="en-US" sz="2800" dirty="0" smtClean="0"/>
+              <a:t>Actions filtering </a:t>
+            </a:r>
+          </a:p>
+          <a:p>
+            <a:pPr>
+              <a:buFontTx/>
+              <a:buChar char="-"/>
+            </a:pPr>
+            <a:r>
+              <a:rPr lang="en-US" sz="2800" dirty="0"/>
+              <a:t>E</a:t>
+            </a:r>
+            <a:r>
+              <a:rPr lang="en-US" sz="2800" dirty="0" smtClean="0"/>
+              <a:t>xceptions filtering</a:t>
+            </a:r>
+            <a:endParaRPr lang="fr-FR" sz="2800" dirty="0"/>
+          </a:p>
+        </p:txBody>
+      </p:sp>
+    </p:spTree>
+    <p:extLst>
+      <p:ext uri="{BB962C8B-B14F-4D97-AF65-F5344CB8AC3E}">
+        <p14:creationId xmlns:p14="http://schemas.microsoft.com/office/powerpoint/2010/main" val="295400955"/>
+      </p:ext>
+    </p:extLst>
+  </p:cSld>
+  <p:clrMapOvr>
+    <a:masterClrMapping/>
+  </p:clrMapOvr>
+  <p:timing>
+    <p:tnLst>
+      <p:par>
+        <p:cTn id="1" dur="indefinite" restart="never" nodeType="tmRoot"/>
+      </p:par>
+    </p:tnLst>
+  </p:timing>
+</p:sld>
+</file>
+
+<file path=ppt/slides/slide24.xml><?xml version="1.0" encoding="utf-8"?>
+<p:sld xmlns:a="http://schemas.openxmlformats.org/drawingml/2006/main" xmlns:r="http://schemas.openxmlformats.org/officeDocument/2006/relationships" xmlns:p="http://schemas.openxmlformats.org/presentationml/2006/main">
+  <p:cSld>
+    <p:spTree>
+      <p:nvGrpSpPr>
+        <p:cNvPr id="1" name=""/>
+        <p:cNvGrpSpPr/>
+        <p:nvPr/>
+      </p:nvGrpSpPr>
+      <p:grpSpPr>
+        <a:xfrm>
+          <a:off x="0" y="0"/>
+          <a:ext cx="0" cy="0"/>
+          <a:chOff x="0" y="0"/>
+          <a:chExt cx="0" cy="0"/>
+        </a:xfrm>
+      </p:grpSpPr>
+      <p:sp>
+        <p:nvSpPr>
+          <p:cNvPr id="2" name="Title 1"/>
+          <p:cNvSpPr>
+            <a:spLocks noGrp="1"/>
+          </p:cNvSpPr>
+          <p:nvPr>
+            <p:ph type="title"/>
+          </p:nvPr>
+        </p:nvSpPr>
         <p:spPr/>
         <p:txBody>
           <a:bodyPr/>
@@ -6950,8 +7340,8 @@
         </p:blipFill>
         <p:spPr>
           <a:xfrm>
-            <a:off x="0" y="790575"/>
-            <a:ext cx="9086850" cy="5276850"/>
+            <a:off x="199042" y="972065"/>
+            <a:ext cx="8774319" cy="5095359"/>
           </a:xfrm>
           <a:prstGeom prst="rect">
             <a:avLst/>
@@ -6966,8 +7356,8 @@
         </p:nvSpPr>
         <p:spPr>
           <a:xfrm>
-            <a:off x="0" y="2702012"/>
-            <a:ext cx="1383958" cy="2199502"/>
+            <a:off x="115330" y="2644346"/>
+            <a:ext cx="1507524" cy="2314831"/>
           </a:xfrm>
           <a:prstGeom prst="roundRect">
             <a:avLst/>
@@ -7098,7 +7488,7 @@
 </p:sld>
 </file>
 
-<file path=ppt/slides/slide23.xml><?xml version="1.0" encoding="utf-8"?>
+<file path=ppt/slides/slide25.xml><?xml version="1.0" encoding="utf-8"?>
 <p:sld xmlns:a="http://schemas.openxmlformats.org/drawingml/2006/main" xmlns:r="http://schemas.openxmlformats.org/officeDocument/2006/relationships" xmlns:p="http://schemas.openxmlformats.org/presentationml/2006/main">
   <p:cSld>
     <p:spTree>
@@ -7154,7 +7544,7 @@
         </p:blipFill>
         <p:spPr>
           <a:xfrm>
-            <a:off x="2309812" y="1506634"/>
+            <a:off x="2667091" y="1315887"/>
             <a:ext cx="4524375" cy="2524125"/>
           </a:xfrm>
           <a:prstGeom prst="rect">
@@ -7292,7 +7682,7 @@
 </p:sld>
 </file>
 
-<file path=ppt/slides/slide24.xml><?xml version="1.0" encoding="utf-8"?>
+<file path=ppt/slides/slide26.xml><?xml version="1.0" encoding="utf-8"?>
 <p:sld xmlns:a="http://schemas.openxmlformats.org/drawingml/2006/main" xmlns:r="http://schemas.openxmlformats.org/officeDocument/2006/relationships" xmlns:p="http://schemas.openxmlformats.org/presentationml/2006/main">
   <p:cSld>
     <p:spTree>
@@ -7348,7 +7738,7 @@
         </p:blipFill>
         <p:spPr>
           <a:xfrm>
-            <a:off x="2566987" y="1315887"/>
+            <a:off x="2566987" y="1271408"/>
             <a:ext cx="4010025" cy="2228850"/>
           </a:xfrm>
           <a:prstGeom prst="rect">
@@ -7486,7 +7876,7 @@
 </p:sld>
 </file>
 
-<file path=ppt/slides/slide25.xml><?xml version="1.0" encoding="utf-8"?>
+<file path=ppt/slides/slide27.xml><?xml version="1.0" encoding="utf-8"?>
 <p:sld xmlns:a="http://schemas.openxmlformats.org/drawingml/2006/main" xmlns:r="http://schemas.openxmlformats.org/officeDocument/2006/relationships" xmlns:p="http://schemas.openxmlformats.org/presentationml/2006/main">
   <p:cSld>
     <p:spTree>
@@ -7503,32 +7893,9 @@
           <a:chExt cx="0" cy="0"/>
         </a:xfrm>
       </p:grpSpPr>
-      <p:sp>
-        <p:nvSpPr>
-          <p:cNvPr id="2" name="Title 1"/>
-          <p:cNvSpPr>
-            <a:spLocks noGrp="1"/>
-          </p:cNvSpPr>
-          <p:nvPr>
-            <p:ph type="title"/>
-          </p:nvPr>
-        </p:nvSpPr>
-        <p:spPr/>
-        <p:txBody>
-          <a:bodyPr/>
-          <a:lstStyle/>
-          <a:p>
-            <a:r>
-              <a:rPr lang="en-US" dirty="0" smtClean="0"/>
-              <a:t>Class Diagram</a:t>
-            </a:r>
-            <a:endParaRPr lang="fr-FR" dirty="0"/>
-          </a:p>
-        </p:txBody>
-      </p:sp>
       <p:pic>
         <p:nvPicPr>
-          <p:cNvPr id="5" name="Picture 4"/>
+          <p:cNvPr id="7" name="Picture 6"/>
           <p:cNvPicPr>
             <a:picLocks noChangeAspect="1"/>
           </p:cNvPicPr>
@@ -7542,8 +7909,8 @@
         </p:blipFill>
         <p:spPr>
           <a:xfrm>
-            <a:off x="0" y="790575"/>
-            <a:ext cx="9086850" cy="5276850"/>
+            <a:off x="199042" y="972065"/>
+            <a:ext cx="8774319" cy="5095359"/>
           </a:xfrm>
           <a:prstGeom prst="rect">
             <a:avLst/>
@@ -7552,13 +7919,36 @@
       </p:pic>
       <p:sp>
         <p:nvSpPr>
+          <p:cNvPr id="2" name="Title 1"/>
+          <p:cNvSpPr>
+            <a:spLocks noGrp="1"/>
+          </p:cNvSpPr>
+          <p:nvPr>
+            <p:ph type="title"/>
+          </p:nvPr>
+        </p:nvSpPr>
+        <p:spPr/>
+        <p:txBody>
+          <a:bodyPr/>
+          <a:lstStyle/>
+          <a:p>
+            <a:r>
+              <a:rPr lang="en-US" dirty="0" smtClean="0"/>
+              <a:t>Class Diagram</a:t>
+            </a:r>
+            <a:endParaRPr lang="fr-FR" dirty="0"/>
+          </a:p>
+        </p:txBody>
+      </p:sp>
+      <p:sp>
+        <p:nvSpPr>
           <p:cNvPr id="6" name="Rounded Rectangle 5"/>
           <p:cNvSpPr/>
           <p:nvPr/>
         </p:nvSpPr>
         <p:spPr>
           <a:xfrm>
-            <a:off x="90616" y="2001795"/>
+            <a:off x="199042" y="2125362"/>
             <a:ext cx="4184821" cy="518983"/>
           </a:xfrm>
           <a:prstGeom prst="roundRect">
@@ -7690,7 +8080,7 @@
 </p:sld>
 </file>
 
-<file path=ppt/slides/slide26.xml><?xml version="1.0" encoding="utf-8"?>
+<file path=ppt/slides/slide28.xml><?xml version="1.0" encoding="utf-8"?>
 <p:sld xmlns:a="http://schemas.openxmlformats.org/drawingml/2006/main" xmlns:r="http://schemas.openxmlformats.org/officeDocument/2006/relationships" xmlns:p="http://schemas.openxmlformats.org/presentationml/2006/main">
   <p:cSld>
     <p:spTree>
@@ -7746,7 +8136,7 @@
         </p:blipFill>
         <p:spPr>
           <a:xfrm>
-            <a:off x="3265016" y="2117686"/>
+            <a:off x="2564800" y="1351005"/>
             <a:ext cx="5200650" cy="3200400"/>
           </a:xfrm>
           <a:prstGeom prst="rect">
@@ -7828,6 +8218,54 @@
           </a:p>
         </p:txBody>
       </p:sp>
+      <p:pic>
+        <p:nvPicPr>
+          <p:cNvPr id="3" name="Picture 2"/>
+          <p:cNvPicPr>
+            <a:picLocks noChangeAspect="1"/>
+          </p:cNvPicPr>
+          <p:nvPr/>
+        </p:nvPicPr>
+        <p:blipFill>
+          <a:blip r:embed="rId4"/>
+          <a:stretch>
+            <a:fillRect/>
+          </a:stretch>
+        </p:blipFill>
+        <p:spPr>
+          <a:xfrm>
+            <a:off x="123696" y="4637388"/>
+            <a:ext cx="5667375" cy="1866900"/>
+          </a:xfrm>
+          <a:prstGeom prst="rect">
+            <a:avLst/>
+          </a:prstGeom>
+        </p:spPr>
+      </p:pic>
+      <p:pic>
+        <p:nvPicPr>
+          <p:cNvPr id="4" name="Picture 3"/>
+          <p:cNvPicPr>
+            <a:picLocks noChangeAspect="1"/>
+          </p:cNvPicPr>
+          <p:nvPr/>
+        </p:nvPicPr>
+        <p:blipFill>
+          <a:blip r:embed="rId5"/>
+          <a:stretch>
+            <a:fillRect/>
+          </a:stretch>
+        </p:blipFill>
+        <p:spPr>
+          <a:xfrm>
+            <a:off x="123696" y="4656438"/>
+            <a:ext cx="5667375" cy="1847850"/>
+          </a:xfrm>
+          <a:prstGeom prst="rect">
+            <a:avLst/>
+          </a:prstGeom>
+        </p:spPr>
+      </p:pic>
     </p:spTree>
     <p:extLst>
       <p:ext uri="{BB962C8B-B14F-4D97-AF65-F5344CB8AC3E}">
@@ -7841,14 +8279,127 @@
   <p:timing>
     <p:tnLst>
       <p:par>
-        <p:cTn id="1" dur="indefinite" restart="never" nodeType="tmRoot"/>
+        <p:cTn id="1" dur="indefinite" restart="never" nodeType="tmRoot">
+          <p:childTnLst>
+            <p:seq concurrent="1" nextAc="seek">
+              <p:cTn id="2" dur="indefinite" nodeType="mainSeq">
+                <p:childTnLst>
+                  <p:par>
+                    <p:cTn id="3" fill="hold">
+                      <p:stCondLst>
+                        <p:cond delay="indefinite"/>
+                      </p:stCondLst>
+                      <p:childTnLst>
+                        <p:par>
+                          <p:cTn id="4" fill="hold">
+                            <p:stCondLst>
+                              <p:cond delay="0"/>
+                            </p:stCondLst>
+                            <p:childTnLst>
+                              <p:par>
+                                <p:cTn id="5" presetID="1" presetClass="entr" presetSubtype="0" fill="hold" nodeType="clickEffect">
+                                  <p:stCondLst>
+                                    <p:cond delay="0"/>
+                                  </p:stCondLst>
+                                  <p:childTnLst>
+                                    <p:set>
+                                      <p:cBhvr>
+                                        <p:cTn id="6" dur="1" fill="hold">
+                                          <p:stCondLst>
+                                            <p:cond delay="0"/>
+                                          </p:stCondLst>
+                                        </p:cTn>
+                                        <p:tgtEl>
+                                          <p:spTgt spid="3"/>
+                                        </p:tgtEl>
+                                        <p:attrNameLst>
+                                          <p:attrName>style.visibility</p:attrName>
+                                        </p:attrNameLst>
+                                      </p:cBhvr>
+                                      <p:to>
+                                        <p:strVal val="visible"/>
+                                      </p:to>
+                                    </p:set>
+                                  </p:childTnLst>
+                                </p:cTn>
+                              </p:par>
+                            </p:childTnLst>
+                          </p:cTn>
+                        </p:par>
+                      </p:childTnLst>
+                    </p:cTn>
+                  </p:par>
+                  <p:par>
+                    <p:cTn id="7" fill="hold">
+                      <p:stCondLst>
+                        <p:cond delay="indefinite"/>
+                      </p:stCondLst>
+                      <p:childTnLst>
+                        <p:par>
+                          <p:cTn id="8" fill="hold">
+                            <p:stCondLst>
+                              <p:cond delay="0"/>
+                            </p:stCondLst>
+                            <p:childTnLst>
+                              <p:par>
+                                <p:cTn id="9" presetID="1" presetClass="entr" presetSubtype="0" fill="hold" nodeType="clickEffect">
+                                  <p:stCondLst>
+                                    <p:cond delay="0"/>
+                                  </p:stCondLst>
+                                  <p:childTnLst>
+                                    <p:set>
+                                      <p:cBhvr>
+                                        <p:cTn id="10" dur="1" fill="hold">
+                                          <p:stCondLst>
+                                            <p:cond delay="0"/>
+                                          </p:stCondLst>
+                                        </p:cTn>
+                                        <p:tgtEl>
+                                          <p:spTgt spid="4"/>
+                                        </p:tgtEl>
+                                        <p:attrNameLst>
+                                          <p:attrName>style.visibility</p:attrName>
+                                        </p:attrNameLst>
+                                      </p:cBhvr>
+                                      <p:to>
+                                        <p:strVal val="visible"/>
+                                      </p:to>
+                                    </p:set>
+                                  </p:childTnLst>
+                                </p:cTn>
+                              </p:par>
+                            </p:childTnLst>
+                          </p:cTn>
+                        </p:par>
+                      </p:childTnLst>
+                    </p:cTn>
+                  </p:par>
+                </p:childTnLst>
+              </p:cTn>
+              <p:prevCondLst>
+                <p:cond evt="onPrev" delay="0">
+                  <p:tgtEl>
+                    <p:sldTgt/>
+                  </p:tgtEl>
+                </p:cond>
+              </p:prevCondLst>
+              <p:nextCondLst>
+                <p:cond evt="onNext" delay="0">
+                  <p:tgtEl>
+                    <p:sldTgt/>
+                  </p:tgtEl>
+                </p:cond>
+              </p:nextCondLst>
+            </p:seq>
+          </p:childTnLst>
+        </p:cTn>
       </p:par>
     </p:tnLst>
   </p:timing>
 </p:sld>
 </file>
 
-<file path=ppt/slides/slide27.xml><?xml version="1.0" encoding="utf-8"?>
+<file path=ppt/slides/slide29.xml><?xml version="1.0" encoding="utf-8"?>
 <p:sld xmlns:a="http://schemas.openxmlformats.org/drawingml/2006/main" xmlns:r="http://schemas.openxmlformats.org/officeDocument/2006/relationships" xmlns:p="http://schemas.openxmlformats.org/presentationml/2006/main">
   <p:cSld>
     <p:spTree>
@@ -7904,7 +8455,7 @@
         </p:blipFill>
         <p:spPr>
           <a:xfrm>
-            <a:off x="1404551" y="2398048"/>
+            <a:off x="2809103" y="1351005"/>
             <a:ext cx="6334897" cy="2548904"/>
           </a:xfrm>
           <a:prstGeom prst="rect">
@@ -7986,6 +8537,30 @@
           </a:p>
         </p:txBody>
       </p:sp>
+      <p:pic>
+        <p:nvPicPr>
+          <p:cNvPr id="3" name="Picture 2"/>
+          <p:cNvPicPr>
+            <a:picLocks noChangeAspect="1"/>
+          </p:cNvPicPr>
+          <p:nvPr/>
+        </p:nvPicPr>
+        <p:blipFill>
+          <a:blip r:embed="rId4"/>
+          <a:stretch>
+            <a:fillRect/>
+          </a:stretch>
+        </p:blipFill>
+        <p:spPr>
+          <a:xfrm>
+            <a:off x="1161535" y="4244546"/>
+            <a:ext cx="5676900" cy="1828800"/>
+          </a:xfrm>
+          <a:prstGeom prst="rect">
+            <a:avLst/>
+          </a:prstGeom>
+        </p:spPr>
+      </p:pic>
     </p:spTree>
     <p:extLst>
       <p:ext uri="{BB962C8B-B14F-4D97-AF65-F5344CB8AC3E}">
@@ -8006,7 +8581,7 @@
 </p:sld>
 </file>
 
-<file path=ppt/slides/slide28.xml><?xml version="1.0" encoding="utf-8"?>
+<file path=ppt/slides/slide3.xml><?xml version="1.0" encoding="utf-8"?>
 <p:sld xmlns:a="http://schemas.openxmlformats.org/drawingml/2006/main" xmlns:r="http://schemas.openxmlformats.org/officeDocument/2006/relationships" xmlns:p="http://schemas.openxmlformats.org/presentationml/2006/main">
   <p:cSld>
     <p:spTree>
@@ -8025,30 +8600,199 @@
       </p:grpSpPr>
       <p:sp>
         <p:nvSpPr>
-          <p:cNvPr id="2" name="Title 1"/>
-          <p:cNvSpPr>
-            <a:spLocks noGrp="1"/>
-          </p:cNvSpPr>
-          <p:nvPr>
-            <p:ph type="title"/>
-          </p:nvPr>
-        </p:nvSpPr>
-        <p:spPr/>
-        <p:txBody>
-          <a:bodyPr/>
-          <a:lstStyle/>
-          <a:p>
-            <a:r>
-              <a:rPr lang="en-US" dirty="0" smtClean="0"/>
-              <a:t>Class Diagram</a:t>
-            </a:r>
-            <a:endParaRPr lang="fr-FR" dirty="0"/>
-          </a:p>
-        </p:txBody>
-      </p:sp>
+          <p:cNvPr id="2" name="TextBox 1"/>
+          <p:cNvSpPr txBox="1"/>
+          <p:nvPr/>
+        </p:nvSpPr>
+        <p:spPr>
+          <a:xfrm>
+            <a:off x="533951" y="906162"/>
+            <a:ext cx="8478603" cy="4524315"/>
+          </a:xfrm>
+          <a:prstGeom prst="rect">
+            <a:avLst/>
+          </a:prstGeom>
+          <a:noFill/>
+        </p:spPr>
+        <p:txBody>
+          <a:bodyPr wrap="none" rtlCol="0">
+            <a:spAutoFit/>
+          </a:bodyPr>
+          <a:lstStyle/>
+          <a:p>
+            <a:pPr marL="400050" indent="-400050">
+              <a:buAutoNum type="romanUcPeriod"/>
+            </a:pPr>
+            <a:r>
+              <a:rPr lang="fr-FR" sz="3200" dirty="0" err="1" smtClean="0">
+                <a:latin typeface="Century Gothic"/>
+                <a:cs typeface="Century Gothic"/>
+              </a:rPr>
+              <a:t>Categories</a:t>
+            </a:r>
+            <a:r>
+              <a:rPr lang="fr-FR" sz="3200" dirty="0" smtClean="0">
+                <a:latin typeface="Century Gothic"/>
+                <a:cs typeface="Century Gothic"/>
+              </a:rPr>
+              <a:t> of </a:t>
+            </a:r>
+            <a:r>
+              <a:rPr lang="fr-FR" sz="3200" dirty="0" err="1" smtClean="0">
+                <a:latin typeface="Century Gothic"/>
+                <a:cs typeface="Century Gothic"/>
+              </a:rPr>
+              <a:t>errors</a:t>
+            </a:r>
+            <a:endParaRPr lang="fr-FR" sz="3200" dirty="0" smtClean="0">
+              <a:latin typeface="Century Gothic"/>
+              <a:cs typeface="Century Gothic"/>
+            </a:endParaRPr>
+          </a:p>
+          <a:p>
+            <a:pPr marL="400050" indent="-400050">
+              <a:buAutoNum type="romanUcPeriod"/>
+            </a:pPr>
+            <a:endParaRPr lang="fr-FR" sz="3200" dirty="0" smtClean="0">
+              <a:latin typeface="Century Gothic"/>
+              <a:cs typeface="Century Gothic"/>
+            </a:endParaRPr>
+          </a:p>
+          <a:p>
+            <a:pPr marL="400050" indent="-400050">
+              <a:buAutoNum type="romanUcPeriod"/>
+            </a:pPr>
+            <a:r>
+              <a:rPr lang="fr-FR" sz="3200" dirty="0" err="1" smtClean="0">
+                <a:latin typeface="Century Gothic"/>
+                <a:cs typeface="Century Gothic"/>
+              </a:rPr>
+              <a:t>Error</a:t>
+            </a:r>
+            <a:r>
+              <a:rPr lang="fr-FR" sz="3200" dirty="0" smtClean="0">
+                <a:latin typeface="Century Gothic"/>
+                <a:cs typeface="Century Gothic"/>
+              </a:rPr>
+              <a:t> </a:t>
+            </a:r>
+            <a:r>
+              <a:rPr lang="fr-FR" sz="3200" dirty="0" err="1" smtClean="0">
+                <a:latin typeface="Century Gothic"/>
+                <a:cs typeface="Century Gothic"/>
+              </a:rPr>
+              <a:t>specification</a:t>
+            </a:r>
+            <a:endParaRPr lang="fr-FR" sz="3200" dirty="0" smtClean="0">
+              <a:latin typeface="Century Gothic"/>
+              <a:cs typeface="Century Gothic"/>
+            </a:endParaRPr>
+          </a:p>
+          <a:p>
+            <a:pPr marL="400050" indent="-400050">
+              <a:buAutoNum type="romanUcPeriod"/>
+            </a:pPr>
+            <a:endParaRPr lang="fr-FR" sz="3200" dirty="0" smtClean="0">
+              <a:latin typeface="Century Gothic"/>
+              <a:cs typeface="Century Gothic"/>
+            </a:endParaRPr>
+          </a:p>
+          <a:p>
+            <a:pPr marL="400050" indent="-400050">
+              <a:buAutoNum type="romanUcPeriod"/>
+            </a:pPr>
+            <a:r>
+              <a:rPr lang="en-US" sz="3200" dirty="0" smtClean="0">
+                <a:latin typeface="Century Gothic"/>
+                <a:cs typeface="Century Gothic"/>
+              </a:rPr>
+              <a:t> Setting up the API : Models &amp; Controller</a:t>
+            </a:r>
+          </a:p>
+          <a:p>
+            <a:pPr marL="400050" indent="-400050">
+              <a:buAutoNum type="romanUcPeriod"/>
+            </a:pPr>
+            <a:endParaRPr lang="en-US" sz="3200" dirty="0" smtClean="0">
+              <a:latin typeface="Century Gothic"/>
+              <a:cs typeface="Century Gothic"/>
+            </a:endParaRPr>
+          </a:p>
+          <a:p>
+            <a:pPr marL="400050" indent="-400050">
+              <a:buAutoNum type="romanUcPeriod"/>
+            </a:pPr>
+            <a:r>
+              <a:rPr lang="en-US" sz="3200" dirty="0" smtClean="0">
+                <a:latin typeface="Century Gothic"/>
+                <a:cs typeface="Century Gothic"/>
+              </a:rPr>
+              <a:t> Throwing and Catching</a:t>
+            </a:r>
+          </a:p>
+          <a:p>
+            <a:pPr marL="400050" indent="-400050">
+              <a:buAutoNum type="romanUcPeriod"/>
+            </a:pPr>
+            <a:endParaRPr lang="fr-FR" sz="3200" dirty="0" smtClean="0">
+              <a:latin typeface="Century Gothic"/>
+              <a:cs typeface="Century Gothic"/>
+            </a:endParaRPr>
+          </a:p>
+          <a:p>
+            <a:pPr marL="400050" indent="-400050">
+              <a:buAutoNum type="romanUcPeriod"/>
+            </a:pPr>
+            <a:r>
+              <a:rPr lang="fr-FR" sz="3200" dirty="0" smtClean="0">
+                <a:latin typeface="Century Gothic"/>
+                <a:cs typeface="Century Gothic"/>
+              </a:rPr>
+              <a:t> Validation Pipeline</a:t>
+            </a:r>
+          </a:p>
+        </p:txBody>
+      </p:sp>
+    </p:spTree>
+    <p:extLst>
+      <p:ext uri="{BB962C8B-B14F-4D97-AF65-F5344CB8AC3E}">
+        <p14:creationId xmlns:p14="http://schemas.microsoft.com/office/powerpoint/2010/main" val="2469234875"/>
+      </p:ext>
+    </p:extLst>
+  </p:cSld>
+  <p:clrMapOvr>
+    <a:masterClrMapping/>
+  </p:clrMapOvr>
+  <p:timing>
+    <p:tnLst>
+      <p:par>
+        <p:cTn id="1" dur="indefinite" restart="never" nodeType="tmRoot"/>
+      </p:par>
+    </p:tnLst>
+  </p:timing>
+</p:sld>
+</file>
+
+<file path=ppt/slides/slide30.xml><?xml version="1.0" encoding="utf-8"?>
+<p:sld xmlns:a="http://schemas.openxmlformats.org/drawingml/2006/main" xmlns:r="http://schemas.openxmlformats.org/officeDocument/2006/relationships" xmlns:p="http://schemas.openxmlformats.org/presentationml/2006/main">
+  <p:cSld>
+    <p:spTree>
+      <p:nvGrpSpPr>
+        <p:cNvPr id="1" name=""/>
+        <p:cNvGrpSpPr/>
+        <p:nvPr/>
+      </p:nvGrpSpPr>
+      <p:grpSpPr>
+        <a:xfrm>
+          <a:off x="0" y="0"/>
+          <a:ext cx="0" cy="0"/>
+          <a:chOff x="0" y="0"/>
+          <a:chExt cx="0" cy="0"/>
+        </a:xfrm>
+      </p:grpSpPr>
       <p:pic>
         <p:nvPicPr>
-          <p:cNvPr id="5" name="Picture 4"/>
+          <p:cNvPr id="7" name="Picture 6"/>
           <p:cNvPicPr>
             <a:picLocks noChangeAspect="1"/>
           </p:cNvPicPr>
@@ -8062,8 +8806,8 @@
         </p:blipFill>
         <p:spPr>
           <a:xfrm>
-            <a:off x="0" y="790575"/>
-            <a:ext cx="9086850" cy="5276850"/>
+            <a:off x="199042" y="972065"/>
+            <a:ext cx="8774319" cy="5095359"/>
           </a:xfrm>
           <a:prstGeom prst="rect">
             <a:avLst/>
@@ -8072,13 +8816,36 @@
       </p:pic>
       <p:sp>
         <p:nvSpPr>
+          <p:cNvPr id="2" name="Title 1"/>
+          <p:cNvSpPr>
+            <a:spLocks noGrp="1"/>
+          </p:cNvSpPr>
+          <p:nvPr>
+            <p:ph type="title"/>
+          </p:nvPr>
+        </p:nvSpPr>
+        <p:spPr/>
+        <p:txBody>
+          <a:bodyPr/>
+          <a:lstStyle/>
+          <a:p>
+            <a:r>
+              <a:rPr lang="en-US" dirty="0" smtClean="0"/>
+              <a:t>Class Diagram</a:t>
+            </a:r>
+            <a:endParaRPr lang="fr-FR" dirty="0"/>
+          </a:p>
+        </p:txBody>
+      </p:sp>
+      <p:sp>
+        <p:nvSpPr>
           <p:cNvPr id="6" name="Rounded Rectangle 5"/>
           <p:cNvSpPr/>
           <p:nvPr/>
         </p:nvSpPr>
         <p:spPr>
           <a:xfrm>
-            <a:off x="2067697" y="4506097"/>
+            <a:off x="2174789" y="4555525"/>
             <a:ext cx="1977081" cy="667265"/>
           </a:xfrm>
           <a:prstGeom prst="roundRect">
@@ -8210,7 +8977,7 @@
 </p:sld>
 </file>
 
-<file path=ppt/slides/slide29.xml><?xml version="1.0" encoding="utf-8"?>
+<file path=ppt/slides/slide31.xml><?xml version="1.0" encoding="utf-8"?>
 <p:sld xmlns:a="http://schemas.openxmlformats.org/drawingml/2006/main" xmlns:r="http://schemas.openxmlformats.org/officeDocument/2006/relationships" xmlns:p="http://schemas.openxmlformats.org/presentationml/2006/main">
   <p:cSld>
     <p:spTree>
@@ -8351,7 +9118,7 @@
         </p:nvSpPr>
         <p:spPr>
           <a:xfrm>
-            <a:off x="656139" y="1710890"/>
+            <a:off x="664377" y="1719128"/>
             <a:ext cx="455969" cy="167337"/>
           </a:xfrm>
           <a:prstGeom prst="roundRect">
@@ -8492,199 +9259,7 @@
 </p:sld>
 </file>
 
-<file path=ppt/slides/slide3.xml><?xml version="1.0" encoding="utf-8"?>
-<p:sld xmlns:a="http://schemas.openxmlformats.org/drawingml/2006/main" xmlns:r="http://schemas.openxmlformats.org/officeDocument/2006/relationships" xmlns:p="http://schemas.openxmlformats.org/presentationml/2006/main">
-  <p:cSld>
-    <p:spTree>
-      <p:nvGrpSpPr>
-        <p:cNvPr id="1" name=""/>
-        <p:cNvGrpSpPr/>
-        <p:nvPr/>
-      </p:nvGrpSpPr>
-      <p:grpSpPr>
-        <a:xfrm>
-          <a:off x="0" y="0"/>
-          <a:ext cx="0" cy="0"/>
-          <a:chOff x="0" y="0"/>
-          <a:chExt cx="0" cy="0"/>
-        </a:xfrm>
-      </p:grpSpPr>
-      <p:sp>
-        <p:nvSpPr>
-          <p:cNvPr id="2" name="TextBox 1"/>
-          <p:cNvSpPr txBox="1"/>
-          <p:nvPr/>
-        </p:nvSpPr>
-        <p:spPr>
-          <a:xfrm>
-            <a:off x="533951" y="906162"/>
-            <a:ext cx="8478603" cy="4524315"/>
-          </a:xfrm>
-          <a:prstGeom prst="rect">
-            <a:avLst/>
-          </a:prstGeom>
-          <a:noFill/>
-        </p:spPr>
-        <p:txBody>
-          <a:bodyPr wrap="none" rtlCol="0">
-            <a:spAutoFit/>
-          </a:bodyPr>
-          <a:lstStyle/>
-          <a:p>
-            <a:pPr marL="400050" indent="-400050">
-              <a:buAutoNum type="romanUcPeriod"/>
-            </a:pPr>
-            <a:r>
-              <a:rPr lang="fr-FR" sz="3200" dirty="0" err="1" smtClean="0">
-                <a:latin typeface="Century Gothic"/>
-                <a:cs typeface="Century Gothic"/>
-              </a:rPr>
-              <a:t>Categories</a:t>
-            </a:r>
-            <a:r>
-              <a:rPr lang="fr-FR" sz="3200" dirty="0" smtClean="0">
-                <a:latin typeface="Century Gothic"/>
-                <a:cs typeface="Century Gothic"/>
-              </a:rPr>
-              <a:t> of </a:t>
-            </a:r>
-            <a:r>
-              <a:rPr lang="fr-FR" sz="3200" dirty="0" err="1" smtClean="0">
-                <a:latin typeface="Century Gothic"/>
-                <a:cs typeface="Century Gothic"/>
-              </a:rPr>
-              <a:t>errors</a:t>
-            </a:r>
-            <a:endParaRPr lang="fr-FR" sz="3200" dirty="0" smtClean="0">
-              <a:latin typeface="Century Gothic"/>
-              <a:cs typeface="Century Gothic"/>
-            </a:endParaRPr>
-          </a:p>
-          <a:p>
-            <a:pPr marL="400050" indent="-400050">
-              <a:buAutoNum type="romanUcPeriod"/>
-            </a:pPr>
-            <a:endParaRPr lang="fr-FR" sz="3200" dirty="0" smtClean="0">
-              <a:latin typeface="Century Gothic"/>
-              <a:cs typeface="Century Gothic"/>
-            </a:endParaRPr>
-          </a:p>
-          <a:p>
-            <a:pPr marL="400050" indent="-400050">
-              <a:buAutoNum type="romanUcPeriod"/>
-            </a:pPr>
-            <a:r>
-              <a:rPr lang="fr-FR" sz="3200" dirty="0" err="1" smtClean="0">
-                <a:latin typeface="Century Gothic"/>
-                <a:cs typeface="Century Gothic"/>
-              </a:rPr>
-              <a:t>Error</a:t>
-            </a:r>
-            <a:r>
-              <a:rPr lang="fr-FR" sz="3200" dirty="0" smtClean="0">
-                <a:latin typeface="Century Gothic"/>
-                <a:cs typeface="Century Gothic"/>
-              </a:rPr>
-              <a:t> </a:t>
-            </a:r>
-            <a:r>
-              <a:rPr lang="fr-FR" sz="3200" dirty="0" err="1" smtClean="0">
-                <a:latin typeface="Century Gothic"/>
-                <a:cs typeface="Century Gothic"/>
-              </a:rPr>
-              <a:t>specification</a:t>
-            </a:r>
-            <a:endParaRPr lang="fr-FR" sz="3200" dirty="0" smtClean="0">
-              <a:latin typeface="Century Gothic"/>
-              <a:cs typeface="Century Gothic"/>
-            </a:endParaRPr>
-          </a:p>
-          <a:p>
-            <a:pPr marL="400050" indent="-400050">
-              <a:buAutoNum type="romanUcPeriod"/>
-            </a:pPr>
-            <a:endParaRPr lang="fr-FR" sz="3200" dirty="0" smtClean="0">
-              <a:latin typeface="Century Gothic"/>
-              <a:cs typeface="Century Gothic"/>
-            </a:endParaRPr>
-          </a:p>
-          <a:p>
-            <a:pPr marL="400050" indent="-400050">
-              <a:buAutoNum type="romanUcPeriod"/>
-            </a:pPr>
-            <a:r>
-              <a:rPr lang="en-US" sz="3200" dirty="0" smtClean="0">
-                <a:latin typeface="Century Gothic"/>
-                <a:cs typeface="Century Gothic"/>
-              </a:rPr>
-              <a:t> Setting up the API : Models &amp; Controller</a:t>
-            </a:r>
-          </a:p>
-          <a:p>
-            <a:pPr marL="400050" indent="-400050">
-              <a:buAutoNum type="romanUcPeriod"/>
-            </a:pPr>
-            <a:endParaRPr lang="en-US" sz="3200" dirty="0" smtClean="0">
-              <a:latin typeface="Century Gothic"/>
-              <a:cs typeface="Century Gothic"/>
-            </a:endParaRPr>
-          </a:p>
-          <a:p>
-            <a:pPr marL="400050" indent="-400050">
-              <a:buAutoNum type="romanUcPeriod"/>
-            </a:pPr>
-            <a:r>
-              <a:rPr lang="en-US" sz="3200" dirty="0" smtClean="0">
-                <a:latin typeface="Century Gothic"/>
-                <a:cs typeface="Century Gothic"/>
-              </a:rPr>
-              <a:t> Throwing and Catching</a:t>
-            </a:r>
-          </a:p>
-          <a:p>
-            <a:pPr marL="400050" indent="-400050">
-              <a:buAutoNum type="romanUcPeriod"/>
-            </a:pPr>
-            <a:endParaRPr lang="fr-FR" sz="3200" dirty="0" smtClean="0">
-              <a:latin typeface="Century Gothic"/>
-              <a:cs typeface="Century Gothic"/>
-            </a:endParaRPr>
-          </a:p>
-          <a:p>
-            <a:pPr marL="400050" indent="-400050">
-              <a:buAutoNum type="romanUcPeriod"/>
-            </a:pPr>
-            <a:r>
-              <a:rPr lang="fr-FR" sz="3200" dirty="0" smtClean="0">
-                <a:latin typeface="Century Gothic"/>
-                <a:cs typeface="Century Gothic"/>
-              </a:rPr>
-              <a:t> Validation Pipeline</a:t>
-            </a:r>
-          </a:p>
-        </p:txBody>
-      </p:sp>
-    </p:spTree>
-    <p:extLst>
-      <p:ext uri="{BB962C8B-B14F-4D97-AF65-F5344CB8AC3E}">
-        <p14:creationId xmlns:p14="http://schemas.microsoft.com/office/powerpoint/2010/main" val="2469234875"/>
-      </p:ext>
-    </p:extLst>
-  </p:cSld>
-  <p:clrMapOvr>
-    <a:masterClrMapping/>
-  </p:clrMapOvr>
-  <p:timing>
-    <p:tnLst>
-      <p:par>
-        <p:cTn id="1" dur="indefinite" restart="never" nodeType="tmRoot"/>
-      </p:par>
-    </p:tnLst>
-  </p:timing>
-</p:sld>
-</file>
-
-<file path=ppt/slides/slide30.xml><?xml version="1.0" encoding="utf-8"?>
+<file path=ppt/slides/slide32.xml><?xml version="1.0" encoding="utf-8"?>
 <p:sld xmlns:a="http://schemas.openxmlformats.org/drawingml/2006/main" xmlns:r="http://schemas.openxmlformats.org/officeDocument/2006/relationships" xmlns:p="http://schemas.openxmlformats.org/presentationml/2006/main">
   <p:cSld>
     <p:spTree>
@@ -8787,7 +9362,7 @@
 </p:sld>
 </file>
 
-<file path=ppt/slides/slide31.xml><?xml version="1.0" encoding="utf-8"?>
+<file path=ppt/slides/slide33.xml><?xml version="1.0" encoding="utf-8"?>
 <p:sld xmlns:a="http://schemas.openxmlformats.org/drawingml/2006/main" xmlns:r="http://schemas.openxmlformats.org/officeDocument/2006/relationships" xmlns:p="http://schemas.openxmlformats.org/presentationml/2006/main">
   <p:cSld>
     <p:spTree>
@@ -8820,16 +9395,291 @@
           <a:lstStyle/>
           <a:p>
             <a:r>
-              <a:rPr lang="en-US" dirty="0" smtClean="0"/>
-              <a:t>Class Diagram</a:t>
+              <a:rPr lang="fr-FR" dirty="0" err="1" smtClean="0"/>
+              <a:t>Filter</a:t>
+            </a:r>
+            <a:r>
+              <a:rPr lang="fr-FR" dirty="0" smtClean="0"/>
+              <a:t> </a:t>
+            </a:r>
+            <a:r>
+              <a:rPr lang="fr-FR" dirty="0" err="1" smtClean="0"/>
+              <a:t>Attributes</a:t>
             </a:r>
             <a:endParaRPr lang="fr-FR" dirty="0"/>
           </a:p>
         </p:txBody>
       </p:sp>
+      <p:sp>
+        <p:nvSpPr>
+          <p:cNvPr id="3" name="Content Placeholder 2"/>
+          <p:cNvSpPr>
+            <a:spLocks noGrp="1"/>
+          </p:cNvSpPr>
+          <p:nvPr>
+            <p:ph idx="1"/>
+          </p:nvPr>
+        </p:nvSpPr>
+        <p:spPr/>
+        <p:txBody>
+          <a:bodyPr>
+            <a:normAutofit/>
+          </a:bodyPr>
+          <a:lstStyle/>
+          <a:p>
+            <a:pPr marL="0" indent="0">
+              <a:buNone/>
+            </a:pPr>
+            <a:r>
+              <a:rPr lang="fr-FR" sz="2600" dirty="0" err="1" smtClean="0"/>
+              <a:t>Filter</a:t>
+            </a:r>
+            <a:r>
+              <a:rPr lang="fr-FR" sz="2600" dirty="0" smtClean="0"/>
+              <a:t> </a:t>
+            </a:r>
+            <a:r>
+              <a:rPr lang="fr-FR" sz="2600" dirty="0" err="1" smtClean="0"/>
+              <a:t>attributes</a:t>
+            </a:r>
+            <a:r>
+              <a:rPr lang="fr-FR" sz="2600" dirty="0" smtClean="0"/>
+              <a:t> </a:t>
+            </a:r>
+            <a:r>
+              <a:rPr lang="fr-FR" sz="2600" dirty="0" err="1" smtClean="0"/>
+              <a:t>act</a:t>
+            </a:r>
+            <a:r>
+              <a:rPr lang="fr-FR" sz="2600" dirty="0" smtClean="0"/>
+              <a:t> as « </a:t>
+            </a:r>
+            <a:r>
+              <a:rPr lang="fr-FR" sz="2600" dirty="0" err="1"/>
+              <a:t>s</a:t>
+            </a:r>
+            <a:r>
+              <a:rPr lang="fr-FR" sz="2600" dirty="0" err="1" smtClean="0"/>
+              <a:t>ide</a:t>
+            </a:r>
+            <a:r>
+              <a:rPr lang="fr-FR" sz="2600" dirty="0" smtClean="0"/>
+              <a:t> code » for actions</a:t>
+            </a:r>
+          </a:p>
+          <a:p>
+            <a:pPr marL="0" indent="0">
+              <a:buNone/>
+            </a:pPr>
+            <a:r>
+              <a:rPr lang="fr-FR" sz="2600" dirty="0" smtClean="0"/>
+              <a:t>(logs, </a:t>
+            </a:r>
+            <a:r>
+              <a:rPr lang="fr-FR" sz="2600" dirty="0" err="1" smtClean="0"/>
+              <a:t>security</a:t>
+            </a:r>
+            <a:r>
+              <a:rPr lang="fr-FR" sz="2600" dirty="0" smtClean="0"/>
+              <a:t>, </a:t>
+            </a:r>
+            <a:r>
+              <a:rPr lang="fr-FR" sz="2600" u="sng" dirty="0" smtClean="0"/>
+              <a:t>validation</a:t>
+            </a:r>
+            <a:r>
+              <a:rPr lang="fr-FR" sz="2600" dirty="0" smtClean="0"/>
+              <a:t>, </a:t>
+            </a:r>
+            <a:r>
+              <a:rPr lang="fr-FR" sz="2600" u="sng" dirty="0" smtClean="0"/>
+              <a:t>exception handling</a:t>
+            </a:r>
+            <a:r>
+              <a:rPr lang="fr-FR" sz="2600" dirty="0" smtClean="0"/>
+              <a:t>, …)</a:t>
+            </a:r>
+          </a:p>
+          <a:p>
+            <a:pPr marL="0" indent="0">
+              <a:buNone/>
+            </a:pPr>
+            <a:endParaRPr lang="fr-FR" sz="2600" dirty="0"/>
+          </a:p>
+          <a:p>
+            <a:pPr marL="0" indent="0">
+              <a:buNone/>
+            </a:pPr>
+            <a:r>
+              <a:rPr lang="fr-FR" sz="2600" dirty="0" err="1" smtClean="0"/>
+              <a:t>They</a:t>
+            </a:r>
+            <a:r>
+              <a:rPr lang="fr-FR" sz="2600" dirty="0" smtClean="0"/>
+              <a:t> </a:t>
+            </a:r>
+            <a:r>
+              <a:rPr lang="fr-FR" sz="2600" dirty="0" err="1" smtClean="0"/>
+              <a:t>can</a:t>
+            </a:r>
+            <a:r>
+              <a:rPr lang="fr-FR" sz="2600" dirty="0" smtClean="0"/>
+              <a:t> </a:t>
+            </a:r>
+            <a:r>
+              <a:rPr lang="fr-FR" sz="2600" dirty="0" err="1" smtClean="0"/>
+              <a:t>be</a:t>
+            </a:r>
+            <a:r>
+              <a:rPr lang="fr-FR" sz="2600" dirty="0" smtClean="0"/>
+              <a:t> </a:t>
+            </a:r>
+            <a:r>
+              <a:rPr lang="fr-FR" sz="2600" dirty="0" err="1" smtClean="0"/>
+              <a:t>applied</a:t>
+            </a:r>
+            <a:r>
+              <a:rPr lang="fr-FR" sz="2600" dirty="0" smtClean="0"/>
+              <a:t> to </a:t>
+            </a:r>
+            <a:endParaRPr lang="fr-FR" sz="2600" dirty="0" smtClean="0"/>
+          </a:p>
+          <a:p>
+            <a:r>
+              <a:rPr lang="fr-FR" sz="2600" dirty="0" smtClean="0"/>
+              <a:t>Single actions </a:t>
+            </a:r>
+          </a:p>
+          <a:p>
+            <a:r>
+              <a:rPr lang="fr-FR" sz="2600" dirty="0" err="1" smtClean="0"/>
+              <a:t>Entire</a:t>
+            </a:r>
+            <a:r>
+              <a:rPr lang="fr-FR" sz="2600" dirty="0" smtClean="0"/>
+              <a:t> </a:t>
+            </a:r>
+            <a:r>
+              <a:rPr lang="fr-FR" sz="2600" dirty="0" err="1" smtClean="0"/>
+              <a:t>Controllers</a:t>
+            </a:r>
+            <a:r>
+              <a:rPr lang="fr-FR" sz="2600" dirty="0" smtClean="0"/>
+              <a:t> </a:t>
+            </a:r>
+          </a:p>
+          <a:p>
+            <a:r>
+              <a:rPr lang="fr-FR" sz="2600" dirty="0" smtClean="0"/>
+              <a:t>The </a:t>
+            </a:r>
+            <a:r>
+              <a:rPr lang="fr-FR" sz="2600" dirty="0" err="1" smtClean="0"/>
+              <a:t>whole</a:t>
+            </a:r>
+            <a:r>
+              <a:rPr lang="fr-FR" sz="2600" dirty="0" smtClean="0"/>
+              <a:t> </a:t>
+            </a:r>
+            <a:r>
+              <a:rPr lang="fr-FR" sz="2600" dirty="0" smtClean="0"/>
+              <a:t>API</a:t>
+            </a:r>
+          </a:p>
+          <a:p>
+            <a:pPr marL="0" indent="0">
+              <a:buNone/>
+            </a:pPr>
+            <a:endParaRPr lang="fr-FR" sz="2600" dirty="0" smtClean="0"/>
+          </a:p>
+          <a:p>
+            <a:pPr marL="0" indent="0">
+              <a:buNone/>
+            </a:pPr>
+            <a:r>
+              <a:rPr lang="fr-FR" sz="2600" dirty="0" err="1" smtClean="0"/>
+              <a:t>They</a:t>
+            </a:r>
+            <a:r>
+              <a:rPr lang="fr-FR" sz="2600" dirty="0" smtClean="0"/>
+              <a:t> </a:t>
+            </a:r>
+            <a:r>
+              <a:rPr lang="fr-FR" sz="2600" dirty="0" err="1" smtClean="0"/>
+              <a:t>can</a:t>
+            </a:r>
+            <a:r>
+              <a:rPr lang="fr-FR" sz="2600" dirty="0" smtClean="0"/>
+              <a:t> </a:t>
+            </a:r>
+            <a:r>
+              <a:rPr lang="fr-FR" sz="2600" dirty="0" err="1" smtClean="0"/>
+              <a:t>run</a:t>
+            </a:r>
+            <a:r>
+              <a:rPr lang="fr-FR" sz="2600" dirty="0" smtClean="0"/>
+              <a:t> </a:t>
+            </a:r>
+            <a:r>
+              <a:rPr lang="fr-FR" sz="2600" dirty="0" err="1" smtClean="0"/>
+              <a:t>before</a:t>
+            </a:r>
+            <a:r>
+              <a:rPr lang="fr-FR" sz="2600" dirty="0" smtClean="0"/>
+              <a:t> or </a:t>
+            </a:r>
+            <a:r>
+              <a:rPr lang="fr-FR" sz="2600" dirty="0" err="1" smtClean="0"/>
+              <a:t>after</a:t>
+            </a:r>
+            <a:r>
+              <a:rPr lang="fr-FR" sz="2600" dirty="0" smtClean="0"/>
+              <a:t> the action</a:t>
+            </a:r>
+            <a:endParaRPr lang="fr-FR" sz="2600" dirty="0"/>
+          </a:p>
+        </p:txBody>
+      </p:sp>
+    </p:spTree>
+    <p:extLst>
+      <p:ext uri="{BB962C8B-B14F-4D97-AF65-F5344CB8AC3E}">
+        <p14:creationId xmlns:p14="http://schemas.microsoft.com/office/powerpoint/2010/main" val="951367215"/>
+      </p:ext>
+    </p:extLst>
+  </p:cSld>
+  <p:clrMapOvr>
+    <a:masterClrMapping/>
+  </p:clrMapOvr>
+  <p:timing>
+    <p:tnLst>
+      <p:par>
+        <p:cTn id="1" dur="indefinite" restart="never" nodeType="tmRoot"/>
+      </p:par>
+    </p:tnLst>
+  </p:timing>
+</p:sld>
+</file>
+
+<file path=ppt/slides/slide34.xml><?xml version="1.0" encoding="utf-8"?>
+<p:sld xmlns:a="http://schemas.openxmlformats.org/drawingml/2006/main" xmlns:r="http://schemas.openxmlformats.org/officeDocument/2006/relationships" xmlns:p="http://schemas.openxmlformats.org/presentationml/2006/main">
+  <p:cSld>
+    <p:spTree>
+      <p:nvGrpSpPr>
+        <p:cNvPr id="1" name=""/>
+        <p:cNvGrpSpPr/>
+        <p:nvPr/>
+      </p:nvGrpSpPr>
+      <p:grpSpPr>
+        <a:xfrm>
+          <a:off x="0" y="0"/>
+          <a:ext cx="0" cy="0"/>
+          <a:chOff x="0" y="0"/>
+          <a:chExt cx="0" cy="0"/>
+        </a:xfrm>
+      </p:grpSpPr>
       <p:pic>
         <p:nvPicPr>
-          <p:cNvPr id="5" name="Picture 4"/>
+          <p:cNvPr id="7" name="Picture 6"/>
           <p:cNvPicPr>
             <a:picLocks noChangeAspect="1"/>
           </p:cNvPicPr>
@@ -8843,8 +9693,8 @@
         </p:blipFill>
         <p:spPr>
           <a:xfrm>
-            <a:off x="0" y="790575"/>
-            <a:ext cx="9086850" cy="5276850"/>
+            <a:off x="199042" y="972065"/>
+            <a:ext cx="8774319" cy="5095359"/>
           </a:xfrm>
           <a:prstGeom prst="rect">
             <a:avLst/>
@@ -8853,13 +9703,36 @@
       </p:pic>
       <p:sp>
         <p:nvSpPr>
+          <p:cNvPr id="2" name="Title 1"/>
+          <p:cNvSpPr>
+            <a:spLocks noGrp="1"/>
+          </p:cNvSpPr>
+          <p:nvPr>
+            <p:ph type="title"/>
+          </p:nvPr>
+        </p:nvSpPr>
+        <p:spPr/>
+        <p:txBody>
+          <a:bodyPr/>
+          <a:lstStyle/>
+          <a:p>
+            <a:r>
+              <a:rPr lang="en-US" dirty="0" smtClean="0"/>
+              <a:t>Class Diagram</a:t>
+            </a:r>
+            <a:endParaRPr lang="fr-FR" dirty="0"/>
+          </a:p>
+        </p:txBody>
+      </p:sp>
+      <p:sp>
+        <p:nvSpPr>
           <p:cNvPr id="6" name="Rounded Rectangle 5"/>
           <p:cNvSpPr/>
           <p:nvPr/>
         </p:nvSpPr>
         <p:spPr>
           <a:xfrm>
-            <a:off x="4390768" y="3566984"/>
+            <a:off x="4399006" y="3632888"/>
             <a:ext cx="1466335" cy="494270"/>
           </a:xfrm>
           <a:prstGeom prst="roundRect">
@@ -8991,7 +9864,7 @@
 </p:sld>
 </file>
 
-<file path=ppt/slides/slide32.xml><?xml version="1.0" encoding="utf-8"?>
+<file path=ppt/slides/slide35.xml><?xml version="1.0" encoding="utf-8"?>
 <p:sld xmlns:a="http://schemas.openxmlformats.org/drawingml/2006/main" xmlns:r="http://schemas.openxmlformats.org/officeDocument/2006/relationships" xmlns:p="http://schemas.openxmlformats.org/presentationml/2006/main">
   <p:cSld>
     <p:spTree>
@@ -9024,258 +9897,115 @@
           <a:lstStyle/>
           <a:p>
             <a:r>
-              <a:rPr lang="fr-FR" dirty="0" err="1" smtClean="0"/>
-              <a:t>Filter</a:t>
-            </a:r>
-            <a:r>
-              <a:rPr lang="fr-FR" dirty="0" smtClean="0"/>
-              <a:t> </a:t>
-            </a:r>
-            <a:r>
-              <a:rPr lang="fr-FR" dirty="0" err="1" smtClean="0"/>
-              <a:t>Attributes</a:t>
+              <a:rPr lang="en-US" dirty="0" smtClean="0"/>
+              <a:t>Throwing &amp; Catching : Action Validation Filter</a:t>
             </a:r>
             <a:endParaRPr lang="fr-FR" dirty="0"/>
           </a:p>
         </p:txBody>
       </p:sp>
-      <p:sp>
-        <p:nvSpPr>
-          <p:cNvPr id="3" name="Content Placeholder 2"/>
-          <p:cNvSpPr>
-            <a:spLocks noGrp="1"/>
-          </p:cNvSpPr>
-          <p:nvPr>
-            <p:ph idx="1"/>
-          </p:nvPr>
-        </p:nvSpPr>
-        <p:spPr/>
-        <p:txBody>
-          <a:bodyPr>
-            <a:normAutofit/>
+      <p:pic>
+        <p:nvPicPr>
+          <p:cNvPr id="7" name="Picture 6"/>
+          <p:cNvPicPr>
+            <a:picLocks noChangeAspect="1"/>
+          </p:cNvPicPr>
+          <p:nvPr/>
+        </p:nvPicPr>
+        <p:blipFill>
+          <a:blip r:embed="rId2"/>
+          <a:stretch>
+            <a:fillRect/>
+          </a:stretch>
+        </p:blipFill>
+        <p:spPr>
+          <a:xfrm>
+            <a:off x="2281880" y="2163530"/>
+            <a:ext cx="6394546" cy="2522538"/>
+          </a:xfrm>
+          <a:prstGeom prst="rect">
+            <a:avLst/>
+          </a:prstGeom>
+        </p:spPr>
+      </p:pic>
+      <p:pic>
+        <p:nvPicPr>
+          <p:cNvPr id="14" name="Picture 13"/>
+          <p:cNvPicPr>
+            <a:picLocks noChangeAspect="1"/>
+          </p:cNvPicPr>
+          <p:nvPr/>
+        </p:nvPicPr>
+        <p:blipFill>
+          <a:blip r:embed="rId3"/>
+          <a:stretch>
+            <a:fillRect/>
+          </a:stretch>
+        </p:blipFill>
+        <p:spPr>
+          <a:xfrm>
+            <a:off x="249598" y="942952"/>
+            <a:ext cx="1941344" cy="1127363"/>
+          </a:xfrm>
+          <a:prstGeom prst="rect">
+            <a:avLst/>
+          </a:prstGeom>
+        </p:spPr>
+      </p:pic>
+      <p:sp>
+        <p:nvSpPr>
+          <p:cNvPr id="15" name="Rounded Rectangle 14"/>
+          <p:cNvSpPr/>
+          <p:nvPr/>
+        </p:nvSpPr>
+        <p:spPr>
+          <a:xfrm>
+            <a:off x="1178011" y="1532238"/>
+            <a:ext cx="321276" cy="106200"/>
+          </a:xfrm>
+          <a:prstGeom prst="roundRect">
+            <a:avLst/>
+          </a:prstGeom>
+          <a:noFill/>
+          <a:ln>
+            <a:solidFill>
+              <a:srgbClr val="FF0000"/>
+            </a:solidFill>
+          </a:ln>
+          <a:effectLst/>
+        </p:spPr>
+        <p:style>
+          <a:lnRef idx="2">
+            <a:schemeClr val="accent6"/>
+          </a:lnRef>
+          <a:fillRef idx="1">
+            <a:schemeClr val="lt1"/>
+          </a:fillRef>
+          <a:effectRef idx="0">
+            <a:schemeClr val="accent6"/>
+          </a:effectRef>
+          <a:fontRef idx="minor">
+            <a:schemeClr val="dk1"/>
+          </a:fontRef>
+        </p:style>
+        <p:txBody>
+          <a:bodyPr rot="0" spcFirstLastPara="0" vertOverflow="overflow" horzOverflow="overflow" vert="horz" wrap="square" lIns="91440" tIns="45720" rIns="91440" bIns="45720" numCol="1" spcCol="0" rtlCol="0" fromWordArt="0" anchor="ctr" anchorCtr="0" forceAA="0" compatLnSpc="1">
+            <a:prstTxWarp prst="textNoShape">
+              <a:avLst/>
+            </a:prstTxWarp>
+            <a:noAutofit/>
           </a:bodyPr>
           <a:lstStyle/>
           <a:p>
-            <a:pPr marL="0" indent="0">
-              <a:buNone/>
-            </a:pPr>
-            <a:r>
-              <a:rPr lang="fr-FR" sz="2600" dirty="0" err="1" smtClean="0"/>
-              <a:t>Filter</a:t>
-            </a:r>
-            <a:r>
-              <a:rPr lang="fr-FR" sz="2600" dirty="0" smtClean="0"/>
-              <a:t> </a:t>
-            </a:r>
-            <a:r>
-              <a:rPr lang="fr-FR" sz="2600" dirty="0" err="1" smtClean="0"/>
-              <a:t>attributes</a:t>
-            </a:r>
-            <a:r>
-              <a:rPr lang="fr-FR" sz="2600" dirty="0" smtClean="0"/>
-              <a:t> </a:t>
-            </a:r>
-            <a:r>
-              <a:rPr lang="fr-FR" sz="2600" dirty="0" err="1" smtClean="0"/>
-              <a:t>act</a:t>
-            </a:r>
-            <a:r>
-              <a:rPr lang="fr-FR" sz="2600" dirty="0" smtClean="0"/>
-              <a:t> as « </a:t>
-            </a:r>
-            <a:r>
-              <a:rPr lang="fr-FR" sz="2600" dirty="0" err="1"/>
-              <a:t>s</a:t>
-            </a:r>
-            <a:r>
-              <a:rPr lang="fr-FR" sz="2600" dirty="0" err="1" smtClean="0"/>
-              <a:t>ide</a:t>
-            </a:r>
-            <a:r>
-              <a:rPr lang="fr-FR" sz="2600" dirty="0" smtClean="0"/>
-              <a:t> code » for actions</a:t>
-            </a:r>
-          </a:p>
-          <a:p>
-            <a:pPr marL="0" indent="0">
-              <a:buNone/>
-            </a:pPr>
-            <a:r>
-              <a:rPr lang="fr-FR" sz="2600" dirty="0" smtClean="0"/>
-              <a:t>(logs, </a:t>
-            </a:r>
-            <a:r>
-              <a:rPr lang="fr-FR" sz="2600" dirty="0" err="1" smtClean="0"/>
-              <a:t>security</a:t>
-            </a:r>
-            <a:r>
-              <a:rPr lang="fr-FR" sz="2600" dirty="0" smtClean="0"/>
-              <a:t>, </a:t>
-            </a:r>
-            <a:r>
-              <a:rPr lang="fr-FR" sz="2600" u="sng" dirty="0" smtClean="0"/>
-              <a:t>validation</a:t>
-            </a:r>
-            <a:r>
-              <a:rPr lang="fr-FR" sz="2600" dirty="0" smtClean="0"/>
-              <a:t>, </a:t>
-            </a:r>
-            <a:r>
-              <a:rPr lang="fr-FR" sz="2600" u="sng" dirty="0" smtClean="0"/>
-              <a:t>exception handling</a:t>
-            </a:r>
-            <a:r>
-              <a:rPr lang="fr-FR" sz="2600" dirty="0" smtClean="0"/>
-              <a:t>, …)</a:t>
-            </a:r>
-          </a:p>
-          <a:p>
-            <a:pPr marL="0" indent="0">
-              <a:buNone/>
-            </a:pPr>
-            <a:endParaRPr lang="fr-FR" sz="2600" dirty="0"/>
-          </a:p>
-          <a:p>
-            <a:pPr marL="0" indent="0">
-              <a:buNone/>
-            </a:pPr>
-            <a:r>
-              <a:rPr lang="fr-FR" sz="2600" dirty="0" err="1" smtClean="0"/>
-              <a:t>They</a:t>
-            </a:r>
-            <a:r>
-              <a:rPr lang="fr-FR" sz="2600" dirty="0" smtClean="0"/>
-              <a:t> </a:t>
-            </a:r>
-            <a:r>
-              <a:rPr lang="fr-FR" sz="2600" dirty="0" err="1" smtClean="0"/>
-              <a:t>can</a:t>
-            </a:r>
-            <a:r>
-              <a:rPr lang="fr-FR" sz="2600" dirty="0" smtClean="0"/>
-              <a:t> </a:t>
-            </a:r>
-            <a:r>
-              <a:rPr lang="fr-FR" sz="2600" dirty="0" err="1" smtClean="0"/>
-              <a:t>be</a:t>
-            </a:r>
-            <a:r>
-              <a:rPr lang="fr-FR" sz="2600" dirty="0" smtClean="0"/>
-              <a:t> </a:t>
-            </a:r>
-            <a:r>
-              <a:rPr lang="fr-FR" sz="2600" dirty="0" err="1" smtClean="0"/>
-              <a:t>applied</a:t>
-            </a:r>
-            <a:r>
-              <a:rPr lang="fr-FR" sz="2600" dirty="0" smtClean="0"/>
-              <a:t> to (or </a:t>
-            </a:r>
-            <a:r>
-              <a:rPr lang="fr-FR" sz="2600" dirty="0" err="1" smtClean="0"/>
-              <a:t>decorating</a:t>
-            </a:r>
-            <a:r>
-              <a:rPr lang="fr-FR" sz="2600" dirty="0" smtClean="0"/>
-              <a:t>)</a:t>
-            </a:r>
-          </a:p>
-          <a:p>
-            <a:r>
-              <a:rPr lang="fr-FR" sz="2600" dirty="0" smtClean="0"/>
-              <a:t>Single actions</a:t>
-            </a:r>
-          </a:p>
-          <a:p>
-            <a:r>
-              <a:rPr lang="fr-FR" sz="2600" dirty="0" err="1" smtClean="0"/>
-              <a:t>Entire</a:t>
-            </a:r>
-            <a:r>
-              <a:rPr lang="fr-FR" sz="2600" dirty="0" smtClean="0"/>
-              <a:t> </a:t>
-            </a:r>
-            <a:r>
-              <a:rPr lang="fr-FR" sz="2600" dirty="0" err="1" smtClean="0"/>
-              <a:t>Controllers</a:t>
-            </a:r>
-            <a:r>
-              <a:rPr lang="fr-FR" sz="2600" dirty="0" smtClean="0"/>
-              <a:t> </a:t>
-            </a:r>
-          </a:p>
-          <a:p>
-            <a:r>
-              <a:rPr lang="fr-FR" sz="2600" dirty="0" smtClean="0"/>
-              <a:t>A </a:t>
-            </a:r>
-            <a:r>
-              <a:rPr lang="fr-FR" sz="2600" dirty="0" err="1" smtClean="0"/>
-              <a:t>Whole</a:t>
-            </a:r>
-            <a:r>
-              <a:rPr lang="fr-FR" sz="2600" dirty="0" smtClean="0"/>
-              <a:t> API</a:t>
-            </a:r>
-          </a:p>
-          <a:p>
-            <a:pPr marL="0" indent="0">
-              <a:buNone/>
-            </a:pPr>
-            <a:endParaRPr lang="fr-FR" sz="2600" dirty="0" smtClean="0"/>
-          </a:p>
-          <a:p>
-            <a:pPr marL="0" indent="0">
-              <a:buNone/>
-            </a:pPr>
-            <a:r>
-              <a:rPr lang="fr-FR" sz="2600" dirty="0" err="1" smtClean="0"/>
-              <a:t>They</a:t>
-            </a:r>
-            <a:r>
-              <a:rPr lang="fr-FR" sz="2600" dirty="0" smtClean="0"/>
-              <a:t> </a:t>
-            </a:r>
-            <a:r>
-              <a:rPr lang="fr-FR" sz="2600" dirty="0" err="1" smtClean="0"/>
-              <a:t>can</a:t>
-            </a:r>
-            <a:r>
-              <a:rPr lang="fr-FR" sz="2600" dirty="0" smtClean="0"/>
-              <a:t> </a:t>
-            </a:r>
-            <a:r>
-              <a:rPr lang="fr-FR" sz="2600" dirty="0" err="1" smtClean="0"/>
-              <a:t>run</a:t>
-            </a:r>
-            <a:r>
-              <a:rPr lang="fr-FR" sz="2600" dirty="0" smtClean="0"/>
-              <a:t> </a:t>
-            </a:r>
-            <a:r>
-              <a:rPr lang="fr-FR" sz="2600" dirty="0" err="1" smtClean="0"/>
-              <a:t>before</a:t>
-            </a:r>
-            <a:r>
-              <a:rPr lang="fr-FR" sz="2600" dirty="0" smtClean="0"/>
-              <a:t> or </a:t>
-            </a:r>
-            <a:r>
-              <a:rPr lang="fr-FR" sz="2600" dirty="0" err="1" smtClean="0"/>
-              <a:t>after</a:t>
-            </a:r>
-            <a:r>
-              <a:rPr lang="fr-FR" sz="2600" dirty="0" smtClean="0"/>
-              <a:t> the action</a:t>
-            </a:r>
-            <a:endParaRPr lang="fr-FR" sz="2600" dirty="0"/>
+            <a:pPr algn="ctr"/>
+            <a:endParaRPr lang="fr-FR"/>
           </a:p>
         </p:txBody>
       </p:sp>
     </p:spTree>
     <p:extLst>
       <p:ext uri="{BB962C8B-B14F-4D97-AF65-F5344CB8AC3E}">
-        <p14:creationId xmlns:p14="http://schemas.microsoft.com/office/powerpoint/2010/main" val="951367215"/>
+        <p14:creationId xmlns:p14="http://schemas.microsoft.com/office/powerpoint/2010/main" val="2394443103"/>
       </p:ext>
     </p:extLst>
   </p:cSld>
@@ -9292,7 +10022,7 @@
 </p:sld>
 </file>
 
-<file path=ppt/slides/slide33.xml><?xml version="1.0" encoding="utf-8"?>
+<file path=ppt/slides/slide36.xml><?xml version="1.0" encoding="utf-8"?>
 <p:sld xmlns:a="http://schemas.openxmlformats.org/drawingml/2006/main" xmlns:r="http://schemas.openxmlformats.org/officeDocument/2006/relationships" xmlns:p="http://schemas.openxmlformats.org/presentationml/2006/main">
   <p:cSld>
     <p:spTree>
@@ -9309,6 +10039,30 @@
           <a:chExt cx="0" cy="0"/>
         </a:xfrm>
       </p:grpSpPr>
+      <p:pic>
+        <p:nvPicPr>
+          <p:cNvPr id="7" name="Picture 6"/>
+          <p:cNvPicPr>
+            <a:picLocks noChangeAspect="1"/>
+          </p:cNvPicPr>
+          <p:nvPr/>
+        </p:nvPicPr>
+        <p:blipFill>
+          <a:blip r:embed="rId2"/>
+          <a:stretch>
+            <a:fillRect/>
+          </a:stretch>
+        </p:blipFill>
+        <p:spPr>
+          <a:xfrm>
+            <a:off x="199042" y="972065"/>
+            <a:ext cx="8774319" cy="5095359"/>
+          </a:xfrm>
+          <a:prstGeom prst="rect">
+            <a:avLst/>
+          </a:prstGeom>
+        </p:spPr>
+      </p:pic>
       <p:sp>
         <p:nvSpPr>
           <p:cNvPr id="2" name="Title 1"/>
@@ -9321,24 +10075,426 @@
         </p:nvSpPr>
         <p:spPr/>
         <p:txBody>
+          <a:bodyPr>
+            <a:normAutofit/>
+          </a:bodyPr>
+          <a:lstStyle/>
+          <a:p>
+            <a:r>
+              <a:rPr lang="en-US" dirty="0" smtClean="0"/>
+              <a:t>Class Diagram : Exception Filter attributes</a:t>
+            </a:r>
+            <a:endParaRPr lang="fr-FR" dirty="0"/>
+          </a:p>
+        </p:txBody>
+      </p:sp>
+      <p:sp>
+        <p:nvSpPr>
+          <p:cNvPr id="6" name="Rounded Rectangle 5"/>
+          <p:cNvSpPr/>
+          <p:nvPr/>
+        </p:nvSpPr>
+        <p:spPr>
+          <a:xfrm>
+            <a:off x="5782960" y="3641126"/>
+            <a:ext cx="1754661" cy="494270"/>
+          </a:xfrm>
+          <a:prstGeom prst="roundRect">
+            <a:avLst/>
+          </a:prstGeom>
+          <a:noFill/>
+          <a:ln>
+            <a:solidFill>
+              <a:srgbClr val="FF0000"/>
+            </a:solidFill>
+          </a:ln>
+        </p:spPr>
+        <p:style>
+          <a:lnRef idx="2">
+            <a:schemeClr val="accent6"/>
+          </a:lnRef>
+          <a:fillRef idx="1">
+            <a:schemeClr val="lt1"/>
+          </a:fillRef>
+          <a:effectRef idx="0">
+            <a:schemeClr val="accent6"/>
+          </a:effectRef>
+          <a:fontRef idx="minor">
+            <a:schemeClr val="dk1"/>
+          </a:fontRef>
+        </p:style>
+        <p:txBody>
+          <a:bodyPr rot="0" spcFirstLastPara="0" vertOverflow="overflow" horzOverflow="overflow" vert="horz" wrap="square" lIns="91440" tIns="45720" rIns="91440" bIns="45720" numCol="1" spcCol="0" rtlCol="0" fromWordArt="0" anchor="ctr" anchorCtr="0" forceAA="0" compatLnSpc="1">
+            <a:prstTxWarp prst="textNoShape">
+              <a:avLst/>
+            </a:prstTxWarp>
+            <a:noAutofit/>
+          </a:bodyPr>
+          <a:lstStyle/>
+          <a:p>
+            <a:pPr algn="ctr"/>
+            <a:endParaRPr lang="fr-FR"/>
+          </a:p>
+        </p:txBody>
+      </p:sp>
+      <p:sp>
+        <p:nvSpPr>
+          <p:cNvPr id="3" name="TextBox 2"/>
+          <p:cNvSpPr txBox="1"/>
+          <p:nvPr/>
+        </p:nvSpPr>
+        <p:spPr>
+          <a:xfrm>
+            <a:off x="4975654" y="4226011"/>
+            <a:ext cx="3171568" cy="369332"/>
+          </a:xfrm>
+          <a:prstGeom prst="rect">
+            <a:avLst/>
+          </a:prstGeom>
+          <a:noFill/>
+        </p:spPr>
+        <p:txBody>
+          <a:bodyPr wrap="square" rtlCol="0">
+            <a:spAutoFit/>
+          </a:bodyPr>
+          <a:lstStyle/>
+          <a:p>
+            <a:r>
+              <a:rPr lang="en-US" b="1" dirty="0" smtClean="0">
+                <a:solidFill>
+                  <a:srgbClr val="FF0000"/>
+                </a:solidFill>
+                <a:latin typeface="Century Gothic"/>
+                <a:cs typeface="Century Gothic"/>
+              </a:rPr>
+              <a:t>Core class of the system</a:t>
+            </a:r>
+            <a:endParaRPr lang="fr-FR" b="1" dirty="0" smtClean="0">
+              <a:solidFill>
+                <a:srgbClr val="FF0000"/>
+              </a:solidFill>
+              <a:latin typeface="Century Gothic"/>
+              <a:cs typeface="Century Gothic"/>
+            </a:endParaRPr>
+          </a:p>
+        </p:txBody>
+      </p:sp>
+    </p:spTree>
+    <p:extLst>
+      <p:ext uri="{BB962C8B-B14F-4D97-AF65-F5344CB8AC3E}">
+        <p14:creationId xmlns:p14="http://schemas.microsoft.com/office/powerpoint/2010/main" val="3922132365"/>
+      </p:ext>
+    </p:extLst>
+  </p:cSld>
+  <p:clrMapOvr>
+    <a:masterClrMapping/>
+  </p:clrMapOvr>
+  <p:timing>
+    <p:tnLst>
+      <p:par>
+        <p:cTn id="1" dur="indefinite" restart="never" nodeType="tmRoot">
+          <p:childTnLst>
+            <p:seq concurrent="1" nextAc="seek">
+              <p:cTn id="2" dur="indefinite" nodeType="mainSeq">
+                <p:childTnLst>
+                  <p:par>
+                    <p:cTn id="3" fill="hold">
+                      <p:stCondLst>
+                        <p:cond delay="indefinite"/>
+                      </p:stCondLst>
+                      <p:childTnLst>
+                        <p:par>
+                          <p:cTn id="4" fill="hold">
+                            <p:stCondLst>
+                              <p:cond delay="0"/>
+                            </p:stCondLst>
+                            <p:childTnLst>
+                              <p:par>
+                                <p:cTn id="5" presetID="1" presetClass="entr" presetSubtype="0" fill="hold" grpId="0" nodeType="clickEffect">
+                                  <p:stCondLst>
+                                    <p:cond delay="0"/>
+                                  </p:stCondLst>
+                                  <p:childTnLst>
+                                    <p:set>
+                                      <p:cBhvr>
+                                        <p:cTn id="6" dur="1" fill="hold">
+                                          <p:stCondLst>
+                                            <p:cond delay="0"/>
+                                          </p:stCondLst>
+                                        </p:cTn>
+                                        <p:tgtEl>
+                                          <p:spTgt spid="3"/>
+                                        </p:tgtEl>
+                                        <p:attrNameLst>
+                                          <p:attrName>style.visibility</p:attrName>
+                                        </p:attrNameLst>
+                                      </p:cBhvr>
+                                      <p:to>
+                                        <p:strVal val="visible"/>
+                                      </p:to>
+                                    </p:set>
+                                  </p:childTnLst>
+                                </p:cTn>
+                              </p:par>
+                              <p:par>
+                                <p:cTn id="7" presetID="1" presetClass="entr" presetSubtype="0" fill="hold" grpId="0" nodeType="withEffect">
+                                  <p:stCondLst>
+                                    <p:cond delay="0"/>
+                                  </p:stCondLst>
+                                  <p:childTnLst>
+                                    <p:set>
+                                      <p:cBhvr>
+                                        <p:cTn id="8" dur="1" fill="hold">
+                                          <p:stCondLst>
+                                            <p:cond delay="0"/>
+                                          </p:stCondLst>
+                                        </p:cTn>
+                                        <p:tgtEl>
+                                          <p:spTgt spid="6"/>
+                                        </p:tgtEl>
+                                        <p:attrNameLst>
+                                          <p:attrName>style.visibility</p:attrName>
+                                        </p:attrNameLst>
+                                      </p:cBhvr>
+                                      <p:to>
+                                        <p:strVal val="visible"/>
+                                      </p:to>
+                                    </p:set>
+                                  </p:childTnLst>
+                                </p:cTn>
+                              </p:par>
+                            </p:childTnLst>
+                          </p:cTn>
+                        </p:par>
+                      </p:childTnLst>
+                    </p:cTn>
+                  </p:par>
+                </p:childTnLst>
+              </p:cTn>
+              <p:prevCondLst>
+                <p:cond evt="onPrev" delay="0">
+                  <p:tgtEl>
+                    <p:sldTgt/>
+                  </p:tgtEl>
+                </p:cond>
+              </p:prevCondLst>
+              <p:nextCondLst>
+                <p:cond evt="onNext" delay="0">
+                  <p:tgtEl>
+                    <p:sldTgt/>
+                  </p:tgtEl>
+                </p:cond>
+              </p:nextCondLst>
+            </p:seq>
+          </p:childTnLst>
+        </p:cTn>
+      </p:par>
+    </p:tnLst>
+    <p:bldLst>
+      <p:bldP spid="6" grpId="0" animBg="1"/>
+      <p:bldP spid="3" grpId="0"/>
+    </p:bldLst>
+  </p:timing>
+</p:sld>
+</file>
+
+<file path=ppt/slides/slide37.xml><?xml version="1.0" encoding="utf-8"?>
+<p:sld xmlns:a="http://schemas.openxmlformats.org/drawingml/2006/main" xmlns:r="http://schemas.openxmlformats.org/officeDocument/2006/relationships" xmlns:p="http://schemas.openxmlformats.org/presentationml/2006/main">
+  <p:cSld>
+    <p:spTree>
+      <p:nvGrpSpPr>
+        <p:cNvPr id="1" name=""/>
+        <p:cNvGrpSpPr/>
+        <p:nvPr/>
+      </p:nvGrpSpPr>
+      <p:grpSpPr>
+        <a:xfrm>
+          <a:off x="0" y="0"/>
+          <a:ext cx="0" cy="0"/>
+          <a:chOff x="0" y="0"/>
+          <a:chExt cx="0" cy="0"/>
+        </a:xfrm>
+      </p:grpSpPr>
+      <p:sp>
+        <p:nvSpPr>
+          <p:cNvPr id="2" name="Title 1"/>
+          <p:cNvSpPr>
+            <a:spLocks noGrp="1"/>
+          </p:cNvSpPr>
+          <p:nvPr>
+            <p:ph type="title"/>
+          </p:nvPr>
+        </p:nvSpPr>
+        <p:spPr/>
+        <p:txBody>
           <a:bodyPr/>
           <a:lstStyle/>
           <a:p>
             <a:r>
+              <a:rPr lang="en-US" dirty="0"/>
+              <a:t>Throwing &amp; Catching : Exception </a:t>
+            </a:r>
+            <a:r>
               <a:rPr lang="en-US" dirty="0" smtClean="0"/>
-              <a:t>Throwing &amp; Catching : </a:t>
-            </a:r>
+              <a:t>Filter Attribute</a:t>
+            </a:r>
+            <a:endParaRPr lang="fr-FR" dirty="0"/>
+          </a:p>
+        </p:txBody>
+      </p:sp>
+      <p:pic>
+        <p:nvPicPr>
+          <p:cNvPr id="3" name="Picture 2"/>
+          <p:cNvPicPr>
+            <a:picLocks noChangeAspect="1"/>
+          </p:cNvPicPr>
+          <p:nvPr/>
+        </p:nvPicPr>
+        <p:blipFill>
+          <a:blip r:embed="rId2"/>
+          <a:stretch>
+            <a:fillRect/>
+          </a:stretch>
+        </p:blipFill>
+        <p:spPr>
+          <a:xfrm>
+            <a:off x="627166" y="2062882"/>
+            <a:ext cx="8516833" cy="4795118"/>
+          </a:xfrm>
+          <a:prstGeom prst="rect">
+            <a:avLst/>
+          </a:prstGeom>
+        </p:spPr>
+      </p:pic>
+      <p:pic>
+        <p:nvPicPr>
+          <p:cNvPr id="14" name="Picture 13"/>
+          <p:cNvPicPr>
+            <a:picLocks noChangeAspect="1"/>
+          </p:cNvPicPr>
+          <p:nvPr/>
+        </p:nvPicPr>
+        <p:blipFill>
+          <a:blip r:embed="rId3"/>
+          <a:stretch>
+            <a:fillRect/>
+          </a:stretch>
+        </p:blipFill>
+        <p:spPr>
+          <a:xfrm>
+            <a:off x="249598" y="942952"/>
+            <a:ext cx="1941344" cy="1127363"/>
+          </a:xfrm>
+          <a:prstGeom prst="rect">
+            <a:avLst/>
+          </a:prstGeom>
+        </p:spPr>
+      </p:pic>
+      <p:sp>
+        <p:nvSpPr>
+          <p:cNvPr id="15" name="Rounded Rectangle 14"/>
+          <p:cNvSpPr/>
+          <p:nvPr/>
+        </p:nvSpPr>
+        <p:spPr>
+          <a:xfrm>
+            <a:off x="1482811" y="1532238"/>
+            <a:ext cx="403654" cy="106200"/>
+          </a:xfrm>
+          <a:prstGeom prst="roundRect">
+            <a:avLst/>
+          </a:prstGeom>
+          <a:noFill/>
+          <a:ln>
+            <a:solidFill>
+              <a:srgbClr val="FF0000"/>
+            </a:solidFill>
+          </a:ln>
+          <a:effectLst/>
+        </p:spPr>
+        <p:style>
+          <a:lnRef idx="2">
+            <a:schemeClr val="accent6"/>
+          </a:lnRef>
+          <a:fillRef idx="1">
+            <a:schemeClr val="lt1"/>
+          </a:fillRef>
+          <a:effectRef idx="0">
+            <a:schemeClr val="accent6"/>
+          </a:effectRef>
+          <a:fontRef idx="minor">
+            <a:schemeClr val="dk1"/>
+          </a:fontRef>
+        </p:style>
+        <p:txBody>
+          <a:bodyPr rot="0" spcFirstLastPara="0" vertOverflow="overflow" horzOverflow="overflow" vert="horz" wrap="square" lIns="91440" tIns="45720" rIns="91440" bIns="45720" numCol="1" spcCol="0" rtlCol="0" fromWordArt="0" anchor="ctr" anchorCtr="0" forceAA="0" compatLnSpc="1">
+            <a:prstTxWarp prst="textNoShape">
+              <a:avLst/>
+            </a:prstTxWarp>
+            <a:noAutofit/>
+          </a:bodyPr>
+          <a:lstStyle/>
+          <a:p>
+            <a:pPr algn="ctr"/>
+            <a:endParaRPr lang="fr-FR"/>
+          </a:p>
+        </p:txBody>
+      </p:sp>
+    </p:spTree>
+    <p:extLst>
+      <p:ext uri="{BB962C8B-B14F-4D97-AF65-F5344CB8AC3E}">
+        <p14:creationId xmlns:p14="http://schemas.microsoft.com/office/powerpoint/2010/main" val="76874900"/>
+      </p:ext>
+    </p:extLst>
+  </p:cSld>
+  <p:clrMapOvr>
+    <a:masterClrMapping/>
+  </p:clrMapOvr>
+  <p:timing>
+    <p:tnLst>
+      <p:par>
+        <p:cTn id="1" dur="indefinite" restart="never" nodeType="tmRoot"/>
+      </p:par>
+    </p:tnLst>
+  </p:timing>
+</p:sld>
+</file>
+
+<file path=ppt/slides/slide38.xml><?xml version="1.0" encoding="utf-8"?>
+<p:sld xmlns:a="http://schemas.openxmlformats.org/drawingml/2006/main" xmlns:r="http://schemas.openxmlformats.org/officeDocument/2006/relationships" xmlns:p="http://schemas.openxmlformats.org/presentationml/2006/main">
+  <p:cSld>
+    <p:spTree>
+      <p:nvGrpSpPr>
+        <p:cNvPr id="1" name=""/>
+        <p:cNvGrpSpPr/>
+        <p:nvPr/>
+      </p:nvGrpSpPr>
+      <p:grpSpPr>
+        <a:xfrm>
+          <a:off x="0" y="0"/>
+          <a:ext cx="0" cy="0"/>
+          <a:chOff x="0" y="0"/>
+          <a:chExt cx="0" cy="0"/>
+        </a:xfrm>
+      </p:grpSpPr>
+      <p:sp>
+        <p:nvSpPr>
+          <p:cNvPr id="2" name="Title 1"/>
+          <p:cNvSpPr>
+            <a:spLocks noGrp="1"/>
+          </p:cNvSpPr>
+          <p:nvPr>
+            <p:ph type="title"/>
+          </p:nvPr>
+        </p:nvSpPr>
+        <p:spPr/>
+        <p:txBody>
+          <a:bodyPr/>
+          <a:lstStyle/>
+          <a:p>
             <a:r>
               <a:rPr lang="en-US" dirty="0" smtClean="0"/>
-              <a:t>Action </a:t>
-            </a:r>
-            <a:r>
-              <a:rPr lang="en-US" dirty="0" smtClean="0"/>
-              <a:t>Validation </a:t>
-            </a:r>
-            <a:r>
-              <a:rPr lang="en-US" dirty="0" smtClean="0"/>
-              <a:t>Filter</a:t>
+              <a:t>Throwing &amp; Catching : Action Validation Filter</a:t>
             </a:r>
             <a:endParaRPr lang="fr-FR" dirty="0"/>
           </a:p>
@@ -9543,7 +10699,7 @@
     </p:spTree>
     <p:extLst>
       <p:ext uri="{BB962C8B-B14F-4D97-AF65-F5344CB8AC3E}">
-        <p14:creationId xmlns:p14="http://schemas.microsoft.com/office/powerpoint/2010/main" val="2792778119"/>
+        <p14:creationId xmlns:p14="http://schemas.microsoft.com/office/powerpoint/2010/main" val="3217171818"/>
       </p:ext>
     </p:extLst>
   </p:cSld>
@@ -9628,7 +10784,7 @@
 </p:sld>
 </file>
 
-<file path=ppt/slides/slide34.xml><?xml version="1.0" encoding="utf-8"?>
+<file path=ppt/slides/slide39.xml><?xml version="1.0" encoding="utf-8"?>
 <p:sld xmlns:a="http://schemas.openxmlformats.org/drawingml/2006/main" xmlns:r="http://schemas.openxmlformats.org/officeDocument/2006/relationships" xmlns:p="http://schemas.openxmlformats.org/presentationml/2006/main">
   <p:cSld>
     <p:spTree>
@@ -9661,190 +10817,12 @@
           <a:lstStyle/>
           <a:p>
             <a:r>
-              <a:rPr lang="fr-FR" dirty="0" err="1" smtClean="0"/>
-              <a:t>Throwing</a:t>
-            </a:r>
-            <a:r>
-              <a:rPr lang="fr-FR" dirty="0" smtClean="0"/>
-              <a:t> &amp; </a:t>
-            </a:r>
-            <a:r>
-              <a:rPr lang="fr-FR" dirty="0" err="1" smtClean="0"/>
-              <a:t>Catching</a:t>
-            </a:r>
-            <a:r>
-              <a:rPr lang="fr-FR" dirty="0" smtClean="0"/>
-              <a:t> : Model </a:t>
-            </a:r>
-            <a:r>
-              <a:rPr lang="fr-FR" dirty="0" err="1" smtClean="0"/>
-              <a:t>Errors</a:t>
-            </a:r>
-            <a:r>
-              <a:rPr lang="fr-FR" dirty="0" smtClean="0"/>
-              <a:t> Extraction</a:t>
-            </a:r>
-            <a:endParaRPr lang="fr-FR" dirty="0"/>
-          </a:p>
-        </p:txBody>
-      </p:sp>
-      <p:pic>
-        <p:nvPicPr>
-          <p:cNvPr id="4" name="Picture 3"/>
-          <p:cNvPicPr>
-            <a:picLocks noChangeAspect="1"/>
-          </p:cNvPicPr>
-          <p:nvPr/>
-        </p:nvPicPr>
-        <p:blipFill>
-          <a:blip r:embed="rId2"/>
-          <a:stretch>
-            <a:fillRect/>
-          </a:stretch>
-        </p:blipFill>
-        <p:spPr>
-          <a:xfrm>
-            <a:off x="249598" y="942952"/>
-            <a:ext cx="1941344" cy="1127363"/>
-          </a:xfrm>
-          <a:prstGeom prst="rect">
-            <a:avLst/>
-          </a:prstGeom>
-        </p:spPr>
-      </p:pic>
-      <p:sp>
-        <p:nvSpPr>
-          <p:cNvPr id="5" name="Rounded Rectangle 4"/>
-          <p:cNvSpPr/>
-          <p:nvPr/>
-        </p:nvSpPr>
-        <p:spPr>
-          <a:xfrm>
-            <a:off x="1169773" y="1532238"/>
-            <a:ext cx="321276" cy="106200"/>
-          </a:xfrm>
-          <a:prstGeom prst="roundRect">
-            <a:avLst/>
-          </a:prstGeom>
-          <a:noFill/>
-          <a:ln>
-            <a:solidFill>
-              <a:srgbClr val="FF0000"/>
-            </a:solidFill>
-          </a:ln>
-          <a:effectLst/>
-        </p:spPr>
-        <p:style>
-          <a:lnRef idx="2">
-            <a:schemeClr val="accent6"/>
-          </a:lnRef>
-          <a:fillRef idx="1">
-            <a:schemeClr val="lt1"/>
-          </a:fillRef>
-          <a:effectRef idx="0">
-            <a:schemeClr val="accent6"/>
-          </a:effectRef>
-          <a:fontRef idx="minor">
-            <a:schemeClr val="dk1"/>
-          </a:fontRef>
-        </p:style>
-        <p:txBody>
-          <a:bodyPr rot="0" spcFirstLastPara="0" vertOverflow="overflow" horzOverflow="overflow" vert="horz" wrap="square" lIns="91440" tIns="45720" rIns="91440" bIns="45720" numCol="1" spcCol="0" rtlCol="0" fromWordArt="0" anchor="ctr" anchorCtr="0" forceAA="0" compatLnSpc="1">
-            <a:prstTxWarp prst="textNoShape">
-              <a:avLst/>
-            </a:prstTxWarp>
-            <a:noAutofit/>
-          </a:bodyPr>
-          <a:lstStyle/>
-          <a:p>
-            <a:pPr algn="ctr"/>
-            <a:endParaRPr lang="fr-FR"/>
-          </a:p>
-        </p:txBody>
-      </p:sp>
-      <p:pic>
-        <p:nvPicPr>
-          <p:cNvPr id="6" name="Picture 5"/>
-          <p:cNvPicPr>
-            <a:picLocks noChangeAspect="1"/>
-          </p:cNvPicPr>
-          <p:nvPr/>
-        </p:nvPicPr>
-        <p:blipFill>
-          <a:blip r:embed="rId3"/>
-          <a:stretch>
-            <a:fillRect/>
-          </a:stretch>
-        </p:blipFill>
-        <p:spPr>
-          <a:xfrm>
-            <a:off x="2033410" y="1359242"/>
-            <a:ext cx="7110589" cy="4561962"/>
-          </a:xfrm>
-          <a:prstGeom prst="rect">
-            <a:avLst/>
-          </a:prstGeom>
-        </p:spPr>
-      </p:pic>
-    </p:spTree>
-    <p:extLst>
-      <p:ext uri="{BB962C8B-B14F-4D97-AF65-F5344CB8AC3E}">
-        <p14:creationId xmlns:p14="http://schemas.microsoft.com/office/powerpoint/2010/main" val="1853850084"/>
-      </p:ext>
-    </p:extLst>
-  </p:cSld>
-  <p:clrMapOvr>
-    <a:masterClrMapping/>
-  </p:clrMapOvr>
-  <p:timing>
-    <p:tnLst>
-      <p:par>
-        <p:cTn id="1" dur="indefinite" restart="never" nodeType="tmRoot"/>
-      </p:par>
-    </p:tnLst>
-  </p:timing>
-</p:sld>
-</file>
-
-<file path=ppt/slides/slide35.xml><?xml version="1.0" encoding="utf-8"?>
-<p:sld xmlns:a="http://schemas.openxmlformats.org/drawingml/2006/main" xmlns:r="http://schemas.openxmlformats.org/officeDocument/2006/relationships" xmlns:p="http://schemas.openxmlformats.org/presentationml/2006/main">
-  <p:cSld>
-    <p:spTree>
-      <p:nvGrpSpPr>
-        <p:cNvPr id="1" name=""/>
-        <p:cNvGrpSpPr/>
-        <p:nvPr/>
-      </p:nvGrpSpPr>
-      <p:grpSpPr>
-        <a:xfrm>
-          <a:off x="0" y="0"/>
-          <a:ext cx="0" cy="0"/>
-          <a:chOff x="0" y="0"/>
-          <a:chExt cx="0" cy="0"/>
-        </a:xfrm>
-      </p:grpSpPr>
-      <p:sp>
-        <p:nvSpPr>
-          <p:cNvPr id="2" name="Title 1"/>
-          <p:cNvSpPr>
-            <a:spLocks noGrp="1"/>
-          </p:cNvSpPr>
-          <p:nvPr>
-            <p:ph type="title"/>
-          </p:nvPr>
-        </p:nvSpPr>
-        <p:spPr/>
-        <p:txBody>
-          <a:bodyPr/>
-          <a:lstStyle/>
-          <a:p>
-            <a:r>
               <a:rPr lang="en-US" dirty="0"/>
-              <a:t>Throwing &amp; Catching : Fake </a:t>
+              <a:t>Throwing &amp; Catching : </a:t>
             </a:r>
             <a:r>
               <a:rPr lang="en-US" dirty="0" smtClean="0"/>
-              <a:t>Service Layer</a:t>
+              <a:t>scenario exceptions</a:t>
             </a:r>
             <a:endParaRPr lang="fr-FR" dirty="0"/>
           </a:p>
@@ -10060,7 +11038,7 @@
 </p:sld>
 </file>
 
-<file path=ppt/slides/slide36.xml><?xml version="1.0" encoding="utf-8"?>
+<file path=ppt/slides/slide4.xml><?xml version="1.0" encoding="utf-8"?>
 <p:sld xmlns:a="http://schemas.openxmlformats.org/drawingml/2006/main" xmlns:r="http://schemas.openxmlformats.org/officeDocument/2006/relationships" xmlns:p="http://schemas.openxmlformats.org/presentationml/2006/main">
   <p:cSld>
     <p:spTree>
@@ -10093,12 +11071,387 @@
           <a:lstStyle/>
           <a:p>
             <a:r>
+              <a:rPr lang="en-US" dirty="0" smtClean="0"/>
+              <a:t>Categories of errors </a:t>
+            </a:r>
+            <a:endParaRPr lang="fr-FR" dirty="0"/>
+          </a:p>
+        </p:txBody>
+      </p:sp>
+      <p:sp>
+        <p:nvSpPr>
+          <p:cNvPr id="3" name="Content Placeholder 2"/>
+          <p:cNvSpPr>
+            <a:spLocks noGrp="1"/>
+          </p:cNvSpPr>
+          <p:nvPr>
+            <p:ph idx="1"/>
+          </p:nvPr>
+        </p:nvSpPr>
+        <p:spPr>
+          <a:xfrm>
+            <a:off x="457199" y="1287598"/>
+            <a:ext cx="8456141" cy="2823083"/>
+          </a:xfrm>
+        </p:spPr>
+        <p:txBody>
+          <a:bodyPr>
+            <a:normAutofit/>
+          </a:bodyPr>
+          <a:lstStyle/>
+          <a:p>
+            <a:pPr marL="571500" indent="-571500">
+              <a:buFont typeface="+mj-lt"/>
+              <a:buAutoNum type="romanUcPeriod"/>
+            </a:pPr>
+            <a:r>
+              <a:rPr lang="en-US" sz="2800" dirty="0" smtClean="0"/>
+              <a:t>Server errors</a:t>
+            </a:r>
+          </a:p>
+          <a:p>
+            <a:pPr marL="571500" indent="-571500">
+              <a:buFont typeface="+mj-lt"/>
+              <a:buAutoNum type="romanUcPeriod"/>
+            </a:pPr>
+            <a:r>
+              <a:rPr lang="en-US" sz="2800" dirty="0" smtClean="0"/>
+              <a:t>Client input errors</a:t>
+            </a:r>
+          </a:p>
+          <a:p>
+            <a:pPr marL="571500" indent="-571500">
+              <a:buFont typeface="+mj-lt"/>
+              <a:buAutoNum type="romanUcPeriod"/>
+            </a:pPr>
+            <a:r>
+              <a:rPr lang="en-US" sz="2800" dirty="0" smtClean="0"/>
+              <a:t>Client business Errors</a:t>
+            </a:r>
+          </a:p>
+          <a:p>
+            <a:pPr marL="0" indent="0">
+              <a:buNone/>
+            </a:pPr>
+            <a:endParaRPr lang="en-US" sz="2800" dirty="0" smtClean="0"/>
+          </a:p>
+        </p:txBody>
+      </p:sp>
+      <p:sp>
+        <p:nvSpPr>
+          <p:cNvPr id="10" name="Content Placeholder 2"/>
+          <p:cNvSpPr txBox="1">
+            <a:spLocks/>
+          </p:cNvSpPr>
+          <p:nvPr/>
+        </p:nvSpPr>
+        <p:spPr>
+          <a:xfrm>
+            <a:off x="2749378" y="3755642"/>
+            <a:ext cx="3645243" cy="710078"/>
+          </a:xfrm>
+          <a:prstGeom prst="rect">
+            <a:avLst/>
+          </a:prstGeom>
+        </p:spPr>
+        <p:txBody>
+          <a:bodyPr vert="horz" lIns="91440" tIns="45720" rIns="91440" bIns="45720" rtlCol="0">
+            <a:normAutofit/>
+          </a:bodyPr>
+          <a:lstStyle>
+            <a:lvl1pPr marL="342900" indent="-342900" algn="l" defTabSz="457200" rtl="0" eaLnBrk="1" latinLnBrk="0" hangingPunct="1">
+              <a:spcBef>
+                <a:spcPct val="20000"/>
+              </a:spcBef>
+              <a:buClr>
+                <a:schemeClr val="accent3"/>
+              </a:buClr>
+              <a:buFont typeface="Arial"/>
+              <a:buChar char="•"/>
+              <a:defRPr sz="2000" kern="1200">
+                <a:solidFill>
+                  <a:schemeClr val="tx1"/>
+                </a:solidFill>
+                <a:latin typeface="Century Gothic"/>
+                <a:ea typeface="+mn-ea"/>
+                <a:cs typeface="+mn-cs"/>
+              </a:defRPr>
+            </a:lvl1pPr>
+            <a:lvl2pPr marL="742950" indent="-285750" algn="l" defTabSz="457200" rtl="0" eaLnBrk="1" latinLnBrk="0" hangingPunct="1">
+              <a:spcBef>
+                <a:spcPct val="20000"/>
+              </a:spcBef>
+              <a:buClr>
+                <a:schemeClr val="accent3"/>
+              </a:buClr>
+              <a:buFont typeface="Arial"/>
+              <a:buChar char="–"/>
+              <a:defRPr sz="1800" kern="1200">
+                <a:solidFill>
+                  <a:schemeClr val="tx1"/>
+                </a:solidFill>
+                <a:latin typeface="Century Gothic"/>
+                <a:ea typeface="+mn-ea"/>
+                <a:cs typeface="+mn-cs"/>
+              </a:defRPr>
+            </a:lvl2pPr>
+            <a:lvl3pPr marL="1143000" indent="-228600" algn="l" defTabSz="457200" rtl="0" eaLnBrk="1" latinLnBrk="0" hangingPunct="1">
+              <a:spcBef>
+                <a:spcPct val="20000"/>
+              </a:spcBef>
+              <a:buClr>
+                <a:schemeClr val="accent3"/>
+              </a:buClr>
+              <a:buFont typeface="Arial"/>
+              <a:buChar char="•"/>
+              <a:defRPr sz="1600" kern="1200">
+                <a:solidFill>
+                  <a:schemeClr val="tx1"/>
+                </a:solidFill>
+                <a:latin typeface="Century Gothic"/>
+                <a:ea typeface="+mn-ea"/>
+                <a:cs typeface="+mn-cs"/>
+              </a:defRPr>
+            </a:lvl3pPr>
+            <a:lvl4pPr marL="1600200" indent="-228600" algn="l" defTabSz="457200" rtl="0" eaLnBrk="1" latinLnBrk="0" hangingPunct="1">
+              <a:spcBef>
+                <a:spcPct val="20000"/>
+              </a:spcBef>
+              <a:buClr>
+                <a:schemeClr val="accent3"/>
+              </a:buClr>
+              <a:buFont typeface="Arial"/>
+              <a:buChar char="–"/>
+              <a:defRPr sz="1400" kern="1200">
+                <a:solidFill>
+                  <a:schemeClr val="tx1"/>
+                </a:solidFill>
+                <a:latin typeface="Century Gothic"/>
+                <a:ea typeface="+mn-ea"/>
+                <a:cs typeface="+mn-cs"/>
+              </a:defRPr>
+            </a:lvl4pPr>
+            <a:lvl5pPr marL="2057400" indent="-228600" algn="l" defTabSz="457200" rtl="0" eaLnBrk="1" latinLnBrk="0" hangingPunct="1">
+              <a:spcBef>
+                <a:spcPct val="20000"/>
+              </a:spcBef>
+              <a:buClr>
+                <a:schemeClr val="accent3"/>
+              </a:buClr>
+              <a:buFont typeface="Arial"/>
+              <a:buChar char="»"/>
+              <a:defRPr sz="1400" kern="1200">
+                <a:solidFill>
+                  <a:schemeClr val="tx1"/>
+                </a:solidFill>
+                <a:latin typeface="Century Gothic"/>
+                <a:ea typeface="+mn-ea"/>
+                <a:cs typeface="+mn-cs"/>
+              </a:defRPr>
+            </a:lvl5pPr>
+            <a:lvl6pPr marL="2514600" indent="-228600" algn="l" defTabSz="457200" rtl="0" eaLnBrk="1" latinLnBrk="0" hangingPunct="1">
+              <a:spcBef>
+                <a:spcPct val="20000"/>
+              </a:spcBef>
+              <a:buFont typeface="Arial"/>
+              <a:buChar char="•"/>
+              <a:defRPr sz="2000" kern="1200">
+                <a:solidFill>
+                  <a:schemeClr val="tx1"/>
+                </a:solidFill>
+                <a:latin typeface="+mn-lt"/>
+                <a:ea typeface="+mn-ea"/>
+                <a:cs typeface="+mn-cs"/>
+              </a:defRPr>
+            </a:lvl6pPr>
+            <a:lvl7pPr marL="2971800" indent="-228600" algn="l" defTabSz="457200" rtl="0" eaLnBrk="1" latinLnBrk="0" hangingPunct="1">
+              <a:spcBef>
+                <a:spcPct val="20000"/>
+              </a:spcBef>
+              <a:buFont typeface="Arial"/>
+              <a:buChar char="•"/>
+              <a:defRPr sz="2000" kern="1200">
+                <a:solidFill>
+                  <a:schemeClr val="tx1"/>
+                </a:solidFill>
+                <a:latin typeface="+mn-lt"/>
+                <a:ea typeface="+mn-ea"/>
+                <a:cs typeface="+mn-cs"/>
+              </a:defRPr>
+            </a:lvl7pPr>
+            <a:lvl8pPr marL="3429000" indent="-228600" algn="l" defTabSz="457200" rtl="0" eaLnBrk="1" latinLnBrk="0" hangingPunct="1">
+              <a:spcBef>
+                <a:spcPct val="20000"/>
+              </a:spcBef>
+              <a:buFont typeface="Arial"/>
+              <a:buChar char="•"/>
+              <a:defRPr sz="2000" kern="1200">
+                <a:solidFill>
+                  <a:schemeClr val="tx1"/>
+                </a:solidFill>
+                <a:latin typeface="+mn-lt"/>
+                <a:ea typeface="+mn-ea"/>
+                <a:cs typeface="+mn-cs"/>
+              </a:defRPr>
+            </a:lvl8pPr>
+            <a:lvl9pPr marL="3886200" indent="-228600" algn="l" defTabSz="457200" rtl="0" eaLnBrk="1" latinLnBrk="0" hangingPunct="1">
+              <a:spcBef>
+                <a:spcPct val="20000"/>
+              </a:spcBef>
+              <a:buFont typeface="Arial"/>
+              <a:buChar char="•"/>
+              <a:defRPr sz="2000" kern="1200">
+                <a:solidFill>
+                  <a:schemeClr val="tx1"/>
+                </a:solidFill>
+                <a:latin typeface="+mn-lt"/>
+                <a:ea typeface="+mn-ea"/>
+                <a:cs typeface="+mn-cs"/>
+              </a:defRPr>
+            </a:lvl9pPr>
+          </a:lstStyle>
+          <a:p>
+            <a:pPr marL="0" indent="0" algn="ctr">
+              <a:buFont typeface="Arial"/>
+              <a:buNone/>
+            </a:pPr>
+            <a:r>
+              <a:rPr lang="en-US" sz="2800" dirty="0" smtClean="0"/>
+              <a:t>Who is responsible ?</a:t>
+            </a:r>
+          </a:p>
+        </p:txBody>
+      </p:sp>
+    </p:spTree>
+    <p:extLst>
+      <p:ext uri="{BB962C8B-B14F-4D97-AF65-F5344CB8AC3E}">
+        <p14:creationId xmlns:p14="http://schemas.microsoft.com/office/powerpoint/2010/main" val="2951909820"/>
+      </p:ext>
+    </p:extLst>
+  </p:cSld>
+  <p:clrMapOvr>
+    <a:masterClrMapping/>
+  </p:clrMapOvr>
+  <p:timing>
+    <p:tnLst>
+      <p:par>
+        <p:cTn id="1" dur="indefinite" restart="never" nodeType="tmRoot">
+          <p:childTnLst>
+            <p:seq concurrent="1" nextAc="seek">
+              <p:cTn id="2" dur="indefinite" nodeType="mainSeq">
+                <p:childTnLst>
+                  <p:par>
+                    <p:cTn id="3" fill="hold">
+                      <p:stCondLst>
+                        <p:cond delay="indefinite"/>
+                      </p:stCondLst>
+                      <p:childTnLst>
+                        <p:par>
+                          <p:cTn id="4" fill="hold">
+                            <p:stCondLst>
+                              <p:cond delay="0"/>
+                            </p:stCondLst>
+                            <p:childTnLst>
+                              <p:par>
+                                <p:cTn id="5" presetID="1" presetClass="entr" presetSubtype="0" fill="hold" grpId="0" nodeType="clickEffect">
+                                  <p:stCondLst>
+                                    <p:cond delay="0"/>
+                                  </p:stCondLst>
+                                  <p:childTnLst>
+                                    <p:set>
+                                      <p:cBhvr>
+                                        <p:cTn id="6" dur="1" fill="hold">
+                                          <p:stCondLst>
+                                            <p:cond delay="0"/>
+                                          </p:stCondLst>
+                                        </p:cTn>
+                                        <p:tgtEl>
+                                          <p:spTgt spid="10"/>
+                                        </p:tgtEl>
+                                        <p:attrNameLst>
+                                          <p:attrName>style.visibility</p:attrName>
+                                        </p:attrNameLst>
+                                      </p:cBhvr>
+                                      <p:to>
+                                        <p:strVal val="visible"/>
+                                      </p:to>
+                                    </p:set>
+                                  </p:childTnLst>
+                                </p:cTn>
+                              </p:par>
+                            </p:childTnLst>
+                          </p:cTn>
+                        </p:par>
+                      </p:childTnLst>
+                    </p:cTn>
+                  </p:par>
+                </p:childTnLst>
+              </p:cTn>
+              <p:prevCondLst>
+                <p:cond evt="onPrev" delay="0">
+                  <p:tgtEl>
+                    <p:sldTgt/>
+                  </p:tgtEl>
+                </p:cond>
+              </p:prevCondLst>
+              <p:nextCondLst>
+                <p:cond evt="onNext" delay="0">
+                  <p:tgtEl>
+                    <p:sldTgt/>
+                  </p:tgtEl>
+                </p:cond>
+              </p:nextCondLst>
+            </p:seq>
+          </p:childTnLst>
+        </p:cTn>
+      </p:par>
+    </p:tnLst>
+    <p:bldLst>
+      <p:bldP spid="10" grpId="0"/>
+    </p:bldLst>
+  </p:timing>
+</p:sld>
+</file>
+
+<file path=ppt/slides/slide40.xml><?xml version="1.0" encoding="utf-8"?>
+<p:sld xmlns:a="http://schemas.openxmlformats.org/drawingml/2006/main" xmlns:r="http://schemas.openxmlformats.org/officeDocument/2006/relationships" xmlns:p="http://schemas.openxmlformats.org/presentationml/2006/main">
+  <p:cSld>
+    <p:spTree>
+      <p:nvGrpSpPr>
+        <p:cNvPr id="1" name=""/>
+        <p:cNvGrpSpPr/>
+        <p:nvPr/>
+      </p:nvGrpSpPr>
+      <p:grpSpPr>
+        <a:xfrm>
+          <a:off x="0" y="0"/>
+          <a:ext cx="0" cy="0"/>
+          <a:chOff x="0" y="0"/>
+          <a:chExt cx="0" cy="0"/>
+        </a:xfrm>
+      </p:grpSpPr>
+      <p:sp>
+        <p:nvSpPr>
+          <p:cNvPr id="2" name="Title 1"/>
+          <p:cNvSpPr>
+            <a:spLocks noGrp="1"/>
+          </p:cNvSpPr>
+          <p:nvPr>
+            <p:ph type="title"/>
+          </p:nvPr>
+        </p:nvSpPr>
+        <p:spPr/>
+        <p:txBody>
+          <a:bodyPr/>
+          <a:lstStyle/>
+          <a:p>
+            <a:r>
               <a:rPr lang="en-US" dirty="0"/>
-              <a:t>Throwing &amp; Catching : Fake </a:t>
+              <a:t>Throwing &amp; Catching : </a:t>
             </a:r>
             <a:r>
               <a:rPr lang="en-US" dirty="0" smtClean="0"/>
-              <a:t>Service Layer</a:t>
+              <a:t>system exceptions</a:t>
             </a:r>
             <a:endParaRPr lang="fr-FR" dirty="0"/>
           </a:p>
@@ -10314,7 +11667,7 @@
 </p:sld>
 </file>
 
-<file path=ppt/slides/slide37.xml><?xml version="1.0" encoding="utf-8"?>
+<file path=ppt/slides/slide41.xml><?xml version="1.0" encoding="utf-8"?>
 <p:sld xmlns:a="http://schemas.openxmlformats.org/drawingml/2006/main" xmlns:r="http://schemas.openxmlformats.org/officeDocument/2006/relationships" xmlns:p="http://schemas.openxmlformats.org/presentationml/2006/main">
   <p:cSld>
     <p:spTree>
@@ -10881,10 +12234,6 @@
               </a:rPr>
               <a:t>by one single class</a:t>
             </a:r>
-            <a:endParaRPr lang="fr-FR" sz="2800" dirty="0" smtClean="0">
-              <a:latin typeface="Century Gothic"/>
-              <a:cs typeface="Century Gothic"/>
-            </a:endParaRPr>
           </a:p>
         </p:txBody>
       </p:sp>
@@ -10904,1163 +12253,6 @@
         <p:cTn id="1" dur="indefinite" restart="never" nodeType="tmRoot"/>
       </p:par>
     </p:tnLst>
-  </p:timing>
-</p:sld>
-</file>
-
-<file path=ppt/slides/slide38.xml><?xml version="1.0" encoding="utf-8"?>
-<p:sld xmlns:a="http://schemas.openxmlformats.org/drawingml/2006/main" xmlns:r="http://schemas.openxmlformats.org/officeDocument/2006/relationships" xmlns:p="http://schemas.openxmlformats.org/presentationml/2006/main">
-  <p:cSld>
-    <p:spTree>
-      <p:nvGrpSpPr>
-        <p:cNvPr id="1" name=""/>
-        <p:cNvGrpSpPr/>
-        <p:nvPr/>
-      </p:nvGrpSpPr>
-      <p:grpSpPr>
-        <a:xfrm>
-          <a:off x="0" y="0"/>
-          <a:ext cx="0" cy="0"/>
-          <a:chOff x="0" y="0"/>
-          <a:chExt cx="0" cy="0"/>
-        </a:xfrm>
-      </p:grpSpPr>
-      <p:sp>
-        <p:nvSpPr>
-          <p:cNvPr id="2" name="Title 1"/>
-          <p:cNvSpPr>
-            <a:spLocks noGrp="1"/>
-          </p:cNvSpPr>
-          <p:nvPr>
-            <p:ph type="title"/>
-          </p:nvPr>
-        </p:nvSpPr>
-        <p:spPr/>
-        <p:txBody>
-          <a:bodyPr>
-            <a:normAutofit/>
-          </a:bodyPr>
-          <a:lstStyle/>
-          <a:p>
-            <a:r>
-              <a:rPr lang="en-US" dirty="0" smtClean="0"/>
-              <a:t>Class Diagram : Exception Filter attributes</a:t>
-            </a:r>
-            <a:endParaRPr lang="fr-FR" dirty="0"/>
-          </a:p>
-        </p:txBody>
-      </p:sp>
-      <p:pic>
-        <p:nvPicPr>
-          <p:cNvPr id="5" name="Picture 4"/>
-          <p:cNvPicPr>
-            <a:picLocks noChangeAspect="1"/>
-          </p:cNvPicPr>
-          <p:nvPr/>
-        </p:nvPicPr>
-        <p:blipFill>
-          <a:blip r:embed="rId2"/>
-          <a:stretch>
-            <a:fillRect/>
-          </a:stretch>
-        </p:blipFill>
-        <p:spPr>
-          <a:xfrm>
-            <a:off x="0" y="790575"/>
-            <a:ext cx="9086850" cy="5276850"/>
-          </a:xfrm>
-          <a:prstGeom prst="rect">
-            <a:avLst/>
-          </a:prstGeom>
-        </p:spPr>
-      </p:pic>
-      <p:sp>
-        <p:nvSpPr>
-          <p:cNvPr id="6" name="Rounded Rectangle 5"/>
-          <p:cNvSpPr/>
-          <p:nvPr/>
-        </p:nvSpPr>
-        <p:spPr>
-          <a:xfrm>
-            <a:off x="5824150" y="3558746"/>
-            <a:ext cx="1754661" cy="494270"/>
-          </a:xfrm>
-          <a:prstGeom prst="roundRect">
-            <a:avLst/>
-          </a:prstGeom>
-          <a:noFill/>
-          <a:ln>
-            <a:solidFill>
-              <a:srgbClr val="FF0000"/>
-            </a:solidFill>
-          </a:ln>
-        </p:spPr>
-        <p:style>
-          <a:lnRef idx="2">
-            <a:schemeClr val="accent6"/>
-          </a:lnRef>
-          <a:fillRef idx="1">
-            <a:schemeClr val="lt1"/>
-          </a:fillRef>
-          <a:effectRef idx="0">
-            <a:schemeClr val="accent6"/>
-          </a:effectRef>
-          <a:fontRef idx="minor">
-            <a:schemeClr val="dk1"/>
-          </a:fontRef>
-        </p:style>
-        <p:txBody>
-          <a:bodyPr rot="0" spcFirstLastPara="0" vertOverflow="overflow" horzOverflow="overflow" vert="horz" wrap="square" lIns="91440" tIns="45720" rIns="91440" bIns="45720" numCol="1" spcCol="0" rtlCol="0" fromWordArt="0" anchor="ctr" anchorCtr="0" forceAA="0" compatLnSpc="1">
-            <a:prstTxWarp prst="textNoShape">
-              <a:avLst/>
-            </a:prstTxWarp>
-            <a:noAutofit/>
-          </a:bodyPr>
-          <a:lstStyle/>
-          <a:p>
-            <a:pPr algn="ctr"/>
-            <a:endParaRPr lang="fr-FR"/>
-          </a:p>
-        </p:txBody>
-      </p:sp>
-    </p:spTree>
-    <p:extLst>
-      <p:ext uri="{BB962C8B-B14F-4D97-AF65-F5344CB8AC3E}">
-        <p14:creationId xmlns:p14="http://schemas.microsoft.com/office/powerpoint/2010/main" val="3922132365"/>
-      </p:ext>
-    </p:extLst>
-  </p:cSld>
-  <p:clrMapOvr>
-    <a:masterClrMapping/>
-  </p:clrMapOvr>
-  <p:timing>
-    <p:tnLst>
-      <p:par>
-        <p:cTn id="1" dur="indefinite" restart="never" nodeType="tmRoot">
-          <p:childTnLst>
-            <p:seq concurrent="1" nextAc="seek">
-              <p:cTn id="2" dur="indefinite" nodeType="mainSeq">
-                <p:childTnLst>
-                  <p:par>
-                    <p:cTn id="3" fill="hold">
-                      <p:stCondLst>
-                        <p:cond delay="indefinite"/>
-                      </p:stCondLst>
-                      <p:childTnLst>
-                        <p:par>
-                          <p:cTn id="4" fill="hold">
-                            <p:stCondLst>
-                              <p:cond delay="0"/>
-                            </p:stCondLst>
-                            <p:childTnLst>
-                              <p:par>
-                                <p:cTn id="5" presetID="1" presetClass="entr" presetSubtype="0" fill="hold" grpId="0" nodeType="clickEffect">
-                                  <p:stCondLst>
-                                    <p:cond delay="0"/>
-                                  </p:stCondLst>
-                                  <p:childTnLst>
-                                    <p:set>
-                                      <p:cBhvr>
-                                        <p:cTn id="6" dur="1" fill="hold">
-                                          <p:stCondLst>
-                                            <p:cond delay="0"/>
-                                          </p:stCondLst>
-                                        </p:cTn>
-                                        <p:tgtEl>
-                                          <p:spTgt spid="6"/>
-                                        </p:tgtEl>
-                                        <p:attrNameLst>
-                                          <p:attrName>style.visibility</p:attrName>
-                                        </p:attrNameLst>
-                                      </p:cBhvr>
-                                      <p:to>
-                                        <p:strVal val="visible"/>
-                                      </p:to>
-                                    </p:set>
-                                  </p:childTnLst>
-                                </p:cTn>
-                              </p:par>
-                            </p:childTnLst>
-                          </p:cTn>
-                        </p:par>
-                      </p:childTnLst>
-                    </p:cTn>
-                  </p:par>
-                </p:childTnLst>
-              </p:cTn>
-              <p:prevCondLst>
-                <p:cond evt="onPrev" delay="0">
-                  <p:tgtEl>
-                    <p:sldTgt/>
-                  </p:tgtEl>
-                </p:cond>
-              </p:prevCondLst>
-              <p:nextCondLst>
-                <p:cond evt="onNext" delay="0">
-                  <p:tgtEl>
-                    <p:sldTgt/>
-                  </p:tgtEl>
-                </p:cond>
-              </p:nextCondLst>
-            </p:seq>
-          </p:childTnLst>
-        </p:cTn>
-      </p:par>
-    </p:tnLst>
-    <p:bldLst>
-      <p:bldP spid="6" grpId="0" animBg="1"/>
-    </p:bldLst>
-  </p:timing>
-</p:sld>
-</file>
-
-<file path=ppt/slides/slide39.xml><?xml version="1.0" encoding="utf-8"?>
-<p:sld xmlns:a="http://schemas.openxmlformats.org/drawingml/2006/main" xmlns:r="http://schemas.openxmlformats.org/officeDocument/2006/relationships" xmlns:p="http://schemas.openxmlformats.org/presentationml/2006/main">
-  <p:cSld>
-    <p:spTree>
-      <p:nvGrpSpPr>
-        <p:cNvPr id="1" name=""/>
-        <p:cNvGrpSpPr/>
-        <p:nvPr/>
-      </p:nvGrpSpPr>
-      <p:grpSpPr>
-        <a:xfrm>
-          <a:off x="0" y="0"/>
-          <a:ext cx="0" cy="0"/>
-          <a:chOff x="0" y="0"/>
-          <a:chExt cx="0" cy="0"/>
-        </a:xfrm>
-      </p:grpSpPr>
-      <p:sp>
-        <p:nvSpPr>
-          <p:cNvPr id="2" name="Title 1"/>
-          <p:cNvSpPr>
-            <a:spLocks noGrp="1"/>
-          </p:cNvSpPr>
-          <p:nvPr>
-            <p:ph type="title"/>
-          </p:nvPr>
-        </p:nvSpPr>
-        <p:spPr/>
-        <p:txBody>
-          <a:bodyPr/>
-          <a:lstStyle/>
-          <a:p>
-            <a:r>
-              <a:rPr lang="en-US" dirty="0"/>
-              <a:t>Throwing &amp; Catching : Exception </a:t>
-            </a:r>
-            <a:r>
-              <a:rPr lang="en-US" dirty="0" smtClean="0"/>
-              <a:t>Filter Attribute</a:t>
-            </a:r>
-            <a:endParaRPr lang="fr-FR" dirty="0"/>
-          </a:p>
-        </p:txBody>
-      </p:sp>
-      <p:pic>
-        <p:nvPicPr>
-          <p:cNvPr id="3" name="Picture 2"/>
-          <p:cNvPicPr>
-            <a:picLocks noChangeAspect="1"/>
-          </p:cNvPicPr>
-          <p:nvPr/>
-        </p:nvPicPr>
-        <p:blipFill>
-          <a:blip r:embed="rId2"/>
-          <a:stretch>
-            <a:fillRect/>
-          </a:stretch>
-        </p:blipFill>
-        <p:spPr>
-          <a:xfrm>
-            <a:off x="627166" y="2062882"/>
-            <a:ext cx="8516833" cy="4795118"/>
-          </a:xfrm>
-          <a:prstGeom prst="rect">
-            <a:avLst/>
-          </a:prstGeom>
-        </p:spPr>
-      </p:pic>
-      <p:pic>
-        <p:nvPicPr>
-          <p:cNvPr id="14" name="Picture 13"/>
-          <p:cNvPicPr>
-            <a:picLocks noChangeAspect="1"/>
-          </p:cNvPicPr>
-          <p:nvPr/>
-        </p:nvPicPr>
-        <p:blipFill>
-          <a:blip r:embed="rId3"/>
-          <a:stretch>
-            <a:fillRect/>
-          </a:stretch>
-        </p:blipFill>
-        <p:spPr>
-          <a:xfrm>
-            <a:off x="249598" y="942952"/>
-            <a:ext cx="1941344" cy="1127363"/>
-          </a:xfrm>
-          <a:prstGeom prst="rect">
-            <a:avLst/>
-          </a:prstGeom>
-        </p:spPr>
-      </p:pic>
-      <p:sp>
-        <p:nvSpPr>
-          <p:cNvPr id="15" name="Rounded Rectangle 14"/>
-          <p:cNvSpPr/>
-          <p:nvPr/>
-        </p:nvSpPr>
-        <p:spPr>
-          <a:xfrm>
-            <a:off x="1482811" y="1532238"/>
-            <a:ext cx="403654" cy="106200"/>
-          </a:xfrm>
-          <a:prstGeom prst="roundRect">
-            <a:avLst/>
-          </a:prstGeom>
-          <a:noFill/>
-          <a:ln>
-            <a:solidFill>
-              <a:srgbClr val="FF0000"/>
-            </a:solidFill>
-          </a:ln>
-          <a:effectLst/>
-        </p:spPr>
-        <p:style>
-          <a:lnRef idx="2">
-            <a:schemeClr val="accent6"/>
-          </a:lnRef>
-          <a:fillRef idx="1">
-            <a:schemeClr val="lt1"/>
-          </a:fillRef>
-          <a:effectRef idx="0">
-            <a:schemeClr val="accent6"/>
-          </a:effectRef>
-          <a:fontRef idx="minor">
-            <a:schemeClr val="dk1"/>
-          </a:fontRef>
-        </p:style>
-        <p:txBody>
-          <a:bodyPr rot="0" spcFirstLastPara="0" vertOverflow="overflow" horzOverflow="overflow" vert="horz" wrap="square" lIns="91440" tIns="45720" rIns="91440" bIns="45720" numCol="1" spcCol="0" rtlCol="0" fromWordArt="0" anchor="ctr" anchorCtr="0" forceAA="0" compatLnSpc="1">
-            <a:prstTxWarp prst="textNoShape">
-              <a:avLst/>
-            </a:prstTxWarp>
-            <a:noAutofit/>
-          </a:bodyPr>
-          <a:lstStyle/>
-          <a:p>
-            <a:pPr algn="ctr"/>
-            <a:endParaRPr lang="fr-FR"/>
-          </a:p>
-        </p:txBody>
-      </p:sp>
-    </p:spTree>
-    <p:extLst>
-      <p:ext uri="{BB962C8B-B14F-4D97-AF65-F5344CB8AC3E}">
-        <p14:creationId xmlns:p14="http://schemas.microsoft.com/office/powerpoint/2010/main" val="76874900"/>
-      </p:ext>
-    </p:extLst>
-  </p:cSld>
-  <p:clrMapOvr>
-    <a:masterClrMapping/>
-  </p:clrMapOvr>
-  <p:timing>
-    <p:tnLst>
-      <p:par>
-        <p:cTn id="1" dur="indefinite" restart="never" nodeType="tmRoot"/>
-      </p:par>
-    </p:tnLst>
-  </p:timing>
-</p:sld>
-</file>
-
-<file path=ppt/slides/slide4.xml><?xml version="1.0" encoding="utf-8"?>
-<p:sld xmlns:a="http://schemas.openxmlformats.org/drawingml/2006/main" xmlns:r="http://schemas.openxmlformats.org/officeDocument/2006/relationships" xmlns:p="http://schemas.openxmlformats.org/presentationml/2006/main">
-  <p:cSld>
-    <p:spTree>
-      <p:nvGrpSpPr>
-        <p:cNvPr id="1" name=""/>
-        <p:cNvGrpSpPr/>
-        <p:nvPr/>
-      </p:nvGrpSpPr>
-      <p:grpSpPr>
-        <a:xfrm>
-          <a:off x="0" y="0"/>
-          <a:ext cx="0" cy="0"/>
-          <a:chOff x="0" y="0"/>
-          <a:chExt cx="0" cy="0"/>
-        </a:xfrm>
-      </p:grpSpPr>
-      <p:sp>
-        <p:nvSpPr>
-          <p:cNvPr id="2" name="Title 1"/>
-          <p:cNvSpPr>
-            <a:spLocks noGrp="1"/>
-          </p:cNvSpPr>
-          <p:nvPr>
-            <p:ph type="title"/>
-          </p:nvPr>
-        </p:nvSpPr>
-        <p:spPr/>
-        <p:txBody>
-          <a:bodyPr/>
-          <a:lstStyle/>
-          <a:p>
-            <a:r>
-              <a:rPr lang="en-US" dirty="0" smtClean="0"/>
-              <a:t>Categories of errors </a:t>
-            </a:r>
-            <a:endParaRPr lang="fr-FR" dirty="0"/>
-          </a:p>
-        </p:txBody>
-      </p:sp>
-      <p:sp>
-        <p:nvSpPr>
-          <p:cNvPr id="3" name="Content Placeholder 2"/>
-          <p:cNvSpPr>
-            <a:spLocks noGrp="1"/>
-          </p:cNvSpPr>
-          <p:nvPr>
-            <p:ph idx="1"/>
-          </p:nvPr>
-        </p:nvSpPr>
-        <p:spPr>
-          <a:xfrm>
-            <a:off x="457199" y="1287598"/>
-            <a:ext cx="8456141" cy="2823083"/>
-          </a:xfrm>
-        </p:spPr>
-        <p:txBody>
-          <a:bodyPr>
-            <a:normAutofit/>
-          </a:bodyPr>
-          <a:lstStyle/>
-          <a:p>
-            <a:pPr marL="0" indent="0">
-              <a:buNone/>
-            </a:pPr>
-            <a:r>
-              <a:rPr lang="en-US" sz="2800" dirty="0" smtClean="0"/>
-              <a:t>Three categories of </a:t>
-            </a:r>
-            <a:r>
-              <a:rPr lang="en-US" sz="2800" dirty="0" smtClean="0"/>
-              <a:t>errors</a:t>
-            </a:r>
-          </a:p>
-          <a:p>
-            <a:pPr marL="0" indent="0">
-              <a:buNone/>
-            </a:pPr>
-            <a:endParaRPr lang="en-US" sz="2800" dirty="0" smtClean="0"/>
-          </a:p>
-          <a:p>
-            <a:pPr marL="571500" indent="-571500">
-              <a:buFont typeface="+mj-lt"/>
-              <a:buAutoNum type="romanUcPeriod"/>
-            </a:pPr>
-            <a:r>
-              <a:rPr lang="en-US" sz="2800" dirty="0" smtClean="0"/>
-              <a:t>Server errors</a:t>
-            </a:r>
-          </a:p>
-          <a:p>
-            <a:pPr marL="571500" indent="-571500">
-              <a:buFont typeface="+mj-lt"/>
-              <a:buAutoNum type="romanUcPeriod"/>
-            </a:pPr>
-            <a:r>
-              <a:rPr lang="en-US" sz="2800" dirty="0" smtClean="0"/>
-              <a:t>Client input errors</a:t>
-            </a:r>
-          </a:p>
-          <a:p>
-            <a:pPr marL="571500" indent="-571500">
-              <a:buFont typeface="+mj-lt"/>
-              <a:buAutoNum type="romanUcPeriod"/>
-            </a:pPr>
-            <a:r>
-              <a:rPr lang="en-US" sz="2800" dirty="0" smtClean="0"/>
-              <a:t>Client business Errors</a:t>
-            </a:r>
-          </a:p>
-          <a:p>
-            <a:pPr marL="0" indent="0">
-              <a:buNone/>
-            </a:pPr>
-            <a:endParaRPr lang="en-US" sz="2800" dirty="0" smtClean="0"/>
-          </a:p>
-        </p:txBody>
-      </p:sp>
-      <p:sp>
-        <p:nvSpPr>
-          <p:cNvPr id="10" name="Content Placeholder 2"/>
-          <p:cNvSpPr txBox="1">
-            <a:spLocks/>
-          </p:cNvSpPr>
-          <p:nvPr/>
-        </p:nvSpPr>
-        <p:spPr>
-          <a:xfrm>
-            <a:off x="457200" y="4941080"/>
-            <a:ext cx="8456141" cy="710078"/>
-          </a:xfrm>
-          <a:prstGeom prst="rect">
-            <a:avLst/>
-          </a:prstGeom>
-        </p:spPr>
-        <p:txBody>
-          <a:bodyPr vert="horz" lIns="91440" tIns="45720" rIns="91440" bIns="45720" rtlCol="0">
-            <a:normAutofit/>
-          </a:bodyPr>
-          <a:lstStyle>
-            <a:lvl1pPr marL="342900" indent="-342900" algn="l" defTabSz="457200" rtl="0" eaLnBrk="1" latinLnBrk="0" hangingPunct="1">
-              <a:spcBef>
-                <a:spcPct val="20000"/>
-              </a:spcBef>
-              <a:buClr>
-                <a:schemeClr val="accent3"/>
-              </a:buClr>
-              <a:buFont typeface="Arial"/>
-              <a:buChar char="•"/>
-              <a:defRPr sz="2000" kern="1200">
-                <a:solidFill>
-                  <a:schemeClr val="tx1"/>
-                </a:solidFill>
-                <a:latin typeface="Century Gothic"/>
-                <a:ea typeface="+mn-ea"/>
-                <a:cs typeface="+mn-cs"/>
-              </a:defRPr>
-            </a:lvl1pPr>
-            <a:lvl2pPr marL="742950" indent="-285750" algn="l" defTabSz="457200" rtl="0" eaLnBrk="1" latinLnBrk="0" hangingPunct="1">
-              <a:spcBef>
-                <a:spcPct val="20000"/>
-              </a:spcBef>
-              <a:buClr>
-                <a:schemeClr val="accent3"/>
-              </a:buClr>
-              <a:buFont typeface="Arial"/>
-              <a:buChar char="–"/>
-              <a:defRPr sz="1800" kern="1200">
-                <a:solidFill>
-                  <a:schemeClr val="tx1"/>
-                </a:solidFill>
-                <a:latin typeface="Century Gothic"/>
-                <a:ea typeface="+mn-ea"/>
-                <a:cs typeface="+mn-cs"/>
-              </a:defRPr>
-            </a:lvl2pPr>
-            <a:lvl3pPr marL="1143000" indent="-228600" algn="l" defTabSz="457200" rtl="0" eaLnBrk="1" latinLnBrk="0" hangingPunct="1">
-              <a:spcBef>
-                <a:spcPct val="20000"/>
-              </a:spcBef>
-              <a:buClr>
-                <a:schemeClr val="accent3"/>
-              </a:buClr>
-              <a:buFont typeface="Arial"/>
-              <a:buChar char="•"/>
-              <a:defRPr sz="1600" kern="1200">
-                <a:solidFill>
-                  <a:schemeClr val="tx1"/>
-                </a:solidFill>
-                <a:latin typeface="Century Gothic"/>
-                <a:ea typeface="+mn-ea"/>
-                <a:cs typeface="+mn-cs"/>
-              </a:defRPr>
-            </a:lvl3pPr>
-            <a:lvl4pPr marL="1600200" indent="-228600" algn="l" defTabSz="457200" rtl="0" eaLnBrk="1" latinLnBrk="0" hangingPunct="1">
-              <a:spcBef>
-                <a:spcPct val="20000"/>
-              </a:spcBef>
-              <a:buClr>
-                <a:schemeClr val="accent3"/>
-              </a:buClr>
-              <a:buFont typeface="Arial"/>
-              <a:buChar char="–"/>
-              <a:defRPr sz="1400" kern="1200">
-                <a:solidFill>
-                  <a:schemeClr val="tx1"/>
-                </a:solidFill>
-                <a:latin typeface="Century Gothic"/>
-                <a:ea typeface="+mn-ea"/>
-                <a:cs typeface="+mn-cs"/>
-              </a:defRPr>
-            </a:lvl4pPr>
-            <a:lvl5pPr marL="2057400" indent="-228600" algn="l" defTabSz="457200" rtl="0" eaLnBrk="1" latinLnBrk="0" hangingPunct="1">
-              <a:spcBef>
-                <a:spcPct val="20000"/>
-              </a:spcBef>
-              <a:buClr>
-                <a:schemeClr val="accent3"/>
-              </a:buClr>
-              <a:buFont typeface="Arial"/>
-              <a:buChar char="»"/>
-              <a:defRPr sz="1400" kern="1200">
-                <a:solidFill>
-                  <a:schemeClr val="tx1"/>
-                </a:solidFill>
-                <a:latin typeface="Century Gothic"/>
-                <a:ea typeface="+mn-ea"/>
-                <a:cs typeface="+mn-cs"/>
-              </a:defRPr>
-            </a:lvl5pPr>
-            <a:lvl6pPr marL="2514600" indent="-228600" algn="l" defTabSz="457200" rtl="0" eaLnBrk="1" latinLnBrk="0" hangingPunct="1">
-              <a:spcBef>
-                <a:spcPct val="20000"/>
-              </a:spcBef>
-              <a:buFont typeface="Arial"/>
-              <a:buChar char="•"/>
-              <a:defRPr sz="2000" kern="1200">
-                <a:solidFill>
-                  <a:schemeClr val="tx1"/>
-                </a:solidFill>
-                <a:latin typeface="+mn-lt"/>
-                <a:ea typeface="+mn-ea"/>
-                <a:cs typeface="+mn-cs"/>
-              </a:defRPr>
-            </a:lvl6pPr>
-            <a:lvl7pPr marL="2971800" indent="-228600" algn="l" defTabSz="457200" rtl="0" eaLnBrk="1" latinLnBrk="0" hangingPunct="1">
-              <a:spcBef>
-                <a:spcPct val="20000"/>
-              </a:spcBef>
-              <a:buFont typeface="Arial"/>
-              <a:buChar char="•"/>
-              <a:defRPr sz="2000" kern="1200">
-                <a:solidFill>
-                  <a:schemeClr val="tx1"/>
-                </a:solidFill>
-                <a:latin typeface="+mn-lt"/>
-                <a:ea typeface="+mn-ea"/>
-                <a:cs typeface="+mn-cs"/>
-              </a:defRPr>
-            </a:lvl7pPr>
-            <a:lvl8pPr marL="3429000" indent="-228600" algn="l" defTabSz="457200" rtl="0" eaLnBrk="1" latinLnBrk="0" hangingPunct="1">
-              <a:spcBef>
-                <a:spcPct val="20000"/>
-              </a:spcBef>
-              <a:buFont typeface="Arial"/>
-              <a:buChar char="•"/>
-              <a:defRPr sz="2000" kern="1200">
-                <a:solidFill>
-                  <a:schemeClr val="tx1"/>
-                </a:solidFill>
-                <a:latin typeface="+mn-lt"/>
-                <a:ea typeface="+mn-ea"/>
-                <a:cs typeface="+mn-cs"/>
-              </a:defRPr>
-            </a:lvl8pPr>
-            <a:lvl9pPr marL="3886200" indent="-228600" algn="l" defTabSz="457200" rtl="0" eaLnBrk="1" latinLnBrk="0" hangingPunct="1">
-              <a:spcBef>
-                <a:spcPct val="20000"/>
-              </a:spcBef>
-              <a:buFont typeface="Arial"/>
-              <a:buChar char="•"/>
-              <a:defRPr sz="2000" kern="1200">
-                <a:solidFill>
-                  <a:schemeClr val="tx1"/>
-                </a:solidFill>
-                <a:latin typeface="+mn-lt"/>
-                <a:ea typeface="+mn-ea"/>
-                <a:cs typeface="+mn-cs"/>
-              </a:defRPr>
-            </a:lvl9pPr>
-          </a:lstStyle>
-          <a:p>
-            <a:pPr marL="0" indent="0">
-              <a:buFont typeface="Arial"/>
-              <a:buNone/>
-            </a:pPr>
-            <a:r>
-              <a:rPr lang="en-US" sz="2800" dirty="0" smtClean="0"/>
-              <a:t>Who is responsible ?</a:t>
-            </a:r>
-            <a:endParaRPr lang="en-US" sz="2800" dirty="0" smtClean="0"/>
-          </a:p>
-        </p:txBody>
-      </p:sp>
-    </p:spTree>
-    <p:extLst>
-      <p:ext uri="{BB962C8B-B14F-4D97-AF65-F5344CB8AC3E}">
-        <p14:creationId xmlns:p14="http://schemas.microsoft.com/office/powerpoint/2010/main" val="2951909820"/>
-      </p:ext>
-    </p:extLst>
-  </p:cSld>
-  <p:clrMapOvr>
-    <a:masterClrMapping/>
-  </p:clrMapOvr>
-  <p:timing>
-    <p:tnLst>
-      <p:par>
-        <p:cTn id="1" dur="indefinite" restart="never" nodeType="tmRoot">
-          <p:childTnLst>
-            <p:seq concurrent="1" nextAc="seek">
-              <p:cTn id="2" dur="indefinite" nodeType="mainSeq">
-                <p:childTnLst>
-                  <p:par>
-                    <p:cTn id="3" fill="hold">
-                      <p:stCondLst>
-                        <p:cond delay="indefinite"/>
-                      </p:stCondLst>
-                      <p:childTnLst>
-                        <p:par>
-                          <p:cTn id="4" fill="hold">
-                            <p:stCondLst>
-                              <p:cond delay="0"/>
-                            </p:stCondLst>
-                            <p:childTnLst>
-                              <p:par>
-                                <p:cTn id="5" presetID="1" presetClass="entr" presetSubtype="0" fill="hold" grpId="0" nodeType="clickEffect">
-                                  <p:stCondLst>
-                                    <p:cond delay="0"/>
-                                  </p:stCondLst>
-                                  <p:childTnLst>
-                                    <p:set>
-                                      <p:cBhvr>
-                                        <p:cTn id="6" dur="1" fill="hold">
-                                          <p:stCondLst>
-                                            <p:cond delay="0"/>
-                                          </p:stCondLst>
-                                        </p:cTn>
-                                        <p:tgtEl>
-                                          <p:spTgt spid="10"/>
-                                        </p:tgtEl>
-                                        <p:attrNameLst>
-                                          <p:attrName>style.visibility</p:attrName>
-                                        </p:attrNameLst>
-                                      </p:cBhvr>
-                                      <p:to>
-                                        <p:strVal val="visible"/>
-                                      </p:to>
-                                    </p:set>
-                                  </p:childTnLst>
-                                </p:cTn>
-                              </p:par>
-                            </p:childTnLst>
-                          </p:cTn>
-                        </p:par>
-                      </p:childTnLst>
-                    </p:cTn>
-                  </p:par>
-                </p:childTnLst>
-              </p:cTn>
-              <p:prevCondLst>
-                <p:cond evt="onPrev" delay="0">
-                  <p:tgtEl>
-                    <p:sldTgt/>
-                  </p:tgtEl>
-                </p:cond>
-              </p:prevCondLst>
-              <p:nextCondLst>
-                <p:cond evt="onNext" delay="0">
-                  <p:tgtEl>
-                    <p:sldTgt/>
-                  </p:tgtEl>
-                </p:cond>
-              </p:nextCondLst>
-            </p:seq>
-          </p:childTnLst>
-        </p:cTn>
-      </p:par>
-    </p:tnLst>
-    <p:bldLst>
-      <p:bldP spid="10" grpId="0"/>
-    </p:bldLst>
-  </p:timing>
-</p:sld>
-</file>
-
-<file path=ppt/slides/slide40.xml><?xml version="1.0" encoding="utf-8"?>
-<p:sld xmlns:a="http://schemas.openxmlformats.org/drawingml/2006/main" xmlns:r="http://schemas.openxmlformats.org/officeDocument/2006/relationships" xmlns:p="http://schemas.openxmlformats.org/presentationml/2006/main">
-  <p:cSld>
-    <p:spTree>
-      <p:nvGrpSpPr>
-        <p:cNvPr id="1" name=""/>
-        <p:cNvGrpSpPr/>
-        <p:nvPr/>
-      </p:nvGrpSpPr>
-      <p:grpSpPr>
-        <a:xfrm>
-          <a:off x="0" y="0"/>
-          <a:ext cx="0" cy="0"/>
-          <a:chOff x="0" y="0"/>
-          <a:chExt cx="0" cy="0"/>
-        </a:xfrm>
-      </p:grpSpPr>
-      <p:sp>
-        <p:nvSpPr>
-          <p:cNvPr id="2" name="Title 1"/>
-          <p:cNvSpPr>
-            <a:spLocks noGrp="1"/>
-          </p:cNvSpPr>
-          <p:nvPr>
-            <p:ph type="title"/>
-          </p:nvPr>
-        </p:nvSpPr>
-        <p:spPr/>
-        <p:txBody>
-          <a:bodyPr/>
-          <a:lstStyle/>
-          <a:p>
-            <a:r>
-              <a:rPr lang="en-US" dirty="0"/>
-              <a:t>Throwing &amp; Catching : making </a:t>
-            </a:r>
-            <a:r>
-              <a:rPr lang="en-US" dirty="0" smtClean="0"/>
-              <a:t>the filter global</a:t>
-            </a:r>
-            <a:endParaRPr lang="fr-FR" dirty="0"/>
-          </a:p>
-        </p:txBody>
-      </p:sp>
-      <p:pic>
-        <p:nvPicPr>
-          <p:cNvPr id="3" name="Picture 2"/>
-          <p:cNvPicPr>
-            <a:picLocks noChangeAspect="1"/>
-          </p:cNvPicPr>
-          <p:nvPr/>
-        </p:nvPicPr>
-        <p:blipFill>
-          <a:blip r:embed="rId2"/>
-          <a:stretch>
-            <a:fillRect/>
-          </a:stretch>
-        </p:blipFill>
-        <p:spPr>
-          <a:xfrm>
-            <a:off x="1719262" y="1770669"/>
-            <a:ext cx="5705475" cy="2362200"/>
-          </a:xfrm>
-          <a:prstGeom prst="rect">
-            <a:avLst/>
-          </a:prstGeom>
-        </p:spPr>
-      </p:pic>
-      <p:sp>
-        <p:nvSpPr>
-          <p:cNvPr id="7" name="TextBox 6"/>
-          <p:cNvSpPr txBox="1"/>
-          <p:nvPr/>
-        </p:nvSpPr>
-        <p:spPr>
-          <a:xfrm>
-            <a:off x="700216" y="4767187"/>
-            <a:ext cx="8019573" cy="430887"/>
-          </a:xfrm>
-          <a:prstGeom prst="rect">
-            <a:avLst/>
-          </a:prstGeom>
-          <a:noFill/>
-        </p:spPr>
-        <p:txBody>
-          <a:bodyPr wrap="square" rtlCol="0">
-            <a:spAutoFit/>
-          </a:bodyPr>
-          <a:lstStyle/>
-          <a:p>
-            <a:r>
-              <a:rPr lang="fr-FR" sz="2200" dirty="0" smtClean="0">
-                <a:latin typeface="Century Gothic"/>
-                <a:cs typeface="Century Gothic"/>
-              </a:rPr>
-              <a:t>The Exceptions </a:t>
-            </a:r>
-            <a:r>
-              <a:rPr lang="fr-FR" sz="2200" dirty="0" err="1" smtClean="0">
-                <a:latin typeface="Century Gothic"/>
-                <a:cs typeface="Century Gothic"/>
-              </a:rPr>
-              <a:t>Filter</a:t>
-            </a:r>
-            <a:r>
-              <a:rPr lang="fr-FR" sz="2200" dirty="0" smtClean="0">
-                <a:latin typeface="Century Gothic"/>
-                <a:cs typeface="Century Gothic"/>
-              </a:rPr>
-              <a:t> </a:t>
-            </a:r>
-            <a:r>
-              <a:rPr lang="fr-FR" sz="2200" dirty="0" err="1" smtClean="0">
-                <a:latin typeface="Century Gothic"/>
-                <a:cs typeface="Century Gothic"/>
-              </a:rPr>
-              <a:t>Attribute</a:t>
-            </a:r>
-            <a:r>
-              <a:rPr lang="fr-FR" sz="2200" dirty="0" smtClean="0">
-                <a:latin typeface="Century Gothic"/>
-                <a:cs typeface="Century Gothic"/>
-              </a:rPr>
-              <a:t> </a:t>
-            </a:r>
-            <a:r>
-              <a:rPr lang="fr-FR" sz="2200" dirty="0" err="1" smtClean="0">
-                <a:latin typeface="Century Gothic"/>
-                <a:cs typeface="Century Gothic"/>
-              </a:rPr>
-              <a:t>is</a:t>
-            </a:r>
-            <a:r>
-              <a:rPr lang="fr-FR" sz="2200" dirty="0" smtClean="0">
-                <a:latin typeface="Century Gothic"/>
-                <a:cs typeface="Century Gothic"/>
-              </a:rPr>
-              <a:t> </a:t>
-            </a:r>
-            <a:r>
-              <a:rPr lang="fr-FR" sz="2200" dirty="0" err="1" smtClean="0">
-                <a:latin typeface="Century Gothic"/>
-                <a:cs typeface="Century Gothic"/>
-              </a:rPr>
-              <a:t>applied</a:t>
-            </a:r>
-            <a:r>
-              <a:rPr lang="fr-FR" sz="2200" dirty="0" smtClean="0">
-                <a:latin typeface="Century Gothic"/>
-                <a:cs typeface="Century Gothic"/>
-              </a:rPr>
-              <a:t> to the </a:t>
-            </a:r>
-            <a:r>
-              <a:rPr lang="fr-FR" sz="2200" dirty="0" err="1" smtClean="0">
-                <a:latin typeface="Century Gothic"/>
-                <a:cs typeface="Century Gothic"/>
-              </a:rPr>
-              <a:t>entire</a:t>
-            </a:r>
-            <a:r>
-              <a:rPr lang="fr-FR" sz="2200" dirty="0" smtClean="0">
-                <a:latin typeface="Century Gothic"/>
-                <a:cs typeface="Century Gothic"/>
-              </a:rPr>
-              <a:t> API</a:t>
-            </a:r>
-          </a:p>
-        </p:txBody>
-      </p:sp>
-    </p:spTree>
-    <p:extLst>
-      <p:ext uri="{BB962C8B-B14F-4D97-AF65-F5344CB8AC3E}">
-        <p14:creationId xmlns:p14="http://schemas.microsoft.com/office/powerpoint/2010/main" val="1626189114"/>
-      </p:ext>
-    </p:extLst>
-  </p:cSld>
-  <p:clrMapOvr>
-    <a:masterClrMapping/>
-  </p:clrMapOvr>
-  <p:timing>
-    <p:tnLst>
-      <p:par>
-        <p:cTn id="1" dur="indefinite" restart="never" nodeType="tmRoot"/>
-      </p:par>
-    </p:tnLst>
-  </p:timing>
-</p:sld>
-</file>
-
-<file path=ppt/slides/slide41.xml><?xml version="1.0" encoding="utf-8"?>
-<p:sld xmlns:a="http://schemas.openxmlformats.org/drawingml/2006/main" xmlns:r="http://schemas.openxmlformats.org/officeDocument/2006/relationships" xmlns:p="http://schemas.openxmlformats.org/presentationml/2006/main">
-  <p:cSld>
-    <p:spTree>
-      <p:nvGrpSpPr>
-        <p:cNvPr id="1" name=""/>
-        <p:cNvGrpSpPr/>
-        <p:nvPr/>
-      </p:nvGrpSpPr>
-      <p:grpSpPr>
-        <a:xfrm>
-          <a:off x="0" y="0"/>
-          <a:ext cx="0" cy="0"/>
-          <a:chOff x="0" y="0"/>
-          <a:chExt cx="0" cy="0"/>
-        </a:xfrm>
-      </p:grpSpPr>
-      <p:sp>
-        <p:nvSpPr>
-          <p:cNvPr id="2" name="Title 1"/>
-          <p:cNvSpPr>
-            <a:spLocks noGrp="1"/>
-          </p:cNvSpPr>
-          <p:nvPr>
-            <p:ph type="title"/>
-          </p:nvPr>
-        </p:nvSpPr>
-        <p:spPr/>
-        <p:txBody>
-          <a:bodyPr/>
-          <a:lstStyle/>
-          <a:p>
-            <a:r>
-              <a:rPr lang="en-US" dirty="0" smtClean="0"/>
-              <a:t>Class Diagram : Exceptions</a:t>
-            </a:r>
-            <a:endParaRPr lang="fr-FR" dirty="0"/>
-          </a:p>
-        </p:txBody>
-      </p:sp>
-      <p:pic>
-        <p:nvPicPr>
-          <p:cNvPr id="5" name="Picture 4"/>
-          <p:cNvPicPr>
-            <a:picLocks noChangeAspect="1"/>
-          </p:cNvPicPr>
-          <p:nvPr/>
-        </p:nvPicPr>
-        <p:blipFill>
-          <a:blip r:embed="rId2"/>
-          <a:stretch>
-            <a:fillRect/>
-          </a:stretch>
-        </p:blipFill>
-        <p:spPr>
-          <a:xfrm>
-            <a:off x="0" y="790575"/>
-            <a:ext cx="9086850" cy="5276850"/>
-          </a:xfrm>
-          <a:prstGeom prst="rect">
-            <a:avLst/>
-          </a:prstGeom>
-        </p:spPr>
-      </p:pic>
-      <p:sp>
-        <p:nvSpPr>
-          <p:cNvPr id="6" name="Rounded Rectangle 5"/>
-          <p:cNvSpPr/>
-          <p:nvPr/>
-        </p:nvSpPr>
-        <p:spPr>
-          <a:xfrm>
-            <a:off x="4399006" y="2010032"/>
-            <a:ext cx="2545491" cy="593125"/>
-          </a:xfrm>
-          <a:prstGeom prst="roundRect">
-            <a:avLst/>
-          </a:prstGeom>
-          <a:noFill/>
-          <a:ln>
-            <a:solidFill>
-              <a:srgbClr val="FF0000"/>
-            </a:solidFill>
-          </a:ln>
-        </p:spPr>
-        <p:style>
-          <a:lnRef idx="2">
-            <a:schemeClr val="accent6"/>
-          </a:lnRef>
-          <a:fillRef idx="1">
-            <a:schemeClr val="lt1"/>
-          </a:fillRef>
-          <a:effectRef idx="0">
-            <a:schemeClr val="accent6"/>
-          </a:effectRef>
-          <a:fontRef idx="minor">
-            <a:schemeClr val="dk1"/>
-          </a:fontRef>
-        </p:style>
-        <p:txBody>
-          <a:bodyPr rot="0" spcFirstLastPara="0" vertOverflow="overflow" horzOverflow="overflow" vert="horz" wrap="square" lIns="91440" tIns="45720" rIns="91440" bIns="45720" numCol="1" spcCol="0" rtlCol="0" fromWordArt="0" anchor="ctr" anchorCtr="0" forceAA="0" compatLnSpc="1">
-            <a:prstTxWarp prst="textNoShape">
-              <a:avLst/>
-            </a:prstTxWarp>
-            <a:noAutofit/>
-          </a:bodyPr>
-          <a:lstStyle/>
-          <a:p>
-            <a:pPr algn="ctr"/>
-            <a:endParaRPr lang="fr-FR"/>
-          </a:p>
-        </p:txBody>
-      </p:sp>
-    </p:spTree>
-    <p:extLst>
-      <p:ext uri="{BB962C8B-B14F-4D97-AF65-F5344CB8AC3E}">
-        <p14:creationId xmlns:p14="http://schemas.microsoft.com/office/powerpoint/2010/main" val="2622149196"/>
-      </p:ext>
-    </p:extLst>
-  </p:cSld>
-  <p:clrMapOvr>
-    <a:masterClrMapping/>
-  </p:clrMapOvr>
-  <p:timing>
-    <p:tnLst>
-      <p:par>
-        <p:cTn id="1" dur="indefinite" restart="never" nodeType="tmRoot">
-          <p:childTnLst>
-            <p:seq concurrent="1" nextAc="seek">
-              <p:cTn id="2" dur="indefinite" nodeType="mainSeq">
-                <p:childTnLst>
-                  <p:par>
-                    <p:cTn id="3" fill="hold">
-                      <p:stCondLst>
-                        <p:cond delay="indefinite"/>
-                      </p:stCondLst>
-                      <p:childTnLst>
-                        <p:par>
-                          <p:cTn id="4" fill="hold">
-                            <p:stCondLst>
-                              <p:cond delay="0"/>
-                            </p:stCondLst>
-                            <p:childTnLst>
-                              <p:par>
-                                <p:cTn id="5" presetID="1" presetClass="entr" presetSubtype="0" fill="hold" grpId="0" nodeType="clickEffect">
-                                  <p:stCondLst>
-                                    <p:cond delay="0"/>
-                                  </p:stCondLst>
-                                  <p:childTnLst>
-                                    <p:set>
-                                      <p:cBhvr>
-                                        <p:cTn id="6" dur="1" fill="hold">
-                                          <p:stCondLst>
-                                            <p:cond delay="0"/>
-                                          </p:stCondLst>
-                                        </p:cTn>
-                                        <p:tgtEl>
-                                          <p:spTgt spid="6"/>
-                                        </p:tgtEl>
-                                        <p:attrNameLst>
-                                          <p:attrName>style.visibility</p:attrName>
-                                        </p:attrNameLst>
-                                      </p:cBhvr>
-                                      <p:to>
-                                        <p:strVal val="visible"/>
-                                      </p:to>
-                                    </p:set>
-                                  </p:childTnLst>
-                                </p:cTn>
-                              </p:par>
-                            </p:childTnLst>
-                          </p:cTn>
-                        </p:par>
-                      </p:childTnLst>
-                    </p:cTn>
-                  </p:par>
-                </p:childTnLst>
-              </p:cTn>
-              <p:prevCondLst>
-                <p:cond evt="onPrev" delay="0">
-                  <p:tgtEl>
-                    <p:sldTgt/>
-                  </p:tgtEl>
-                </p:cond>
-              </p:prevCondLst>
-              <p:nextCondLst>
-                <p:cond evt="onNext" delay="0">
-                  <p:tgtEl>
-                    <p:sldTgt/>
-                  </p:tgtEl>
-                </p:cond>
-              </p:nextCondLst>
-            </p:seq>
-          </p:childTnLst>
-        </p:cTn>
-      </p:par>
-    </p:tnLst>
-    <p:bldLst>
-      <p:bldP spid="6" grpId="0" animBg="1"/>
-    </p:bldLst>
   </p:timing>
 </p:sld>
 </file>
@@ -12098,8 +12290,12 @@
           <a:lstStyle/>
           <a:p>
             <a:r>
+              <a:rPr lang="en-US" dirty="0"/>
+              <a:t>Throwing &amp; Catching : making </a:t>
+            </a:r>
+            <a:r>
               <a:rPr lang="en-US" dirty="0" smtClean="0"/>
-              <a:t>Throwing &amp; Catching: Exceptions</a:t>
+              <a:t>the filter global</a:t>
             </a:r>
             <a:endParaRPr lang="fr-FR" dirty="0"/>
           </a:p>
@@ -12107,7 +12303,7 @@
       </p:sp>
       <p:pic>
         <p:nvPicPr>
-          <p:cNvPr id="11" name="Picture 10"/>
+          <p:cNvPr id="3" name="Picture 2"/>
           <p:cNvPicPr>
             <a:picLocks noChangeAspect="1"/>
           </p:cNvPicPr>
@@ -12121,8 +12317,8 @@
         </p:blipFill>
         <p:spPr>
           <a:xfrm>
-            <a:off x="249598" y="942952"/>
-            <a:ext cx="1941344" cy="1127363"/>
+            <a:off x="1719262" y="1770669"/>
+            <a:ext cx="5705475" cy="2362200"/>
           </a:xfrm>
           <a:prstGeom prst="rect">
             <a:avLst/>
@@ -12131,106 +12327,117 @@
       </p:pic>
       <p:sp>
         <p:nvSpPr>
-          <p:cNvPr id="12" name="Rounded Rectangle 11"/>
-          <p:cNvSpPr/>
+          <p:cNvPr id="7" name="TextBox 6"/>
+          <p:cNvSpPr txBox="1"/>
           <p:nvPr/>
         </p:nvSpPr>
         <p:spPr>
           <a:xfrm>
-            <a:off x="1186249" y="1174539"/>
-            <a:ext cx="568410" cy="167337"/>
-          </a:xfrm>
-          <a:prstGeom prst="roundRect">
+            <a:off x="700216" y="4767187"/>
+            <a:ext cx="8019573" cy="430887"/>
+          </a:xfrm>
+          <a:prstGeom prst="rect">
             <a:avLst/>
           </a:prstGeom>
           <a:noFill/>
-          <a:ln>
-            <a:solidFill>
-              <a:srgbClr val="FF0000"/>
-            </a:solidFill>
-          </a:ln>
-          <a:effectLst/>
-        </p:spPr>
-        <p:style>
-          <a:lnRef idx="2">
-            <a:schemeClr val="accent6"/>
-          </a:lnRef>
-          <a:fillRef idx="1">
-            <a:schemeClr val="lt1"/>
-          </a:fillRef>
-          <a:effectRef idx="0">
-            <a:schemeClr val="accent6"/>
-          </a:effectRef>
-          <a:fontRef idx="minor">
-            <a:schemeClr val="dk1"/>
-          </a:fontRef>
-        </p:style>
-        <p:txBody>
-          <a:bodyPr rot="0" spcFirstLastPara="0" vertOverflow="overflow" horzOverflow="overflow" vert="horz" wrap="square" lIns="91440" tIns="45720" rIns="91440" bIns="45720" numCol="1" spcCol="0" rtlCol="0" fromWordArt="0" anchor="ctr" anchorCtr="0" forceAA="0" compatLnSpc="1">
-            <a:prstTxWarp prst="textNoShape">
-              <a:avLst/>
-            </a:prstTxWarp>
-            <a:noAutofit/>
+        </p:spPr>
+        <p:txBody>
+          <a:bodyPr wrap="square" rtlCol="0">
+            <a:spAutoFit/>
           </a:bodyPr>
           <a:lstStyle/>
           <a:p>
-            <a:pPr algn="ctr"/>
-            <a:endParaRPr lang="fr-FR"/>
-          </a:p>
-        </p:txBody>
-      </p:sp>
-      <p:pic>
-        <p:nvPicPr>
-          <p:cNvPr id="13" name="Picture 12"/>
-          <p:cNvPicPr>
-            <a:picLocks noChangeAspect="1"/>
-          </p:cNvPicPr>
-          <p:nvPr/>
-        </p:nvPicPr>
-        <p:blipFill>
-          <a:blip r:embed="rId3"/>
-          <a:stretch>
-            <a:fillRect/>
-          </a:stretch>
-        </p:blipFill>
-        <p:spPr>
-          <a:xfrm>
-            <a:off x="2352931" y="3428999"/>
-            <a:ext cx="6248400" cy="2352675"/>
-          </a:xfrm>
-          <a:prstGeom prst="rect">
-            <a:avLst/>
-          </a:prstGeom>
-        </p:spPr>
-      </p:pic>
-      <p:pic>
-        <p:nvPicPr>
-          <p:cNvPr id="14" name="Picture 13"/>
-          <p:cNvPicPr>
-            <a:picLocks noChangeAspect="1"/>
-          </p:cNvPicPr>
-          <p:nvPr/>
-        </p:nvPicPr>
-        <p:blipFill>
-          <a:blip r:embed="rId4"/>
-          <a:stretch>
-            <a:fillRect/>
-          </a:stretch>
-        </p:blipFill>
-        <p:spPr>
-          <a:xfrm>
-            <a:off x="2767268" y="1089240"/>
-            <a:ext cx="5419725" cy="1962150"/>
-          </a:xfrm>
-          <a:prstGeom prst="rect">
-            <a:avLst/>
-          </a:prstGeom>
-        </p:spPr>
-      </p:pic>
+            <a:r>
+              <a:rPr lang="fr-FR" sz="2200" dirty="0" smtClean="0">
+                <a:latin typeface="Century Gothic"/>
+                <a:cs typeface="Century Gothic"/>
+              </a:rPr>
+              <a:t>The </a:t>
+            </a:r>
+            <a:r>
+              <a:rPr lang="fr-FR" sz="2200" dirty="0" smtClean="0">
+                <a:latin typeface="Century Gothic"/>
+                <a:cs typeface="Century Gothic"/>
+              </a:rPr>
+              <a:t>Exception </a:t>
+            </a:r>
+            <a:r>
+              <a:rPr lang="fr-FR" sz="2200" dirty="0" err="1" smtClean="0">
+                <a:latin typeface="Century Gothic"/>
+                <a:cs typeface="Century Gothic"/>
+              </a:rPr>
+              <a:t>Filter</a:t>
+            </a:r>
+            <a:r>
+              <a:rPr lang="fr-FR" sz="2200" dirty="0" smtClean="0">
+                <a:latin typeface="Century Gothic"/>
+                <a:cs typeface="Century Gothic"/>
+              </a:rPr>
+              <a:t> </a:t>
+            </a:r>
+            <a:r>
+              <a:rPr lang="fr-FR" sz="2200" dirty="0" err="1" smtClean="0">
+                <a:latin typeface="Century Gothic"/>
+                <a:cs typeface="Century Gothic"/>
+              </a:rPr>
+              <a:t>Attribute</a:t>
+            </a:r>
+            <a:r>
+              <a:rPr lang="fr-FR" sz="2200" dirty="0" smtClean="0">
+                <a:latin typeface="Century Gothic"/>
+                <a:cs typeface="Century Gothic"/>
+              </a:rPr>
+              <a:t> </a:t>
+            </a:r>
+            <a:r>
+              <a:rPr lang="fr-FR" sz="2200" dirty="0" err="1" smtClean="0">
+                <a:latin typeface="Century Gothic"/>
+                <a:cs typeface="Century Gothic"/>
+              </a:rPr>
+              <a:t>is</a:t>
+            </a:r>
+            <a:r>
+              <a:rPr lang="fr-FR" sz="2200" dirty="0" smtClean="0">
+                <a:latin typeface="Century Gothic"/>
+                <a:cs typeface="Century Gothic"/>
+              </a:rPr>
+              <a:t> </a:t>
+            </a:r>
+            <a:r>
+              <a:rPr lang="fr-FR" sz="2200" dirty="0" err="1" smtClean="0">
+                <a:latin typeface="Century Gothic"/>
+                <a:cs typeface="Century Gothic"/>
+              </a:rPr>
+              <a:t>applied</a:t>
+            </a:r>
+            <a:r>
+              <a:rPr lang="fr-FR" sz="2200" dirty="0" smtClean="0">
+                <a:latin typeface="Century Gothic"/>
+                <a:cs typeface="Century Gothic"/>
+              </a:rPr>
+              <a:t> to the </a:t>
+            </a:r>
+            <a:r>
+              <a:rPr lang="fr-FR" sz="2200" dirty="0" err="1" smtClean="0">
+                <a:latin typeface="Century Gothic"/>
+                <a:cs typeface="Century Gothic"/>
+              </a:rPr>
+              <a:t>entire</a:t>
+            </a:r>
+            <a:r>
+              <a:rPr lang="fr-FR" sz="2200" dirty="0" smtClean="0">
+                <a:latin typeface="Century Gothic"/>
+                <a:cs typeface="Century Gothic"/>
+              </a:rPr>
+              <a:t> API</a:t>
+            </a:r>
+          </a:p>
+        </p:txBody>
+      </p:sp>
     </p:spTree>
     <p:extLst>
       <p:ext uri="{BB962C8B-B14F-4D97-AF65-F5344CB8AC3E}">
-        <p14:creationId xmlns:p14="http://schemas.microsoft.com/office/powerpoint/2010/main" val="2656316897"/>
+        <p14:creationId xmlns:p14="http://schemas.microsoft.com/office/powerpoint/2010/main" val="1626189114"/>
       </p:ext>
     </p:extLst>
   </p:cSld>
@@ -12264,32 +12471,9 @@
           <a:chExt cx="0" cy="0"/>
         </a:xfrm>
       </p:grpSpPr>
-      <p:sp>
-        <p:nvSpPr>
-          <p:cNvPr id="2" name="Title 1"/>
-          <p:cNvSpPr>
-            <a:spLocks noGrp="1"/>
-          </p:cNvSpPr>
-          <p:nvPr>
-            <p:ph type="title"/>
-          </p:nvPr>
-        </p:nvSpPr>
-        <p:spPr/>
-        <p:txBody>
-          <a:bodyPr/>
-          <a:lstStyle/>
-          <a:p>
-            <a:r>
-              <a:rPr lang="en-US" dirty="0" smtClean="0"/>
-              <a:t>Class Diagram : Error Model</a:t>
-            </a:r>
-            <a:endParaRPr lang="fr-FR" dirty="0"/>
-          </a:p>
-        </p:txBody>
-      </p:sp>
       <p:pic>
         <p:nvPicPr>
-          <p:cNvPr id="5" name="Picture 4"/>
+          <p:cNvPr id="7" name="Picture 6"/>
           <p:cNvPicPr>
             <a:picLocks noChangeAspect="1"/>
           </p:cNvPicPr>
@@ -12303,8 +12487,8 @@
         </p:blipFill>
         <p:spPr>
           <a:xfrm>
-            <a:off x="0" y="790575"/>
-            <a:ext cx="9086850" cy="5276850"/>
+            <a:off x="199042" y="972065"/>
+            <a:ext cx="8774319" cy="5095359"/>
           </a:xfrm>
           <a:prstGeom prst="rect">
             <a:avLst/>
@@ -12313,14 +12497,37 @@
       </p:pic>
       <p:sp>
         <p:nvSpPr>
+          <p:cNvPr id="2" name="Title 1"/>
+          <p:cNvSpPr>
+            <a:spLocks noGrp="1"/>
+          </p:cNvSpPr>
+          <p:nvPr>
+            <p:ph type="title"/>
+          </p:nvPr>
+        </p:nvSpPr>
+        <p:spPr/>
+        <p:txBody>
+          <a:bodyPr/>
+          <a:lstStyle/>
+          <a:p>
+            <a:r>
+              <a:rPr lang="en-US" dirty="0" smtClean="0"/>
+              <a:t>Class Diagram : Exceptions</a:t>
+            </a:r>
+            <a:endParaRPr lang="fr-FR" dirty="0"/>
+          </a:p>
+        </p:txBody>
+      </p:sp>
+      <p:sp>
+        <p:nvSpPr>
           <p:cNvPr id="6" name="Rounded Rectangle 5"/>
           <p:cNvSpPr/>
           <p:nvPr/>
         </p:nvSpPr>
         <p:spPr>
           <a:xfrm>
-            <a:off x="6812693" y="5280454"/>
-            <a:ext cx="1523999" cy="786971"/>
+            <a:off x="4399006" y="2150078"/>
+            <a:ext cx="2545491" cy="593125"/>
           </a:xfrm>
           <a:prstGeom prst="roundRect">
             <a:avLst/>
@@ -12363,7 +12570,7 @@
     </p:spTree>
     <p:extLst>
       <p:ext uri="{BB962C8B-B14F-4D97-AF65-F5344CB8AC3E}">
-        <p14:creationId xmlns:p14="http://schemas.microsoft.com/office/powerpoint/2010/main" val="758369283"/>
+        <p14:creationId xmlns:p14="http://schemas.microsoft.com/office/powerpoint/2010/main" val="2622149196"/>
       </p:ext>
     </p:extLst>
   </p:cSld>
@@ -12484,8 +12691,8 @@
           <a:lstStyle/>
           <a:p>
             <a:r>
-              <a:rPr lang="en-US" dirty="0"/>
-              <a:t>Class Diagram : Error Model</a:t>
+              <a:rPr lang="en-US" dirty="0" smtClean="0"/>
+              <a:t>Throwing &amp; Catching: Exceptions</a:t>
             </a:r>
             <a:endParaRPr lang="fr-FR" dirty="0"/>
           </a:p>
@@ -12493,7 +12700,7 @@
       </p:sp>
       <p:pic>
         <p:nvPicPr>
-          <p:cNvPr id="4" name="Picture 3"/>
+          <p:cNvPr id="11" name="Picture 10"/>
           <p:cNvPicPr>
             <a:picLocks noChangeAspect="1"/>
           </p:cNvPicPr>
@@ -12507,48 +12714,24 @@
         </p:blipFill>
         <p:spPr>
           <a:xfrm>
-            <a:off x="1962536" y="2109659"/>
-            <a:ext cx="6372225" cy="3676650"/>
+            <a:off x="249598" y="942952"/>
+            <a:ext cx="1941344" cy="1127363"/>
           </a:xfrm>
           <a:prstGeom prst="rect">
             <a:avLst/>
           </a:prstGeom>
         </p:spPr>
       </p:pic>
-      <p:pic>
-        <p:nvPicPr>
-          <p:cNvPr id="5" name="Picture 4"/>
-          <p:cNvPicPr>
-            <a:picLocks noChangeAspect="1"/>
-          </p:cNvPicPr>
-          <p:nvPr/>
-        </p:nvPicPr>
-        <p:blipFill>
-          <a:blip r:embed="rId3"/>
-          <a:stretch>
-            <a:fillRect/>
-          </a:stretch>
-        </p:blipFill>
-        <p:spPr>
-          <a:xfrm>
-            <a:off x="249598" y="942952"/>
-            <a:ext cx="1941344" cy="1127363"/>
-          </a:xfrm>
-          <a:prstGeom prst="rect">
-            <a:avLst/>
-          </a:prstGeom>
-        </p:spPr>
-      </p:pic>
-      <p:sp>
-        <p:nvSpPr>
-          <p:cNvPr id="6" name="Rounded Rectangle 5"/>
+      <p:sp>
+        <p:nvSpPr>
+          <p:cNvPr id="12" name="Rounded Rectangle 11"/>
           <p:cNvSpPr/>
           <p:nvPr/>
         </p:nvSpPr>
         <p:spPr>
           <a:xfrm>
-            <a:off x="1703045" y="1886502"/>
-            <a:ext cx="331701" cy="183813"/>
+            <a:off x="1186249" y="1174539"/>
+            <a:ext cx="568410" cy="167337"/>
           </a:xfrm>
           <a:prstGeom prst="roundRect">
             <a:avLst/>
@@ -12589,10 +12772,58 @@
           </a:p>
         </p:txBody>
       </p:sp>
+      <p:pic>
+        <p:nvPicPr>
+          <p:cNvPr id="13" name="Picture 12"/>
+          <p:cNvPicPr>
+            <a:picLocks noChangeAspect="1"/>
+          </p:cNvPicPr>
+          <p:nvPr/>
+        </p:nvPicPr>
+        <p:blipFill>
+          <a:blip r:embed="rId3"/>
+          <a:stretch>
+            <a:fillRect/>
+          </a:stretch>
+        </p:blipFill>
+        <p:spPr>
+          <a:xfrm>
+            <a:off x="2352931" y="3428999"/>
+            <a:ext cx="6248400" cy="2352675"/>
+          </a:xfrm>
+          <a:prstGeom prst="rect">
+            <a:avLst/>
+          </a:prstGeom>
+        </p:spPr>
+      </p:pic>
+      <p:pic>
+        <p:nvPicPr>
+          <p:cNvPr id="14" name="Picture 13"/>
+          <p:cNvPicPr>
+            <a:picLocks noChangeAspect="1"/>
+          </p:cNvPicPr>
+          <p:nvPr/>
+        </p:nvPicPr>
+        <p:blipFill>
+          <a:blip r:embed="rId4"/>
+          <a:stretch>
+            <a:fillRect/>
+          </a:stretch>
+        </p:blipFill>
+        <p:spPr>
+          <a:xfrm>
+            <a:off x="2767268" y="1089240"/>
+            <a:ext cx="5419725" cy="1962150"/>
+          </a:xfrm>
+          <a:prstGeom prst="rect">
+            <a:avLst/>
+          </a:prstGeom>
+        </p:spPr>
+      </p:pic>
     </p:spTree>
     <p:extLst>
       <p:ext uri="{BB962C8B-B14F-4D97-AF65-F5344CB8AC3E}">
-        <p14:creationId xmlns:p14="http://schemas.microsoft.com/office/powerpoint/2010/main" val="1144675176"/>
+        <p14:creationId xmlns:p14="http://schemas.microsoft.com/office/powerpoint/2010/main" val="2656316897"/>
       </p:ext>
     </p:extLst>
   </p:cSld>
@@ -12626,6 +12857,30 @@
           <a:chExt cx="0" cy="0"/>
         </a:xfrm>
       </p:grpSpPr>
+      <p:pic>
+        <p:nvPicPr>
+          <p:cNvPr id="7" name="Picture 6"/>
+          <p:cNvPicPr>
+            <a:picLocks noChangeAspect="1"/>
+          </p:cNvPicPr>
+          <p:nvPr/>
+        </p:nvPicPr>
+        <p:blipFill>
+          <a:blip r:embed="rId2"/>
+          <a:stretch>
+            <a:fillRect/>
+          </a:stretch>
+        </p:blipFill>
+        <p:spPr>
+          <a:xfrm>
+            <a:off x="199042" y="972065"/>
+            <a:ext cx="8774319" cy="5095359"/>
+          </a:xfrm>
+          <a:prstGeom prst="rect">
+            <a:avLst/>
+          </a:prstGeom>
+        </p:spPr>
+      </p:pic>
       <p:sp>
         <p:nvSpPr>
           <p:cNvPr id="2" name="Title 1"/>
@@ -12636,47 +12891,72 @@
             <p:ph type="title"/>
           </p:nvPr>
         </p:nvSpPr>
-        <p:spPr>
-          <a:xfrm>
-            <a:off x="778476" y="3264973"/>
-            <a:ext cx="8229600" cy="545544"/>
-          </a:xfrm>
-        </p:spPr>
-        <p:txBody>
-          <a:bodyPr>
+        <p:spPr/>
+        <p:txBody>
+          <a:bodyPr/>
+          <a:lstStyle/>
+          <a:p>
+            <a:r>
+              <a:rPr lang="en-US" dirty="0" smtClean="0"/>
+              <a:t>Class Diagram : Error Model</a:t>
+            </a:r>
+            <a:endParaRPr lang="fr-FR" dirty="0"/>
+          </a:p>
+        </p:txBody>
+      </p:sp>
+      <p:sp>
+        <p:nvSpPr>
+          <p:cNvPr id="6" name="Rounded Rectangle 5"/>
+          <p:cNvSpPr/>
+          <p:nvPr/>
+        </p:nvSpPr>
+        <p:spPr>
+          <a:xfrm>
+            <a:off x="6755027" y="5313406"/>
+            <a:ext cx="1523999" cy="786971"/>
+          </a:xfrm>
+          <a:prstGeom prst="roundRect">
+            <a:avLst/>
+          </a:prstGeom>
+          <a:noFill/>
+          <a:ln>
+            <a:solidFill>
+              <a:srgbClr val="FF0000"/>
+            </a:solidFill>
+          </a:ln>
+        </p:spPr>
+        <p:style>
+          <a:lnRef idx="2">
+            <a:schemeClr val="accent6"/>
+          </a:lnRef>
+          <a:fillRef idx="1">
+            <a:schemeClr val="lt1"/>
+          </a:fillRef>
+          <a:effectRef idx="0">
+            <a:schemeClr val="accent6"/>
+          </a:effectRef>
+          <a:fontRef idx="minor">
+            <a:schemeClr val="dk1"/>
+          </a:fontRef>
+        </p:style>
+        <p:txBody>
+          <a:bodyPr rot="0" spcFirstLastPara="0" vertOverflow="overflow" horzOverflow="overflow" vert="horz" wrap="square" lIns="91440" tIns="45720" rIns="91440" bIns="45720" numCol="1" spcCol="0" rtlCol="0" fromWordArt="0" anchor="ctr" anchorCtr="0" forceAA="0" compatLnSpc="1">
+            <a:prstTxWarp prst="textNoShape">
+              <a:avLst/>
+            </a:prstTxWarp>
             <a:noAutofit/>
           </a:bodyPr>
           <a:lstStyle/>
           <a:p>
             <a:pPr algn="ctr"/>
-            <a:r>
-              <a:rPr lang="fr-FR" sz="3600" dirty="0" err="1" smtClean="0"/>
-              <a:t>Some</a:t>
-            </a:r>
-            <a:r>
-              <a:rPr lang="fr-FR" sz="3600" dirty="0" smtClean="0"/>
-              <a:t> </a:t>
-            </a:r>
-            <a:r>
-              <a:rPr lang="fr-FR" sz="3600" dirty="0" err="1" smtClean="0"/>
-              <a:t>Sequence</a:t>
-            </a:r>
-            <a:r>
-              <a:rPr lang="fr-FR" sz="3600" dirty="0" smtClean="0"/>
-              <a:t> </a:t>
-            </a:r>
-            <a:r>
-              <a:rPr lang="fr-FR" sz="3600" dirty="0" err="1" smtClean="0"/>
-              <a:t>Diagrams</a:t>
-            </a:r>
-            <a:endParaRPr lang="fr-FR" sz="3600" dirty="0"/>
+            <a:endParaRPr lang="fr-FR"/>
           </a:p>
         </p:txBody>
       </p:sp>
     </p:spTree>
     <p:extLst>
       <p:ext uri="{BB962C8B-B14F-4D97-AF65-F5344CB8AC3E}">
-        <p14:creationId xmlns:p14="http://schemas.microsoft.com/office/powerpoint/2010/main" val="3530215175"/>
+        <p14:creationId xmlns:p14="http://schemas.microsoft.com/office/powerpoint/2010/main" val="758369283"/>
       </p:ext>
     </p:extLst>
   </p:cSld>
@@ -12686,9 +12966,80 @@
   <p:timing>
     <p:tnLst>
       <p:par>
-        <p:cTn id="1" dur="indefinite" restart="never" nodeType="tmRoot"/>
+        <p:cTn id="1" dur="indefinite" restart="never" nodeType="tmRoot">
+          <p:childTnLst>
+            <p:seq concurrent="1" nextAc="seek">
+              <p:cTn id="2" dur="indefinite" nodeType="mainSeq">
+                <p:childTnLst>
+                  <p:par>
+                    <p:cTn id="3" fill="hold">
+                      <p:stCondLst>
+                        <p:cond delay="indefinite"/>
+                      </p:stCondLst>
+                      <p:childTnLst>
+                        <p:par>
+                          <p:cTn id="4" fill="hold">
+                            <p:stCondLst>
+                              <p:cond delay="0"/>
+                            </p:stCondLst>
+                            <p:childTnLst>
+                              <p:par>
+                                <p:cTn id="5" presetID="1" presetClass="entr" presetSubtype="0" fill="hold" grpId="0" nodeType="clickEffect">
+                                  <p:stCondLst>
+                                    <p:cond delay="0"/>
+                                  </p:stCondLst>
+                                  <p:childTnLst>
+                                    <p:set>
+                                      <p:cBhvr>
+                                        <p:cTn id="6" dur="1" fill="hold">
+                                          <p:stCondLst>
+                                            <p:cond delay="0"/>
+                                          </p:stCondLst>
+                                        </p:cTn>
+                                        <p:tgtEl>
+                                          <p:spTgt spid="6"/>
+                                        </p:tgtEl>
+                                        <p:attrNameLst>
+                                          <p:attrName>style.visibility</p:attrName>
+                                        </p:attrNameLst>
+                                      </p:cBhvr>
+                                      <p:to>
+                                        <p:strVal val="visible"/>
+                                      </p:to>
+                                    </p:set>
+                                  </p:childTnLst>
+                                </p:cTn>
+                              </p:par>
+                            </p:childTnLst>
+                          </p:cTn>
+                        </p:par>
+                      </p:childTnLst>
+                    </p:cTn>
+                  </p:par>
+                </p:childTnLst>
+              </p:cTn>
+              <p:prevCondLst>
+                <p:cond evt="onPrev" delay="0">
+                  <p:tgtEl>
+                    <p:sldTgt/>
+                  </p:tgtEl>
+                </p:cond>
+              </p:prevCondLst>
+              <p:nextCondLst>
+                <p:cond evt="onNext" delay="0">
+                  <p:tgtEl>
+                    <p:sldTgt/>
+                  </p:tgtEl>
+                </p:cond>
+              </p:nextCondLst>
+            </p:seq>
+          </p:childTnLst>
+        </p:cTn>
       </p:par>
     </p:tnLst>
+    <p:bldLst>
+      <p:bldP spid="6" grpId="0" animBg="1"/>
+    </p:bldLst>
   </p:timing>
 </p:sld>
 </file>
@@ -12722,14 +13073,12 @@
         </p:nvSpPr>
         <p:spPr/>
         <p:txBody>
-          <a:bodyPr>
-            <a:normAutofit/>
-          </a:bodyPr>
-          <a:lstStyle/>
-          <a:p>
-            <a:r>
-              <a:rPr lang="fr-FR" dirty="0" smtClean="0"/>
-              <a:t>Nominal scenario</a:t>
+          <a:bodyPr/>
+          <a:lstStyle/>
+          <a:p>
+            <a:r>
+              <a:rPr lang="en-US" dirty="0"/>
+              <a:t>Class Diagram : Error Model</a:t>
             </a:r>
             <a:endParaRPr lang="fr-FR" dirty="0"/>
           </a:p>
@@ -12737,7 +13086,7 @@
       </p:sp>
       <p:pic>
         <p:nvPicPr>
-          <p:cNvPr id="3" name="Picture 2"/>
+          <p:cNvPr id="4" name="Picture 3"/>
           <p:cNvPicPr>
             <a:picLocks noChangeAspect="1"/>
           </p:cNvPicPr>
@@ -12751,18 +13100,92 @@
         </p:blipFill>
         <p:spPr>
           <a:xfrm>
-            <a:off x="128587" y="1338262"/>
-            <a:ext cx="8886825" cy="4181475"/>
+            <a:off x="1962536" y="2109659"/>
+            <a:ext cx="6372225" cy="3676650"/>
           </a:xfrm>
           <a:prstGeom prst="rect">
             <a:avLst/>
           </a:prstGeom>
         </p:spPr>
       </p:pic>
+      <p:pic>
+        <p:nvPicPr>
+          <p:cNvPr id="5" name="Picture 4"/>
+          <p:cNvPicPr>
+            <a:picLocks noChangeAspect="1"/>
+          </p:cNvPicPr>
+          <p:nvPr/>
+        </p:nvPicPr>
+        <p:blipFill>
+          <a:blip r:embed="rId3"/>
+          <a:stretch>
+            <a:fillRect/>
+          </a:stretch>
+        </p:blipFill>
+        <p:spPr>
+          <a:xfrm>
+            <a:off x="249598" y="942952"/>
+            <a:ext cx="1941344" cy="1127363"/>
+          </a:xfrm>
+          <a:prstGeom prst="rect">
+            <a:avLst/>
+          </a:prstGeom>
+        </p:spPr>
+      </p:pic>
+      <p:sp>
+        <p:nvSpPr>
+          <p:cNvPr id="6" name="Rounded Rectangle 5"/>
+          <p:cNvSpPr/>
+          <p:nvPr/>
+        </p:nvSpPr>
+        <p:spPr>
+          <a:xfrm>
+            <a:off x="1703045" y="1886502"/>
+            <a:ext cx="331701" cy="183813"/>
+          </a:xfrm>
+          <a:prstGeom prst="roundRect">
+            <a:avLst/>
+          </a:prstGeom>
+          <a:noFill/>
+          <a:ln>
+            <a:solidFill>
+              <a:srgbClr val="FF0000"/>
+            </a:solidFill>
+          </a:ln>
+          <a:effectLst/>
+        </p:spPr>
+        <p:style>
+          <a:lnRef idx="2">
+            <a:schemeClr val="accent6"/>
+          </a:lnRef>
+          <a:fillRef idx="1">
+            <a:schemeClr val="lt1"/>
+          </a:fillRef>
+          <a:effectRef idx="0">
+            <a:schemeClr val="accent6"/>
+          </a:effectRef>
+          <a:fontRef idx="minor">
+            <a:schemeClr val="dk1"/>
+          </a:fontRef>
+        </p:style>
+        <p:txBody>
+          <a:bodyPr rot="0" spcFirstLastPara="0" vertOverflow="overflow" horzOverflow="overflow" vert="horz" wrap="square" lIns="91440" tIns="45720" rIns="91440" bIns="45720" numCol="1" spcCol="0" rtlCol="0" fromWordArt="0" anchor="ctr" anchorCtr="0" forceAA="0" compatLnSpc="1">
+            <a:prstTxWarp prst="textNoShape">
+              <a:avLst/>
+            </a:prstTxWarp>
+            <a:noAutofit/>
+          </a:bodyPr>
+          <a:lstStyle/>
+          <a:p>
+            <a:pPr algn="ctr"/>
+            <a:endParaRPr lang="fr-FR"/>
+          </a:p>
+        </p:txBody>
+      </p:sp>
     </p:spTree>
     <p:extLst>
       <p:ext uri="{BB962C8B-B14F-4D97-AF65-F5344CB8AC3E}">
-        <p14:creationId xmlns:p14="http://schemas.microsoft.com/office/powerpoint/2010/main" val="10786877"/>
+        <p14:creationId xmlns:p14="http://schemas.microsoft.com/office/powerpoint/2010/main" val="1144675176"/>
       </p:ext>
     </p:extLst>
   </p:cSld>
@@ -12806,51 +13229,47 @@
             <p:ph type="title"/>
           </p:nvPr>
         </p:nvSpPr>
-        <p:spPr/>
-        <p:txBody>
-          <a:bodyPr/>
-          <a:lstStyle/>
-          <a:p>
-            <a:r>
-              <a:rPr lang="fr-FR" dirty="0" smtClean="0"/>
-              <a:t>Validation </a:t>
-            </a:r>
-            <a:r>
-              <a:rPr lang="fr-FR" dirty="0" err="1" smtClean="0"/>
-              <a:t>errors</a:t>
-            </a:r>
-            <a:endParaRPr lang="fr-FR" dirty="0"/>
-          </a:p>
-        </p:txBody>
-      </p:sp>
-      <p:pic>
-        <p:nvPicPr>
-          <p:cNvPr id="4" name="Picture 3"/>
-          <p:cNvPicPr>
-            <a:picLocks noChangeAspect="1"/>
-          </p:cNvPicPr>
-          <p:nvPr/>
-        </p:nvPicPr>
-        <p:blipFill>
-          <a:blip r:embed="rId2"/>
-          <a:stretch>
-            <a:fillRect/>
-          </a:stretch>
-        </p:blipFill>
-        <p:spPr>
-          <a:xfrm>
-            <a:off x="54598" y="1474573"/>
-            <a:ext cx="9029905" cy="4269002"/>
-          </a:xfrm>
-          <a:prstGeom prst="rect">
-            <a:avLst/>
-          </a:prstGeom>
-        </p:spPr>
-      </p:pic>
+        <p:spPr>
+          <a:xfrm>
+            <a:off x="778476" y="3264973"/>
+            <a:ext cx="8229600" cy="545544"/>
+          </a:xfrm>
+        </p:spPr>
+        <p:txBody>
+          <a:bodyPr>
+            <a:noAutofit/>
+          </a:bodyPr>
+          <a:lstStyle/>
+          <a:p>
+            <a:pPr algn="ctr"/>
+            <a:r>
+              <a:rPr lang="fr-FR" sz="3600" dirty="0" err="1" smtClean="0"/>
+              <a:t>Some</a:t>
+            </a:r>
+            <a:r>
+              <a:rPr lang="fr-FR" sz="3600" dirty="0" smtClean="0"/>
+              <a:t> </a:t>
+            </a:r>
+            <a:r>
+              <a:rPr lang="fr-FR" sz="3600" dirty="0" err="1" smtClean="0"/>
+              <a:t>Sequence</a:t>
+            </a:r>
+            <a:r>
+              <a:rPr lang="fr-FR" sz="3600" dirty="0" smtClean="0"/>
+              <a:t> </a:t>
+            </a:r>
+            <a:r>
+              <a:rPr lang="fr-FR" sz="3600" dirty="0" err="1" smtClean="0"/>
+              <a:t>Diagrams</a:t>
+            </a:r>
+            <a:endParaRPr lang="fr-FR" sz="3600" dirty="0"/>
+          </a:p>
+        </p:txBody>
+      </p:sp>
     </p:spTree>
     <p:extLst>
       <p:ext uri="{BB962C8B-B14F-4D97-AF65-F5344CB8AC3E}">
-        <p14:creationId xmlns:p14="http://schemas.microsoft.com/office/powerpoint/2010/main" val="2147353904"/>
+        <p14:creationId xmlns:p14="http://schemas.microsoft.com/office/powerpoint/2010/main" val="3530215175"/>
       </p:ext>
     </p:extLst>
   </p:cSld>
@@ -12896,28 +13315,14 @@
         </p:nvSpPr>
         <p:spPr/>
         <p:txBody>
-          <a:bodyPr/>
-          <a:lstStyle/>
-          <a:p>
-            <a:r>
-              <a:rPr lang="fr-FR" dirty="0" err="1"/>
-              <a:t>Helpers</a:t>
-            </a:r>
-            <a:r>
-              <a:rPr lang="fr-FR" dirty="0"/>
-              <a:t> &amp; </a:t>
-            </a:r>
-            <a:r>
-              <a:rPr lang="fr-FR" dirty="0" err="1"/>
-              <a:t>Converters</a:t>
-            </a:r>
-            <a:r>
-              <a:rPr lang="fr-FR" dirty="0"/>
-              <a:t> : </a:t>
-            </a:r>
+          <a:bodyPr>
+            <a:normAutofit/>
+          </a:bodyPr>
+          <a:lstStyle/>
+          <a:p>
             <a:r>
               <a:rPr lang="fr-FR" dirty="0" smtClean="0"/>
-              <a:t>Constants</a:t>
+              <a:t>Nominal scenario</a:t>
             </a:r>
             <a:endParaRPr lang="fr-FR" dirty="0"/>
           </a:p>
@@ -12925,7 +13330,7 @@
       </p:sp>
       <p:pic>
         <p:nvPicPr>
-          <p:cNvPr id="4" name="Picture 3"/>
+          <p:cNvPr id="3" name="Picture 2"/>
           <p:cNvPicPr>
             <a:picLocks noChangeAspect="1"/>
           </p:cNvPicPr>
@@ -12939,8 +13344,8 @@
         </p:blipFill>
         <p:spPr>
           <a:xfrm>
-            <a:off x="1714500" y="2103735"/>
-            <a:ext cx="5715000" cy="2914650"/>
+            <a:off x="128587" y="1338262"/>
+            <a:ext cx="8886825" cy="4181475"/>
           </a:xfrm>
           <a:prstGeom prst="rect">
             <a:avLst/>
@@ -12950,7 +13355,7 @@
     </p:spTree>
     <p:extLst>
       <p:ext uri="{BB962C8B-B14F-4D97-AF65-F5344CB8AC3E}">
-        <p14:creationId xmlns:p14="http://schemas.microsoft.com/office/powerpoint/2010/main" val="1568563551"/>
+        <p14:creationId xmlns:p14="http://schemas.microsoft.com/office/powerpoint/2010/main" val="10786877"/>
       </p:ext>
     </p:extLst>
   </p:cSld>
@@ -12996,34 +13401,16 @@
         </p:nvSpPr>
         <p:spPr/>
         <p:txBody>
-          <a:bodyPr>
-            <a:normAutofit fontScale="90000"/>
-          </a:bodyPr>
-          <a:lstStyle/>
-          <a:p>
-            <a:r>
-              <a:rPr lang="fr-FR" dirty="0" err="1"/>
-              <a:t>Helpers</a:t>
-            </a:r>
-            <a:r>
-              <a:rPr lang="fr-FR" dirty="0"/>
-              <a:t> &amp; </a:t>
+          <a:bodyPr/>
+          <a:lstStyle/>
+          <a:p>
+            <a:r>
+              <a:rPr lang="fr-FR" dirty="0" smtClean="0"/>
+              <a:t>Validation </a:t>
             </a:r>
             <a:r>
               <a:rPr lang="fr-FR" dirty="0" err="1" smtClean="0"/>
-              <a:t>Converters</a:t>
-            </a:r>
-            <a:r>
-              <a:rPr lang="fr-FR" dirty="0" smtClean="0"/>
-              <a:t> : </a:t>
-            </a:r>
-            <a:r>
-              <a:rPr lang="fr-FR" dirty="0" err="1" smtClean="0"/>
-              <a:t>HttpResponse</a:t>
-            </a:r>
-            <a:r>
-              <a:rPr lang="fr-FR" dirty="0" smtClean="0"/>
-              <a:t> Message conversion</a:t>
+              <a:t>errors</a:t>
             </a:r>
             <a:endParaRPr lang="fr-FR" dirty="0"/>
           </a:p>
@@ -13031,7 +13418,7 @@
       </p:sp>
       <p:pic>
         <p:nvPicPr>
-          <p:cNvPr id="3" name="Picture 2"/>
+          <p:cNvPr id="4" name="Picture 3"/>
           <p:cNvPicPr>
             <a:picLocks noChangeAspect="1"/>
           </p:cNvPicPr>
@@ -13045,8 +13432,8 @@
         </p:blipFill>
         <p:spPr>
           <a:xfrm>
-            <a:off x="658638" y="1104332"/>
-            <a:ext cx="7819874" cy="2767452"/>
+            <a:off x="54598" y="1474573"/>
+            <a:ext cx="9029905" cy="4269002"/>
           </a:xfrm>
           <a:prstGeom prst="rect">
             <a:avLst/>
@@ -13056,7 +13443,7 @@
     </p:spTree>
     <p:extLst>
       <p:ext uri="{BB962C8B-B14F-4D97-AF65-F5344CB8AC3E}">
-        <p14:creationId xmlns:p14="http://schemas.microsoft.com/office/powerpoint/2010/main" val="3821957076"/>
+        <p14:creationId xmlns:p14="http://schemas.microsoft.com/office/powerpoint/2010/main" val="2147353904"/>
       </p:ext>
     </p:extLst>
   </p:cSld>
@@ -13317,50 +13704,6 @@
           <a:xfrm>
             <a:off x="4808837" y="3468129"/>
             <a:ext cx="939114" cy="543697"/>
-          </a:xfrm>
-          <a:prstGeom prst="rightArrow">
-            <a:avLst/>
-          </a:prstGeom>
-          <a:ln/>
-        </p:spPr>
-        <p:style>
-          <a:lnRef idx="2">
-            <a:schemeClr val="accent3"/>
-          </a:lnRef>
-          <a:fillRef idx="1">
-            <a:schemeClr val="lt1"/>
-          </a:fillRef>
-          <a:effectRef idx="0">
-            <a:schemeClr val="accent3"/>
-          </a:effectRef>
-          <a:fontRef idx="minor">
-            <a:schemeClr val="dk1"/>
-          </a:fontRef>
-        </p:style>
-        <p:txBody>
-          <a:bodyPr rot="0" spcFirstLastPara="0" vertOverflow="overflow" horzOverflow="overflow" vert="horz" wrap="square" lIns="91440" tIns="45720" rIns="91440" bIns="45720" numCol="1" spcCol="0" rtlCol="0" fromWordArt="0" anchor="ctr" anchorCtr="0" forceAA="0" compatLnSpc="1">
-            <a:prstTxWarp prst="textNoShape">
-              <a:avLst/>
-            </a:prstTxWarp>
-            <a:noAutofit/>
-          </a:bodyPr>
-          <a:lstStyle/>
-          <a:p>
-            <a:pPr algn="ctr"/>
-            <a:endParaRPr lang="fr-FR"/>
-          </a:p>
-        </p:txBody>
-      </p:sp>
-      <p:sp>
-        <p:nvSpPr>
-          <p:cNvPr id="17" name="Right Arrow 16"/>
-          <p:cNvSpPr/>
-          <p:nvPr/>
-        </p:nvSpPr>
-        <p:spPr>
-          <a:xfrm flipH="1">
-            <a:off x="1013253" y="4341679"/>
-            <a:ext cx="6441989" cy="543697"/>
           </a:xfrm>
           <a:prstGeom prst="rightArrow">
             <a:avLst/>
@@ -13748,51 +14091,6 @@
                       </p:childTnLst>
                     </p:cTn>
                   </p:par>
-                  <p:par>
-                    <p:cTn id="25" fill="hold">
-                      <p:stCondLst>
-                        <p:cond delay="indefinite"/>
-                      </p:stCondLst>
-                      <p:childTnLst>
-                        <p:par>
-                          <p:cTn id="26" fill="hold">
-                            <p:stCondLst>
-                              <p:cond delay="0"/>
-                            </p:stCondLst>
-                            <p:childTnLst>
-                              <p:par>
-                                <p:cTn id="27" presetID="1" presetClass="entr" presetSubtype="0" fill="hold" grpId="0" nodeType="clickEffect">
-                                  <p:stCondLst>
-                                    <p:cond delay="0"/>
-                                  </p:stCondLst>
-                                  <p:childTnLst>
-                                    <p:set>
-                                      <p:cBhvr>
-                                        <p:cTn id="28" dur="1" fill="hold">
-                                          <p:stCondLst>
-                                            <p:cond delay="0"/>
-                                          </p:stCondLst>
-                                        </p:cTn>
-                                        <p:tgtEl>
-                                          <p:spTgt spid="17"/>
-                                        </p:tgtEl>
-                                        <p:attrNameLst>
-                                          <p:attrName>style.visibility</p:attrName>
-                                        </p:attrNameLst>
-                                      </p:cBhvr>
-                                      <p:to>
-                                        <p:strVal val="visible"/>
-                                      </p:to>
-                                    </p:set>
-                                  </p:childTnLst>
-                                </p:cTn>
-                              </p:par>
-                            </p:childTnLst>
-                          </p:cTn>
-                        </p:par>
-                      </p:childTnLst>
-                    </p:cTn>
-                  </p:par>
                 </p:childTnLst>
               </p:cTn>
               <p:prevCondLst>
@@ -13819,7 +14117,6 @@
       <p:bldP spid="14" grpId="0" animBg="1"/>
       <p:bldP spid="15" grpId="0" animBg="1"/>
       <p:bldP spid="16" grpId="0" animBg="1"/>
-      <p:bldP spid="17" grpId="0" animBg="1"/>
       <p:bldP spid="18" grpId="0"/>
     </p:bldLst>
   </p:timing>
@@ -13853,69 +14150,39 @@
             <p:ph type="title"/>
           </p:nvPr>
         </p:nvSpPr>
-        <p:spPr/>
+        <p:spPr>
+          <a:xfrm>
+            <a:off x="778476" y="3264973"/>
+            <a:ext cx="8229600" cy="545544"/>
+          </a:xfrm>
+        </p:spPr>
         <p:txBody>
           <a:bodyPr>
-            <a:normAutofit fontScale="90000"/>
+            <a:noAutofit/>
           </a:bodyPr>
           <a:lstStyle/>
           <a:p>
-            <a:r>
-              <a:rPr lang="fr-FR" dirty="0" err="1"/>
+            <a:pPr algn="ctr"/>
+            <a:r>
+              <a:rPr lang="fr-FR" sz="3600" dirty="0" err="1" smtClean="0"/>
               <a:t>Helpers</a:t>
             </a:r>
             <a:r>
-              <a:rPr lang="fr-FR" dirty="0"/>
+              <a:rPr lang="fr-FR" sz="3600" dirty="0" smtClean="0"/>
               <a:t> &amp; </a:t>
             </a:r>
             <a:r>
-              <a:rPr lang="fr-FR" dirty="0" err="1"/>
+              <a:rPr lang="fr-FR" sz="3600" dirty="0" err="1" smtClean="0"/>
               <a:t>Converters</a:t>
             </a:r>
-            <a:r>
-              <a:rPr lang="fr-FR" dirty="0"/>
-              <a:t> : </a:t>
-            </a:r>
-            <a:r>
-              <a:rPr lang="fr-FR" dirty="0" err="1" smtClean="0"/>
-              <a:t>HttpResponse</a:t>
-            </a:r>
-            <a:r>
-              <a:rPr lang="fr-FR" dirty="0" smtClean="0"/>
-              <a:t> Message conversion</a:t>
-            </a:r>
-            <a:endParaRPr lang="fr-FR" dirty="0"/>
-          </a:p>
-        </p:txBody>
-      </p:sp>
-      <p:pic>
-        <p:nvPicPr>
-          <p:cNvPr id="4" name="Picture 3"/>
-          <p:cNvPicPr>
-            <a:picLocks noChangeAspect="1"/>
-          </p:cNvPicPr>
-          <p:nvPr/>
-        </p:nvPicPr>
-        <p:blipFill>
-          <a:blip r:embed="rId2"/>
-          <a:stretch>
-            <a:fillRect/>
-          </a:stretch>
-        </p:blipFill>
-        <p:spPr>
-          <a:xfrm>
-            <a:off x="1709737" y="2046389"/>
-            <a:ext cx="5724525" cy="2762250"/>
-          </a:xfrm>
-          <a:prstGeom prst="rect">
-            <a:avLst/>
-          </a:prstGeom>
-        </p:spPr>
-      </p:pic>
+            <a:endParaRPr lang="fr-FR" sz="3600" dirty="0"/>
+          </a:p>
+        </p:txBody>
+      </p:sp>
     </p:spTree>
     <p:extLst>
       <p:ext uri="{BB962C8B-B14F-4D97-AF65-F5344CB8AC3E}">
-        <p14:creationId xmlns:p14="http://schemas.microsoft.com/office/powerpoint/2010/main" val="410492618"/>
+        <p14:creationId xmlns:p14="http://schemas.microsoft.com/office/powerpoint/2010/main" val="1606654075"/>
       </p:ext>
     </p:extLst>
   </p:cSld>
@@ -13961,9 +14228,7 @@
         </p:nvSpPr>
         <p:spPr/>
         <p:txBody>
-          <a:bodyPr>
-            <a:normAutofit fontScale="90000"/>
-          </a:bodyPr>
+          <a:bodyPr/>
           <a:lstStyle/>
           <a:p>
             <a:r>
@@ -13983,16 +14248,8 @@
               <a:t> : </a:t>
             </a:r>
             <a:r>
-              <a:rPr lang="en-US" dirty="0"/>
-              <a:t>Custom Error </a:t>
-            </a:r>
-            <a:r>
-              <a:rPr lang="en-US" dirty="0" err="1"/>
-              <a:t>Config</a:t>
-            </a:r>
-            <a:r>
-              <a:rPr lang="en-US" dirty="0"/>
-              <a:t> Section</a:t>
+              <a:rPr lang="fr-FR" dirty="0" smtClean="0"/>
+              <a:t>constants</a:t>
             </a:r>
             <a:endParaRPr lang="fr-FR" dirty="0"/>
           </a:p>
@@ -14014,8 +14271,8 @@
         </p:blipFill>
         <p:spPr>
           <a:xfrm>
-            <a:off x="1752600" y="1494651"/>
-            <a:ext cx="5638800" cy="3752850"/>
+            <a:off x="1714500" y="2103735"/>
+            <a:ext cx="5715000" cy="2914650"/>
           </a:xfrm>
           <a:prstGeom prst="rect">
             <a:avLst/>
@@ -14025,7 +14282,7 @@
     </p:spTree>
     <p:extLst>
       <p:ext uri="{BB962C8B-B14F-4D97-AF65-F5344CB8AC3E}">
-        <p14:creationId xmlns:p14="http://schemas.microsoft.com/office/powerpoint/2010/main" val="2078666457"/>
+        <p14:creationId xmlns:p14="http://schemas.microsoft.com/office/powerpoint/2010/main" val="1568563551"/>
       </p:ext>
     </p:extLst>
   </p:cSld>
@@ -14071,38 +14328,36 @@
         </p:nvSpPr>
         <p:spPr/>
         <p:txBody>
-          <a:bodyPr>
-            <a:normAutofit fontScale="90000"/>
-          </a:bodyPr>
-          <a:lstStyle/>
-          <a:p>
-            <a:r>
-              <a:rPr lang="fr-FR" dirty="0" err="1"/>
+          <a:bodyPr/>
+          <a:lstStyle/>
+          <a:p>
+            <a:r>
+              <a:rPr lang="fr-FR" dirty="0" err="1" smtClean="0"/>
               <a:t>Helpers</a:t>
             </a:r>
             <a:r>
-              <a:rPr lang="fr-FR" dirty="0"/>
+              <a:rPr lang="fr-FR" dirty="0" smtClean="0"/>
               <a:t> &amp; </a:t>
             </a:r>
             <a:r>
-              <a:rPr lang="fr-FR" dirty="0" err="1"/>
-              <a:t>Converters</a:t>
-            </a:r>
-            <a:r>
-              <a:rPr lang="fr-FR" dirty="0"/>
-              <a:t> : </a:t>
-            </a:r>
-            <a:r>
-              <a:rPr lang="en-US" dirty="0" smtClean="0"/>
-              <a:t>Custom Error </a:t>
-            </a:r>
-            <a:r>
-              <a:rPr lang="en-US" dirty="0" err="1" smtClean="0"/>
-              <a:t>Config</a:t>
-            </a:r>
-            <a:r>
-              <a:rPr lang="en-US" dirty="0" smtClean="0"/>
-              <a:t> Section</a:t>
+              <a:rPr lang="fr-FR" dirty="0" err="1" smtClean="0"/>
+              <a:t>converters</a:t>
+            </a:r>
+            <a:r>
+              <a:rPr lang="fr-FR" dirty="0" smtClean="0"/>
+              <a:t> </a:t>
+            </a:r>
+            <a:r>
+              <a:rPr lang="fr-FR" dirty="0" smtClean="0"/>
+              <a:t>: model </a:t>
+            </a:r>
+            <a:r>
+              <a:rPr lang="fr-FR" dirty="0" err="1" smtClean="0"/>
+              <a:t>errors</a:t>
+            </a:r>
+            <a:r>
+              <a:rPr lang="fr-FR" dirty="0" smtClean="0"/>
+              <a:t> extraction</a:t>
             </a:r>
             <a:endParaRPr lang="fr-FR" dirty="0"/>
           </a:p>
@@ -14110,7 +14365,7 @@
       </p:sp>
       <p:pic>
         <p:nvPicPr>
-          <p:cNvPr id="7" name="Picture 6"/>
+          <p:cNvPr id="4" name="Picture 3"/>
           <p:cNvPicPr>
             <a:picLocks noChangeAspect="1"/>
           </p:cNvPicPr>
@@ -14124,8 +14379,82 @@
         </p:blipFill>
         <p:spPr>
           <a:xfrm>
-            <a:off x="1350322" y="1256624"/>
-            <a:ext cx="6443356" cy="4765847"/>
+            <a:off x="249598" y="942952"/>
+            <a:ext cx="1941344" cy="1127363"/>
+          </a:xfrm>
+          <a:prstGeom prst="rect">
+            <a:avLst/>
+          </a:prstGeom>
+        </p:spPr>
+      </p:pic>
+      <p:sp>
+        <p:nvSpPr>
+          <p:cNvPr id="5" name="Rounded Rectangle 4"/>
+          <p:cNvSpPr/>
+          <p:nvPr/>
+        </p:nvSpPr>
+        <p:spPr>
+          <a:xfrm>
+            <a:off x="1169773" y="1532238"/>
+            <a:ext cx="321276" cy="106200"/>
+          </a:xfrm>
+          <a:prstGeom prst="roundRect">
+            <a:avLst/>
+          </a:prstGeom>
+          <a:noFill/>
+          <a:ln>
+            <a:solidFill>
+              <a:srgbClr val="FF0000"/>
+            </a:solidFill>
+          </a:ln>
+          <a:effectLst/>
+        </p:spPr>
+        <p:style>
+          <a:lnRef idx="2">
+            <a:schemeClr val="accent6"/>
+          </a:lnRef>
+          <a:fillRef idx="1">
+            <a:schemeClr val="lt1"/>
+          </a:fillRef>
+          <a:effectRef idx="0">
+            <a:schemeClr val="accent6"/>
+          </a:effectRef>
+          <a:fontRef idx="minor">
+            <a:schemeClr val="dk1"/>
+          </a:fontRef>
+        </p:style>
+        <p:txBody>
+          <a:bodyPr rot="0" spcFirstLastPara="0" vertOverflow="overflow" horzOverflow="overflow" vert="horz" wrap="square" lIns="91440" tIns="45720" rIns="91440" bIns="45720" numCol="1" spcCol="0" rtlCol="0" fromWordArt="0" anchor="ctr" anchorCtr="0" forceAA="0" compatLnSpc="1">
+            <a:prstTxWarp prst="textNoShape">
+              <a:avLst/>
+            </a:prstTxWarp>
+            <a:noAutofit/>
+          </a:bodyPr>
+          <a:lstStyle/>
+          <a:p>
+            <a:pPr algn="ctr"/>
+            <a:endParaRPr lang="fr-FR"/>
+          </a:p>
+        </p:txBody>
+      </p:sp>
+      <p:pic>
+        <p:nvPicPr>
+          <p:cNvPr id="6" name="Picture 5"/>
+          <p:cNvPicPr>
+            <a:picLocks noChangeAspect="1"/>
+          </p:cNvPicPr>
+          <p:nvPr/>
+        </p:nvPicPr>
+        <p:blipFill>
+          <a:blip r:embed="rId3"/>
+          <a:stretch>
+            <a:fillRect/>
+          </a:stretch>
+        </p:blipFill>
+        <p:spPr>
+          <a:xfrm>
+            <a:off x="2033410" y="1359242"/>
+            <a:ext cx="7110589" cy="4561962"/>
           </a:xfrm>
           <a:prstGeom prst="rect">
             <a:avLst/>
@@ -14135,7 +14464,7 @@
     </p:spTree>
     <p:extLst>
       <p:ext uri="{BB962C8B-B14F-4D97-AF65-F5344CB8AC3E}">
-        <p14:creationId xmlns:p14="http://schemas.microsoft.com/office/powerpoint/2010/main" val="2971399991"/>
+        <p14:creationId xmlns:p14="http://schemas.microsoft.com/office/powerpoint/2010/main" val="1132357401"/>
       </p:ext>
     </p:extLst>
   </p:cSld>
@@ -14181,6 +14510,586 @@
         </p:nvSpPr>
         <p:spPr/>
         <p:txBody>
+          <a:bodyPr>
+            <a:normAutofit fontScale="90000"/>
+          </a:bodyPr>
+          <a:lstStyle/>
+          <a:p>
+            <a:r>
+              <a:rPr lang="fr-FR" dirty="0" err="1"/>
+              <a:t>Helpers</a:t>
+            </a:r>
+            <a:r>
+              <a:rPr lang="fr-FR" dirty="0"/>
+              <a:t> &amp; </a:t>
+            </a:r>
+            <a:r>
+              <a:rPr lang="fr-FR" dirty="0" err="1" smtClean="0"/>
+              <a:t>Converters</a:t>
+            </a:r>
+            <a:r>
+              <a:rPr lang="fr-FR" dirty="0" smtClean="0"/>
+              <a:t> : </a:t>
+            </a:r>
+            <a:r>
+              <a:rPr lang="fr-FR" dirty="0" err="1" smtClean="0"/>
+              <a:t>HttpResponse</a:t>
+            </a:r>
+            <a:r>
+              <a:rPr lang="fr-FR" dirty="0" smtClean="0"/>
+              <a:t> Message conversion</a:t>
+            </a:r>
+            <a:endParaRPr lang="fr-FR" dirty="0"/>
+          </a:p>
+        </p:txBody>
+      </p:sp>
+      <p:pic>
+        <p:nvPicPr>
+          <p:cNvPr id="3" name="Picture 2"/>
+          <p:cNvPicPr>
+            <a:picLocks noChangeAspect="1"/>
+          </p:cNvPicPr>
+          <p:nvPr/>
+        </p:nvPicPr>
+        <p:blipFill>
+          <a:blip r:embed="rId2"/>
+          <a:stretch>
+            <a:fillRect/>
+          </a:stretch>
+        </p:blipFill>
+        <p:spPr>
+          <a:xfrm>
+            <a:off x="938725" y="2227724"/>
+            <a:ext cx="7819874" cy="2767452"/>
+          </a:xfrm>
+          <a:prstGeom prst="rect">
+            <a:avLst/>
+          </a:prstGeom>
+        </p:spPr>
+      </p:pic>
+      <p:pic>
+        <p:nvPicPr>
+          <p:cNvPr id="4" name="Picture 3"/>
+          <p:cNvPicPr>
+            <a:picLocks noChangeAspect="1"/>
+          </p:cNvPicPr>
+          <p:nvPr/>
+        </p:nvPicPr>
+        <p:blipFill>
+          <a:blip r:embed="rId3"/>
+          <a:stretch>
+            <a:fillRect/>
+          </a:stretch>
+        </p:blipFill>
+        <p:spPr>
+          <a:xfrm>
+            <a:off x="249598" y="942952"/>
+            <a:ext cx="1941344" cy="1127363"/>
+          </a:xfrm>
+          <a:prstGeom prst="rect">
+            <a:avLst/>
+          </a:prstGeom>
+        </p:spPr>
+      </p:pic>
+      <p:sp>
+        <p:nvSpPr>
+          <p:cNvPr id="5" name="Rounded Rectangle 4"/>
+          <p:cNvSpPr/>
+          <p:nvPr/>
+        </p:nvSpPr>
+        <p:spPr>
+          <a:xfrm>
+            <a:off x="1482811" y="1532238"/>
+            <a:ext cx="403654" cy="106200"/>
+          </a:xfrm>
+          <a:prstGeom prst="roundRect">
+            <a:avLst/>
+          </a:prstGeom>
+          <a:noFill/>
+          <a:ln>
+            <a:solidFill>
+              <a:srgbClr val="FF0000"/>
+            </a:solidFill>
+          </a:ln>
+          <a:effectLst/>
+        </p:spPr>
+        <p:style>
+          <a:lnRef idx="2">
+            <a:schemeClr val="accent6"/>
+          </a:lnRef>
+          <a:fillRef idx="1">
+            <a:schemeClr val="lt1"/>
+          </a:fillRef>
+          <a:effectRef idx="0">
+            <a:schemeClr val="accent6"/>
+          </a:effectRef>
+          <a:fontRef idx="minor">
+            <a:schemeClr val="dk1"/>
+          </a:fontRef>
+        </p:style>
+        <p:txBody>
+          <a:bodyPr rot="0" spcFirstLastPara="0" vertOverflow="overflow" horzOverflow="overflow" vert="horz" wrap="square" lIns="91440" tIns="45720" rIns="91440" bIns="45720" numCol="1" spcCol="0" rtlCol="0" fromWordArt="0" anchor="ctr" anchorCtr="0" forceAA="0" compatLnSpc="1">
+            <a:prstTxWarp prst="textNoShape">
+              <a:avLst/>
+            </a:prstTxWarp>
+            <a:noAutofit/>
+          </a:bodyPr>
+          <a:lstStyle/>
+          <a:p>
+            <a:pPr algn="ctr"/>
+            <a:endParaRPr lang="fr-FR"/>
+          </a:p>
+        </p:txBody>
+      </p:sp>
+    </p:spTree>
+    <p:extLst>
+      <p:ext uri="{BB962C8B-B14F-4D97-AF65-F5344CB8AC3E}">
+        <p14:creationId xmlns:p14="http://schemas.microsoft.com/office/powerpoint/2010/main" val="3821957076"/>
+      </p:ext>
+    </p:extLst>
+  </p:cSld>
+  <p:clrMapOvr>
+    <a:masterClrMapping/>
+  </p:clrMapOvr>
+  <p:timing>
+    <p:tnLst>
+      <p:par>
+        <p:cTn id="1" dur="indefinite" restart="never" nodeType="tmRoot"/>
+      </p:par>
+    </p:tnLst>
+  </p:timing>
+</p:sld>
+</file>
+
+<file path=ppt/slides/slide54.xml><?xml version="1.0" encoding="utf-8"?>
+<p:sld xmlns:a="http://schemas.openxmlformats.org/drawingml/2006/main" xmlns:r="http://schemas.openxmlformats.org/officeDocument/2006/relationships" xmlns:p="http://schemas.openxmlformats.org/presentationml/2006/main">
+  <p:cSld>
+    <p:spTree>
+      <p:nvGrpSpPr>
+        <p:cNvPr id="1" name=""/>
+        <p:cNvGrpSpPr/>
+        <p:nvPr/>
+      </p:nvGrpSpPr>
+      <p:grpSpPr>
+        <a:xfrm>
+          <a:off x="0" y="0"/>
+          <a:ext cx="0" cy="0"/>
+          <a:chOff x="0" y="0"/>
+          <a:chExt cx="0" cy="0"/>
+        </a:xfrm>
+      </p:grpSpPr>
+      <p:sp>
+        <p:nvSpPr>
+          <p:cNvPr id="2" name="Title 1"/>
+          <p:cNvSpPr>
+            <a:spLocks noGrp="1"/>
+          </p:cNvSpPr>
+          <p:nvPr>
+            <p:ph type="title"/>
+          </p:nvPr>
+        </p:nvSpPr>
+        <p:spPr/>
+        <p:txBody>
+          <a:bodyPr>
+            <a:normAutofit fontScale="90000"/>
+          </a:bodyPr>
+          <a:lstStyle/>
+          <a:p>
+            <a:r>
+              <a:rPr lang="fr-FR" dirty="0" err="1"/>
+              <a:t>Helpers</a:t>
+            </a:r>
+            <a:r>
+              <a:rPr lang="fr-FR" dirty="0"/>
+              <a:t> &amp; </a:t>
+            </a:r>
+            <a:r>
+              <a:rPr lang="fr-FR" dirty="0" err="1"/>
+              <a:t>Converters</a:t>
+            </a:r>
+            <a:r>
+              <a:rPr lang="fr-FR" dirty="0"/>
+              <a:t> : </a:t>
+            </a:r>
+            <a:r>
+              <a:rPr lang="fr-FR" dirty="0" err="1" smtClean="0"/>
+              <a:t>HttpResponse</a:t>
+            </a:r>
+            <a:r>
+              <a:rPr lang="fr-FR" dirty="0" smtClean="0"/>
+              <a:t> Message conversion</a:t>
+            </a:r>
+            <a:endParaRPr lang="fr-FR" dirty="0"/>
+          </a:p>
+        </p:txBody>
+      </p:sp>
+      <p:pic>
+        <p:nvPicPr>
+          <p:cNvPr id="4" name="Picture 3"/>
+          <p:cNvPicPr>
+            <a:picLocks noChangeAspect="1"/>
+          </p:cNvPicPr>
+          <p:nvPr/>
+        </p:nvPicPr>
+        <p:blipFill>
+          <a:blip r:embed="rId2"/>
+          <a:stretch>
+            <a:fillRect/>
+          </a:stretch>
+        </p:blipFill>
+        <p:spPr>
+          <a:xfrm>
+            <a:off x="1371985" y="2318238"/>
+            <a:ext cx="5724525" cy="2762250"/>
+          </a:xfrm>
+          <a:prstGeom prst="rect">
+            <a:avLst/>
+          </a:prstGeom>
+        </p:spPr>
+      </p:pic>
+      <p:pic>
+        <p:nvPicPr>
+          <p:cNvPr id="5" name="Picture 4"/>
+          <p:cNvPicPr>
+            <a:picLocks noChangeAspect="1"/>
+          </p:cNvPicPr>
+          <p:nvPr/>
+        </p:nvPicPr>
+        <p:blipFill>
+          <a:blip r:embed="rId3"/>
+          <a:stretch>
+            <a:fillRect/>
+          </a:stretch>
+        </p:blipFill>
+        <p:spPr>
+          <a:xfrm>
+            <a:off x="249598" y="942952"/>
+            <a:ext cx="1941344" cy="1127363"/>
+          </a:xfrm>
+          <a:prstGeom prst="rect">
+            <a:avLst/>
+          </a:prstGeom>
+        </p:spPr>
+      </p:pic>
+      <p:sp>
+        <p:nvSpPr>
+          <p:cNvPr id="6" name="Rounded Rectangle 5"/>
+          <p:cNvSpPr/>
+          <p:nvPr/>
+        </p:nvSpPr>
+        <p:spPr>
+          <a:xfrm>
+            <a:off x="1482811" y="1532238"/>
+            <a:ext cx="403654" cy="106200"/>
+          </a:xfrm>
+          <a:prstGeom prst="roundRect">
+            <a:avLst/>
+          </a:prstGeom>
+          <a:noFill/>
+          <a:ln>
+            <a:solidFill>
+              <a:srgbClr val="FF0000"/>
+            </a:solidFill>
+          </a:ln>
+          <a:effectLst/>
+        </p:spPr>
+        <p:style>
+          <a:lnRef idx="2">
+            <a:schemeClr val="accent6"/>
+          </a:lnRef>
+          <a:fillRef idx="1">
+            <a:schemeClr val="lt1"/>
+          </a:fillRef>
+          <a:effectRef idx="0">
+            <a:schemeClr val="accent6"/>
+          </a:effectRef>
+          <a:fontRef idx="minor">
+            <a:schemeClr val="dk1"/>
+          </a:fontRef>
+        </p:style>
+        <p:txBody>
+          <a:bodyPr rot="0" spcFirstLastPara="0" vertOverflow="overflow" horzOverflow="overflow" vert="horz" wrap="square" lIns="91440" tIns="45720" rIns="91440" bIns="45720" numCol="1" spcCol="0" rtlCol="0" fromWordArt="0" anchor="ctr" anchorCtr="0" forceAA="0" compatLnSpc="1">
+            <a:prstTxWarp prst="textNoShape">
+              <a:avLst/>
+            </a:prstTxWarp>
+            <a:noAutofit/>
+          </a:bodyPr>
+          <a:lstStyle/>
+          <a:p>
+            <a:pPr algn="ctr"/>
+            <a:endParaRPr lang="fr-FR"/>
+          </a:p>
+        </p:txBody>
+      </p:sp>
+    </p:spTree>
+    <p:extLst>
+      <p:ext uri="{BB962C8B-B14F-4D97-AF65-F5344CB8AC3E}">
+        <p14:creationId xmlns:p14="http://schemas.microsoft.com/office/powerpoint/2010/main" val="410492618"/>
+      </p:ext>
+    </p:extLst>
+  </p:cSld>
+  <p:clrMapOvr>
+    <a:masterClrMapping/>
+  </p:clrMapOvr>
+  <p:timing>
+    <p:tnLst>
+      <p:par>
+        <p:cTn id="1" dur="indefinite" restart="never" nodeType="tmRoot"/>
+      </p:par>
+    </p:tnLst>
+  </p:timing>
+</p:sld>
+</file>
+
+<file path=ppt/slides/slide55.xml><?xml version="1.0" encoding="utf-8"?>
+<p:sld xmlns:a="http://schemas.openxmlformats.org/drawingml/2006/main" xmlns:r="http://schemas.openxmlformats.org/officeDocument/2006/relationships" xmlns:p="http://schemas.openxmlformats.org/presentationml/2006/main">
+  <p:cSld>
+    <p:spTree>
+      <p:nvGrpSpPr>
+        <p:cNvPr id="1" name=""/>
+        <p:cNvGrpSpPr/>
+        <p:nvPr/>
+      </p:nvGrpSpPr>
+      <p:grpSpPr>
+        <a:xfrm>
+          <a:off x="0" y="0"/>
+          <a:ext cx="0" cy="0"/>
+          <a:chOff x="0" y="0"/>
+          <a:chExt cx="0" cy="0"/>
+        </a:xfrm>
+      </p:grpSpPr>
+      <p:sp>
+        <p:nvSpPr>
+          <p:cNvPr id="2" name="Title 1"/>
+          <p:cNvSpPr>
+            <a:spLocks noGrp="1"/>
+          </p:cNvSpPr>
+          <p:nvPr>
+            <p:ph type="title"/>
+          </p:nvPr>
+        </p:nvSpPr>
+        <p:spPr/>
+        <p:txBody>
+          <a:bodyPr>
+            <a:normAutofit fontScale="90000"/>
+          </a:bodyPr>
+          <a:lstStyle/>
+          <a:p>
+            <a:r>
+              <a:rPr lang="fr-FR" dirty="0" err="1"/>
+              <a:t>Helpers</a:t>
+            </a:r>
+            <a:r>
+              <a:rPr lang="fr-FR" dirty="0"/>
+              <a:t> &amp; </a:t>
+            </a:r>
+            <a:r>
+              <a:rPr lang="fr-FR" dirty="0" err="1"/>
+              <a:t>Converters</a:t>
+            </a:r>
+            <a:r>
+              <a:rPr lang="fr-FR" dirty="0"/>
+              <a:t> : </a:t>
+            </a:r>
+            <a:r>
+              <a:rPr lang="en-US" dirty="0"/>
+              <a:t>Custom Error </a:t>
+            </a:r>
+            <a:r>
+              <a:rPr lang="en-US" dirty="0" err="1"/>
+              <a:t>Config</a:t>
+            </a:r>
+            <a:r>
+              <a:rPr lang="en-US" dirty="0"/>
+              <a:t> Section</a:t>
+            </a:r>
+            <a:endParaRPr lang="fr-FR" dirty="0"/>
+          </a:p>
+        </p:txBody>
+      </p:sp>
+      <p:pic>
+        <p:nvPicPr>
+          <p:cNvPr id="4" name="Picture 3"/>
+          <p:cNvPicPr>
+            <a:picLocks noChangeAspect="1"/>
+          </p:cNvPicPr>
+          <p:nvPr/>
+        </p:nvPicPr>
+        <p:blipFill>
+          <a:blip r:embed="rId2"/>
+          <a:stretch>
+            <a:fillRect/>
+          </a:stretch>
+        </p:blipFill>
+        <p:spPr>
+          <a:xfrm>
+            <a:off x="1752600" y="1494651"/>
+            <a:ext cx="5638800" cy="3752850"/>
+          </a:xfrm>
+          <a:prstGeom prst="rect">
+            <a:avLst/>
+          </a:prstGeom>
+        </p:spPr>
+      </p:pic>
+    </p:spTree>
+    <p:extLst>
+      <p:ext uri="{BB962C8B-B14F-4D97-AF65-F5344CB8AC3E}">
+        <p14:creationId xmlns:p14="http://schemas.microsoft.com/office/powerpoint/2010/main" val="2078666457"/>
+      </p:ext>
+    </p:extLst>
+  </p:cSld>
+  <p:clrMapOvr>
+    <a:masterClrMapping/>
+  </p:clrMapOvr>
+  <p:timing>
+    <p:tnLst>
+      <p:par>
+        <p:cTn id="1" dur="indefinite" restart="never" nodeType="tmRoot"/>
+      </p:par>
+    </p:tnLst>
+  </p:timing>
+</p:sld>
+</file>
+
+<file path=ppt/slides/slide56.xml><?xml version="1.0" encoding="utf-8"?>
+<p:sld xmlns:a="http://schemas.openxmlformats.org/drawingml/2006/main" xmlns:r="http://schemas.openxmlformats.org/officeDocument/2006/relationships" xmlns:p="http://schemas.openxmlformats.org/presentationml/2006/main">
+  <p:cSld>
+    <p:spTree>
+      <p:nvGrpSpPr>
+        <p:cNvPr id="1" name=""/>
+        <p:cNvGrpSpPr/>
+        <p:nvPr/>
+      </p:nvGrpSpPr>
+      <p:grpSpPr>
+        <a:xfrm>
+          <a:off x="0" y="0"/>
+          <a:ext cx="0" cy="0"/>
+          <a:chOff x="0" y="0"/>
+          <a:chExt cx="0" cy="0"/>
+        </a:xfrm>
+      </p:grpSpPr>
+      <p:sp>
+        <p:nvSpPr>
+          <p:cNvPr id="2" name="Title 1"/>
+          <p:cNvSpPr>
+            <a:spLocks noGrp="1"/>
+          </p:cNvSpPr>
+          <p:nvPr>
+            <p:ph type="title"/>
+          </p:nvPr>
+        </p:nvSpPr>
+        <p:spPr/>
+        <p:txBody>
+          <a:bodyPr>
+            <a:normAutofit fontScale="90000"/>
+          </a:bodyPr>
+          <a:lstStyle/>
+          <a:p>
+            <a:r>
+              <a:rPr lang="fr-FR" dirty="0" err="1"/>
+              <a:t>Helpers</a:t>
+            </a:r>
+            <a:r>
+              <a:rPr lang="fr-FR" dirty="0"/>
+              <a:t> &amp; </a:t>
+            </a:r>
+            <a:r>
+              <a:rPr lang="fr-FR" dirty="0" err="1"/>
+              <a:t>Converters</a:t>
+            </a:r>
+            <a:r>
+              <a:rPr lang="fr-FR" dirty="0"/>
+              <a:t> : </a:t>
+            </a:r>
+            <a:r>
+              <a:rPr lang="en-US" dirty="0" smtClean="0"/>
+              <a:t>custom error </a:t>
+            </a:r>
+            <a:r>
+              <a:rPr lang="en-US" dirty="0" err="1" smtClean="0"/>
+              <a:t>config</a:t>
+            </a:r>
+            <a:r>
+              <a:rPr lang="en-US" dirty="0" smtClean="0"/>
+              <a:t> section</a:t>
+            </a:r>
+            <a:endParaRPr lang="fr-FR" dirty="0"/>
+          </a:p>
+        </p:txBody>
+      </p:sp>
+      <p:pic>
+        <p:nvPicPr>
+          <p:cNvPr id="7" name="Picture 6"/>
+          <p:cNvPicPr>
+            <a:picLocks noChangeAspect="1"/>
+          </p:cNvPicPr>
+          <p:nvPr/>
+        </p:nvPicPr>
+        <p:blipFill>
+          <a:blip r:embed="rId2"/>
+          <a:stretch>
+            <a:fillRect/>
+          </a:stretch>
+        </p:blipFill>
+        <p:spPr>
+          <a:xfrm>
+            <a:off x="1350322" y="1256624"/>
+            <a:ext cx="6443356" cy="4765847"/>
+          </a:xfrm>
+          <a:prstGeom prst="rect">
+            <a:avLst/>
+          </a:prstGeom>
+        </p:spPr>
+      </p:pic>
+    </p:spTree>
+    <p:extLst>
+      <p:ext uri="{BB962C8B-B14F-4D97-AF65-F5344CB8AC3E}">
+        <p14:creationId xmlns:p14="http://schemas.microsoft.com/office/powerpoint/2010/main" val="2971399991"/>
+      </p:ext>
+    </p:extLst>
+  </p:cSld>
+  <p:clrMapOvr>
+    <a:masterClrMapping/>
+  </p:clrMapOvr>
+  <p:timing>
+    <p:tnLst>
+      <p:par>
+        <p:cTn id="1" dur="indefinite" restart="never" nodeType="tmRoot"/>
+      </p:par>
+    </p:tnLst>
+  </p:timing>
+</p:sld>
+</file>
+
+<file path=ppt/slides/slide57.xml><?xml version="1.0" encoding="utf-8"?>
+<p:sld xmlns:a="http://schemas.openxmlformats.org/drawingml/2006/main" xmlns:r="http://schemas.openxmlformats.org/officeDocument/2006/relationships" xmlns:p="http://schemas.openxmlformats.org/presentationml/2006/main">
+  <p:cSld>
+    <p:spTree>
+      <p:nvGrpSpPr>
+        <p:cNvPr id="1" name=""/>
+        <p:cNvGrpSpPr/>
+        <p:nvPr/>
+      </p:nvGrpSpPr>
+      <p:grpSpPr>
+        <a:xfrm>
+          <a:off x="0" y="0"/>
+          <a:ext cx="0" cy="0"/>
+          <a:chOff x="0" y="0"/>
+          <a:chExt cx="0" cy="0"/>
+        </a:xfrm>
+      </p:grpSpPr>
+      <p:sp>
+        <p:nvSpPr>
+          <p:cNvPr id="2" name="Title 1"/>
+          <p:cNvSpPr>
+            <a:spLocks noGrp="1"/>
+          </p:cNvSpPr>
+          <p:nvPr>
+            <p:ph type="title"/>
+          </p:nvPr>
+        </p:nvSpPr>
+        <p:spPr/>
+        <p:txBody>
           <a:bodyPr/>
           <a:lstStyle/>
           <a:p>
@@ -14208,7 +15117,7 @@
         </p:nvSpPr>
         <p:spPr>
           <a:xfrm>
-            <a:off x="533400" y="1287598"/>
+            <a:off x="533400" y="1625350"/>
             <a:ext cx="8229600" cy="486389"/>
           </a:xfrm>
         </p:spPr>
@@ -14461,7 +15370,7 @@
 </p:sld>
 </file>
 
-<file path=ppt/slides/slide54.xml><?xml version="1.0" encoding="utf-8"?>
+<file path=ppt/slides/slide58.xml><?xml version="1.0" encoding="utf-8"?>
 <p:sld xmlns:a="http://schemas.openxmlformats.org/drawingml/2006/main" xmlns:r="http://schemas.openxmlformats.org/officeDocument/2006/relationships" xmlns:p="http://schemas.openxmlformats.org/presentationml/2006/main">
   <p:cSld>
     <p:spTree>
@@ -14581,7 +15490,7 @@
 </p:sld>
 </file>
 
-<file path=ppt/slides/slide55.xml><?xml version="1.0" encoding="utf-8"?>
+<file path=ppt/slides/slide59.xml><?xml version="1.0" encoding="utf-8"?>
 <p:sld xmlns:a="http://schemas.openxmlformats.org/drawingml/2006/main" xmlns:r="http://schemas.openxmlformats.org/officeDocument/2006/relationships" xmlns:p="http://schemas.openxmlformats.org/presentationml/2006/main">
   <p:cSld>
     <p:spTree>
@@ -14755,7 +15664,7 @@
         </p:nvSpPr>
         <p:spPr>
           <a:xfrm>
-            <a:off x="1421025" y="5219263"/>
+            <a:off x="1676400" y="4560235"/>
             <a:ext cx="2611395" cy="584775"/>
           </a:xfrm>
           <a:prstGeom prst="rect">
@@ -14848,7 +15757,7 @@
         </p:nvSpPr>
         <p:spPr>
           <a:xfrm>
-            <a:off x="4135394" y="3115913"/>
+            <a:off x="3632886" y="3262113"/>
             <a:ext cx="3163331" cy="338554"/>
           </a:xfrm>
           <a:prstGeom prst="rect">
@@ -14912,7 +15821,7 @@
         </p:nvSpPr>
         <p:spPr>
           <a:xfrm>
-            <a:off x="5791198" y="5689080"/>
+            <a:off x="4646138" y="5350526"/>
             <a:ext cx="2290119" cy="338554"/>
           </a:xfrm>
           <a:prstGeom prst="rect">
@@ -14948,7 +15857,7 @@
         </p:nvSpPr>
         <p:spPr>
           <a:xfrm>
-            <a:off x="5016841" y="4280981"/>
+            <a:off x="5993027" y="4221681"/>
             <a:ext cx="2611395" cy="338554"/>
           </a:xfrm>
           <a:prstGeom prst="rect">
@@ -15290,50 +16199,6 @@
           </a:p>
         </p:txBody>
       </p:sp>
-      <p:sp>
-        <p:nvSpPr>
-          <p:cNvPr id="17" name="Right Arrow 16"/>
-          <p:cNvSpPr/>
-          <p:nvPr/>
-        </p:nvSpPr>
-        <p:spPr>
-          <a:xfrm flipH="1">
-            <a:off x="1013252" y="4119253"/>
-            <a:ext cx="939115" cy="543697"/>
-          </a:xfrm>
-          <a:prstGeom prst="rightArrow">
-            <a:avLst/>
-          </a:prstGeom>
-          <a:ln/>
-        </p:spPr>
-        <p:style>
-          <a:lnRef idx="2">
-            <a:schemeClr val="accent3"/>
-          </a:lnRef>
-          <a:fillRef idx="1">
-            <a:schemeClr val="lt1"/>
-          </a:fillRef>
-          <a:effectRef idx="0">
-            <a:schemeClr val="accent3"/>
-          </a:effectRef>
-          <a:fontRef idx="minor">
-            <a:schemeClr val="dk1"/>
-          </a:fontRef>
-        </p:style>
-        <p:txBody>
-          <a:bodyPr rot="0" spcFirstLastPara="0" vertOverflow="overflow" horzOverflow="overflow" vert="horz" wrap="square" lIns="91440" tIns="45720" rIns="91440" bIns="45720" numCol="1" spcCol="0" rtlCol="0" fromWordArt="0" anchor="ctr" anchorCtr="0" forceAA="0" compatLnSpc="1">
-            <a:prstTxWarp prst="textNoShape">
-              <a:avLst/>
-            </a:prstTxWarp>
-            <a:noAutofit/>
-          </a:bodyPr>
-          <a:lstStyle/>
-          <a:p>
-            <a:pPr algn="ctr"/>
-            <a:endParaRPr lang="fr-FR"/>
-          </a:p>
-        </p:txBody>
-      </p:sp>
       <p:pic>
         <p:nvPicPr>
           <p:cNvPr id="13" name="Picture 4" descr="https://pixabay.com/static/uploads/photo/2013/07/13/01/22/explosion-155624_640.png"/>
@@ -15445,11 +16310,7 @@
             </a:pPr>
             <a:r>
               <a:rPr lang="en-US" sz="2800" dirty="0" smtClean="0"/>
-              <a:t>Client </a:t>
-            </a:r>
-            <a:r>
-              <a:rPr lang="en-US" sz="2800" dirty="0" smtClean="0"/>
-              <a:t>input errors </a:t>
+              <a:t>Client input errors </a:t>
             </a:r>
             <a:r>
               <a:rPr lang="en-US" sz="2800" dirty="0"/>
@@ -15598,51 +16459,6 @@
                       </p:childTnLst>
                     </p:cTn>
                   </p:par>
-                  <p:par>
-                    <p:cTn id="13" fill="hold">
-                      <p:stCondLst>
-                        <p:cond delay="indefinite"/>
-                      </p:stCondLst>
-                      <p:childTnLst>
-                        <p:par>
-                          <p:cTn id="14" fill="hold">
-                            <p:stCondLst>
-                              <p:cond delay="0"/>
-                            </p:stCondLst>
-                            <p:childTnLst>
-                              <p:par>
-                                <p:cTn id="15" presetID="1" presetClass="entr" presetSubtype="0" fill="hold" grpId="0" nodeType="clickEffect">
-                                  <p:stCondLst>
-                                    <p:cond delay="0"/>
-                                  </p:stCondLst>
-                                  <p:childTnLst>
-                                    <p:set>
-                                      <p:cBhvr>
-                                        <p:cTn id="16" dur="1" fill="hold">
-                                          <p:stCondLst>
-                                            <p:cond delay="0"/>
-                                          </p:stCondLst>
-                                        </p:cTn>
-                                        <p:tgtEl>
-                                          <p:spTgt spid="17"/>
-                                        </p:tgtEl>
-                                        <p:attrNameLst>
-                                          <p:attrName>style.visibility</p:attrName>
-                                        </p:attrNameLst>
-                                      </p:cBhvr>
-                                      <p:to>
-                                        <p:strVal val="visible"/>
-                                      </p:to>
-                                    </p:set>
-                                  </p:childTnLst>
-                                </p:cTn>
-                              </p:par>
-                            </p:childTnLst>
-                          </p:cTn>
-                        </p:par>
-                      </p:childTnLst>
-                    </p:cTn>
-                  </p:par>
                 </p:childTnLst>
               </p:cTn>
               <p:prevCondLst>
@@ -15666,7 +16482,6 @@
     </p:tnLst>
     <p:bldLst>
       <p:bldP spid="12" grpId="0" animBg="1"/>
-      <p:bldP spid="17" grpId="0" animBg="1"/>
       <p:bldP spid="18" grpId="0"/>
     </p:bldLst>
   </p:timing>
@@ -15740,57 +16555,43 @@
                 <a:latin typeface="Century Gothic"/>
                 <a:cs typeface="Century Gothic"/>
               </a:rPr>
-              <a:t>Endpoint not </a:t>
-            </a:r>
+              <a:t>Endpoint not found</a:t>
+            </a:r>
+            <a:endParaRPr lang="fr-FR" dirty="0" smtClean="0">
+              <a:latin typeface="Century Gothic"/>
+              <a:cs typeface="Century Gothic"/>
+            </a:endParaRPr>
+          </a:p>
+        </p:txBody>
+      </p:sp>
+      <p:sp>
+        <p:nvSpPr>
+          <p:cNvPr id="5" name="TextBox 4"/>
+          <p:cNvSpPr txBox="1"/>
+          <p:nvPr/>
+        </p:nvSpPr>
+        <p:spPr>
+          <a:xfrm>
+            <a:off x="3212756" y="2901125"/>
+            <a:ext cx="2448698" cy="369332"/>
+          </a:xfrm>
+          <a:prstGeom prst="rect">
+            <a:avLst/>
+          </a:prstGeom>
+          <a:noFill/>
+        </p:spPr>
+        <p:txBody>
+          <a:bodyPr wrap="square" rtlCol="0">
+            <a:spAutoFit/>
+          </a:bodyPr>
+          <a:lstStyle/>
+          <a:p>
             <a:r>
               <a:rPr lang="en-US" dirty="0" smtClean="0">
                 <a:latin typeface="Century Gothic"/>
                 <a:cs typeface="Century Gothic"/>
               </a:rPr>
-              <a:t>found</a:t>
-            </a:r>
-            <a:endParaRPr lang="fr-FR" dirty="0" smtClean="0">
-              <a:latin typeface="Century Gothic"/>
-              <a:cs typeface="Century Gothic"/>
-            </a:endParaRPr>
-          </a:p>
-        </p:txBody>
-      </p:sp>
-      <p:sp>
-        <p:nvSpPr>
-          <p:cNvPr id="5" name="TextBox 4"/>
-          <p:cNvSpPr txBox="1"/>
-          <p:nvPr/>
-        </p:nvSpPr>
-        <p:spPr>
-          <a:xfrm>
-            <a:off x="3212756" y="2901125"/>
-            <a:ext cx="2448698" cy="369332"/>
-          </a:xfrm>
-          <a:prstGeom prst="rect">
-            <a:avLst/>
-          </a:prstGeom>
-          <a:noFill/>
-        </p:spPr>
-        <p:txBody>
-          <a:bodyPr wrap="square" rtlCol="0">
-            <a:spAutoFit/>
-          </a:bodyPr>
-          <a:lstStyle/>
-          <a:p>
-            <a:r>
-              <a:rPr lang="en-US" dirty="0" smtClean="0">
-                <a:latin typeface="Century Gothic"/>
-                <a:cs typeface="Century Gothic"/>
-              </a:rPr>
-              <a:t>Wrong </a:t>
-            </a:r>
-            <a:r>
-              <a:rPr lang="en-US" dirty="0" smtClean="0">
-                <a:latin typeface="Century Gothic"/>
-                <a:cs typeface="Century Gothic"/>
-              </a:rPr>
-              <a:t>input</a:t>
+              <a:t>Wrong input</a:t>
             </a:r>
             <a:endParaRPr lang="fr-FR" dirty="0" smtClean="0">
               <a:latin typeface="Century Gothic"/>
@@ -16273,50 +17074,6 @@
           </a:p>
         </p:txBody>
       </p:sp>
-      <p:sp>
-        <p:nvSpPr>
-          <p:cNvPr id="17" name="Right Arrow 16"/>
-          <p:cNvSpPr/>
-          <p:nvPr/>
-        </p:nvSpPr>
-        <p:spPr>
-          <a:xfrm flipH="1">
-            <a:off x="1013253" y="4341679"/>
-            <a:ext cx="4734698" cy="543697"/>
-          </a:xfrm>
-          <a:prstGeom prst="rightArrow">
-            <a:avLst/>
-          </a:prstGeom>
-          <a:ln/>
-        </p:spPr>
-        <p:style>
-          <a:lnRef idx="2">
-            <a:schemeClr val="accent3"/>
-          </a:lnRef>
-          <a:fillRef idx="1">
-            <a:schemeClr val="lt1"/>
-          </a:fillRef>
-          <a:effectRef idx="0">
-            <a:schemeClr val="accent3"/>
-          </a:effectRef>
-          <a:fontRef idx="minor">
-            <a:schemeClr val="dk1"/>
-          </a:fontRef>
-        </p:style>
-        <p:txBody>
-          <a:bodyPr rot="0" spcFirstLastPara="0" vertOverflow="overflow" horzOverflow="overflow" vert="horz" wrap="square" lIns="91440" tIns="45720" rIns="91440" bIns="45720" numCol="1" spcCol="0" rtlCol="0" fromWordArt="0" anchor="ctr" anchorCtr="0" forceAA="0" compatLnSpc="1">
-            <a:prstTxWarp prst="textNoShape">
-              <a:avLst/>
-            </a:prstTxWarp>
-            <a:noAutofit/>
-          </a:bodyPr>
-          <a:lstStyle/>
-          <a:p>
-            <a:pPr algn="ctr"/>
-            <a:endParaRPr lang="fr-FR"/>
-          </a:p>
-        </p:txBody>
-      </p:sp>
       <p:pic>
         <p:nvPicPr>
           <p:cNvPr id="13" name="Picture 4" descr="https://pixabay.com/static/uploads/photo/2013/07/13/01/22/explosion-155624_640.png"/>
@@ -16428,11 +17185,7 @@
             </a:pPr>
             <a:r>
               <a:rPr lang="en-US" sz="2800" dirty="0" smtClean="0"/>
-              <a:t>Client </a:t>
-            </a:r>
-            <a:r>
-              <a:rPr lang="en-US" sz="2800" dirty="0" smtClean="0"/>
-              <a:t>business </a:t>
+              <a:t>Client business </a:t>
             </a:r>
             <a:r>
               <a:rPr lang="en-US" sz="2800" dirty="0"/>
@@ -16646,84 +17399,21 @@
                                   </p:childTnLst>
                                 </p:cTn>
                               </p:par>
-                            </p:childTnLst>
-                          </p:cTn>
-                        </p:par>
-                      </p:childTnLst>
-                    </p:cTn>
-                  </p:par>
-                  <p:par>
-                    <p:cTn id="19" fill="hold">
-                      <p:stCondLst>
-                        <p:cond delay="indefinite"/>
-                      </p:stCondLst>
-                      <p:childTnLst>
-                        <p:par>
-                          <p:cTn id="20" fill="hold">
-                            <p:stCondLst>
-                              <p:cond delay="0"/>
-                            </p:stCondLst>
-                            <p:childTnLst>
                               <p:par>
-                                <p:cTn id="21" presetID="1" presetClass="entr" presetSubtype="0" fill="hold" grpId="0" nodeType="clickEffect">
+                                <p:cTn id="19" presetID="1" presetClass="entr" presetSubtype="0" fill="hold" grpId="0" nodeType="withEffect">
                                   <p:stCondLst>
                                     <p:cond delay="0"/>
                                   </p:stCondLst>
                                   <p:childTnLst>
                                     <p:set>
                                       <p:cBhvr>
-                                        <p:cTn id="22" dur="1" fill="hold">
+                                        <p:cTn id="20" dur="1" fill="hold">
                                           <p:stCondLst>
                                             <p:cond delay="0"/>
                                           </p:stCondLst>
                                         </p:cTn>
                                         <p:tgtEl>
                                           <p:spTgt spid="18"/>
-                                        </p:tgtEl>
-                                        <p:attrNameLst>
-                                          <p:attrName>style.visibility</p:attrName>
-                                        </p:attrNameLst>
-                                      </p:cBhvr>
-                                      <p:to>
-                                        <p:strVal val="visible"/>
-                                      </p:to>
-                                    </p:set>
-                                  </p:childTnLst>
-                                </p:cTn>
-                              </p:par>
-                            </p:childTnLst>
-                          </p:cTn>
-                        </p:par>
-                      </p:childTnLst>
-                    </p:cTn>
-                  </p:par>
-                  <p:par>
-                    <p:cTn id="23" fill="hold">
-                      <p:stCondLst>
-                        <p:cond delay="indefinite"/>
-                      </p:stCondLst>
-                      <p:childTnLst>
-                        <p:par>
-                          <p:cTn id="24" fill="hold">
-                            <p:stCondLst>
-                              <p:cond delay="0"/>
-                            </p:stCondLst>
-                            <p:childTnLst>
-                              <p:par>
-                                <p:cTn id="25" presetID="1" presetClass="entr" presetSubtype="0" fill="hold" grpId="0" nodeType="clickEffect">
-                                  <p:stCondLst>
-                                    <p:cond delay="0"/>
-                                  </p:stCondLst>
-                                  <p:childTnLst>
-                                    <p:set>
-                                      <p:cBhvr>
-                                        <p:cTn id="26" dur="1" fill="hold">
-                                          <p:stCondLst>
-                                            <p:cond delay="0"/>
-                                          </p:stCondLst>
-                                        </p:cTn>
-                                        <p:tgtEl>
-                                          <p:spTgt spid="17"/>
                                         </p:tgtEl>
                                         <p:attrNameLst>
                                           <p:attrName>style.visibility</p:attrName>
@@ -16767,7 +17457,6 @@
       <p:bldP spid="12" grpId="0" animBg="1"/>
       <p:bldP spid="14" grpId="0" animBg="1"/>
       <p:bldP spid="16" grpId="0" animBg="1"/>
-      <p:bldP spid="17" grpId="0" animBg="1"/>
       <p:bldP spid="18" grpId="0"/>
     </p:bldLst>
   </p:timing>
